--- a/slides/teleskopy.pptx
+++ b/slides/teleskopy.pptx
@@ -1,39 +1,138 @@
 
 <file path=ppt/presentation.xml><?xml version="1.0" encoding="utf-8"?>
-<p:presentation xmlns:a="http://schemas.openxmlformats.org/drawingml/2006/main" xmlns:p="http://schemas.openxmlformats.org/presentationml/2006/main" xmlns:r="http://schemas.openxmlformats.org/officeDocument/2006/relationships">
+<p:presentation xmlns:a="http://schemas.openxmlformats.org/drawingml/2006/main" xmlns:r="http://schemas.openxmlformats.org/officeDocument/2006/relationships" xmlns:p="http://schemas.openxmlformats.org/presentationml/2006/main">
   <p:sldMasterIdLst>
-    <p:sldMasterId id="2147483648" r:id="rId2"/>
-    <p:sldMasterId id="2147483661" r:id="rId3"/>
-    <p:sldMasterId id="2147483674" r:id="rId4"/>
-    <p:sldMasterId id="2147483687" r:id="rId5"/>
+    <p:sldMasterId id="2147483648" r:id="rId1"/>
+    <p:sldMasterId id="2147483661" r:id="rId2"/>
+    <p:sldMasterId id="2147483674" r:id="rId3"/>
+    <p:sldMasterId id="2147483687" r:id="rId4"/>
   </p:sldMasterIdLst>
   <p:sldIdLst>
-    <p:sldId id="256" r:id="rId6"/>
-    <p:sldId id="257" r:id="rId7"/>
-    <p:sldId id="258" r:id="rId8"/>
-    <p:sldId id="259" r:id="rId9"/>
-    <p:sldId id="260" r:id="rId10"/>
-    <p:sldId id="261" r:id="rId11"/>
-    <p:sldId id="262" r:id="rId12"/>
-    <p:sldId id="263" r:id="rId13"/>
-    <p:sldId id="264" r:id="rId14"/>
-    <p:sldId id="265" r:id="rId15"/>
-    <p:sldId id="266" r:id="rId16"/>
+    <p:sldId id="256" r:id="rId5"/>
+    <p:sldId id="257" r:id="rId6"/>
+    <p:sldId id="258" r:id="rId7"/>
+    <p:sldId id="259" r:id="rId8"/>
+    <p:sldId id="260" r:id="rId9"/>
+    <p:sldId id="261" r:id="rId10"/>
+    <p:sldId id="262" r:id="rId11"/>
+    <p:sldId id="263" r:id="rId12"/>
+    <p:sldId id="264" r:id="rId13"/>
+    <p:sldId id="265" r:id="rId14"/>
+    <p:sldId id="266" r:id="rId15"/>
+    <p:sldId id="274" r:id="rId16"/>
     <p:sldId id="267" r:id="rId17"/>
     <p:sldId id="268" r:id="rId18"/>
     <p:sldId id="269" r:id="rId19"/>
     <p:sldId id="270" r:id="rId20"/>
-    <p:sldId id="271" r:id="rId21"/>
-    <p:sldId id="272" r:id="rId22"/>
-    <p:sldId id="273" r:id="rId23"/>
+    <p:sldId id="276" r:id="rId21"/>
+    <p:sldId id="275" r:id="rId22"/>
+    <p:sldId id="271" r:id="rId23"/>
+    <p:sldId id="272" r:id="rId24"/>
+    <p:sldId id="277" r:id="rId25"/>
+    <p:sldId id="273" r:id="rId26"/>
   </p:sldIdLst>
   <p:sldSz cx="10080625" cy="7559675"/>
   <p:notesSz cx="7772400" cy="10058400"/>
+  <p:defaultTextStyle>
+    <a:defPPr>
+      <a:defRPr lang="cs-CZ"/>
+    </a:defPPr>
+    <a:lvl1pPr marL="0" algn="l" defTabSz="914400" rtl="0" eaLnBrk="1" latinLnBrk="0" hangingPunct="1">
+      <a:defRPr sz="1800" kern="1200">
+        <a:solidFill>
+          <a:schemeClr val="tx1"/>
+        </a:solidFill>
+        <a:latin typeface="+mn-lt"/>
+        <a:ea typeface="+mn-ea"/>
+        <a:cs typeface="+mn-cs"/>
+      </a:defRPr>
+    </a:lvl1pPr>
+    <a:lvl2pPr marL="457200" algn="l" defTabSz="914400" rtl="0" eaLnBrk="1" latinLnBrk="0" hangingPunct="1">
+      <a:defRPr sz="1800" kern="1200">
+        <a:solidFill>
+          <a:schemeClr val="tx1"/>
+        </a:solidFill>
+        <a:latin typeface="+mn-lt"/>
+        <a:ea typeface="+mn-ea"/>
+        <a:cs typeface="+mn-cs"/>
+      </a:defRPr>
+    </a:lvl2pPr>
+    <a:lvl3pPr marL="914400" algn="l" defTabSz="914400" rtl="0" eaLnBrk="1" latinLnBrk="0" hangingPunct="1">
+      <a:defRPr sz="1800" kern="1200">
+        <a:solidFill>
+          <a:schemeClr val="tx1"/>
+        </a:solidFill>
+        <a:latin typeface="+mn-lt"/>
+        <a:ea typeface="+mn-ea"/>
+        <a:cs typeface="+mn-cs"/>
+      </a:defRPr>
+    </a:lvl3pPr>
+    <a:lvl4pPr marL="1371600" algn="l" defTabSz="914400" rtl="0" eaLnBrk="1" latinLnBrk="0" hangingPunct="1">
+      <a:defRPr sz="1800" kern="1200">
+        <a:solidFill>
+          <a:schemeClr val="tx1"/>
+        </a:solidFill>
+        <a:latin typeface="+mn-lt"/>
+        <a:ea typeface="+mn-ea"/>
+        <a:cs typeface="+mn-cs"/>
+      </a:defRPr>
+    </a:lvl4pPr>
+    <a:lvl5pPr marL="1828800" algn="l" defTabSz="914400" rtl="0" eaLnBrk="1" latinLnBrk="0" hangingPunct="1">
+      <a:defRPr sz="1800" kern="1200">
+        <a:solidFill>
+          <a:schemeClr val="tx1"/>
+        </a:solidFill>
+        <a:latin typeface="+mn-lt"/>
+        <a:ea typeface="+mn-ea"/>
+        <a:cs typeface="+mn-cs"/>
+      </a:defRPr>
+    </a:lvl5pPr>
+    <a:lvl6pPr marL="2286000" algn="l" defTabSz="914400" rtl="0" eaLnBrk="1" latinLnBrk="0" hangingPunct="1">
+      <a:defRPr sz="1800" kern="1200">
+        <a:solidFill>
+          <a:schemeClr val="tx1"/>
+        </a:solidFill>
+        <a:latin typeface="+mn-lt"/>
+        <a:ea typeface="+mn-ea"/>
+        <a:cs typeface="+mn-cs"/>
+      </a:defRPr>
+    </a:lvl6pPr>
+    <a:lvl7pPr marL="2743200" algn="l" defTabSz="914400" rtl="0" eaLnBrk="1" latinLnBrk="0" hangingPunct="1">
+      <a:defRPr sz="1800" kern="1200">
+        <a:solidFill>
+          <a:schemeClr val="tx1"/>
+        </a:solidFill>
+        <a:latin typeface="+mn-lt"/>
+        <a:ea typeface="+mn-ea"/>
+        <a:cs typeface="+mn-cs"/>
+      </a:defRPr>
+    </a:lvl7pPr>
+    <a:lvl8pPr marL="3200400" algn="l" defTabSz="914400" rtl="0" eaLnBrk="1" latinLnBrk="0" hangingPunct="1">
+      <a:defRPr sz="1800" kern="1200">
+        <a:solidFill>
+          <a:schemeClr val="tx1"/>
+        </a:solidFill>
+        <a:latin typeface="+mn-lt"/>
+        <a:ea typeface="+mn-ea"/>
+        <a:cs typeface="+mn-cs"/>
+      </a:defRPr>
+    </a:lvl8pPr>
+    <a:lvl9pPr marL="3657600" algn="l" defTabSz="914400" rtl="0" eaLnBrk="1" latinLnBrk="0" hangingPunct="1">
+      <a:defRPr sz="1800" kern="1200">
+        <a:solidFill>
+          <a:schemeClr val="tx1"/>
+        </a:solidFill>
+        <a:latin typeface="+mn-lt"/>
+        <a:ea typeface="+mn-ea"/>
+        <a:cs typeface="+mn-cs"/>
+      </a:defRPr>
+    </a:lvl9pPr>
+  </p:defaultTextStyle>
 </p:presentation>
 </file>
 
 <file path=ppt/slideLayouts/slideLayout1.xml><?xml version="1.0" encoding="utf-8"?>
-<p:sldLayout xmlns:a="http://schemas.openxmlformats.org/drawingml/2006/main" xmlns:p="http://schemas.openxmlformats.org/presentationml/2006/main" xmlns:r="http://schemas.openxmlformats.org/officeDocument/2006/relationships" type="blank" preserve="1">
+<p:sldLayout xmlns:a="http://schemas.openxmlformats.org/drawingml/2006/main" xmlns:r="http://schemas.openxmlformats.org/officeDocument/2006/relationships" xmlns:p="http://schemas.openxmlformats.org/presentationml/2006/main" type="blank" preserve="1">
   <p:cSld name="Blank Slide">
     <p:spTree>
       <p:nvGrpSpPr>
@@ -51,11 +150,14 @@
       </p:grpSpPr>
     </p:spTree>
   </p:cSld>
+  <p:clrMapOvr>
+    <a:masterClrMapping/>
+  </p:clrMapOvr>
 </p:sldLayout>
 </file>
 
 <file path=ppt/slideLayouts/slideLayout10.xml><?xml version="1.0" encoding="utf-8"?>
-<p:sldLayout xmlns:a="http://schemas.openxmlformats.org/drawingml/2006/main" xmlns:p="http://schemas.openxmlformats.org/presentationml/2006/main" xmlns:r="http://schemas.openxmlformats.org/officeDocument/2006/relationships" type="objOverTx" preserve="1">
+<p:sldLayout xmlns:a="http://schemas.openxmlformats.org/drawingml/2006/main" xmlns:r="http://schemas.openxmlformats.org/officeDocument/2006/relationships" xmlns:p="http://schemas.openxmlformats.org/presentationml/2006/main" type="objOverTx" preserve="1">
   <p:cSld name="Title, Content over Content">
     <p:spTree>
       <p:nvGrpSpPr>
@@ -91,7 +193,8 @@
           </a:prstGeom>
         </p:spPr>
         <p:txBody>
-          <a:bodyPr lIns="0" rIns="0" tIns="0" bIns="0" anchor="ctr"/>
+          <a:bodyPr lIns="0" tIns="0" rIns="0" bIns="0" anchor="ctr"/>
+          <a:lstStyle/>
           <a:p>
             <a:endParaRPr/>
           </a:p>
@@ -117,7 +220,8 @@
           </a:prstGeom>
         </p:spPr>
         <p:txBody>
-          <a:bodyPr lIns="0" rIns="0" tIns="0" bIns="0"/>
+          <a:bodyPr lIns="0" tIns="0" rIns="0" bIns="0"/>
+          <a:lstStyle/>
           <a:p>
             <a:endParaRPr/>
           </a:p>
@@ -143,7 +247,8 @@
           </a:prstGeom>
         </p:spPr>
         <p:txBody>
-          <a:bodyPr lIns="0" rIns="0" tIns="0" bIns="0"/>
+          <a:bodyPr lIns="0" tIns="0" rIns="0" bIns="0"/>
+          <a:lstStyle/>
           <a:p>
             <a:endParaRPr/>
           </a:p>
@@ -151,11 +256,14 @@
       </p:sp>
     </p:spTree>
   </p:cSld>
+  <p:clrMapOvr>
+    <a:masterClrMapping/>
+  </p:clrMapOvr>
 </p:sldLayout>
 </file>
 
 <file path=ppt/slideLayouts/slideLayout11.xml><?xml version="1.0" encoding="utf-8"?>
-<p:sldLayout xmlns:a="http://schemas.openxmlformats.org/drawingml/2006/main" xmlns:p="http://schemas.openxmlformats.org/presentationml/2006/main" xmlns:r="http://schemas.openxmlformats.org/officeDocument/2006/relationships" type="fourObj" preserve="1">
+<p:sldLayout xmlns:a="http://schemas.openxmlformats.org/drawingml/2006/main" xmlns:r="http://schemas.openxmlformats.org/officeDocument/2006/relationships" xmlns:p="http://schemas.openxmlformats.org/presentationml/2006/main" type="fourObj" preserve="1">
   <p:cSld name="Title, 4 Content">
     <p:spTree>
       <p:nvGrpSpPr>
@@ -191,7 +299,8 @@
           </a:prstGeom>
         </p:spPr>
         <p:txBody>
-          <a:bodyPr lIns="0" rIns="0" tIns="0" bIns="0" anchor="ctr"/>
+          <a:bodyPr lIns="0" tIns="0" rIns="0" bIns="0" anchor="ctr"/>
+          <a:lstStyle/>
           <a:p>
             <a:endParaRPr/>
           </a:p>
@@ -217,7 +326,8 @@
           </a:prstGeom>
         </p:spPr>
         <p:txBody>
-          <a:bodyPr lIns="0" rIns="0" tIns="0" bIns="0"/>
+          <a:bodyPr lIns="0" tIns="0" rIns="0" bIns="0"/>
+          <a:lstStyle/>
           <a:p>
             <a:endParaRPr/>
           </a:p>
@@ -243,7 +353,8 @@
           </a:prstGeom>
         </p:spPr>
         <p:txBody>
-          <a:bodyPr lIns="0" rIns="0" tIns="0" bIns="0"/>
+          <a:bodyPr lIns="0" tIns="0" rIns="0" bIns="0"/>
+          <a:lstStyle/>
           <a:p>
             <a:endParaRPr/>
           </a:p>
@@ -269,7 +380,8 @@
           </a:prstGeom>
         </p:spPr>
         <p:txBody>
-          <a:bodyPr lIns="0" rIns="0" tIns="0" bIns="0"/>
+          <a:bodyPr lIns="0" tIns="0" rIns="0" bIns="0"/>
+          <a:lstStyle/>
           <a:p>
             <a:endParaRPr/>
           </a:p>
@@ -295,7 +407,8 @@
           </a:prstGeom>
         </p:spPr>
         <p:txBody>
-          <a:bodyPr lIns="0" rIns="0" tIns="0" bIns="0"/>
+          <a:bodyPr lIns="0" tIns="0" rIns="0" bIns="0"/>
+          <a:lstStyle/>
           <a:p>
             <a:endParaRPr/>
           </a:p>
@@ -303,11 +416,14 @@
       </p:sp>
     </p:spTree>
   </p:cSld>
+  <p:clrMapOvr>
+    <a:masterClrMapping/>
+  </p:clrMapOvr>
 </p:sldLayout>
 </file>
 
 <file path=ppt/slideLayouts/slideLayout12.xml><?xml version="1.0" encoding="utf-8"?>
-<p:sldLayout xmlns:a="http://schemas.openxmlformats.org/drawingml/2006/main" xmlns:p="http://schemas.openxmlformats.org/presentationml/2006/main" xmlns:r="http://schemas.openxmlformats.org/officeDocument/2006/relationships" type="blank" preserve="1">
+<p:sldLayout xmlns:a="http://schemas.openxmlformats.org/drawingml/2006/main" xmlns:r="http://schemas.openxmlformats.org/officeDocument/2006/relationships" xmlns:p="http://schemas.openxmlformats.org/presentationml/2006/main" type="blank" preserve="1">
   <p:cSld name="Title, 6 Content">
     <p:spTree>
       <p:nvGrpSpPr>
@@ -343,7 +459,8 @@
           </a:prstGeom>
         </p:spPr>
         <p:txBody>
-          <a:bodyPr lIns="0" rIns="0" tIns="0" bIns="0" anchor="ctr"/>
+          <a:bodyPr lIns="0" tIns="0" rIns="0" bIns="0" anchor="ctr"/>
+          <a:lstStyle/>
           <a:p>
             <a:endParaRPr/>
           </a:p>
@@ -369,7 +486,8 @@
           </a:prstGeom>
         </p:spPr>
         <p:txBody>
-          <a:bodyPr lIns="0" rIns="0" tIns="0" bIns="0"/>
+          <a:bodyPr lIns="0" tIns="0" rIns="0" bIns="0"/>
+          <a:lstStyle/>
           <a:p>
             <a:endParaRPr/>
           </a:p>
@@ -395,7 +513,8 @@
           </a:prstGeom>
         </p:spPr>
         <p:txBody>
-          <a:bodyPr lIns="0" rIns="0" tIns="0" bIns="0"/>
+          <a:bodyPr lIns="0" tIns="0" rIns="0" bIns="0"/>
+          <a:lstStyle/>
           <a:p>
             <a:endParaRPr/>
           </a:p>
@@ -403,7 +522,7 @@
       </p:sp>
       <p:pic>
         <p:nvPicPr>
-          <p:cNvPr id="38" name="" descr=""/>
+          <p:cNvPr id="38" name="Obrázek 37"/>
           <p:cNvPicPr/>
           <p:nvPr/>
         </p:nvPicPr>
@@ -426,12 +545,12 @@
       </p:pic>
       <p:pic>
         <p:nvPicPr>
-          <p:cNvPr id="39" name="" descr=""/>
+          <p:cNvPr id="39" name="Obrázek 38"/>
           <p:cNvPicPr/>
           <p:nvPr/>
         </p:nvPicPr>
         <p:blipFill>
-          <a:blip r:embed="rId3"/>
+          <a:blip r:embed="rId2"/>
           <a:stretch/>
         </p:blipFill>
         <p:spPr>
@@ -449,11 +568,14 @@
       </p:pic>
     </p:spTree>
   </p:cSld>
+  <p:clrMapOvr>
+    <a:masterClrMapping/>
+  </p:clrMapOvr>
 </p:sldLayout>
 </file>
 
 <file path=ppt/slideLayouts/slideLayout13.xml><?xml version="1.0" encoding="utf-8"?>
-<p:sldLayout xmlns:a="http://schemas.openxmlformats.org/drawingml/2006/main" xmlns:p="http://schemas.openxmlformats.org/presentationml/2006/main" xmlns:r="http://schemas.openxmlformats.org/officeDocument/2006/relationships" type="blank" preserve="1">
+<p:sldLayout xmlns:a="http://schemas.openxmlformats.org/drawingml/2006/main" xmlns:r="http://schemas.openxmlformats.org/officeDocument/2006/relationships" xmlns:p="http://schemas.openxmlformats.org/presentationml/2006/main" type="blank" preserve="1">
   <p:cSld name="Blank Slide">
     <p:spTree>
       <p:nvGrpSpPr>
@@ -471,11 +593,14 @@
       </p:grpSpPr>
     </p:spTree>
   </p:cSld>
+  <p:clrMapOvr>
+    <a:masterClrMapping/>
+  </p:clrMapOvr>
 </p:sldLayout>
 </file>
 
 <file path=ppt/slideLayouts/slideLayout14.xml><?xml version="1.0" encoding="utf-8"?>
-<p:sldLayout xmlns:a="http://schemas.openxmlformats.org/drawingml/2006/main" xmlns:p="http://schemas.openxmlformats.org/presentationml/2006/main" xmlns:r="http://schemas.openxmlformats.org/officeDocument/2006/relationships" type="tx" preserve="1">
+<p:sldLayout xmlns:a="http://schemas.openxmlformats.org/drawingml/2006/main" xmlns:r="http://schemas.openxmlformats.org/officeDocument/2006/relationships" xmlns:p="http://schemas.openxmlformats.org/presentationml/2006/main" type="tx" preserve="1">
   <p:cSld name="Title Slide">
     <p:spTree>
       <p:nvGrpSpPr>
@@ -511,7 +636,8 @@
           </a:prstGeom>
         </p:spPr>
         <p:txBody>
-          <a:bodyPr lIns="0" rIns="0" tIns="0" bIns="0" anchor="ctr"/>
+          <a:bodyPr lIns="0" tIns="0" rIns="0" bIns="0" anchor="ctr"/>
+          <a:lstStyle/>
           <a:p>
             <a:endParaRPr/>
           </a:p>
@@ -537,7 +663,8 @@
           </a:prstGeom>
         </p:spPr>
         <p:txBody>
-          <a:bodyPr lIns="0" rIns="0" tIns="0" bIns="0" anchor="ctr"/>
+          <a:bodyPr lIns="0" tIns="0" rIns="0" bIns="0" anchor="ctr"/>
+          <a:lstStyle/>
           <a:p>
             <a:pPr algn="ctr"/>
             <a:endParaRPr/>
@@ -546,11 +673,14 @@
       </p:sp>
     </p:spTree>
   </p:cSld>
+  <p:clrMapOvr>
+    <a:masterClrMapping/>
+  </p:clrMapOvr>
 </p:sldLayout>
 </file>
 
 <file path=ppt/slideLayouts/slideLayout15.xml><?xml version="1.0" encoding="utf-8"?>
-<p:sldLayout xmlns:a="http://schemas.openxmlformats.org/drawingml/2006/main" xmlns:p="http://schemas.openxmlformats.org/presentationml/2006/main" xmlns:r="http://schemas.openxmlformats.org/officeDocument/2006/relationships" type="obj" preserve="1">
+<p:sldLayout xmlns:a="http://schemas.openxmlformats.org/drawingml/2006/main" xmlns:r="http://schemas.openxmlformats.org/officeDocument/2006/relationships" xmlns:p="http://schemas.openxmlformats.org/presentationml/2006/main" type="obj" preserve="1">
   <p:cSld name="Title, Content">
     <p:spTree>
       <p:nvGrpSpPr>
@@ -586,7 +716,8 @@
           </a:prstGeom>
         </p:spPr>
         <p:txBody>
-          <a:bodyPr lIns="0" rIns="0" tIns="0" bIns="0" anchor="ctr"/>
+          <a:bodyPr lIns="0" tIns="0" rIns="0" bIns="0" anchor="ctr"/>
+          <a:lstStyle/>
           <a:p>
             <a:endParaRPr/>
           </a:p>
@@ -612,7 +743,8 @@
           </a:prstGeom>
         </p:spPr>
         <p:txBody>
-          <a:bodyPr lIns="0" rIns="0" tIns="0" bIns="0"/>
+          <a:bodyPr lIns="0" tIns="0" rIns="0" bIns="0"/>
+          <a:lstStyle/>
           <a:p>
             <a:endParaRPr/>
           </a:p>
@@ -620,11 +752,14 @@
       </p:sp>
     </p:spTree>
   </p:cSld>
+  <p:clrMapOvr>
+    <a:masterClrMapping/>
+  </p:clrMapOvr>
 </p:sldLayout>
 </file>
 
 <file path=ppt/slideLayouts/slideLayout16.xml><?xml version="1.0" encoding="utf-8"?>
-<p:sldLayout xmlns:a="http://schemas.openxmlformats.org/drawingml/2006/main" xmlns:p="http://schemas.openxmlformats.org/presentationml/2006/main" xmlns:r="http://schemas.openxmlformats.org/officeDocument/2006/relationships" type="twoObj" preserve="1">
+<p:sldLayout xmlns:a="http://schemas.openxmlformats.org/drawingml/2006/main" xmlns:r="http://schemas.openxmlformats.org/officeDocument/2006/relationships" xmlns:p="http://schemas.openxmlformats.org/presentationml/2006/main" type="twoObj" preserve="1">
   <p:cSld name="Title, 2 Content">
     <p:spTree>
       <p:nvGrpSpPr>
@@ -660,7 +795,8 @@
           </a:prstGeom>
         </p:spPr>
         <p:txBody>
-          <a:bodyPr lIns="0" rIns="0" tIns="0" bIns="0" anchor="ctr"/>
+          <a:bodyPr lIns="0" tIns="0" rIns="0" bIns="0" anchor="ctr"/>
+          <a:lstStyle/>
           <a:p>
             <a:endParaRPr/>
           </a:p>
@@ -686,7 +822,8 @@
           </a:prstGeom>
         </p:spPr>
         <p:txBody>
-          <a:bodyPr lIns="0" rIns="0" tIns="0" bIns="0"/>
+          <a:bodyPr lIns="0" tIns="0" rIns="0" bIns="0"/>
+          <a:lstStyle/>
           <a:p>
             <a:endParaRPr/>
           </a:p>
@@ -712,7 +849,8 @@
           </a:prstGeom>
         </p:spPr>
         <p:txBody>
-          <a:bodyPr lIns="0" rIns="0" tIns="0" bIns="0"/>
+          <a:bodyPr lIns="0" tIns="0" rIns="0" bIns="0"/>
+          <a:lstStyle/>
           <a:p>
             <a:endParaRPr/>
           </a:p>
@@ -720,11 +858,14 @@
       </p:sp>
     </p:spTree>
   </p:cSld>
+  <p:clrMapOvr>
+    <a:masterClrMapping/>
+  </p:clrMapOvr>
 </p:sldLayout>
 </file>
 
 <file path=ppt/slideLayouts/slideLayout17.xml><?xml version="1.0" encoding="utf-8"?>
-<p:sldLayout xmlns:a="http://schemas.openxmlformats.org/drawingml/2006/main" xmlns:p="http://schemas.openxmlformats.org/presentationml/2006/main" xmlns:r="http://schemas.openxmlformats.org/officeDocument/2006/relationships" type="titleOnly" preserve="1">
+<p:sldLayout xmlns:a="http://schemas.openxmlformats.org/drawingml/2006/main" xmlns:r="http://schemas.openxmlformats.org/officeDocument/2006/relationships" xmlns:p="http://schemas.openxmlformats.org/presentationml/2006/main" type="titleOnly" preserve="1">
   <p:cSld name="Title Only">
     <p:spTree>
       <p:nvGrpSpPr>
@@ -760,7 +901,8 @@
           </a:prstGeom>
         </p:spPr>
         <p:txBody>
-          <a:bodyPr lIns="0" rIns="0" tIns="0" bIns="0" anchor="ctr"/>
+          <a:bodyPr lIns="0" tIns="0" rIns="0" bIns="0" anchor="ctr"/>
+          <a:lstStyle/>
           <a:p>
             <a:endParaRPr/>
           </a:p>
@@ -768,11 +910,14 @@
       </p:sp>
     </p:spTree>
   </p:cSld>
+  <p:clrMapOvr>
+    <a:masterClrMapping/>
+  </p:clrMapOvr>
 </p:sldLayout>
 </file>
 
 <file path=ppt/slideLayouts/slideLayout18.xml><?xml version="1.0" encoding="utf-8"?>
-<p:sldLayout xmlns:a="http://schemas.openxmlformats.org/drawingml/2006/main" xmlns:p="http://schemas.openxmlformats.org/presentationml/2006/main" xmlns:r="http://schemas.openxmlformats.org/officeDocument/2006/relationships" type="objOnly" preserve="1">
+<p:sldLayout xmlns:a="http://schemas.openxmlformats.org/drawingml/2006/main" xmlns:r="http://schemas.openxmlformats.org/officeDocument/2006/relationships" xmlns:p="http://schemas.openxmlformats.org/presentationml/2006/main" type="objOnly" preserve="1">
   <p:cSld name="Centered Text">
     <p:spTree>
       <p:nvGrpSpPr>
@@ -808,7 +953,8 @@
           </a:prstGeom>
         </p:spPr>
         <p:txBody>
-          <a:bodyPr lIns="0" rIns="0" tIns="0" bIns="0" anchor="ctr"/>
+          <a:bodyPr lIns="0" tIns="0" rIns="0" bIns="0" anchor="ctr"/>
+          <a:lstStyle/>
           <a:p>
             <a:pPr algn="ctr"/>
             <a:endParaRPr/>
@@ -817,11 +963,14 @@
       </p:sp>
     </p:spTree>
   </p:cSld>
+  <p:clrMapOvr>
+    <a:masterClrMapping/>
+  </p:clrMapOvr>
 </p:sldLayout>
 </file>
 
 <file path=ppt/slideLayouts/slideLayout19.xml><?xml version="1.0" encoding="utf-8"?>
-<p:sldLayout xmlns:a="http://schemas.openxmlformats.org/drawingml/2006/main" xmlns:p="http://schemas.openxmlformats.org/presentationml/2006/main" xmlns:r="http://schemas.openxmlformats.org/officeDocument/2006/relationships" type="twoObjAndObj" preserve="1">
+<p:sldLayout xmlns:a="http://schemas.openxmlformats.org/drawingml/2006/main" xmlns:r="http://schemas.openxmlformats.org/officeDocument/2006/relationships" xmlns:p="http://schemas.openxmlformats.org/presentationml/2006/main" type="twoObjAndObj" preserve="1">
   <p:cSld name="Title, 2 Content and Content">
     <p:spTree>
       <p:nvGrpSpPr>
@@ -857,7 +1006,8 @@
           </a:prstGeom>
         </p:spPr>
         <p:txBody>
-          <a:bodyPr lIns="0" rIns="0" tIns="0" bIns="0" anchor="ctr"/>
+          <a:bodyPr lIns="0" tIns="0" rIns="0" bIns="0" anchor="ctr"/>
+          <a:lstStyle/>
           <a:p>
             <a:endParaRPr/>
           </a:p>
@@ -883,7 +1033,8 @@
           </a:prstGeom>
         </p:spPr>
         <p:txBody>
-          <a:bodyPr lIns="0" rIns="0" tIns="0" bIns="0"/>
+          <a:bodyPr lIns="0" tIns="0" rIns="0" bIns="0"/>
+          <a:lstStyle/>
           <a:p>
             <a:endParaRPr/>
           </a:p>
@@ -909,7 +1060,8 @@
           </a:prstGeom>
         </p:spPr>
         <p:txBody>
-          <a:bodyPr lIns="0" rIns="0" tIns="0" bIns="0"/>
+          <a:bodyPr lIns="0" tIns="0" rIns="0" bIns="0"/>
+          <a:lstStyle/>
           <a:p>
             <a:endParaRPr/>
           </a:p>
@@ -935,7 +1087,8 @@
           </a:prstGeom>
         </p:spPr>
         <p:txBody>
-          <a:bodyPr lIns="0" rIns="0" tIns="0" bIns="0"/>
+          <a:bodyPr lIns="0" tIns="0" rIns="0" bIns="0"/>
+          <a:lstStyle/>
           <a:p>
             <a:endParaRPr/>
           </a:p>
@@ -943,11 +1096,14 @@
       </p:sp>
     </p:spTree>
   </p:cSld>
+  <p:clrMapOvr>
+    <a:masterClrMapping/>
+  </p:clrMapOvr>
 </p:sldLayout>
 </file>
 
 <file path=ppt/slideLayouts/slideLayout2.xml><?xml version="1.0" encoding="utf-8"?>
-<p:sldLayout xmlns:a="http://schemas.openxmlformats.org/drawingml/2006/main" xmlns:p="http://schemas.openxmlformats.org/presentationml/2006/main" xmlns:r="http://schemas.openxmlformats.org/officeDocument/2006/relationships" type="tx" preserve="1">
+<p:sldLayout xmlns:a="http://schemas.openxmlformats.org/drawingml/2006/main" xmlns:r="http://schemas.openxmlformats.org/officeDocument/2006/relationships" xmlns:p="http://schemas.openxmlformats.org/presentationml/2006/main" type="tx" preserve="1">
   <p:cSld name="Title Slide">
     <p:spTree>
       <p:nvGrpSpPr>
@@ -983,7 +1139,8 @@
           </a:prstGeom>
         </p:spPr>
         <p:txBody>
-          <a:bodyPr lIns="0" rIns="0" tIns="0" bIns="0" anchor="ctr"/>
+          <a:bodyPr lIns="0" tIns="0" rIns="0" bIns="0" anchor="ctr"/>
+          <a:lstStyle/>
           <a:p>
             <a:endParaRPr/>
           </a:p>
@@ -1009,7 +1166,8 @@
           </a:prstGeom>
         </p:spPr>
         <p:txBody>
-          <a:bodyPr lIns="0" rIns="0" tIns="0" bIns="0" anchor="ctr"/>
+          <a:bodyPr lIns="0" tIns="0" rIns="0" bIns="0" anchor="ctr"/>
+          <a:lstStyle/>
           <a:p>
             <a:pPr algn="ctr"/>
             <a:endParaRPr/>
@@ -1018,11 +1176,14 @@
       </p:sp>
     </p:spTree>
   </p:cSld>
+  <p:clrMapOvr>
+    <a:masterClrMapping/>
+  </p:clrMapOvr>
 </p:sldLayout>
 </file>
 
 <file path=ppt/slideLayouts/slideLayout20.xml><?xml version="1.0" encoding="utf-8"?>
-<p:sldLayout xmlns:a="http://schemas.openxmlformats.org/drawingml/2006/main" xmlns:p="http://schemas.openxmlformats.org/presentationml/2006/main" xmlns:r="http://schemas.openxmlformats.org/officeDocument/2006/relationships" type="objAndTwoObj" preserve="1">
+<p:sldLayout xmlns:a="http://schemas.openxmlformats.org/drawingml/2006/main" xmlns:r="http://schemas.openxmlformats.org/officeDocument/2006/relationships" xmlns:p="http://schemas.openxmlformats.org/presentationml/2006/main" type="objAndTwoObj" preserve="1">
   <p:cSld name="Title Content and 2 Content">
     <p:spTree>
       <p:nvGrpSpPr>
@@ -1058,7 +1219,8 @@
           </a:prstGeom>
         </p:spPr>
         <p:txBody>
-          <a:bodyPr lIns="0" rIns="0" tIns="0" bIns="0" anchor="ctr"/>
+          <a:bodyPr lIns="0" tIns="0" rIns="0" bIns="0" anchor="ctr"/>
+          <a:lstStyle/>
           <a:p>
             <a:endParaRPr/>
           </a:p>
@@ -1084,7 +1246,8 @@
           </a:prstGeom>
         </p:spPr>
         <p:txBody>
-          <a:bodyPr lIns="0" rIns="0" tIns="0" bIns="0"/>
+          <a:bodyPr lIns="0" tIns="0" rIns="0" bIns="0"/>
+          <a:lstStyle/>
           <a:p>
             <a:endParaRPr/>
           </a:p>
@@ -1110,7 +1273,8 @@
           </a:prstGeom>
         </p:spPr>
         <p:txBody>
-          <a:bodyPr lIns="0" rIns="0" tIns="0" bIns="0"/>
+          <a:bodyPr lIns="0" tIns="0" rIns="0" bIns="0"/>
+          <a:lstStyle/>
           <a:p>
             <a:endParaRPr/>
           </a:p>
@@ -1136,7 +1300,8 @@
           </a:prstGeom>
         </p:spPr>
         <p:txBody>
-          <a:bodyPr lIns="0" rIns="0" tIns="0" bIns="0"/>
+          <a:bodyPr lIns="0" tIns="0" rIns="0" bIns="0"/>
+          <a:lstStyle/>
           <a:p>
             <a:endParaRPr/>
           </a:p>
@@ -1144,11 +1309,14 @@
       </p:sp>
     </p:spTree>
   </p:cSld>
+  <p:clrMapOvr>
+    <a:masterClrMapping/>
+  </p:clrMapOvr>
 </p:sldLayout>
 </file>
 
 <file path=ppt/slideLayouts/slideLayout21.xml><?xml version="1.0" encoding="utf-8"?>
-<p:sldLayout xmlns:a="http://schemas.openxmlformats.org/drawingml/2006/main" xmlns:p="http://schemas.openxmlformats.org/presentationml/2006/main" xmlns:r="http://schemas.openxmlformats.org/officeDocument/2006/relationships" type="twoObjOverTx" preserve="1">
+<p:sldLayout xmlns:a="http://schemas.openxmlformats.org/drawingml/2006/main" xmlns:r="http://schemas.openxmlformats.org/officeDocument/2006/relationships" xmlns:p="http://schemas.openxmlformats.org/presentationml/2006/main" type="twoObjOverTx" preserve="1">
   <p:cSld name="Title, 2 Content over Content">
     <p:spTree>
       <p:nvGrpSpPr>
@@ -1184,7 +1352,8 @@
           </a:prstGeom>
         </p:spPr>
         <p:txBody>
-          <a:bodyPr lIns="0" rIns="0" tIns="0" bIns="0" anchor="ctr"/>
+          <a:bodyPr lIns="0" tIns="0" rIns="0" bIns="0" anchor="ctr"/>
+          <a:lstStyle/>
           <a:p>
             <a:endParaRPr/>
           </a:p>
@@ -1210,7 +1379,8 @@
           </a:prstGeom>
         </p:spPr>
         <p:txBody>
-          <a:bodyPr lIns="0" rIns="0" tIns="0" bIns="0"/>
+          <a:bodyPr lIns="0" tIns="0" rIns="0" bIns="0"/>
+          <a:lstStyle/>
           <a:p>
             <a:endParaRPr/>
           </a:p>
@@ -1236,7 +1406,8 @@
           </a:prstGeom>
         </p:spPr>
         <p:txBody>
-          <a:bodyPr lIns="0" rIns="0" tIns="0" bIns="0"/>
+          <a:bodyPr lIns="0" tIns="0" rIns="0" bIns="0"/>
+          <a:lstStyle/>
           <a:p>
             <a:endParaRPr/>
           </a:p>
@@ -1262,7 +1433,8 @@
           </a:prstGeom>
         </p:spPr>
         <p:txBody>
-          <a:bodyPr lIns="0" rIns="0" tIns="0" bIns="0"/>
+          <a:bodyPr lIns="0" tIns="0" rIns="0" bIns="0"/>
+          <a:lstStyle/>
           <a:p>
             <a:endParaRPr/>
           </a:p>
@@ -1270,11 +1442,14 @@
       </p:sp>
     </p:spTree>
   </p:cSld>
+  <p:clrMapOvr>
+    <a:masterClrMapping/>
+  </p:clrMapOvr>
 </p:sldLayout>
 </file>
 
 <file path=ppt/slideLayouts/slideLayout22.xml><?xml version="1.0" encoding="utf-8"?>
-<p:sldLayout xmlns:a="http://schemas.openxmlformats.org/drawingml/2006/main" xmlns:p="http://schemas.openxmlformats.org/presentationml/2006/main" xmlns:r="http://schemas.openxmlformats.org/officeDocument/2006/relationships" type="objOverTx" preserve="1">
+<p:sldLayout xmlns:a="http://schemas.openxmlformats.org/drawingml/2006/main" xmlns:r="http://schemas.openxmlformats.org/officeDocument/2006/relationships" xmlns:p="http://schemas.openxmlformats.org/presentationml/2006/main" type="objOverTx" preserve="1">
   <p:cSld name="Title, Content over Content">
     <p:spTree>
       <p:nvGrpSpPr>
@@ -1310,7 +1485,8 @@
           </a:prstGeom>
         </p:spPr>
         <p:txBody>
-          <a:bodyPr lIns="0" rIns="0" tIns="0" bIns="0" anchor="ctr"/>
+          <a:bodyPr lIns="0" tIns="0" rIns="0" bIns="0" anchor="ctr"/>
+          <a:lstStyle/>
           <a:p>
             <a:endParaRPr/>
           </a:p>
@@ -1336,7 +1512,8 @@
           </a:prstGeom>
         </p:spPr>
         <p:txBody>
-          <a:bodyPr lIns="0" rIns="0" tIns="0" bIns="0"/>
+          <a:bodyPr lIns="0" tIns="0" rIns="0" bIns="0"/>
+          <a:lstStyle/>
           <a:p>
             <a:endParaRPr/>
           </a:p>
@@ -1362,7 +1539,8 @@
           </a:prstGeom>
         </p:spPr>
         <p:txBody>
-          <a:bodyPr lIns="0" rIns="0" tIns="0" bIns="0"/>
+          <a:bodyPr lIns="0" tIns="0" rIns="0" bIns="0"/>
+          <a:lstStyle/>
           <a:p>
             <a:endParaRPr/>
           </a:p>
@@ -1370,11 +1548,14 @@
       </p:sp>
     </p:spTree>
   </p:cSld>
+  <p:clrMapOvr>
+    <a:masterClrMapping/>
+  </p:clrMapOvr>
 </p:sldLayout>
 </file>
 
 <file path=ppt/slideLayouts/slideLayout23.xml><?xml version="1.0" encoding="utf-8"?>
-<p:sldLayout xmlns:a="http://schemas.openxmlformats.org/drawingml/2006/main" xmlns:p="http://schemas.openxmlformats.org/presentationml/2006/main" xmlns:r="http://schemas.openxmlformats.org/officeDocument/2006/relationships" type="fourObj" preserve="1">
+<p:sldLayout xmlns:a="http://schemas.openxmlformats.org/drawingml/2006/main" xmlns:r="http://schemas.openxmlformats.org/officeDocument/2006/relationships" xmlns:p="http://schemas.openxmlformats.org/presentationml/2006/main" type="fourObj" preserve="1">
   <p:cSld name="Title, 4 Content">
     <p:spTree>
       <p:nvGrpSpPr>
@@ -1410,7 +1591,8 @@
           </a:prstGeom>
         </p:spPr>
         <p:txBody>
-          <a:bodyPr lIns="0" rIns="0" tIns="0" bIns="0" anchor="ctr"/>
+          <a:bodyPr lIns="0" tIns="0" rIns="0" bIns="0" anchor="ctr"/>
+          <a:lstStyle/>
           <a:p>
             <a:endParaRPr/>
           </a:p>
@@ -1436,7 +1618,8 @@
           </a:prstGeom>
         </p:spPr>
         <p:txBody>
-          <a:bodyPr lIns="0" rIns="0" tIns="0" bIns="0"/>
+          <a:bodyPr lIns="0" tIns="0" rIns="0" bIns="0"/>
+          <a:lstStyle/>
           <a:p>
             <a:endParaRPr/>
           </a:p>
@@ -1462,7 +1645,8 @@
           </a:prstGeom>
         </p:spPr>
         <p:txBody>
-          <a:bodyPr lIns="0" rIns="0" tIns="0" bIns="0"/>
+          <a:bodyPr lIns="0" tIns="0" rIns="0" bIns="0"/>
+          <a:lstStyle/>
           <a:p>
             <a:endParaRPr/>
           </a:p>
@@ -1488,7 +1672,8 @@
           </a:prstGeom>
         </p:spPr>
         <p:txBody>
-          <a:bodyPr lIns="0" rIns="0" tIns="0" bIns="0"/>
+          <a:bodyPr lIns="0" tIns="0" rIns="0" bIns="0"/>
+          <a:lstStyle/>
           <a:p>
             <a:endParaRPr/>
           </a:p>
@@ -1514,7 +1699,8 @@
           </a:prstGeom>
         </p:spPr>
         <p:txBody>
-          <a:bodyPr lIns="0" rIns="0" tIns="0" bIns="0"/>
+          <a:bodyPr lIns="0" tIns="0" rIns="0" bIns="0"/>
+          <a:lstStyle/>
           <a:p>
             <a:endParaRPr/>
           </a:p>
@@ -1522,11 +1708,14 @@
       </p:sp>
     </p:spTree>
   </p:cSld>
+  <p:clrMapOvr>
+    <a:masterClrMapping/>
+  </p:clrMapOvr>
 </p:sldLayout>
 </file>
 
 <file path=ppt/slideLayouts/slideLayout24.xml><?xml version="1.0" encoding="utf-8"?>
-<p:sldLayout xmlns:a="http://schemas.openxmlformats.org/drawingml/2006/main" xmlns:p="http://schemas.openxmlformats.org/presentationml/2006/main" xmlns:r="http://schemas.openxmlformats.org/officeDocument/2006/relationships" type="blank" preserve="1">
+<p:sldLayout xmlns:a="http://schemas.openxmlformats.org/drawingml/2006/main" xmlns:r="http://schemas.openxmlformats.org/officeDocument/2006/relationships" xmlns:p="http://schemas.openxmlformats.org/presentationml/2006/main" type="blank" preserve="1">
   <p:cSld name="Title, 6 Content">
     <p:spTree>
       <p:nvGrpSpPr>
@@ -1562,7 +1751,8 @@
           </a:prstGeom>
         </p:spPr>
         <p:txBody>
-          <a:bodyPr lIns="0" rIns="0" tIns="0" bIns="0" anchor="ctr"/>
+          <a:bodyPr lIns="0" tIns="0" rIns="0" bIns="0" anchor="ctr"/>
+          <a:lstStyle/>
           <a:p>
             <a:endParaRPr/>
           </a:p>
@@ -1588,7 +1778,8 @@
           </a:prstGeom>
         </p:spPr>
         <p:txBody>
-          <a:bodyPr lIns="0" rIns="0" tIns="0" bIns="0"/>
+          <a:bodyPr lIns="0" tIns="0" rIns="0" bIns="0"/>
+          <a:lstStyle/>
           <a:p>
             <a:endParaRPr/>
           </a:p>
@@ -1614,7 +1805,8 @@
           </a:prstGeom>
         </p:spPr>
         <p:txBody>
-          <a:bodyPr lIns="0" rIns="0" tIns="0" bIns="0"/>
+          <a:bodyPr lIns="0" tIns="0" rIns="0" bIns="0"/>
+          <a:lstStyle/>
           <a:p>
             <a:endParaRPr/>
           </a:p>
@@ -1622,7 +1814,7 @@
       </p:sp>
       <p:pic>
         <p:nvPicPr>
-          <p:cNvPr id="78" name="" descr=""/>
+          <p:cNvPr id="78" name="Obrázek 77"/>
           <p:cNvPicPr/>
           <p:nvPr/>
         </p:nvPicPr>
@@ -1645,12 +1837,12 @@
       </p:pic>
       <p:pic>
         <p:nvPicPr>
-          <p:cNvPr id="79" name="" descr=""/>
+          <p:cNvPr id="79" name="Obrázek 78"/>
           <p:cNvPicPr/>
           <p:nvPr/>
         </p:nvPicPr>
         <p:blipFill>
-          <a:blip r:embed="rId3"/>
+          <a:blip r:embed="rId2"/>
           <a:stretch/>
         </p:blipFill>
         <p:spPr>
@@ -1668,11 +1860,14 @@
       </p:pic>
     </p:spTree>
   </p:cSld>
+  <p:clrMapOvr>
+    <a:masterClrMapping/>
+  </p:clrMapOvr>
 </p:sldLayout>
 </file>
 
 <file path=ppt/slideLayouts/slideLayout25.xml><?xml version="1.0" encoding="utf-8"?>
-<p:sldLayout xmlns:a="http://schemas.openxmlformats.org/drawingml/2006/main" xmlns:p="http://schemas.openxmlformats.org/presentationml/2006/main" xmlns:r="http://schemas.openxmlformats.org/officeDocument/2006/relationships" type="blank" preserve="1">
+<p:sldLayout xmlns:a="http://schemas.openxmlformats.org/drawingml/2006/main" xmlns:r="http://schemas.openxmlformats.org/officeDocument/2006/relationships" xmlns:p="http://schemas.openxmlformats.org/presentationml/2006/main" type="blank" preserve="1">
   <p:cSld name="Blank Slide">
     <p:spTree>
       <p:nvGrpSpPr>
@@ -1690,11 +1885,14 @@
       </p:grpSpPr>
     </p:spTree>
   </p:cSld>
+  <p:clrMapOvr>
+    <a:masterClrMapping/>
+  </p:clrMapOvr>
 </p:sldLayout>
 </file>
 
 <file path=ppt/slideLayouts/slideLayout26.xml><?xml version="1.0" encoding="utf-8"?>
-<p:sldLayout xmlns:a="http://schemas.openxmlformats.org/drawingml/2006/main" xmlns:p="http://schemas.openxmlformats.org/presentationml/2006/main" xmlns:r="http://schemas.openxmlformats.org/officeDocument/2006/relationships" type="tx" preserve="1">
+<p:sldLayout xmlns:a="http://schemas.openxmlformats.org/drawingml/2006/main" xmlns:r="http://schemas.openxmlformats.org/officeDocument/2006/relationships" xmlns:p="http://schemas.openxmlformats.org/presentationml/2006/main" type="tx" preserve="1">
   <p:cSld name="Title Slide">
     <p:spTree>
       <p:nvGrpSpPr>
@@ -1730,7 +1928,8 @@
           </a:prstGeom>
         </p:spPr>
         <p:txBody>
-          <a:bodyPr lIns="0" rIns="0" tIns="0" bIns="0" anchor="ctr"/>
+          <a:bodyPr lIns="0" tIns="0" rIns="0" bIns="0" anchor="ctr"/>
+          <a:lstStyle/>
           <a:p>
             <a:endParaRPr/>
           </a:p>
@@ -1756,7 +1955,8 @@
           </a:prstGeom>
         </p:spPr>
         <p:txBody>
-          <a:bodyPr lIns="0" rIns="0" tIns="0" bIns="0" anchor="ctr"/>
+          <a:bodyPr lIns="0" tIns="0" rIns="0" bIns="0" anchor="ctr"/>
+          <a:lstStyle/>
           <a:p>
             <a:pPr algn="ctr"/>
             <a:endParaRPr/>
@@ -1765,11 +1965,14 @@
       </p:sp>
     </p:spTree>
   </p:cSld>
+  <p:clrMapOvr>
+    <a:masterClrMapping/>
+  </p:clrMapOvr>
 </p:sldLayout>
 </file>
 
 <file path=ppt/slideLayouts/slideLayout27.xml><?xml version="1.0" encoding="utf-8"?>
-<p:sldLayout xmlns:a="http://schemas.openxmlformats.org/drawingml/2006/main" xmlns:p="http://schemas.openxmlformats.org/presentationml/2006/main" xmlns:r="http://schemas.openxmlformats.org/officeDocument/2006/relationships" type="obj" preserve="1">
+<p:sldLayout xmlns:a="http://schemas.openxmlformats.org/drawingml/2006/main" xmlns:r="http://schemas.openxmlformats.org/officeDocument/2006/relationships" xmlns:p="http://schemas.openxmlformats.org/presentationml/2006/main" type="obj" preserve="1">
   <p:cSld name="Title, Content">
     <p:spTree>
       <p:nvGrpSpPr>
@@ -1805,7 +2008,8 @@
           </a:prstGeom>
         </p:spPr>
         <p:txBody>
-          <a:bodyPr lIns="0" rIns="0" tIns="0" bIns="0" anchor="ctr"/>
+          <a:bodyPr lIns="0" tIns="0" rIns="0" bIns="0" anchor="ctr"/>
+          <a:lstStyle/>
           <a:p>
             <a:endParaRPr/>
           </a:p>
@@ -1831,7 +2035,8 @@
           </a:prstGeom>
         </p:spPr>
         <p:txBody>
-          <a:bodyPr lIns="0" rIns="0" tIns="0" bIns="0"/>
+          <a:bodyPr lIns="0" tIns="0" rIns="0" bIns="0"/>
+          <a:lstStyle/>
           <a:p>
             <a:endParaRPr/>
           </a:p>
@@ -1839,11 +2044,14 @@
       </p:sp>
     </p:spTree>
   </p:cSld>
+  <p:clrMapOvr>
+    <a:masterClrMapping/>
+  </p:clrMapOvr>
 </p:sldLayout>
 </file>
 
 <file path=ppt/slideLayouts/slideLayout28.xml><?xml version="1.0" encoding="utf-8"?>
-<p:sldLayout xmlns:a="http://schemas.openxmlformats.org/drawingml/2006/main" xmlns:p="http://schemas.openxmlformats.org/presentationml/2006/main" xmlns:r="http://schemas.openxmlformats.org/officeDocument/2006/relationships" type="twoObj" preserve="1">
+<p:sldLayout xmlns:a="http://schemas.openxmlformats.org/drawingml/2006/main" xmlns:r="http://schemas.openxmlformats.org/officeDocument/2006/relationships" xmlns:p="http://schemas.openxmlformats.org/presentationml/2006/main" type="twoObj" preserve="1">
   <p:cSld name="Title, 2 Content">
     <p:spTree>
       <p:nvGrpSpPr>
@@ -1879,7 +2087,8 @@
           </a:prstGeom>
         </p:spPr>
         <p:txBody>
-          <a:bodyPr lIns="0" rIns="0" tIns="0" bIns="0" anchor="ctr"/>
+          <a:bodyPr lIns="0" tIns="0" rIns="0" bIns="0" anchor="ctr"/>
+          <a:lstStyle/>
           <a:p>
             <a:endParaRPr/>
           </a:p>
@@ -1905,7 +2114,8 @@
           </a:prstGeom>
         </p:spPr>
         <p:txBody>
-          <a:bodyPr lIns="0" rIns="0" tIns="0" bIns="0"/>
+          <a:bodyPr lIns="0" tIns="0" rIns="0" bIns="0"/>
+          <a:lstStyle/>
           <a:p>
             <a:endParaRPr/>
           </a:p>
@@ -1931,7 +2141,8 @@
           </a:prstGeom>
         </p:spPr>
         <p:txBody>
-          <a:bodyPr lIns="0" rIns="0" tIns="0" bIns="0"/>
+          <a:bodyPr lIns="0" tIns="0" rIns="0" bIns="0"/>
+          <a:lstStyle/>
           <a:p>
             <a:endParaRPr/>
           </a:p>
@@ -1939,11 +2150,14 @@
       </p:sp>
     </p:spTree>
   </p:cSld>
+  <p:clrMapOvr>
+    <a:masterClrMapping/>
+  </p:clrMapOvr>
 </p:sldLayout>
 </file>
 
 <file path=ppt/slideLayouts/slideLayout29.xml><?xml version="1.0" encoding="utf-8"?>
-<p:sldLayout xmlns:a="http://schemas.openxmlformats.org/drawingml/2006/main" xmlns:p="http://schemas.openxmlformats.org/presentationml/2006/main" xmlns:r="http://schemas.openxmlformats.org/officeDocument/2006/relationships" type="titleOnly" preserve="1">
+<p:sldLayout xmlns:a="http://schemas.openxmlformats.org/drawingml/2006/main" xmlns:r="http://schemas.openxmlformats.org/officeDocument/2006/relationships" xmlns:p="http://schemas.openxmlformats.org/presentationml/2006/main" type="titleOnly" preserve="1">
   <p:cSld name="Title Only">
     <p:spTree>
       <p:nvGrpSpPr>
@@ -1979,7 +2193,8 @@
           </a:prstGeom>
         </p:spPr>
         <p:txBody>
-          <a:bodyPr lIns="0" rIns="0" tIns="0" bIns="0" anchor="ctr"/>
+          <a:bodyPr lIns="0" tIns="0" rIns="0" bIns="0" anchor="ctr"/>
+          <a:lstStyle/>
           <a:p>
             <a:endParaRPr/>
           </a:p>
@@ -1987,11 +2202,14 @@
       </p:sp>
     </p:spTree>
   </p:cSld>
+  <p:clrMapOvr>
+    <a:masterClrMapping/>
+  </p:clrMapOvr>
 </p:sldLayout>
 </file>
 
 <file path=ppt/slideLayouts/slideLayout3.xml><?xml version="1.0" encoding="utf-8"?>
-<p:sldLayout xmlns:a="http://schemas.openxmlformats.org/drawingml/2006/main" xmlns:p="http://schemas.openxmlformats.org/presentationml/2006/main" xmlns:r="http://schemas.openxmlformats.org/officeDocument/2006/relationships" type="obj" preserve="1">
+<p:sldLayout xmlns:a="http://schemas.openxmlformats.org/drawingml/2006/main" xmlns:r="http://schemas.openxmlformats.org/officeDocument/2006/relationships" xmlns:p="http://schemas.openxmlformats.org/presentationml/2006/main" type="obj" preserve="1">
   <p:cSld name="Title, Content">
     <p:spTree>
       <p:nvGrpSpPr>
@@ -2027,7 +2245,8 @@
           </a:prstGeom>
         </p:spPr>
         <p:txBody>
-          <a:bodyPr lIns="0" rIns="0" tIns="0" bIns="0" anchor="ctr"/>
+          <a:bodyPr lIns="0" tIns="0" rIns="0" bIns="0" anchor="ctr"/>
+          <a:lstStyle/>
           <a:p>
             <a:endParaRPr/>
           </a:p>
@@ -2053,7 +2272,8 @@
           </a:prstGeom>
         </p:spPr>
         <p:txBody>
-          <a:bodyPr lIns="0" rIns="0" tIns="0" bIns="0"/>
+          <a:bodyPr lIns="0" tIns="0" rIns="0" bIns="0"/>
+          <a:lstStyle/>
           <a:p>
             <a:endParaRPr/>
           </a:p>
@@ -2061,11 +2281,14 @@
       </p:sp>
     </p:spTree>
   </p:cSld>
+  <p:clrMapOvr>
+    <a:masterClrMapping/>
+  </p:clrMapOvr>
 </p:sldLayout>
 </file>
 
 <file path=ppt/slideLayouts/slideLayout30.xml><?xml version="1.0" encoding="utf-8"?>
-<p:sldLayout xmlns:a="http://schemas.openxmlformats.org/drawingml/2006/main" xmlns:p="http://schemas.openxmlformats.org/presentationml/2006/main" xmlns:r="http://schemas.openxmlformats.org/officeDocument/2006/relationships" type="objOnly" preserve="1">
+<p:sldLayout xmlns:a="http://schemas.openxmlformats.org/drawingml/2006/main" xmlns:r="http://schemas.openxmlformats.org/officeDocument/2006/relationships" xmlns:p="http://schemas.openxmlformats.org/presentationml/2006/main" type="objOnly" preserve="1">
   <p:cSld name="Centered Text">
     <p:spTree>
       <p:nvGrpSpPr>
@@ -2101,7 +2324,8 @@
           </a:prstGeom>
         </p:spPr>
         <p:txBody>
-          <a:bodyPr lIns="0" rIns="0" tIns="0" bIns="0" anchor="ctr"/>
+          <a:bodyPr lIns="0" tIns="0" rIns="0" bIns="0" anchor="ctr"/>
+          <a:lstStyle/>
           <a:p>
             <a:pPr algn="ctr"/>
             <a:endParaRPr/>
@@ -2110,11 +2334,14 @@
       </p:sp>
     </p:spTree>
   </p:cSld>
+  <p:clrMapOvr>
+    <a:masterClrMapping/>
+  </p:clrMapOvr>
 </p:sldLayout>
 </file>
 
 <file path=ppt/slideLayouts/slideLayout31.xml><?xml version="1.0" encoding="utf-8"?>
-<p:sldLayout xmlns:a="http://schemas.openxmlformats.org/drawingml/2006/main" xmlns:p="http://schemas.openxmlformats.org/presentationml/2006/main" xmlns:r="http://schemas.openxmlformats.org/officeDocument/2006/relationships" type="twoObjAndObj" preserve="1">
+<p:sldLayout xmlns:a="http://schemas.openxmlformats.org/drawingml/2006/main" xmlns:r="http://schemas.openxmlformats.org/officeDocument/2006/relationships" xmlns:p="http://schemas.openxmlformats.org/presentationml/2006/main" type="twoObjAndObj" preserve="1">
   <p:cSld name="Title, 2 Content and Content">
     <p:spTree>
       <p:nvGrpSpPr>
@@ -2150,7 +2377,8 @@
           </a:prstGeom>
         </p:spPr>
         <p:txBody>
-          <a:bodyPr lIns="0" rIns="0" tIns="0" bIns="0" anchor="ctr"/>
+          <a:bodyPr lIns="0" tIns="0" rIns="0" bIns="0" anchor="ctr"/>
+          <a:lstStyle/>
           <a:p>
             <a:endParaRPr/>
           </a:p>
@@ -2176,7 +2404,8 @@
           </a:prstGeom>
         </p:spPr>
         <p:txBody>
-          <a:bodyPr lIns="0" rIns="0" tIns="0" bIns="0"/>
+          <a:bodyPr lIns="0" tIns="0" rIns="0" bIns="0"/>
+          <a:lstStyle/>
           <a:p>
             <a:endParaRPr/>
           </a:p>
@@ -2202,7 +2431,8 @@
           </a:prstGeom>
         </p:spPr>
         <p:txBody>
-          <a:bodyPr lIns="0" rIns="0" tIns="0" bIns="0"/>
+          <a:bodyPr lIns="0" tIns="0" rIns="0" bIns="0"/>
+          <a:lstStyle/>
           <a:p>
             <a:endParaRPr/>
           </a:p>
@@ -2228,7 +2458,8 @@
           </a:prstGeom>
         </p:spPr>
         <p:txBody>
-          <a:bodyPr lIns="0" rIns="0" tIns="0" bIns="0"/>
+          <a:bodyPr lIns="0" tIns="0" rIns="0" bIns="0"/>
+          <a:lstStyle/>
           <a:p>
             <a:endParaRPr/>
           </a:p>
@@ -2236,11 +2467,14 @@
       </p:sp>
     </p:spTree>
   </p:cSld>
+  <p:clrMapOvr>
+    <a:masterClrMapping/>
+  </p:clrMapOvr>
 </p:sldLayout>
 </file>
 
 <file path=ppt/slideLayouts/slideLayout32.xml><?xml version="1.0" encoding="utf-8"?>
-<p:sldLayout xmlns:a="http://schemas.openxmlformats.org/drawingml/2006/main" xmlns:p="http://schemas.openxmlformats.org/presentationml/2006/main" xmlns:r="http://schemas.openxmlformats.org/officeDocument/2006/relationships" type="objAndTwoObj" preserve="1">
+<p:sldLayout xmlns:a="http://schemas.openxmlformats.org/drawingml/2006/main" xmlns:r="http://schemas.openxmlformats.org/officeDocument/2006/relationships" xmlns:p="http://schemas.openxmlformats.org/presentationml/2006/main" type="objAndTwoObj" preserve="1">
   <p:cSld name="Title Content and 2 Content">
     <p:spTree>
       <p:nvGrpSpPr>
@@ -2276,7 +2510,8 @@
           </a:prstGeom>
         </p:spPr>
         <p:txBody>
-          <a:bodyPr lIns="0" rIns="0" tIns="0" bIns="0" anchor="ctr"/>
+          <a:bodyPr lIns="0" tIns="0" rIns="0" bIns="0" anchor="ctr"/>
+          <a:lstStyle/>
           <a:p>
             <a:endParaRPr/>
           </a:p>
@@ -2302,7 +2537,8 @@
           </a:prstGeom>
         </p:spPr>
         <p:txBody>
-          <a:bodyPr lIns="0" rIns="0" tIns="0" bIns="0"/>
+          <a:bodyPr lIns="0" tIns="0" rIns="0" bIns="0"/>
+          <a:lstStyle/>
           <a:p>
             <a:endParaRPr/>
           </a:p>
@@ -2328,7 +2564,8 @@
           </a:prstGeom>
         </p:spPr>
         <p:txBody>
-          <a:bodyPr lIns="0" rIns="0" tIns="0" bIns="0"/>
+          <a:bodyPr lIns="0" tIns="0" rIns="0" bIns="0"/>
+          <a:lstStyle/>
           <a:p>
             <a:endParaRPr/>
           </a:p>
@@ -2354,7 +2591,8 @@
           </a:prstGeom>
         </p:spPr>
         <p:txBody>
-          <a:bodyPr lIns="0" rIns="0" tIns="0" bIns="0"/>
+          <a:bodyPr lIns="0" tIns="0" rIns="0" bIns="0"/>
+          <a:lstStyle/>
           <a:p>
             <a:endParaRPr/>
           </a:p>
@@ -2362,11 +2600,14 @@
       </p:sp>
     </p:spTree>
   </p:cSld>
+  <p:clrMapOvr>
+    <a:masterClrMapping/>
+  </p:clrMapOvr>
 </p:sldLayout>
 </file>
 
 <file path=ppt/slideLayouts/slideLayout33.xml><?xml version="1.0" encoding="utf-8"?>
-<p:sldLayout xmlns:a="http://schemas.openxmlformats.org/drawingml/2006/main" xmlns:p="http://schemas.openxmlformats.org/presentationml/2006/main" xmlns:r="http://schemas.openxmlformats.org/officeDocument/2006/relationships" type="twoObjOverTx" preserve="1">
+<p:sldLayout xmlns:a="http://schemas.openxmlformats.org/drawingml/2006/main" xmlns:r="http://schemas.openxmlformats.org/officeDocument/2006/relationships" xmlns:p="http://schemas.openxmlformats.org/presentationml/2006/main" type="twoObjOverTx" preserve="1">
   <p:cSld name="Title, 2 Content over Content">
     <p:spTree>
       <p:nvGrpSpPr>
@@ -2402,7 +2643,8 @@
           </a:prstGeom>
         </p:spPr>
         <p:txBody>
-          <a:bodyPr lIns="0" rIns="0" tIns="0" bIns="0" anchor="ctr"/>
+          <a:bodyPr lIns="0" tIns="0" rIns="0" bIns="0" anchor="ctr"/>
+          <a:lstStyle/>
           <a:p>
             <a:endParaRPr/>
           </a:p>
@@ -2428,7 +2670,8 @@
           </a:prstGeom>
         </p:spPr>
         <p:txBody>
-          <a:bodyPr lIns="0" rIns="0" tIns="0" bIns="0"/>
+          <a:bodyPr lIns="0" tIns="0" rIns="0" bIns="0"/>
+          <a:lstStyle/>
           <a:p>
             <a:endParaRPr/>
           </a:p>
@@ -2454,7 +2697,8 @@
           </a:prstGeom>
         </p:spPr>
         <p:txBody>
-          <a:bodyPr lIns="0" rIns="0" tIns="0" bIns="0"/>
+          <a:bodyPr lIns="0" tIns="0" rIns="0" bIns="0"/>
+          <a:lstStyle/>
           <a:p>
             <a:endParaRPr/>
           </a:p>
@@ -2480,7 +2724,8 @@
           </a:prstGeom>
         </p:spPr>
         <p:txBody>
-          <a:bodyPr lIns="0" rIns="0" tIns="0" bIns="0"/>
+          <a:bodyPr lIns="0" tIns="0" rIns="0" bIns="0"/>
+          <a:lstStyle/>
           <a:p>
             <a:endParaRPr/>
           </a:p>
@@ -2488,11 +2733,14 @@
       </p:sp>
     </p:spTree>
   </p:cSld>
+  <p:clrMapOvr>
+    <a:masterClrMapping/>
+  </p:clrMapOvr>
 </p:sldLayout>
 </file>
 
 <file path=ppt/slideLayouts/slideLayout34.xml><?xml version="1.0" encoding="utf-8"?>
-<p:sldLayout xmlns:a="http://schemas.openxmlformats.org/drawingml/2006/main" xmlns:p="http://schemas.openxmlformats.org/presentationml/2006/main" xmlns:r="http://schemas.openxmlformats.org/officeDocument/2006/relationships" type="objOverTx" preserve="1">
+<p:sldLayout xmlns:a="http://schemas.openxmlformats.org/drawingml/2006/main" xmlns:r="http://schemas.openxmlformats.org/officeDocument/2006/relationships" xmlns:p="http://schemas.openxmlformats.org/presentationml/2006/main" type="objOverTx" preserve="1">
   <p:cSld name="Title, Content over Content">
     <p:spTree>
       <p:nvGrpSpPr>
@@ -2528,7 +2776,8 @@
           </a:prstGeom>
         </p:spPr>
         <p:txBody>
-          <a:bodyPr lIns="0" rIns="0" tIns="0" bIns="0" anchor="ctr"/>
+          <a:bodyPr lIns="0" tIns="0" rIns="0" bIns="0" anchor="ctr"/>
+          <a:lstStyle/>
           <a:p>
             <a:endParaRPr/>
           </a:p>
@@ -2554,7 +2803,8 @@
           </a:prstGeom>
         </p:spPr>
         <p:txBody>
-          <a:bodyPr lIns="0" rIns="0" tIns="0" bIns="0"/>
+          <a:bodyPr lIns="0" tIns="0" rIns="0" bIns="0"/>
+          <a:lstStyle/>
           <a:p>
             <a:endParaRPr/>
           </a:p>
@@ -2580,7 +2830,8 @@
           </a:prstGeom>
         </p:spPr>
         <p:txBody>
-          <a:bodyPr lIns="0" rIns="0" tIns="0" bIns="0"/>
+          <a:bodyPr lIns="0" tIns="0" rIns="0" bIns="0"/>
+          <a:lstStyle/>
           <a:p>
             <a:endParaRPr/>
           </a:p>
@@ -2588,11 +2839,14 @@
       </p:sp>
     </p:spTree>
   </p:cSld>
+  <p:clrMapOvr>
+    <a:masterClrMapping/>
+  </p:clrMapOvr>
 </p:sldLayout>
 </file>
 
 <file path=ppt/slideLayouts/slideLayout35.xml><?xml version="1.0" encoding="utf-8"?>
-<p:sldLayout xmlns:a="http://schemas.openxmlformats.org/drawingml/2006/main" xmlns:p="http://schemas.openxmlformats.org/presentationml/2006/main" xmlns:r="http://schemas.openxmlformats.org/officeDocument/2006/relationships" type="fourObj" preserve="1">
+<p:sldLayout xmlns:a="http://schemas.openxmlformats.org/drawingml/2006/main" xmlns:r="http://schemas.openxmlformats.org/officeDocument/2006/relationships" xmlns:p="http://schemas.openxmlformats.org/presentationml/2006/main" type="fourObj" preserve="1">
   <p:cSld name="Title, 4 Content">
     <p:spTree>
       <p:nvGrpSpPr>
@@ -2628,7 +2882,8 @@
           </a:prstGeom>
         </p:spPr>
         <p:txBody>
-          <a:bodyPr lIns="0" rIns="0" tIns="0" bIns="0" anchor="ctr"/>
+          <a:bodyPr lIns="0" tIns="0" rIns="0" bIns="0" anchor="ctr"/>
+          <a:lstStyle/>
           <a:p>
             <a:endParaRPr/>
           </a:p>
@@ -2654,7 +2909,8 @@
           </a:prstGeom>
         </p:spPr>
         <p:txBody>
-          <a:bodyPr lIns="0" rIns="0" tIns="0" bIns="0"/>
+          <a:bodyPr lIns="0" tIns="0" rIns="0" bIns="0"/>
+          <a:lstStyle/>
           <a:p>
             <a:endParaRPr/>
           </a:p>
@@ -2680,7 +2936,8 @@
           </a:prstGeom>
         </p:spPr>
         <p:txBody>
-          <a:bodyPr lIns="0" rIns="0" tIns="0" bIns="0"/>
+          <a:bodyPr lIns="0" tIns="0" rIns="0" bIns="0"/>
+          <a:lstStyle/>
           <a:p>
             <a:endParaRPr/>
           </a:p>
@@ -2706,7 +2963,8 @@
           </a:prstGeom>
         </p:spPr>
         <p:txBody>
-          <a:bodyPr lIns="0" rIns="0" tIns="0" bIns="0"/>
+          <a:bodyPr lIns="0" tIns="0" rIns="0" bIns="0"/>
+          <a:lstStyle/>
           <a:p>
             <a:endParaRPr/>
           </a:p>
@@ -2732,7 +2990,8 @@
           </a:prstGeom>
         </p:spPr>
         <p:txBody>
-          <a:bodyPr lIns="0" rIns="0" tIns="0" bIns="0"/>
+          <a:bodyPr lIns="0" tIns="0" rIns="0" bIns="0"/>
+          <a:lstStyle/>
           <a:p>
             <a:endParaRPr/>
           </a:p>
@@ -2740,11 +2999,14 @@
       </p:sp>
     </p:spTree>
   </p:cSld>
+  <p:clrMapOvr>
+    <a:masterClrMapping/>
+  </p:clrMapOvr>
 </p:sldLayout>
 </file>
 
 <file path=ppt/slideLayouts/slideLayout36.xml><?xml version="1.0" encoding="utf-8"?>
-<p:sldLayout xmlns:a="http://schemas.openxmlformats.org/drawingml/2006/main" xmlns:p="http://schemas.openxmlformats.org/presentationml/2006/main" xmlns:r="http://schemas.openxmlformats.org/officeDocument/2006/relationships" type="blank" preserve="1">
+<p:sldLayout xmlns:a="http://schemas.openxmlformats.org/drawingml/2006/main" xmlns:r="http://schemas.openxmlformats.org/officeDocument/2006/relationships" xmlns:p="http://schemas.openxmlformats.org/presentationml/2006/main" type="blank" preserve="1">
   <p:cSld name="Title, 6 Content">
     <p:spTree>
       <p:nvGrpSpPr>
@@ -2780,7 +3042,8 @@
           </a:prstGeom>
         </p:spPr>
         <p:txBody>
-          <a:bodyPr lIns="0" rIns="0" tIns="0" bIns="0" anchor="ctr"/>
+          <a:bodyPr lIns="0" tIns="0" rIns="0" bIns="0" anchor="ctr"/>
+          <a:lstStyle/>
           <a:p>
             <a:endParaRPr/>
           </a:p>
@@ -2806,7 +3069,8 @@
           </a:prstGeom>
         </p:spPr>
         <p:txBody>
-          <a:bodyPr lIns="0" rIns="0" tIns="0" bIns="0"/>
+          <a:bodyPr lIns="0" tIns="0" rIns="0" bIns="0"/>
+          <a:lstStyle/>
           <a:p>
             <a:endParaRPr/>
           </a:p>
@@ -2832,7 +3096,8 @@
           </a:prstGeom>
         </p:spPr>
         <p:txBody>
-          <a:bodyPr lIns="0" rIns="0" tIns="0" bIns="0"/>
+          <a:bodyPr lIns="0" tIns="0" rIns="0" bIns="0"/>
+          <a:lstStyle/>
           <a:p>
             <a:endParaRPr/>
           </a:p>
@@ -2840,7 +3105,7 @@
       </p:sp>
       <p:pic>
         <p:nvPicPr>
-          <p:cNvPr id="119" name="" descr=""/>
+          <p:cNvPr id="119" name="Obrázek 118"/>
           <p:cNvPicPr/>
           <p:nvPr/>
         </p:nvPicPr>
@@ -2863,12 +3128,12 @@
       </p:pic>
       <p:pic>
         <p:nvPicPr>
-          <p:cNvPr id="120" name="" descr=""/>
+          <p:cNvPr id="120" name="Obrázek 119"/>
           <p:cNvPicPr/>
           <p:nvPr/>
         </p:nvPicPr>
         <p:blipFill>
-          <a:blip r:embed="rId3"/>
+          <a:blip r:embed="rId2"/>
           <a:stretch/>
         </p:blipFill>
         <p:spPr>
@@ -2886,11 +3151,14 @@
       </p:pic>
     </p:spTree>
   </p:cSld>
+  <p:clrMapOvr>
+    <a:masterClrMapping/>
+  </p:clrMapOvr>
 </p:sldLayout>
 </file>
 
 <file path=ppt/slideLayouts/slideLayout37.xml><?xml version="1.0" encoding="utf-8"?>
-<p:sldLayout xmlns:a="http://schemas.openxmlformats.org/drawingml/2006/main" xmlns:p="http://schemas.openxmlformats.org/presentationml/2006/main" xmlns:r="http://schemas.openxmlformats.org/officeDocument/2006/relationships" type="blank" preserve="1">
+<p:sldLayout xmlns:a="http://schemas.openxmlformats.org/drawingml/2006/main" xmlns:r="http://schemas.openxmlformats.org/officeDocument/2006/relationships" xmlns:p="http://schemas.openxmlformats.org/presentationml/2006/main" type="blank" preserve="1">
   <p:cSld name="Blank Slide">
     <p:spTree>
       <p:nvGrpSpPr>
@@ -2908,11 +3176,14 @@
       </p:grpSpPr>
     </p:spTree>
   </p:cSld>
+  <p:clrMapOvr>
+    <a:masterClrMapping/>
+  </p:clrMapOvr>
 </p:sldLayout>
 </file>
 
 <file path=ppt/slideLayouts/slideLayout38.xml><?xml version="1.0" encoding="utf-8"?>
-<p:sldLayout xmlns:a="http://schemas.openxmlformats.org/drawingml/2006/main" xmlns:p="http://schemas.openxmlformats.org/presentationml/2006/main" xmlns:r="http://schemas.openxmlformats.org/officeDocument/2006/relationships" type="tx" preserve="1">
+<p:sldLayout xmlns:a="http://schemas.openxmlformats.org/drawingml/2006/main" xmlns:r="http://schemas.openxmlformats.org/officeDocument/2006/relationships" xmlns:p="http://schemas.openxmlformats.org/presentationml/2006/main" type="tx" preserve="1">
   <p:cSld name="Title Slide">
     <p:spTree>
       <p:nvGrpSpPr>
@@ -2948,7 +3219,8 @@
           </a:prstGeom>
         </p:spPr>
         <p:txBody>
-          <a:bodyPr lIns="0" rIns="0" tIns="0" bIns="0" anchor="ctr"/>
+          <a:bodyPr lIns="0" tIns="0" rIns="0" bIns="0" anchor="ctr"/>
+          <a:lstStyle/>
           <a:p>
             <a:endParaRPr/>
           </a:p>
@@ -2974,7 +3246,8 @@
           </a:prstGeom>
         </p:spPr>
         <p:txBody>
-          <a:bodyPr lIns="0" rIns="0" tIns="0" bIns="0" anchor="ctr"/>
+          <a:bodyPr lIns="0" tIns="0" rIns="0" bIns="0" anchor="ctr"/>
+          <a:lstStyle/>
           <a:p>
             <a:pPr algn="ctr"/>
             <a:endParaRPr/>
@@ -2983,11 +3256,14 @@
       </p:sp>
     </p:spTree>
   </p:cSld>
+  <p:clrMapOvr>
+    <a:masterClrMapping/>
+  </p:clrMapOvr>
 </p:sldLayout>
 </file>
 
 <file path=ppt/slideLayouts/slideLayout39.xml><?xml version="1.0" encoding="utf-8"?>
-<p:sldLayout xmlns:a="http://schemas.openxmlformats.org/drawingml/2006/main" xmlns:p="http://schemas.openxmlformats.org/presentationml/2006/main" xmlns:r="http://schemas.openxmlformats.org/officeDocument/2006/relationships" type="obj" preserve="1">
+<p:sldLayout xmlns:a="http://schemas.openxmlformats.org/drawingml/2006/main" xmlns:r="http://schemas.openxmlformats.org/officeDocument/2006/relationships" xmlns:p="http://schemas.openxmlformats.org/presentationml/2006/main" type="obj" preserve="1">
   <p:cSld name="Title, Content">
     <p:spTree>
       <p:nvGrpSpPr>
@@ -3023,7 +3299,8 @@
           </a:prstGeom>
         </p:spPr>
         <p:txBody>
-          <a:bodyPr lIns="0" rIns="0" tIns="0" bIns="0" anchor="ctr"/>
+          <a:bodyPr lIns="0" tIns="0" rIns="0" bIns="0" anchor="ctr"/>
+          <a:lstStyle/>
           <a:p>
             <a:endParaRPr/>
           </a:p>
@@ -3049,7 +3326,8 @@
           </a:prstGeom>
         </p:spPr>
         <p:txBody>
-          <a:bodyPr lIns="0" rIns="0" tIns="0" bIns="0"/>
+          <a:bodyPr lIns="0" tIns="0" rIns="0" bIns="0"/>
+          <a:lstStyle/>
           <a:p>
             <a:endParaRPr/>
           </a:p>
@@ -3057,11 +3335,14 @@
       </p:sp>
     </p:spTree>
   </p:cSld>
+  <p:clrMapOvr>
+    <a:masterClrMapping/>
+  </p:clrMapOvr>
 </p:sldLayout>
 </file>
 
 <file path=ppt/slideLayouts/slideLayout4.xml><?xml version="1.0" encoding="utf-8"?>
-<p:sldLayout xmlns:a="http://schemas.openxmlformats.org/drawingml/2006/main" xmlns:p="http://schemas.openxmlformats.org/presentationml/2006/main" xmlns:r="http://schemas.openxmlformats.org/officeDocument/2006/relationships" type="twoObj" preserve="1">
+<p:sldLayout xmlns:a="http://schemas.openxmlformats.org/drawingml/2006/main" xmlns:r="http://schemas.openxmlformats.org/officeDocument/2006/relationships" xmlns:p="http://schemas.openxmlformats.org/presentationml/2006/main" type="twoObj" preserve="1">
   <p:cSld name="Title, 2 Content">
     <p:spTree>
       <p:nvGrpSpPr>
@@ -3097,7 +3378,8 @@
           </a:prstGeom>
         </p:spPr>
         <p:txBody>
-          <a:bodyPr lIns="0" rIns="0" tIns="0" bIns="0" anchor="ctr"/>
+          <a:bodyPr lIns="0" tIns="0" rIns="0" bIns="0" anchor="ctr"/>
+          <a:lstStyle/>
           <a:p>
             <a:endParaRPr/>
           </a:p>
@@ -3123,7 +3405,8 @@
           </a:prstGeom>
         </p:spPr>
         <p:txBody>
-          <a:bodyPr lIns="0" rIns="0" tIns="0" bIns="0"/>
+          <a:bodyPr lIns="0" tIns="0" rIns="0" bIns="0"/>
+          <a:lstStyle/>
           <a:p>
             <a:endParaRPr/>
           </a:p>
@@ -3149,7 +3432,8 @@
           </a:prstGeom>
         </p:spPr>
         <p:txBody>
-          <a:bodyPr lIns="0" rIns="0" tIns="0" bIns="0"/>
+          <a:bodyPr lIns="0" tIns="0" rIns="0" bIns="0"/>
+          <a:lstStyle/>
           <a:p>
             <a:endParaRPr/>
           </a:p>
@@ -3157,11 +3441,14 @@
       </p:sp>
     </p:spTree>
   </p:cSld>
+  <p:clrMapOvr>
+    <a:masterClrMapping/>
+  </p:clrMapOvr>
 </p:sldLayout>
 </file>
 
 <file path=ppt/slideLayouts/slideLayout40.xml><?xml version="1.0" encoding="utf-8"?>
-<p:sldLayout xmlns:a="http://schemas.openxmlformats.org/drawingml/2006/main" xmlns:p="http://schemas.openxmlformats.org/presentationml/2006/main" xmlns:r="http://schemas.openxmlformats.org/officeDocument/2006/relationships" type="twoObj" preserve="1">
+<p:sldLayout xmlns:a="http://schemas.openxmlformats.org/drawingml/2006/main" xmlns:r="http://schemas.openxmlformats.org/officeDocument/2006/relationships" xmlns:p="http://schemas.openxmlformats.org/presentationml/2006/main" type="twoObj" preserve="1">
   <p:cSld name="Title, 2 Content">
     <p:spTree>
       <p:nvGrpSpPr>
@@ -3197,7 +3484,8 @@
           </a:prstGeom>
         </p:spPr>
         <p:txBody>
-          <a:bodyPr lIns="0" rIns="0" tIns="0" bIns="0" anchor="ctr"/>
+          <a:bodyPr lIns="0" tIns="0" rIns="0" bIns="0" anchor="ctr"/>
+          <a:lstStyle/>
           <a:p>
             <a:endParaRPr/>
           </a:p>
@@ -3223,7 +3511,8 @@
           </a:prstGeom>
         </p:spPr>
         <p:txBody>
-          <a:bodyPr lIns="0" rIns="0" tIns="0" bIns="0"/>
+          <a:bodyPr lIns="0" tIns="0" rIns="0" bIns="0"/>
+          <a:lstStyle/>
           <a:p>
             <a:endParaRPr/>
           </a:p>
@@ -3249,7 +3538,8 @@
           </a:prstGeom>
         </p:spPr>
         <p:txBody>
-          <a:bodyPr lIns="0" rIns="0" tIns="0" bIns="0"/>
+          <a:bodyPr lIns="0" tIns="0" rIns="0" bIns="0"/>
+          <a:lstStyle/>
           <a:p>
             <a:endParaRPr/>
           </a:p>
@@ -3257,11 +3547,14 @@
       </p:sp>
     </p:spTree>
   </p:cSld>
+  <p:clrMapOvr>
+    <a:masterClrMapping/>
+  </p:clrMapOvr>
 </p:sldLayout>
 </file>
 
 <file path=ppt/slideLayouts/slideLayout41.xml><?xml version="1.0" encoding="utf-8"?>
-<p:sldLayout xmlns:a="http://schemas.openxmlformats.org/drawingml/2006/main" xmlns:p="http://schemas.openxmlformats.org/presentationml/2006/main" xmlns:r="http://schemas.openxmlformats.org/officeDocument/2006/relationships" type="titleOnly" preserve="1">
+<p:sldLayout xmlns:a="http://schemas.openxmlformats.org/drawingml/2006/main" xmlns:r="http://schemas.openxmlformats.org/officeDocument/2006/relationships" xmlns:p="http://schemas.openxmlformats.org/presentationml/2006/main" type="titleOnly" preserve="1">
   <p:cSld name="Title Only">
     <p:spTree>
       <p:nvGrpSpPr>
@@ -3297,7 +3590,8 @@
           </a:prstGeom>
         </p:spPr>
         <p:txBody>
-          <a:bodyPr lIns="0" rIns="0" tIns="0" bIns="0" anchor="ctr"/>
+          <a:bodyPr lIns="0" tIns="0" rIns="0" bIns="0" anchor="ctr"/>
+          <a:lstStyle/>
           <a:p>
             <a:endParaRPr/>
           </a:p>
@@ -3305,11 +3599,14 @@
       </p:sp>
     </p:spTree>
   </p:cSld>
+  <p:clrMapOvr>
+    <a:masterClrMapping/>
+  </p:clrMapOvr>
 </p:sldLayout>
 </file>
 
 <file path=ppt/slideLayouts/slideLayout42.xml><?xml version="1.0" encoding="utf-8"?>
-<p:sldLayout xmlns:a="http://schemas.openxmlformats.org/drawingml/2006/main" xmlns:p="http://schemas.openxmlformats.org/presentationml/2006/main" xmlns:r="http://schemas.openxmlformats.org/officeDocument/2006/relationships" type="objOnly" preserve="1">
+<p:sldLayout xmlns:a="http://schemas.openxmlformats.org/drawingml/2006/main" xmlns:r="http://schemas.openxmlformats.org/officeDocument/2006/relationships" xmlns:p="http://schemas.openxmlformats.org/presentationml/2006/main" type="objOnly" preserve="1">
   <p:cSld name="Centered Text">
     <p:spTree>
       <p:nvGrpSpPr>
@@ -3345,7 +3642,8 @@
           </a:prstGeom>
         </p:spPr>
         <p:txBody>
-          <a:bodyPr lIns="0" rIns="0" tIns="0" bIns="0" anchor="ctr"/>
+          <a:bodyPr lIns="0" tIns="0" rIns="0" bIns="0" anchor="ctr"/>
+          <a:lstStyle/>
           <a:p>
             <a:pPr algn="ctr"/>
             <a:endParaRPr/>
@@ -3354,11 +3652,14 @@
       </p:sp>
     </p:spTree>
   </p:cSld>
+  <p:clrMapOvr>
+    <a:masterClrMapping/>
+  </p:clrMapOvr>
 </p:sldLayout>
 </file>
 
 <file path=ppt/slideLayouts/slideLayout43.xml><?xml version="1.0" encoding="utf-8"?>
-<p:sldLayout xmlns:a="http://schemas.openxmlformats.org/drawingml/2006/main" xmlns:p="http://schemas.openxmlformats.org/presentationml/2006/main" xmlns:r="http://schemas.openxmlformats.org/officeDocument/2006/relationships" type="twoObjAndObj" preserve="1">
+<p:sldLayout xmlns:a="http://schemas.openxmlformats.org/drawingml/2006/main" xmlns:r="http://schemas.openxmlformats.org/officeDocument/2006/relationships" xmlns:p="http://schemas.openxmlformats.org/presentationml/2006/main" type="twoObjAndObj" preserve="1">
   <p:cSld name="Title, 2 Content and Content">
     <p:spTree>
       <p:nvGrpSpPr>
@@ -3394,7 +3695,8 @@
           </a:prstGeom>
         </p:spPr>
         <p:txBody>
-          <a:bodyPr lIns="0" rIns="0" tIns="0" bIns="0" anchor="ctr"/>
+          <a:bodyPr lIns="0" tIns="0" rIns="0" bIns="0" anchor="ctr"/>
+          <a:lstStyle/>
           <a:p>
             <a:endParaRPr/>
           </a:p>
@@ -3420,7 +3722,8 @@
           </a:prstGeom>
         </p:spPr>
         <p:txBody>
-          <a:bodyPr lIns="0" rIns="0" tIns="0" bIns="0"/>
+          <a:bodyPr lIns="0" tIns="0" rIns="0" bIns="0"/>
+          <a:lstStyle/>
           <a:p>
             <a:endParaRPr/>
           </a:p>
@@ -3446,7 +3749,8 @@
           </a:prstGeom>
         </p:spPr>
         <p:txBody>
-          <a:bodyPr lIns="0" rIns="0" tIns="0" bIns="0"/>
+          <a:bodyPr lIns="0" tIns="0" rIns="0" bIns="0"/>
+          <a:lstStyle/>
           <a:p>
             <a:endParaRPr/>
           </a:p>
@@ -3472,7 +3776,8 @@
           </a:prstGeom>
         </p:spPr>
         <p:txBody>
-          <a:bodyPr lIns="0" rIns="0" tIns="0" bIns="0"/>
+          <a:bodyPr lIns="0" tIns="0" rIns="0" bIns="0"/>
+          <a:lstStyle/>
           <a:p>
             <a:endParaRPr/>
           </a:p>
@@ -3480,11 +3785,14 @@
       </p:sp>
     </p:spTree>
   </p:cSld>
+  <p:clrMapOvr>
+    <a:masterClrMapping/>
+  </p:clrMapOvr>
 </p:sldLayout>
 </file>
 
 <file path=ppt/slideLayouts/slideLayout44.xml><?xml version="1.0" encoding="utf-8"?>
-<p:sldLayout xmlns:a="http://schemas.openxmlformats.org/drawingml/2006/main" xmlns:p="http://schemas.openxmlformats.org/presentationml/2006/main" xmlns:r="http://schemas.openxmlformats.org/officeDocument/2006/relationships" type="objAndTwoObj" preserve="1">
+<p:sldLayout xmlns:a="http://schemas.openxmlformats.org/drawingml/2006/main" xmlns:r="http://schemas.openxmlformats.org/officeDocument/2006/relationships" xmlns:p="http://schemas.openxmlformats.org/presentationml/2006/main" type="objAndTwoObj" preserve="1">
   <p:cSld name="Title Content and 2 Content">
     <p:spTree>
       <p:nvGrpSpPr>
@@ -3520,7 +3828,8 @@
           </a:prstGeom>
         </p:spPr>
         <p:txBody>
-          <a:bodyPr lIns="0" rIns="0" tIns="0" bIns="0" anchor="ctr"/>
+          <a:bodyPr lIns="0" tIns="0" rIns="0" bIns="0" anchor="ctr"/>
+          <a:lstStyle/>
           <a:p>
             <a:endParaRPr/>
           </a:p>
@@ -3546,7 +3855,8 @@
           </a:prstGeom>
         </p:spPr>
         <p:txBody>
-          <a:bodyPr lIns="0" rIns="0" tIns="0" bIns="0"/>
+          <a:bodyPr lIns="0" tIns="0" rIns="0" bIns="0"/>
+          <a:lstStyle/>
           <a:p>
             <a:endParaRPr/>
           </a:p>
@@ -3572,7 +3882,8 @@
           </a:prstGeom>
         </p:spPr>
         <p:txBody>
-          <a:bodyPr lIns="0" rIns="0" tIns="0" bIns="0"/>
+          <a:bodyPr lIns="0" tIns="0" rIns="0" bIns="0"/>
+          <a:lstStyle/>
           <a:p>
             <a:endParaRPr/>
           </a:p>
@@ -3598,7 +3909,8 @@
           </a:prstGeom>
         </p:spPr>
         <p:txBody>
-          <a:bodyPr lIns="0" rIns="0" tIns="0" bIns="0"/>
+          <a:bodyPr lIns="0" tIns="0" rIns="0" bIns="0"/>
+          <a:lstStyle/>
           <a:p>
             <a:endParaRPr/>
           </a:p>
@@ -3606,11 +3918,14 @@
       </p:sp>
     </p:spTree>
   </p:cSld>
+  <p:clrMapOvr>
+    <a:masterClrMapping/>
+  </p:clrMapOvr>
 </p:sldLayout>
 </file>
 
 <file path=ppt/slideLayouts/slideLayout45.xml><?xml version="1.0" encoding="utf-8"?>
-<p:sldLayout xmlns:a="http://schemas.openxmlformats.org/drawingml/2006/main" xmlns:p="http://schemas.openxmlformats.org/presentationml/2006/main" xmlns:r="http://schemas.openxmlformats.org/officeDocument/2006/relationships" type="twoObjOverTx" preserve="1">
+<p:sldLayout xmlns:a="http://schemas.openxmlformats.org/drawingml/2006/main" xmlns:r="http://schemas.openxmlformats.org/officeDocument/2006/relationships" xmlns:p="http://schemas.openxmlformats.org/presentationml/2006/main" type="twoObjOverTx" preserve="1">
   <p:cSld name="Title, 2 Content over Content">
     <p:spTree>
       <p:nvGrpSpPr>
@@ -3646,7 +3961,8 @@
           </a:prstGeom>
         </p:spPr>
         <p:txBody>
-          <a:bodyPr lIns="0" rIns="0" tIns="0" bIns="0" anchor="ctr"/>
+          <a:bodyPr lIns="0" tIns="0" rIns="0" bIns="0" anchor="ctr"/>
+          <a:lstStyle/>
           <a:p>
             <a:endParaRPr/>
           </a:p>
@@ -3672,7 +3988,8 @@
           </a:prstGeom>
         </p:spPr>
         <p:txBody>
-          <a:bodyPr lIns="0" rIns="0" tIns="0" bIns="0"/>
+          <a:bodyPr lIns="0" tIns="0" rIns="0" bIns="0"/>
+          <a:lstStyle/>
           <a:p>
             <a:endParaRPr/>
           </a:p>
@@ -3698,7 +4015,8 @@
           </a:prstGeom>
         </p:spPr>
         <p:txBody>
-          <a:bodyPr lIns="0" rIns="0" tIns="0" bIns="0"/>
+          <a:bodyPr lIns="0" tIns="0" rIns="0" bIns="0"/>
+          <a:lstStyle/>
           <a:p>
             <a:endParaRPr/>
           </a:p>
@@ -3724,7 +4042,8 @@
           </a:prstGeom>
         </p:spPr>
         <p:txBody>
-          <a:bodyPr lIns="0" rIns="0" tIns="0" bIns="0"/>
+          <a:bodyPr lIns="0" tIns="0" rIns="0" bIns="0"/>
+          <a:lstStyle/>
           <a:p>
             <a:endParaRPr/>
           </a:p>
@@ -3732,11 +4051,14 @@
       </p:sp>
     </p:spTree>
   </p:cSld>
+  <p:clrMapOvr>
+    <a:masterClrMapping/>
+  </p:clrMapOvr>
 </p:sldLayout>
 </file>
 
 <file path=ppt/slideLayouts/slideLayout46.xml><?xml version="1.0" encoding="utf-8"?>
-<p:sldLayout xmlns:a="http://schemas.openxmlformats.org/drawingml/2006/main" xmlns:p="http://schemas.openxmlformats.org/presentationml/2006/main" xmlns:r="http://schemas.openxmlformats.org/officeDocument/2006/relationships" type="objOverTx" preserve="1">
+<p:sldLayout xmlns:a="http://schemas.openxmlformats.org/drawingml/2006/main" xmlns:r="http://schemas.openxmlformats.org/officeDocument/2006/relationships" xmlns:p="http://schemas.openxmlformats.org/presentationml/2006/main" type="objOverTx" preserve="1">
   <p:cSld name="Title, Content over Content">
     <p:spTree>
       <p:nvGrpSpPr>
@@ -3772,7 +4094,8 @@
           </a:prstGeom>
         </p:spPr>
         <p:txBody>
-          <a:bodyPr lIns="0" rIns="0" tIns="0" bIns="0" anchor="ctr"/>
+          <a:bodyPr lIns="0" tIns="0" rIns="0" bIns="0" anchor="ctr"/>
+          <a:lstStyle/>
           <a:p>
             <a:endParaRPr/>
           </a:p>
@@ -3798,7 +4121,8 @@
           </a:prstGeom>
         </p:spPr>
         <p:txBody>
-          <a:bodyPr lIns="0" rIns="0" tIns="0" bIns="0"/>
+          <a:bodyPr lIns="0" tIns="0" rIns="0" bIns="0"/>
+          <a:lstStyle/>
           <a:p>
             <a:endParaRPr/>
           </a:p>
@@ -3824,7 +4148,8 @@
           </a:prstGeom>
         </p:spPr>
         <p:txBody>
-          <a:bodyPr lIns="0" rIns="0" tIns="0" bIns="0"/>
+          <a:bodyPr lIns="0" tIns="0" rIns="0" bIns="0"/>
+          <a:lstStyle/>
           <a:p>
             <a:endParaRPr/>
           </a:p>
@@ -3832,11 +4157,14 @@
       </p:sp>
     </p:spTree>
   </p:cSld>
+  <p:clrMapOvr>
+    <a:masterClrMapping/>
+  </p:clrMapOvr>
 </p:sldLayout>
 </file>
 
 <file path=ppt/slideLayouts/slideLayout47.xml><?xml version="1.0" encoding="utf-8"?>
-<p:sldLayout xmlns:a="http://schemas.openxmlformats.org/drawingml/2006/main" xmlns:p="http://schemas.openxmlformats.org/presentationml/2006/main" xmlns:r="http://schemas.openxmlformats.org/officeDocument/2006/relationships" type="fourObj" preserve="1">
+<p:sldLayout xmlns:a="http://schemas.openxmlformats.org/drawingml/2006/main" xmlns:r="http://schemas.openxmlformats.org/officeDocument/2006/relationships" xmlns:p="http://schemas.openxmlformats.org/presentationml/2006/main" type="fourObj" preserve="1">
   <p:cSld name="Title, 4 Content">
     <p:spTree>
       <p:nvGrpSpPr>
@@ -3872,7 +4200,8 @@
           </a:prstGeom>
         </p:spPr>
         <p:txBody>
-          <a:bodyPr lIns="0" rIns="0" tIns="0" bIns="0" anchor="ctr"/>
+          <a:bodyPr lIns="0" tIns="0" rIns="0" bIns="0" anchor="ctr"/>
+          <a:lstStyle/>
           <a:p>
             <a:endParaRPr/>
           </a:p>
@@ -3898,7 +4227,8 @@
           </a:prstGeom>
         </p:spPr>
         <p:txBody>
-          <a:bodyPr lIns="0" rIns="0" tIns="0" bIns="0"/>
+          <a:bodyPr lIns="0" tIns="0" rIns="0" bIns="0"/>
+          <a:lstStyle/>
           <a:p>
             <a:endParaRPr/>
           </a:p>
@@ -3924,7 +4254,8 @@
           </a:prstGeom>
         </p:spPr>
         <p:txBody>
-          <a:bodyPr lIns="0" rIns="0" tIns="0" bIns="0"/>
+          <a:bodyPr lIns="0" tIns="0" rIns="0" bIns="0"/>
+          <a:lstStyle/>
           <a:p>
             <a:endParaRPr/>
           </a:p>
@@ -3950,7 +4281,8 @@
           </a:prstGeom>
         </p:spPr>
         <p:txBody>
-          <a:bodyPr lIns="0" rIns="0" tIns="0" bIns="0"/>
+          <a:bodyPr lIns="0" tIns="0" rIns="0" bIns="0"/>
+          <a:lstStyle/>
           <a:p>
             <a:endParaRPr/>
           </a:p>
@@ -3976,7 +4308,8 @@
           </a:prstGeom>
         </p:spPr>
         <p:txBody>
-          <a:bodyPr lIns="0" rIns="0" tIns="0" bIns="0"/>
+          <a:bodyPr lIns="0" tIns="0" rIns="0" bIns="0"/>
+          <a:lstStyle/>
           <a:p>
             <a:endParaRPr/>
           </a:p>
@@ -3984,11 +4317,14 @@
       </p:sp>
     </p:spTree>
   </p:cSld>
+  <p:clrMapOvr>
+    <a:masterClrMapping/>
+  </p:clrMapOvr>
 </p:sldLayout>
 </file>
 
 <file path=ppt/slideLayouts/slideLayout48.xml><?xml version="1.0" encoding="utf-8"?>
-<p:sldLayout xmlns:a="http://schemas.openxmlformats.org/drawingml/2006/main" xmlns:p="http://schemas.openxmlformats.org/presentationml/2006/main" xmlns:r="http://schemas.openxmlformats.org/officeDocument/2006/relationships" type="blank" preserve="1">
+<p:sldLayout xmlns:a="http://schemas.openxmlformats.org/drawingml/2006/main" xmlns:r="http://schemas.openxmlformats.org/officeDocument/2006/relationships" xmlns:p="http://schemas.openxmlformats.org/presentationml/2006/main" type="blank" preserve="1">
   <p:cSld name="Title, 6 Content">
     <p:spTree>
       <p:nvGrpSpPr>
@@ -4024,7 +4360,8 @@
           </a:prstGeom>
         </p:spPr>
         <p:txBody>
-          <a:bodyPr lIns="0" rIns="0" tIns="0" bIns="0" anchor="ctr"/>
+          <a:bodyPr lIns="0" tIns="0" rIns="0" bIns="0" anchor="ctr"/>
+          <a:lstStyle/>
           <a:p>
             <a:endParaRPr/>
           </a:p>
@@ -4050,7 +4387,8 @@
           </a:prstGeom>
         </p:spPr>
         <p:txBody>
-          <a:bodyPr lIns="0" rIns="0" tIns="0" bIns="0"/>
+          <a:bodyPr lIns="0" tIns="0" rIns="0" bIns="0"/>
+          <a:lstStyle/>
           <a:p>
             <a:endParaRPr/>
           </a:p>
@@ -4076,7 +4414,8 @@
           </a:prstGeom>
         </p:spPr>
         <p:txBody>
-          <a:bodyPr lIns="0" rIns="0" tIns="0" bIns="0"/>
+          <a:bodyPr lIns="0" tIns="0" rIns="0" bIns="0"/>
+          <a:lstStyle/>
           <a:p>
             <a:endParaRPr/>
           </a:p>
@@ -4084,7 +4423,7 @@
       </p:sp>
       <p:pic>
         <p:nvPicPr>
-          <p:cNvPr id="159" name="" descr=""/>
+          <p:cNvPr id="159" name="Obrázek 158"/>
           <p:cNvPicPr/>
           <p:nvPr/>
         </p:nvPicPr>
@@ -4107,12 +4446,12 @@
       </p:pic>
       <p:pic>
         <p:nvPicPr>
-          <p:cNvPr id="160" name="" descr=""/>
+          <p:cNvPr id="160" name="Obrázek 159"/>
           <p:cNvPicPr/>
           <p:nvPr/>
         </p:nvPicPr>
         <p:blipFill>
-          <a:blip r:embed="rId3"/>
+          <a:blip r:embed="rId2"/>
           <a:stretch/>
         </p:blipFill>
         <p:spPr>
@@ -4130,11 +4469,14 @@
       </p:pic>
     </p:spTree>
   </p:cSld>
+  <p:clrMapOvr>
+    <a:masterClrMapping/>
+  </p:clrMapOvr>
 </p:sldLayout>
 </file>
 
 <file path=ppt/slideLayouts/slideLayout5.xml><?xml version="1.0" encoding="utf-8"?>
-<p:sldLayout xmlns:a="http://schemas.openxmlformats.org/drawingml/2006/main" xmlns:p="http://schemas.openxmlformats.org/presentationml/2006/main" xmlns:r="http://schemas.openxmlformats.org/officeDocument/2006/relationships" type="titleOnly" preserve="1">
+<p:sldLayout xmlns:a="http://schemas.openxmlformats.org/drawingml/2006/main" xmlns:r="http://schemas.openxmlformats.org/officeDocument/2006/relationships" xmlns:p="http://schemas.openxmlformats.org/presentationml/2006/main" type="titleOnly" preserve="1">
   <p:cSld name="Title Only">
     <p:spTree>
       <p:nvGrpSpPr>
@@ -4170,7 +4512,8 @@
           </a:prstGeom>
         </p:spPr>
         <p:txBody>
-          <a:bodyPr lIns="0" rIns="0" tIns="0" bIns="0" anchor="ctr"/>
+          <a:bodyPr lIns="0" tIns="0" rIns="0" bIns="0" anchor="ctr"/>
+          <a:lstStyle/>
           <a:p>
             <a:endParaRPr/>
           </a:p>
@@ -4178,11 +4521,14 @@
       </p:sp>
     </p:spTree>
   </p:cSld>
+  <p:clrMapOvr>
+    <a:masterClrMapping/>
+  </p:clrMapOvr>
 </p:sldLayout>
 </file>
 
 <file path=ppt/slideLayouts/slideLayout6.xml><?xml version="1.0" encoding="utf-8"?>
-<p:sldLayout xmlns:a="http://schemas.openxmlformats.org/drawingml/2006/main" xmlns:p="http://schemas.openxmlformats.org/presentationml/2006/main" xmlns:r="http://schemas.openxmlformats.org/officeDocument/2006/relationships" type="objOnly" preserve="1">
+<p:sldLayout xmlns:a="http://schemas.openxmlformats.org/drawingml/2006/main" xmlns:r="http://schemas.openxmlformats.org/officeDocument/2006/relationships" xmlns:p="http://schemas.openxmlformats.org/presentationml/2006/main" type="objOnly" preserve="1">
   <p:cSld name="Centered Text">
     <p:spTree>
       <p:nvGrpSpPr>
@@ -4218,7 +4564,8 @@
           </a:prstGeom>
         </p:spPr>
         <p:txBody>
-          <a:bodyPr lIns="0" rIns="0" tIns="0" bIns="0" anchor="ctr"/>
+          <a:bodyPr lIns="0" tIns="0" rIns="0" bIns="0" anchor="ctr"/>
+          <a:lstStyle/>
           <a:p>
             <a:pPr algn="ctr"/>
             <a:endParaRPr/>
@@ -4227,11 +4574,14 @@
       </p:sp>
     </p:spTree>
   </p:cSld>
+  <p:clrMapOvr>
+    <a:masterClrMapping/>
+  </p:clrMapOvr>
 </p:sldLayout>
 </file>
 
 <file path=ppt/slideLayouts/slideLayout7.xml><?xml version="1.0" encoding="utf-8"?>
-<p:sldLayout xmlns:a="http://schemas.openxmlformats.org/drawingml/2006/main" xmlns:p="http://schemas.openxmlformats.org/presentationml/2006/main" xmlns:r="http://schemas.openxmlformats.org/officeDocument/2006/relationships" type="twoObjAndObj" preserve="1">
+<p:sldLayout xmlns:a="http://schemas.openxmlformats.org/drawingml/2006/main" xmlns:r="http://schemas.openxmlformats.org/officeDocument/2006/relationships" xmlns:p="http://schemas.openxmlformats.org/presentationml/2006/main" type="twoObjAndObj" preserve="1">
   <p:cSld name="Title, 2 Content and Content">
     <p:spTree>
       <p:nvGrpSpPr>
@@ -4267,7 +4617,8 @@
           </a:prstGeom>
         </p:spPr>
         <p:txBody>
-          <a:bodyPr lIns="0" rIns="0" tIns="0" bIns="0" anchor="ctr"/>
+          <a:bodyPr lIns="0" tIns="0" rIns="0" bIns="0" anchor="ctr"/>
+          <a:lstStyle/>
           <a:p>
             <a:endParaRPr/>
           </a:p>
@@ -4293,7 +4644,8 @@
           </a:prstGeom>
         </p:spPr>
         <p:txBody>
-          <a:bodyPr lIns="0" rIns="0" tIns="0" bIns="0"/>
+          <a:bodyPr lIns="0" tIns="0" rIns="0" bIns="0"/>
+          <a:lstStyle/>
           <a:p>
             <a:endParaRPr/>
           </a:p>
@@ -4319,7 +4671,8 @@
           </a:prstGeom>
         </p:spPr>
         <p:txBody>
-          <a:bodyPr lIns="0" rIns="0" tIns="0" bIns="0"/>
+          <a:bodyPr lIns="0" tIns="0" rIns="0" bIns="0"/>
+          <a:lstStyle/>
           <a:p>
             <a:endParaRPr/>
           </a:p>
@@ -4345,7 +4698,8 @@
           </a:prstGeom>
         </p:spPr>
         <p:txBody>
-          <a:bodyPr lIns="0" rIns="0" tIns="0" bIns="0"/>
+          <a:bodyPr lIns="0" tIns="0" rIns="0" bIns="0"/>
+          <a:lstStyle/>
           <a:p>
             <a:endParaRPr/>
           </a:p>
@@ -4353,11 +4707,14 @@
       </p:sp>
     </p:spTree>
   </p:cSld>
+  <p:clrMapOvr>
+    <a:masterClrMapping/>
+  </p:clrMapOvr>
 </p:sldLayout>
 </file>
 
 <file path=ppt/slideLayouts/slideLayout8.xml><?xml version="1.0" encoding="utf-8"?>
-<p:sldLayout xmlns:a="http://schemas.openxmlformats.org/drawingml/2006/main" xmlns:p="http://schemas.openxmlformats.org/presentationml/2006/main" xmlns:r="http://schemas.openxmlformats.org/officeDocument/2006/relationships" type="objAndTwoObj" preserve="1">
+<p:sldLayout xmlns:a="http://schemas.openxmlformats.org/drawingml/2006/main" xmlns:r="http://schemas.openxmlformats.org/officeDocument/2006/relationships" xmlns:p="http://schemas.openxmlformats.org/presentationml/2006/main" type="objAndTwoObj" preserve="1">
   <p:cSld name="Title Content and 2 Content">
     <p:spTree>
       <p:nvGrpSpPr>
@@ -4393,7 +4750,8 @@
           </a:prstGeom>
         </p:spPr>
         <p:txBody>
-          <a:bodyPr lIns="0" rIns="0" tIns="0" bIns="0" anchor="ctr"/>
+          <a:bodyPr lIns="0" tIns="0" rIns="0" bIns="0" anchor="ctr"/>
+          <a:lstStyle/>
           <a:p>
             <a:endParaRPr/>
           </a:p>
@@ -4419,7 +4777,8 @@
           </a:prstGeom>
         </p:spPr>
         <p:txBody>
-          <a:bodyPr lIns="0" rIns="0" tIns="0" bIns="0"/>
+          <a:bodyPr lIns="0" tIns="0" rIns="0" bIns="0"/>
+          <a:lstStyle/>
           <a:p>
             <a:endParaRPr/>
           </a:p>
@@ -4445,7 +4804,8 @@
           </a:prstGeom>
         </p:spPr>
         <p:txBody>
-          <a:bodyPr lIns="0" rIns="0" tIns="0" bIns="0"/>
+          <a:bodyPr lIns="0" tIns="0" rIns="0" bIns="0"/>
+          <a:lstStyle/>
           <a:p>
             <a:endParaRPr/>
           </a:p>
@@ -4471,7 +4831,8 @@
           </a:prstGeom>
         </p:spPr>
         <p:txBody>
-          <a:bodyPr lIns="0" rIns="0" tIns="0" bIns="0"/>
+          <a:bodyPr lIns="0" tIns="0" rIns="0" bIns="0"/>
+          <a:lstStyle/>
           <a:p>
             <a:endParaRPr/>
           </a:p>
@@ -4479,11 +4840,14 @@
       </p:sp>
     </p:spTree>
   </p:cSld>
+  <p:clrMapOvr>
+    <a:masterClrMapping/>
+  </p:clrMapOvr>
 </p:sldLayout>
 </file>
 
 <file path=ppt/slideLayouts/slideLayout9.xml><?xml version="1.0" encoding="utf-8"?>
-<p:sldLayout xmlns:a="http://schemas.openxmlformats.org/drawingml/2006/main" xmlns:p="http://schemas.openxmlformats.org/presentationml/2006/main" xmlns:r="http://schemas.openxmlformats.org/officeDocument/2006/relationships" type="twoObjOverTx" preserve="1">
+<p:sldLayout xmlns:a="http://schemas.openxmlformats.org/drawingml/2006/main" xmlns:r="http://schemas.openxmlformats.org/officeDocument/2006/relationships" xmlns:p="http://schemas.openxmlformats.org/presentationml/2006/main" type="twoObjOverTx" preserve="1">
   <p:cSld name="Title, 2 Content over Content">
     <p:spTree>
       <p:nvGrpSpPr>
@@ -4519,7 +4883,8 @@
           </a:prstGeom>
         </p:spPr>
         <p:txBody>
-          <a:bodyPr lIns="0" rIns="0" tIns="0" bIns="0" anchor="ctr"/>
+          <a:bodyPr lIns="0" tIns="0" rIns="0" bIns="0" anchor="ctr"/>
+          <a:lstStyle/>
           <a:p>
             <a:endParaRPr/>
           </a:p>
@@ -4545,7 +4910,8 @@
           </a:prstGeom>
         </p:spPr>
         <p:txBody>
-          <a:bodyPr lIns="0" rIns="0" tIns="0" bIns="0"/>
+          <a:bodyPr lIns="0" tIns="0" rIns="0" bIns="0"/>
+          <a:lstStyle/>
           <a:p>
             <a:endParaRPr/>
           </a:p>
@@ -4571,7 +4937,8 @@
           </a:prstGeom>
         </p:spPr>
         <p:txBody>
-          <a:bodyPr lIns="0" rIns="0" tIns="0" bIns="0"/>
+          <a:bodyPr lIns="0" tIns="0" rIns="0" bIns="0"/>
+          <a:lstStyle/>
           <a:p>
             <a:endParaRPr/>
           </a:p>
@@ -4597,7 +4964,8 @@
           </a:prstGeom>
         </p:spPr>
         <p:txBody>
-          <a:bodyPr lIns="0" rIns="0" tIns="0" bIns="0"/>
+          <a:bodyPr lIns="0" tIns="0" rIns="0" bIns="0"/>
+          <a:lstStyle/>
           <a:p>
             <a:endParaRPr/>
           </a:p>
@@ -4605,12 +4973,20 @@
       </p:sp>
     </p:spTree>
   </p:cSld>
+  <p:clrMapOvr>
+    <a:masterClrMapping/>
+  </p:clrMapOvr>
 </p:sldLayout>
 </file>
 
 <file path=ppt/slideMasters/slideMaster1.xml><?xml version="1.0" encoding="utf-8"?>
-<p:sldMaster xmlns:a="http://schemas.openxmlformats.org/drawingml/2006/main" xmlns:p="http://schemas.openxmlformats.org/presentationml/2006/main" xmlns:r="http://schemas.openxmlformats.org/officeDocument/2006/relationships">
+<p:sldMaster xmlns:a="http://schemas.openxmlformats.org/drawingml/2006/main" xmlns:r="http://schemas.openxmlformats.org/officeDocument/2006/relationships" xmlns:p="http://schemas.openxmlformats.org/presentationml/2006/main">
   <p:cSld>
+    <p:bg>
+      <p:bgRef idx="1001">
+        <a:schemeClr val="bg1"/>
+      </p:bgRef>
+    </p:bg>
     <p:spTree>
       <p:nvGrpSpPr>
         <p:cNvPr id="1" name=""/>
@@ -4627,12 +5003,12 @@
       </p:grpSpPr>
       <p:pic>
         <p:nvPicPr>
-          <p:cNvPr id="0" name="" descr=""/>
+          <p:cNvPr id="6" name="Obrázek 5"/>
           <p:cNvPicPr/>
           <p:nvPr/>
         </p:nvPicPr>
         <p:blipFill>
-          <a:blip r:embed="rId2"/>
+          <a:blip r:embed="rId14"/>
           <a:stretch/>
         </p:blipFill>
         <p:spPr>
@@ -4650,7 +5026,7 @@
       </p:pic>
       <p:sp>
         <p:nvSpPr>
-          <p:cNvPr id="1" name="PlaceHolder 1"/>
+          <p:cNvPr id="7" name="PlaceHolder 1"/>
           <p:cNvSpPr>
             <a:spLocks noGrp="1"/>
           </p:cNvSpPr>
@@ -4668,7 +5044,8 @@
           </a:prstGeom>
         </p:spPr>
         <p:txBody>
-          <a:bodyPr lIns="0" rIns="0" tIns="0" bIns="0"/>
+          <a:bodyPr lIns="0" tIns="0" rIns="0" bIns="0"/>
+          <a:lstStyle/>
           <a:p>
             <a:endParaRPr/>
           </a:p>
@@ -4694,7 +5071,8 @@
           </a:prstGeom>
         </p:spPr>
         <p:txBody>
-          <a:bodyPr lIns="0" rIns="0" tIns="0" bIns="0"/>
+          <a:bodyPr lIns="0" tIns="0" rIns="0" bIns="0"/>
+          <a:lstStyle/>
           <a:p>
             <a:endParaRPr/>
           </a:p>
@@ -4720,7 +5098,8 @@
           </a:prstGeom>
         </p:spPr>
         <p:txBody>
-          <a:bodyPr lIns="0" rIns="0" tIns="0" bIns="0"/>
+          <a:bodyPr lIns="0" tIns="0" rIns="0" bIns="0"/>
+          <a:lstStyle/>
           <a:p>
             <a:pPr algn="r">
               <a:lnSpc>
@@ -4735,7 +5114,7 @@
                 <a:latin typeface="Times New Roman"/>
                 <a:ea typeface="DejaVu Sans"/>
               </a:rPr>
-              <a:t>&lt;číslo&gt;</a:t>
+              <a:t>‹#›</a:t>
             </a:fld>
             <a:endParaRPr/>
           </a:p>
@@ -4761,7 +5140,8 @@
           </a:prstGeom>
         </p:spPr>
         <p:txBody>
-          <a:bodyPr lIns="0" rIns="0" tIns="0" bIns="0" anchor="ctr"/>
+          <a:bodyPr lIns="0" tIns="0" rIns="0" bIns="0" anchor="ctr"/>
+          <a:lstStyle/>
           <a:p>
             <a:r>
               <a:rPr lang="cs-CZ">
@@ -4793,7 +5173,8 @@
           </a:prstGeom>
         </p:spPr>
         <p:txBody>
-          <a:bodyPr lIns="0" rIns="0" tIns="0" bIns="0"/>
+          <a:bodyPr lIns="0" tIns="0" rIns="0" bIns="0"/>
+          <a:lstStyle/>
           <a:p>
             <a:pPr>
               <a:buSzPct val="45000"/>
@@ -4896,27 +5277,37 @@
       </p:sp>
     </p:spTree>
   </p:cSld>
-  <p:clrMap bg1="lt1" bg2="lt2" tx1="dk1" tx2="dk2" accent1="accent1" accent2="accent2" accent3="accent3" accent4="accent4" accent5="accent5" accent6="accent6" hlink="hlink" folHlink="folHlink"/>
+  <p:clrMap bg1="lt1" tx1="dk1" bg2="lt2" tx2="dk2" accent1="accent1" accent2="accent2" accent3="accent3" accent4="accent4" accent5="accent5" accent6="accent6" hlink="hlink" folHlink="folHlink"/>
   <p:sldLayoutIdLst>
-    <p:sldLayoutId id="2147483649" r:id="rId3"/>
-    <p:sldLayoutId id="2147483650" r:id="rId4"/>
-    <p:sldLayoutId id="2147483651" r:id="rId5"/>
-    <p:sldLayoutId id="2147483652" r:id="rId6"/>
-    <p:sldLayoutId id="2147483653" r:id="rId7"/>
-    <p:sldLayoutId id="2147483654" r:id="rId8"/>
-    <p:sldLayoutId id="2147483655" r:id="rId9"/>
-    <p:sldLayoutId id="2147483656" r:id="rId10"/>
-    <p:sldLayoutId id="2147483657" r:id="rId11"/>
-    <p:sldLayoutId id="2147483658" r:id="rId12"/>
-    <p:sldLayoutId id="2147483659" r:id="rId13"/>
-    <p:sldLayoutId id="2147483660" r:id="rId14"/>
+    <p:sldLayoutId id="2147483649" r:id="rId1"/>
+    <p:sldLayoutId id="2147483650" r:id="rId2"/>
+    <p:sldLayoutId id="2147483651" r:id="rId3"/>
+    <p:sldLayoutId id="2147483652" r:id="rId4"/>
+    <p:sldLayoutId id="2147483653" r:id="rId5"/>
+    <p:sldLayoutId id="2147483654" r:id="rId6"/>
+    <p:sldLayoutId id="2147483655" r:id="rId7"/>
+    <p:sldLayoutId id="2147483656" r:id="rId8"/>
+    <p:sldLayoutId id="2147483657" r:id="rId9"/>
+    <p:sldLayoutId id="2147483658" r:id="rId10"/>
+    <p:sldLayoutId id="2147483659" r:id="rId11"/>
+    <p:sldLayoutId id="2147483660" r:id="rId12"/>
   </p:sldLayoutIdLst>
+  <p:txStyles>
+    <p:titleStyle/>
+    <p:bodyStyle/>
+    <p:otherStyle/>
+  </p:txStyles>
 </p:sldMaster>
 </file>
 
 <file path=ppt/slideMasters/slideMaster2.xml><?xml version="1.0" encoding="utf-8"?>
-<p:sldMaster xmlns:a="http://schemas.openxmlformats.org/drawingml/2006/main" xmlns:p="http://schemas.openxmlformats.org/presentationml/2006/main" xmlns:r="http://schemas.openxmlformats.org/officeDocument/2006/relationships">
+<p:sldMaster xmlns:a="http://schemas.openxmlformats.org/drawingml/2006/main" xmlns:r="http://schemas.openxmlformats.org/officeDocument/2006/relationships" xmlns:p="http://schemas.openxmlformats.org/presentationml/2006/main">
   <p:cSld>
+    <p:bg>
+      <p:bgRef idx="1001">
+        <a:schemeClr val="bg1"/>
+      </p:bgRef>
+    </p:bg>
     <p:spTree>
       <p:nvGrpSpPr>
         <p:cNvPr id="1" name=""/>
@@ -4933,12 +5324,12 @@
       </p:grpSpPr>
       <p:pic>
         <p:nvPicPr>
-          <p:cNvPr id="40" name="" descr=""/>
+          <p:cNvPr id="40" name="Obrázek 39"/>
           <p:cNvPicPr/>
           <p:nvPr/>
         </p:nvPicPr>
         <p:blipFill>
-          <a:blip r:embed="rId2"/>
+          <a:blip r:embed="rId14"/>
           <a:stretch/>
         </p:blipFill>
         <p:spPr>
@@ -4974,7 +5365,8 @@
           </a:prstGeom>
         </p:spPr>
         <p:txBody>
-          <a:bodyPr lIns="0" rIns="0" tIns="0" bIns="0"/>
+          <a:bodyPr lIns="0" tIns="0" rIns="0" bIns="0"/>
+          <a:lstStyle/>
           <a:p>
             <a:pPr>
               <a:lnSpc>
@@ -4985,7 +5377,7 @@
               <a:buChar char=""/>
             </a:pPr>
             <a:r>
-              <a:rPr b="1" lang="cs-CZ" sz="4000" strike="noStrike">
+              <a:rPr lang="cs-CZ" sz="4000" b="1" strike="noStrike">
                 <a:latin typeface="Arial"/>
               </a:rPr>
               <a:t>Klikněte pro úpravu formátu textu nadpisuKliknutím lze upravit styl.</a:t>
@@ -5014,7 +5406,8 @@
           </a:prstGeom>
         </p:spPr>
         <p:txBody>
-          <a:bodyPr lIns="0" rIns="0" tIns="0" bIns="0" anchor="b"/>
+          <a:bodyPr lIns="0" tIns="0" rIns="0" bIns="0" anchor="b"/>
+          <a:lstStyle/>
           <a:p>
             <a:pPr>
               <a:buSzPct val="45000"/>
@@ -5024,7 +5417,7 @@
             <a:r>
               <a:rPr lang="cs-CZ" sz="2000" strike="noStrike">
                 <a:solidFill>
-                  <a:srgbClr val="8b8b8b"/>
+                  <a:srgbClr val="8B8B8B"/>
                 </a:solidFill>
                 <a:latin typeface="Arial"/>
                 <a:ea typeface="WenQuanYi Zen Hei"/>
@@ -5042,7 +5435,7 @@
             <a:r>
               <a:rPr lang="cs-CZ" sz="2000" strike="noStrike">
                 <a:solidFill>
-                  <a:srgbClr val="8b8b8b"/>
+                  <a:srgbClr val="8B8B8B"/>
                 </a:solidFill>
                 <a:latin typeface="Arial"/>
                 <a:ea typeface="WenQuanYi Zen Hei"/>
@@ -5060,7 +5453,7 @@
             <a:r>
               <a:rPr lang="cs-CZ" sz="2000" strike="noStrike">
                 <a:solidFill>
-                  <a:srgbClr val="8b8b8b"/>
+                  <a:srgbClr val="8B8B8B"/>
                 </a:solidFill>
                 <a:latin typeface="Arial"/>
                 <a:ea typeface="WenQuanYi Zen Hei"/>
@@ -5078,7 +5471,7 @@
             <a:r>
               <a:rPr lang="cs-CZ" sz="2000" strike="noStrike">
                 <a:solidFill>
-                  <a:srgbClr val="8b8b8b"/>
+                  <a:srgbClr val="8B8B8B"/>
                 </a:solidFill>
                 <a:latin typeface="Arial"/>
                 <a:ea typeface="WenQuanYi Zen Hei"/>
@@ -5096,7 +5489,7 @@
             <a:r>
               <a:rPr lang="cs-CZ" sz="2000" strike="noStrike">
                 <a:solidFill>
-                  <a:srgbClr val="8b8b8b"/>
+                  <a:srgbClr val="8B8B8B"/>
                 </a:solidFill>
                 <a:latin typeface="Arial"/>
                 <a:ea typeface="WenQuanYi Zen Hei"/>
@@ -5114,7 +5507,7 @@
             <a:r>
               <a:rPr lang="cs-CZ" sz="2000" strike="noStrike">
                 <a:solidFill>
-                  <a:srgbClr val="8b8b8b"/>
+                  <a:srgbClr val="8B8B8B"/>
                 </a:solidFill>
                 <a:latin typeface="Arial"/>
                 <a:ea typeface="WenQuanYi Zen Hei"/>
@@ -5132,7 +5525,7 @@
             <a:r>
               <a:rPr lang="cs-CZ" sz="2000" strike="noStrike">
                 <a:solidFill>
-                  <a:srgbClr val="8b8b8b"/>
+                  <a:srgbClr val="8B8B8B"/>
                 </a:solidFill>
                 <a:latin typeface="Arial"/>
                 <a:ea typeface="WenQuanYi Zen Hei"/>
@@ -5163,7 +5556,8 @@
           </a:prstGeom>
         </p:spPr>
         <p:txBody>
-          <a:bodyPr lIns="0" rIns="0" tIns="0" bIns="0"/>
+          <a:bodyPr lIns="0" tIns="0" rIns="0" bIns="0"/>
+          <a:lstStyle/>
           <a:p>
             <a:endParaRPr/>
           </a:p>
@@ -5189,7 +5583,8 @@
           </a:prstGeom>
         </p:spPr>
         <p:txBody>
-          <a:bodyPr lIns="0" rIns="0" tIns="0" bIns="0"/>
+          <a:bodyPr lIns="0" tIns="0" rIns="0" bIns="0"/>
+          <a:lstStyle/>
           <a:p>
             <a:endParaRPr/>
           </a:p>
@@ -5215,7 +5610,8 @@
           </a:prstGeom>
         </p:spPr>
         <p:txBody>
-          <a:bodyPr lIns="0" rIns="0" tIns="0" bIns="0"/>
+          <a:bodyPr lIns="0" tIns="0" rIns="0" bIns="0"/>
+          <a:lstStyle/>
           <a:p>
             <a:pPr algn="r">
               <a:lnSpc>
@@ -5230,7 +5626,7 @@
                 <a:latin typeface="Times New Roman"/>
                 <a:ea typeface="DejaVu Sans"/>
               </a:rPr>
-              <a:t>&lt;číslo&gt;</a:t>
+              <a:t>‹#›</a:t>
             </a:fld>
             <a:endParaRPr/>
           </a:p>
@@ -5238,27 +5634,37 @@
       </p:sp>
     </p:spTree>
   </p:cSld>
-  <p:clrMap bg1="lt1" bg2="lt2" tx1="dk1" tx2="dk2" accent1="accent1" accent2="accent2" accent3="accent3" accent4="accent4" accent5="accent5" accent6="accent6" hlink="hlink" folHlink="folHlink"/>
+  <p:clrMap bg1="lt1" tx1="dk1" bg2="lt2" tx2="dk2" accent1="accent1" accent2="accent2" accent3="accent3" accent4="accent4" accent5="accent5" accent6="accent6" hlink="hlink" folHlink="folHlink"/>
   <p:sldLayoutIdLst>
-    <p:sldLayoutId id="2147483662" r:id="rId3"/>
-    <p:sldLayoutId id="2147483663" r:id="rId4"/>
-    <p:sldLayoutId id="2147483664" r:id="rId5"/>
-    <p:sldLayoutId id="2147483665" r:id="rId6"/>
-    <p:sldLayoutId id="2147483666" r:id="rId7"/>
-    <p:sldLayoutId id="2147483667" r:id="rId8"/>
-    <p:sldLayoutId id="2147483668" r:id="rId9"/>
-    <p:sldLayoutId id="2147483669" r:id="rId10"/>
-    <p:sldLayoutId id="2147483670" r:id="rId11"/>
-    <p:sldLayoutId id="2147483671" r:id="rId12"/>
-    <p:sldLayoutId id="2147483672" r:id="rId13"/>
-    <p:sldLayoutId id="2147483673" r:id="rId14"/>
+    <p:sldLayoutId id="2147483662" r:id="rId1"/>
+    <p:sldLayoutId id="2147483663" r:id="rId2"/>
+    <p:sldLayoutId id="2147483664" r:id="rId3"/>
+    <p:sldLayoutId id="2147483665" r:id="rId4"/>
+    <p:sldLayoutId id="2147483666" r:id="rId5"/>
+    <p:sldLayoutId id="2147483667" r:id="rId6"/>
+    <p:sldLayoutId id="2147483668" r:id="rId7"/>
+    <p:sldLayoutId id="2147483669" r:id="rId8"/>
+    <p:sldLayoutId id="2147483670" r:id="rId9"/>
+    <p:sldLayoutId id="2147483671" r:id="rId10"/>
+    <p:sldLayoutId id="2147483672" r:id="rId11"/>
+    <p:sldLayoutId id="2147483673" r:id="rId12"/>
   </p:sldLayoutIdLst>
+  <p:txStyles>
+    <p:titleStyle/>
+    <p:bodyStyle/>
+    <p:otherStyle/>
+  </p:txStyles>
 </p:sldMaster>
 </file>
 
 <file path=ppt/slideMasters/slideMaster3.xml><?xml version="1.0" encoding="utf-8"?>
-<p:sldMaster xmlns:a="http://schemas.openxmlformats.org/drawingml/2006/main" xmlns:p="http://schemas.openxmlformats.org/presentationml/2006/main" xmlns:r="http://schemas.openxmlformats.org/officeDocument/2006/relationships">
+<p:sldMaster xmlns:a="http://schemas.openxmlformats.org/drawingml/2006/main" xmlns:r="http://schemas.openxmlformats.org/officeDocument/2006/relationships" xmlns:p="http://schemas.openxmlformats.org/presentationml/2006/main">
   <p:cSld>
+    <p:bg>
+      <p:bgRef idx="1001">
+        <a:schemeClr val="bg1"/>
+      </p:bgRef>
+    </p:bg>
     <p:spTree>
       <p:nvGrpSpPr>
         <p:cNvPr id="1" name=""/>
@@ -5275,12 +5681,12 @@
       </p:grpSpPr>
       <p:pic>
         <p:nvPicPr>
-          <p:cNvPr id="80" name="" descr=""/>
+          <p:cNvPr id="80" name="Obrázek 79"/>
           <p:cNvPicPr/>
           <p:nvPr/>
         </p:nvPicPr>
         <p:blipFill>
-          <a:blip r:embed="rId2"/>
+          <a:blip r:embed="rId14"/>
           <a:stretch/>
         </p:blipFill>
         <p:spPr>
@@ -5316,7 +5722,8 @@
           </a:prstGeom>
         </p:spPr>
         <p:txBody>
-          <a:bodyPr lIns="0" rIns="0" tIns="0" bIns="0" anchor="ctr"/>
+          <a:bodyPr lIns="0" tIns="0" rIns="0" bIns="0" anchor="ctr"/>
+          <a:lstStyle/>
           <a:p>
             <a:pPr>
               <a:lnSpc>
@@ -5356,7 +5763,8 @@
           </a:prstGeom>
         </p:spPr>
         <p:txBody>
-          <a:bodyPr lIns="0" rIns="0" tIns="0" bIns="0"/>
+          <a:bodyPr lIns="0" tIns="0" rIns="0" bIns="0"/>
+          <a:lstStyle/>
           <a:p>
             <a:pPr>
               <a:buSzPct val="45000"/>
@@ -5559,7 +5967,8 @@
           </a:prstGeom>
         </p:spPr>
         <p:txBody>
-          <a:bodyPr lIns="0" rIns="0" tIns="0" bIns="0"/>
+          <a:bodyPr lIns="0" tIns="0" rIns="0" bIns="0"/>
+          <a:lstStyle/>
           <a:p>
             <a:pPr>
               <a:buSzPct val="45000"/>
@@ -5762,7 +6171,8 @@
           </a:prstGeom>
         </p:spPr>
         <p:txBody>
-          <a:bodyPr lIns="0" rIns="0" tIns="0" bIns="0"/>
+          <a:bodyPr lIns="0" tIns="0" rIns="0" bIns="0"/>
+          <a:lstStyle/>
           <a:p>
             <a:endParaRPr/>
           </a:p>
@@ -5788,7 +6198,8 @@
           </a:prstGeom>
         </p:spPr>
         <p:txBody>
-          <a:bodyPr lIns="0" rIns="0" tIns="0" bIns="0"/>
+          <a:bodyPr lIns="0" tIns="0" rIns="0" bIns="0"/>
+          <a:lstStyle/>
           <a:p>
             <a:endParaRPr/>
           </a:p>
@@ -5814,7 +6225,8 @@
           </a:prstGeom>
         </p:spPr>
         <p:txBody>
-          <a:bodyPr lIns="0" rIns="0" tIns="0" bIns="0"/>
+          <a:bodyPr lIns="0" tIns="0" rIns="0" bIns="0"/>
+          <a:lstStyle/>
           <a:p>
             <a:pPr algn="r">
               <a:lnSpc>
@@ -5829,7 +6241,7 @@
                 <a:latin typeface="Times New Roman"/>
                 <a:ea typeface="DejaVu Sans"/>
               </a:rPr>
-              <a:t>&lt;číslo&gt;</a:t>
+              <a:t>‹#›</a:t>
             </a:fld>
             <a:endParaRPr/>
           </a:p>
@@ -5837,27 +6249,37 @@
       </p:sp>
     </p:spTree>
   </p:cSld>
-  <p:clrMap bg1="lt1" bg2="lt2" tx1="dk1" tx2="dk2" accent1="accent1" accent2="accent2" accent3="accent3" accent4="accent4" accent5="accent5" accent6="accent6" hlink="hlink" folHlink="folHlink"/>
+  <p:clrMap bg1="lt1" tx1="dk1" bg2="lt2" tx2="dk2" accent1="accent1" accent2="accent2" accent3="accent3" accent4="accent4" accent5="accent5" accent6="accent6" hlink="hlink" folHlink="folHlink"/>
   <p:sldLayoutIdLst>
-    <p:sldLayoutId id="2147483675" r:id="rId3"/>
-    <p:sldLayoutId id="2147483676" r:id="rId4"/>
-    <p:sldLayoutId id="2147483677" r:id="rId5"/>
-    <p:sldLayoutId id="2147483678" r:id="rId6"/>
-    <p:sldLayoutId id="2147483679" r:id="rId7"/>
-    <p:sldLayoutId id="2147483680" r:id="rId8"/>
-    <p:sldLayoutId id="2147483681" r:id="rId9"/>
-    <p:sldLayoutId id="2147483682" r:id="rId10"/>
-    <p:sldLayoutId id="2147483683" r:id="rId11"/>
-    <p:sldLayoutId id="2147483684" r:id="rId12"/>
-    <p:sldLayoutId id="2147483685" r:id="rId13"/>
-    <p:sldLayoutId id="2147483686" r:id="rId14"/>
+    <p:sldLayoutId id="2147483675" r:id="rId1"/>
+    <p:sldLayoutId id="2147483676" r:id="rId2"/>
+    <p:sldLayoutId id="2147483677" r:id="rId3"/>
+    <p:sldLayoutId id="2147483678" r:id="rId4"/>
+    <p:sldLayoutId id="2147483679" r:id="rId5"/>
+    <p:sldLayoutId id="2147483680" r:id="rId6"/>
+    <p:sldLayoutId id="2147483681" r:id="rId7"/>
+    <p:sldLayoutId id="2147483682" r:id="rId8"/>
+    <p:sldLayoutId id="2147483683" r:id="rId9"/>
+    <p:sldLayoutId id="2147483684" r:id="rId10"/>
+    <p:sldLayoutId id="2147483685" r:id="rId11"/>
+    <p:sldLayoutId id="2147483686" r:id="rId12"/>
   </p:sldLayoutIdLst>
+  <p:txStyles>
+    <p:titleStyle/>
+    <p:bodyStyle/>
+    <p:otherStyle/>
+  </p:txStyles>
 </p:sldMaster>
 </file>
 
 <file path=ppt/slideMasters/slideMaster4.xml><?xml version="1.0" encoding="utf-8"?>
-<p:sldMaster xmlns:a="http://schemas.openxmlformats.org/drawingml/2006/main" xmlns:p="http://schemas.openxmlformats.org/presentationml/2006/main" xmlns:r="http://schemas.openxmlformats.org/officeDocument/2006/relationships">
+<p:sldMaster xmlns:a="http://schemas.openxmlformats.org/drawingml/2006/main" xmlns:r="http://schemas.openxmlformats.org/officeDocument/2006/relationships" xmlns:p="http://schemas.openxmlformats.org/presentationml/2006/main">
   <p:cSld>
+    <p:bg>
+      <p:bgRef idx="1001">
+        <a:schemeClr val="bg1"/>
+      </p:bgRef>
+    </p:bg>
     <p:spTree>
       <p:nvGrpSpPr>
         <p:cNvPr id="1" name=""/>
@@ -5874,12 +6296,12 @@
       </p:grpSpPr>
       <p:pic>
         <p:nvPicPr>
-          <p:cNvPr id="121" name="" descr=""/>
+          <p:cNvPr id="121" name="Obrázek 120"/>
           <p:cNvPicPr/>
           <p:nvPr/>
         </p:nvPicPr>
         <p:blipFill>
-          <a:blip r:embed="rId2"/>
+          <a:blip r:embed="rId14"/>
           <a:stretch/>
         </p:blipFill>
         <p:spPr>
@@ -5915,7 +6337,8 @@
           </a:prstGeom>
         </p:spPr>
         <p:txBody>
-          <a:bodyPr lIns="0" rIns="0" tIns="0" bIns="0" anchor="ctr"/>
+          <a:bodyPr lIns="0" tIns="0" rIns="0" bIns="0" anchor="ctr"/>
+          <a:lstStyle/>
           <a:p>
             <a:pPr>
               <a:lnSpc>
@@ -5955,7 +6378,8 @@
           </a:prstGeom>
         </p:spPr>
         <p:txBody>
-          <a:bodyPr lIns="0" rIns="0" tIns="0" bIns="0"/>
+          <a:bodyPr lIns="0" tIns="0" rIns="0" bIns="0"/>
+          <a:lstStyle/>
           <a:p>
             <a:pPr>
               <a:buSzPct val="45000"/>
@@ -6158,7 +6582,8 @@
           </a:prstGeom>
         </p:spPr>
         <p:txBody>
-          <a:bodyPr lIns="0" rIns="0" tIns="0" bIns="0"/>
+          <a:bodyPr lIns="0" tIns="0" rIns="0" bIns="0"/>
+          <a:lstStyle/>
           <a:p>
             <a:endParaRPr/>
           </a:p>
@@ -6184,7 +6609,8 @@
           </a:prstGeom>
         </p:spPr>
         <p:txBody>
-          <a:bodyPr lIns="0" rIns="0" tIns="0" bIns="0"/>
+          <a:bodyPr lIns="0" tIns="0" rIns="0" bIns="0"/>
+          <a:lstStyle/>
           <a:p>
             <a:endParaRPr/>
           </a:p>
@@ -6210,7 +6636,8 @@
           </a:prstGeom>
         </p:spPr>
         <p:txBody>
-          <a:bodyPr lIns="0" rIns="0" tIns="0" bIns="0"/>
+          <a:bodyPr lIns="0" tIns="0" rIns="0" bIns="0"/>
+          <a:lstStyle/>
           <a:p>
             <a:pPr algn="r">
               <a:lnSpc>
@@ -6225,7 +6652,7 @@
                 <a:latin typeface="Times New Roman"/>
                 <a:ea typeface="DejaVu Sans"/>
               </a:rPr>
-              <a:t>&lt;číslo&gt;</a:t>
+              <a:t>‹#›</a:t>
             </a:fld>
             <a:endParaRPr/>
           </a:p>
@@ -6233,26 +6660,31 @@
       </p:sp>
     </p:spTree>
   </p:cSld>
-  <p:clrMap bg1="lt1" bg2="lt2" tx1="dk1" tx2="dk2" accent1="accent1" accent2="accent2" accent3="accent3" accent4="accent4" accent5="accent5" accent6="accent6" hlink="hlink" folHlink="folHlink"/>
+  <p:clrMap bg1="lt1" tx1="dk1" bg2="lt2" tx2="dk2" accent1="accent1" accent2="accent2" accent3="accent3" accent4="accent4" accent5="accent5" accent6="accent6" hlink="hlink" folHlink="folHlink"/>
   <p:sldLayoutIdLst>
-    <p:sldLayoutId id="2147483688" r:id="rId3"/>
-    <p:sldLayoutId id="2147483689" r:id="rId4"/>
-    <p:sldLayoutId id="2147483690" r:id="rId5"/>
-    <p:sldLayoutId id="2147483691" r:id="rId6"/>
-    <p:sldLayoutId id="2147483692" r:id="rId7"/>
-    <p:sldLayoutId id="2147483693" r:id="rId8"/>
-    <p:sldLayoutId id="2147483694" r:id="rId9"/>
-    <p:sldLayoutId id="2147483695" r:id="rId10"/>
-    <p:sldLayoutId id="2147483696" r:id="rId11"/>
-    <p:sldLayoutId id="2147483697" r:id="rId12"/>
-    <p:sldLayoutId id="2147483698" r:id="rId13"/>
-    <p:sldLayoutId id="2147483699" r:id="rId14"/>
+    <p:sldLayoutId id="2147483688" r:id="rId1"/>
+    <p:sldLayoutId id="2147483689" r:id="rId2"/>
+    <p:sldLayoutId id="2147483690" r:id="rId3"/>
+    <p:sldLayoutId id="2147483691" r:id="rId4"/>
+    <p:sldLayoutId id="2147483692" r:id="rId5"/>
+    <p:sldLayoutId id="2147483693" r:id="rId6"/>
+    <p:sldLayoutId id="2147483694" r:id="rId7"/>
+    <p:sldLayoutId id="2147483695" r:id="rId8"/>
+    <p:sldLayoutId id="2147483696" r:id="rId9"/>
+    <p:sldLayoutId id="2147483697" r:id="rId10"/>
+    <p:sldLayoutId id="2147483698" r:id="rId11"/>
+    <p:sldLayoutId id="2147483699" r:id="rId12"/>
   </p:sldLayoutIdLst>
+  <p:txStyles>
+    <p:titleStyle/>
+    <p:bodyStyle/>
+    <p:otherStyle/>
+  </p:txStyles>
 </p:sldMaster>
 </file>
 
 <file path=ppt/slides/slide1.xml><?xml version="1.0" encoding="utf-8"?>
-<p:sld xmlns:a="http://schemas.openxmlformats.org/drawingml/2006/main" xmlns:p="http://schemas.openxmlformats.org/presentationml/2006/main" xmlns:r="http://schemas.openxmlformats.org/officeDocument/2006/relationships">
+<p:sld xmlns:a="http://schemas.openxmlformats.org/drawingml/2006/main" xmlns:r="http://schemas.openxmlformats.org/officeDocument/2006/relationships" xmlns:p="http://schemas.openxmlformats.org/presentationml/2006/main">
   <p:cSld>
     <p:spTree>
       <p:nvGrpSpPr>
@@ -6288,7 +6720,8 @@
           </a:ln>
         </p:spPr>
         <p:txBody>
-          <a:bodyPr lIns="0" rIns="0" tIns="0" bIns="0" anchor="ctr"/>
+          <a:bodyPr lIns="0" tIns="0" rIns="0" bIns="0" anchor="ctr"/>
+          <a:lstStyle/>
           <a:p>
             <a:pPr algn="ctr">
               <a:lnSpc>
@@ -6296,25 +6729,31 @@
               </a:lnSpc>
             </a:pPr>
             <a:r>
-              <a:rPr lang="cs-CZ" sz="4000" strike="noStrike">
-                <a:latin typeface="Arial"/>
-              </a:rPr>
-              <a:t>Hubbleův vesmírný teleskop</a:t>
-            </a:r>
-            <a:r>
-              <a:rPr lang="cs-CZ" sz="4000" strike="noStrike">
-                <a:latin typeface="Arial"/>
-              </a:rPr>
-              <a:t>
-</a:t>
-            </a:r>
-            <a:r>
-              <a:rPr lang="cs-CZ" sz="4000" strike="noStrike">
-                <a:latin typeface="Arial"/>
-              </a:rPr>
-              <a:t>Vesmírný dalekohled Jamese Webba</a:t>
-            </a:r>
-            <a:endParaRPr/>
+              <a:rPr lang="cs-CZ" sz="4000" strike="noStrike" dirty="0" err="1">
+                <a:latin typeface="Arial"/>
+              </a:rPr>
+              <a:t>Hubbleův</a:t>
+            </a:r>
+            <a:r>
+              <a:rPr lang="cs-CZ" sz="4000" strike="noStrike" dirty="0">
+                <a:latin typeface="Arial"/>
+              </a:rPr>
+              <a:t> vesmírný teleskop
+Vesmírný </a:t>
+            </a:r>
+            <a:r>
+              <a:rPr lang="cs-CZ" sz="4000" strike="noStrike" dirty="0" smtClean="0">
+                <a:latin typeface="Arial"/>
+              </a:rPr>
+              <a:t>teleskop Jamese </a:t>
+            </a:r>
+            <a:r>
+              <a:rPr lang="cs-CZ" sz="4000" strike="noStrike" dirty="0" err="1">
+                <a:latin typeface="Arial"/>
+              </a:rPr>
+              <a:t>Webba</a:t>
+            </a:r>
+            <a:endParaRPr dirty="0"/>
           </a:p>
         </p:txBody>
       </p:sp>
@@ -6338,7 +6777,8 @@
           </a:ln>
         </p:spPr>
         <p:txBody>
-          <a:bodyPr lIns="0" rIns="0" tIns="0" bIns="0" anchor="ctr"/>
+          <a:bodyPr lIns="0" tIns="0" rIns="0" bIns="0" anchor="ctr"/>
+          <a:lstStyle/>
           <a:p>
             <a:pPr algn="r">
               <a:lnSpc>
@@ -6349,20 +6789,8 @@
               <a:rPr lang="cs-CZ" sz="2200" strike="noStrike">
                 <a:latin typeface="Arial"/>
               </a:rPr>
-              <a:t>Zdeněk Biberle, xbiber00@stud.fit.vutbr.cz</a:t>
-            </a:r>
-            <a:r>
-              <a:rPr lang="cs-CZ" sz="2200" strike="noStrike">
-                <a:latin typeface="Arial"/>
-              </a:rPr>
-              <a:t>
-</a:t>
-            </a:r>
-            <a:r>
-              <a:rPr lang="cs-CZ" sz="2200" strike="noStrike">
-                <a:latin typeface="Arial"/>
-              </a:rPr>
-              <a:t>Josef Řídký, xridky00@stud.fit.vutbr.cz</a:t>
+              <a:t>Zdeněk Biberle, xbiber00@stud.fit.vutbr.cz
+Josef Řídký, xridky00@stud.fit.vutbr.cz</a:t>
             </a:r>
             <a:endParaRPr/>
           </a:p>
@@ -6370,6 +6798,9 @@
       </p:sp>
     </p:spTree>
   </p:cSld>
+  <p:clrMapOvr>
+    <a:masterClrMapping/>
+  </p:clrMapOvr>
   <p:timing>
     <p:tnLst>
       <p:par>
@@ -6378,14 +6809,14 @@
             <p:seq>
               <p:cTn id="2" nodeType="mainSeq"/>
               <p:prevCondLst>
-                <p:cond delay="0" evt="onPrev">
+                <p:cond evt="onPrev" delay="0">
                   <p:tgtEl>
                     <p:sldTgt/>
                   </p:tgtEl>
                 </p:cond>
               </p:prevCondLst>
               <p:nextCondLst>
-                <p:cond delay="0" evt="onNext">
+                <p:cond evt="onNext" delay="0">
                   <p:tgtEl>
                     <p:sldTgt/>
                   </p:tgtEl>
@@ -6401,7 +6832,7 @@
 </file>
 
 <file path=ppt/slides/slide10.xml><?xml version="1.0" encoding="utf-8"?>
-<p:sld xmlns:a="http://schemas.openxmlformats.org/drawingml/2006/main" xmlns:p="http://schemas.openxmlformats.org/presentationml/2006/main" xmlns:r="http://schemas.openxmlformats.org/officeDocument/2006/relationships">
+<p:sld xmlns:a="http://schemas.openxmlformats.org/drawingml/2006/main" xmlns:r="http://schemas.openxmlformats.org/officeDocument/2006/relationships" xmlns:p="http://schemas.openxmlformats.org/presentationml/2006/main">
   <p:cSld>
     <p:spTree>
       <p:nvGrpSpPr>
@@ -6437,7 +6868,8 @@
           </a:ln>
         </p:spPr>
         <p:txBody>
-          <a:bodyPr lIns="0" rIns="0" tIns="0" bIns="0"/>
+          <a:bodyPr lIns="0" tIns="0" rIns="0" bIns="0"/>
+          <a:lstStyle/>
           <a:p>
             <a:pPr>
               <a:lnSpc>
@@ -6445,25 +6877,31 @@
               </a:lnSpc>
             </a:pPr>
             <a:r>
-              <a:rPr b="1" lang="cs-CZ" sz="4000" strike="noStrike">
-                <a:latin typeface="Arial"/>
-              </a:rPr>
-              <a:t>Vesmírný teleskop </a:t>
-            </a:r>
-            <a:r>
-              <a:rPr b="1" lang="cs-CZ" sz="4000" strike="noStrike">
-                <a:latin typeface="Arial"/>
-              </a:rPr>
-              <a:t>
+              <a:rPr lang="cs-CZ" sz="4000" b="1" strike="noStrike" dirty="0">
+                <a:latin typeface="Arial"/>
+              </a:rPr>
+              <a:t>Vesmírný teleskop 
 </a:t>
             </a:r>
             <a:r>
-              <a:rPr b="1" lang="cs-CZ" sz="4000" strike="noStrike">
-                <a:latin typeface="Arial"/>
-              </a:rPr>
-              <a:t>jamese webba</a:t>
-            </a:r>
-            <a:endParaRPr/>
+              <a:rPr lang="cs-CZ" sz="4000" b="1" dirty="0">
+                <a:latin typeface="Arial"/>
+              </a:rPr>
+              <a:t>J</a:t>
+            </a:r>
+            <a:r>
+              <a:rPr lang="cs-CZ" sz="4000" b="1" strike="noStrike" dirty="0" smtClean="0">
+                <a:latin typeface="Arial"/>
+              </a:rPr>
+              <a:t>amese </a:t>
+            </a:r>
+            <a:r>
+              <a:rPr lang="cs-CZ" sz="4000" b="1" strike="noStrike" dirty="0" err="1" smtClean="0">
+                <a:latin typeface="Arial"/>
+              </a:rPr>
+              <a:t>Webba</a:t>
+            </a:r>
+            <a:endParaRPr dirty="0"/>
           </a:p>
         </p:txBody>
       </p:sp>
@@ -6487,7 +6925,8 @@
           </a:ln>
         </p:spPr>
         <p:txBody>
-          <a:bodyPr lIns="0" rIns="0" tIns="0" bIns="0" anchor="b"/>
+          <a:bodyPr lIns="0" tIns="0" rIns="0" bIns="0" anchor="b"/>
+          <a:lstStyle/>
           <a:p>
             <a:endParaRPr/>
           </a:p>
@@ -6495,22 +6934,25 @@
       </p:sp>
     </p:spTree>
   </p:cSld>
+  <p:clrMapOvr>
+    <a:masterClrMapping/>
+  </p:clrMapOvr>
   <p:timing>
     <p:tnLst>
       <p:par>
-        <p:cTn id="19" dur="indefinite" restart="never" nodeType="tmRoot">
+        <p:cTn id="1" dur="indefinite" restart="never" nodeType="tmRoot">
           <p:childTnLst>
             <p:seq>
-              <p:cTn id="20" nodeType="mainSeq"/>
+              <p:cTn id="2" nodeType="mainSeq"/>
               <p:prevCondLst>
-                <p:cond delay="0" evt="onPrev">
+                <p:cond evt="onPrev" delay="0">
                   <p:tgtEl>
                     <p:sldTgt/>
                   </p:tgtEl>
                 </p:cond>
               </p:prevCondLst>
               <p:nextCondLst>
-                <p:cond delay="0" evt="onNext">
+                <p:cond evt="onNext" delay="0">
                   <p:tgtEl>
                     <p:sldTgt/>
                   </p:tgtEl>
@@ -6526,7 +6968,7 @@
 </file>
 
 <file path=ppt/slides/slide11.xml><?xml version="1.0" encoding="utf-8"?>
-<p:sld xmlns:a="http://schemas.openxmlformats.org/drawingml/2006/main" xmlns:p="http://schemas.openxmlformats.org/presentationml/2006/main" xmlns:r="http://schemas.openxmlformats.org/officeDocument/2006/relationships">
+<p:sld xmlns:a="http://schemas.openxmlformats.org/drawingml/2006/main" xmlns:r="http://schemas.openxmlformats.org/officeDocument/2006/relationships" xmlns:p="http://schemas.openxmlformats.org/presentationml/2006/main">
   <p:cSld>
     <p:spTree>
       <p:nvGrpSpPr>
@@ -6562,7 +7004,8 @@
           </a:ln>
         </p:spPr>
         <p:txBody>
-          <a:bodyPr lIns="0" rIns="0" tIns="0" bIns="0" anchor="ctr"/>
+          <a:bodyPr lIns="0" tIns="0" rIns="0" bIns="0" anchor="ctr"/>
+          <a:lstStyle/>
           <a:p>
             <a:pPr>
               <a:lnSpc>
@@ -6570,15 +7013,50 @@
               </a:lnSpc>
             </a:pPr>
             <a:r>
-              <a:rPr lang="cs-CZ" sz="3000" strike="noStrike">
-                <a:latin typeface="Arial"/>
-              </a:rPr>
-              <a:t>Vesmírný teleskop Jamese Webba - úvod</a:t>
-            </a:r>
-            <a:endParaRPr/>
-          </a:p>
-        </p:txBody>
-      </p:sp>
+              <a:rPr lang="cs-CZ" sz="3000" strike="noStrike" dirty="0">
+                <a:latin typeface="Arial"/>
+              </a:rPr>
+              <a:t>Vesmírný teleskop Jamese </a:t>
+            </a:r>
+            <a:r>
+              <a:rPr lang="cs-CZ" sz="3000" strike="noStrike" dirty="0" err="1">
+                <a:latin typeface="Arial"/>
+              </a:rPr>
+              <a:t>Webba</a:t>
+            </a:r>
+            <a:r>
+              <a:rPr lang="cs-CZ" sz="3000" strike="noStrike" dirty="0">
+                <a:latin typeface="Arial"/>
+              </a:rPr>
+              <a:t> - úvod</a:t>
+            </a:r>
+            <a:endParaRPr dirty="0"/>
+          </a:p>
+        </p:txBody>
+      </p:sp>
+      <p:pic>
+        <p:nvPicPr>
+          <p:cNvPr id="187" name="Zástupný symbol pro obsah 4"/>
+          <p:cNvPicPr/>
+          <p:nvPr/>
+        </p:nvPicPr>
+        <p:blipFill>
+          <a:blip r:embed="rId2"/>
+          <a:stretch/>
+        </p:blipFill>
+        <p:spPr>
+          <a:xfrm>
+            <a:off x="5256336" y="3923853"/>
+            <a:ext cx="4460400" cy="3202200"/>
+          </a:xfrm>
+          <a:prstGeom prst="rect">
+            <a:avLst/>
+          </a:prstGeom>
+          <a:ln>
+            <a:noFill/>
+          </a:ln>
+        </p:spPr>
+      </p:pic>
       <p:sp>
         <p:nvSpPr>
           <p:cNvPr id="186" name="TextShape 2"/>
@@ -6588,7 +7066,7 @@
         <p:spPr>
           <a:xfrm>
             <a:off x="503280" y="1800360"/>
-            <a:ext cx="4458960" cy="4384440"/>
+            <a:ext cx="9072000" cy="2339517"/>
           </a:xfrm>
           <a:prstGeom prst="rect">
             <a:avLst/>
@@ -6599,7 +7077,8 @@
           </a:ln>
         </p:spPr>
         <p:txBody>
-          <a:bodyPr lIns="0" rIns="0" tIns="0" bIns="0"/>
+          <a:bodyPr lIns="0" tIns="0" rIns="0" bIns="0"/>
+          <a:lstStyle/>
           <a:p>
             <a:pPr>
               <a:lnSpc>
@@ -6610,13 +7089,33 @@
               <a:buChar char=""/>
             </a:pPr>
             <a:r>
-              <a:rPr lang="cs-CZ" sz="2800" strike="noStrike">
-                <a:latin typeface="Arial"/>
-                <a:ea typeface="WenQuanYi Zen Hei"/>
-              </a:rPr>
-              <a:t>plánovaná vesmírná observatoř </a:t>
-            </a:r>
-            <a:endParaRPr/>
+              <a:rPr lang="cs-CZ" sz="2800" strike="noStrike" dirty="0">
+                <a:latin typeface="Arial"/>
+                <a:ea typeface="WenQuanYi Zen Hei"/>
+              </a:rPr>
+              <a:t>plánovaná </a:t>
+            </a:r>
+            <a:r>
+              <a:rPr lang="cs-CZ" sz="2800" strike="noStrike" dirty="0" smtClean="0">
+                <a:latin typeface="Arial"/>
+                <a:ea typeface="WenQuanYi Zen Hei"/>
+              </a:rPr>
+              <a:t>observatoř (nástupce </a:t>
+            </a:r>
+            <a:r>
+              <a:rPr lang="cs-CZ" sz="2800" strike="noStrike" dirty="0" err="1" smtClean="0">
+                <a:latin typeface="Arial"/>
+                <a:ea typeface="WenQuanYi Zen Hei"/>
+              </a:rPr>
+              <a:t>Hubbleova</a:t>
+            </a:r>
+            <a:r>
+              <a:rPr lang="cs-CZ" sz="2800" strike="noStrike" dirty="0" smtClean="0">
+                <a:latin typeface="Arial"/>
+                <a:ea typeface="WenQuanYi Zen Hei"/>
+              </a:rPr>
+              <a:t> teleskopu)</a:t>
+            </a:r>
           </a:p>
           <a:p>
             <a:pPr>
@@ -6627,14 +7126,7 @@
               <a:buFont typeface="StarSymbol"/>
               <a:buChar char=""/>
             </a:pPr>
-            <a:r>
-              <a:rPr lang="cs-CZ" sz="2800" strike="noStrike">
-                <a:latin typeface="Arial"/>
-                <a:ea typeface="WenQuanYi Zen Hei"/>
-              </a:rPr>
-              <a:t>přijímá infračervené záření</a:t>
-            </a:r>
-            <a:endParaRPr/>
+            <a:endParaRPr dirty="0"/>
           </a:p>
           <a:p>
             <a:pPr>
@@ -6646,13 +7138,30 @@
               <a:buChar char=""/>
             </a:pPr>
             <a:r>
-              <a:rPr lang="cs-CZ" sz="2800" strike="noStrike">
-                <a:latin typeface="Arial"/>
-                <a:ea typeface="WenQuanYi Zen Hei"/>
-              </a:rPr>
-              <a:t>vývoj začal v roce 1996 pod názvem Vesmírný teleskop nové generace</a:t>
-            </a:r>
-            <a:endParaRPr/>
+              <a:rPr lang="cs-CZ" sz="2800" strike="noStrike" dirty="0" smtClean="0">
+                <a:latin typeface="Arial"/>
+                <a:ea typeface="WenQuanYi Zen Hei"/>
+              </a:rPr>
+              <a:t>příjem infračerveného záření (0.6 - 2</a:t>
+            </a:r>
+            <a:r>
+              <a:rPr lang="cs-CZ" sz="2800" strike="noStrike" dirty="0" smtClean="0">
+                <a:ea typeface="WenQuanYi Zen Hei"/>
+              </a:rPr>
+              <a:t>8</a:t>
+            </a:r>
+            <a:r>
+              <a:rPr lang="el-GR" sz="2800" strike="noStrike" dirty="0" smtClean="0">
+                <a:ea typeface="WenQuanYi Zen Hei"/>
+              </a:rPr>
+              <a:t>μ</a:t>
+            </a:r>
+            <a:r>
+              <a:rPr lang="cs-CZ" sz="2800" strike="noStrike" dirty="0" smtClean="0">
+                <a:ea typeface="WenQuanYi Zen Hei"/>
+              </a:rPr>
+              <a:t>m)</a:t>
+            </a:r>
           </a:p>
           <a:p>
             <a:pPr>
@@ -6663,58 +7172,126 @@
               <a:buFont typeface="StarSymbol"/>
               <a:buChar char=""/>
             </a:pPr>
-            <a:r>
-              <a:rPr lang="cs-CZ" sz="2800" strike="noStrike">
-                <a:latin typeface="Arial"/>
-                <a:ea typeface="WenQuanYi Zen Hei"/>
-              </a:rPr>
-              <a:t>v roce 2002 byl přejmenován na JWST</a:t>
-            </a:r>
-            <a:endParaRPr/>
-          </a:p>
-        </p:txBody>
-      </p:sp>
-      <p:pic>
-        <p:nvPicPr>
-          <p:cNvPr id="187" name="Zástupný symbol pro obsah 4" descr=""/>
-          <p:cNvPicPr/>
-          <p:nvPr/>
-        </p:nvPicPr>
-        <p:blipFill>
-          <a:blip r:embed="rId1"/>
-          <a:stretch/>
-        </p:blipFill>
-        <p:spPr>
-          <a:xfrm>
-            <a:off x="5114880" y="2391120"/>
-            <a:ext cx="4460400" cy="3202200"/>
-          </a:xfrm>
-          <a:prstGeom prst="rect">
-            <a:avLst/>
-          </a:prstGeom>
-          <a:ln>
-            <a:noFill/>
-          </a:ln>
-        </p:spPr>
-      </p:pic>
+            <a:endParaRPr dirty="0"/>
+          </a:p>
+          <a:p>
+            <a:pPr>
+              <a:lnSpc>
+                <a:spcPct val="100000"/>
+              </a:lnSpc>
+              <a:buSzPct val="45000"/>
+              <a:buFont typeface="StarSymbol"/>
+              <a:buChar char=""/>
+            </a:pPr>
+            <a:r>
+              <a:rPr lang="cs-CZ" sz="2800" strike="noStrike" dirty="0">
+                <a:latin typeface="Arial"/>
+                <a:ea typeface="WenQuanYi Zen Hei"/>
+              </a:rPr>
+              <a:t>vývoj </a:t>
+            </a:r>
+            <a:r>
+              <a:rPr lang="cs-CZ" sz="2800" dirty="0" smtClean="0">
+                <a:latin typeface="Arial"/>
+                <a:ea typeface="WenQuanYi Zen Hei"/>
+              </a:rPr>
+              <a:t>od</a:t>
+            </a:r>
+            <a:r>
+              <a:rPr lang="cs-CZ" sz="2800" strike="noStrike" dirty="0" smtClean="0">
+                <a:latin typeface="Arial"/>
+                <a:ea typeface="WenQuanYi Zen Hei"/>
+              </a:rPr>
+              <a:t> roku </a:t>
+            </a:r>
+            <a:r>
+              <a:rPr lang="cs-CZ" sz="2800" strike="noStrike" dirty="0">
+                <a:latin typeface="Arial"/>
+                <a:ea typeface="WenQuanYi Zen Hei"/>
+              </a:rPr>
+              <a:t>1996 </a:t>
+            </a:r>
+            <a:r>
+              <a:rPr lang="cs-CZ" sz="2800" strike="noStrike" dirty="0" smtClean="0">
+                <a:latin typeface="Arial"/>
+                <a:ea typeface="WenQuanYi Zen Hei"/>
+              </a:rPr>
+              <a:t>(Vesmírný </a:t>
+            </a:r>
+            <a:r>
+              <a:rPr lang="cs-CZ" sz="2800" strike="noStrike" dirty="0">
+                <a:latin typeface="Arial"/>
+                <a:ea typeface="WenQuanYi Zen Hei"/>
+              </a:rPr>
+              <a:t>teleskop nové </a:t>
+            </a:r>
+            <a:r>
+              <a:rPr lang="cs-CZ" sz="2800" strike="noStrike" dirty="0" smtClean="0">
+                <a:latin typeface="Arial"/>
+                <a:ea typeface="WenQuanYi Zen Hei"/>
+              </a:rPr>
+              <a:t>generace)</a:t>
+            </a:r>
+          </a:p>
+          <a:p>
+            <a:pPr>
+              <a:lnSpc>
+                <a:spcPct val="100000"/>
+              </a:lnSpc>
+              <a:buSzPct val="45000"/>
+              <a:buFont typeface="StarSymbol"/>
+              <a:buChar char=""/>
+            </a:pPr>
+            <a:endParaRPr dirty="0"/>
+          </a:p>
+          <a:p>
+            <a:pPr>
+              <a:lnSpc>
+                <a:spcPct val="100000"/>
+              </a:lnSpc>
+              <a:buSzPct val="45000"/>
+              <a:buFont typeface="StarSymbol"/>
+              <a:buChar char=""/>
+            </a:pPr>
+            <a:r>
+              <a:rPr lang="cs-CZ" sz="2800" strike="noStrike" dirty="0" smtClean="0">
+                <a:latin typeface="Arial"/>
+                <a:ea typeface="WenQuanYi Zen Hei"/>
+              </a:rPr>
+              <a:t>2002  </a:t>
+            </a:r>
+            <a:r>
+              <a:rPr lang="cs-CZ" sz="2800" strike="noStrike" dirty="0">
+                <a:latin typeface="Arial"/>
+                <a:ea typeface="WenQuanYi Zen Hei"/>
+              </a:rPr>
+              <a:t>přejmenován na JWST</a:t>
+            </a:r>
+            <a:endParaRPr dirty="0"/>
+          </a:p>
+        </p:txBody>
+      </p:sp>
     </p:spTree>
   </p:cSld>
+  <p:clrMapOvr>
+    <a:masterClrMapping/>
+  </p:clrMapOvr>
   <p:timing>
     <p:tnLst>
       <p:par>
-        <p:cTn id="21" dur="indefinite" restart="never" nodeType="tmRoot">
+        <p:cTn id="1" dur="indefinite" restart="never" nodeType="tmRoot">
           <p:childTnLst>
             <p:seq>
-              <p:cTn id="22" nodeType="mainSeq"/>
+              <p:cTn id="2" nodeType="mainSeq"/>
               <p:prevCondLst>
-                <p:cond delay="0" evt="onPrev">
+                <p:cond evt="onPrev" delay="0">
                   <p:tgtEl>
                     <p:sldTgt/>
                   </p:tgtEl>
                 </p:cond>
               </p:prevCondLst>
               <p:nextCondLst>
-                <p:cond delay="0" evt="onNext">
+                <p:cond evt="onNext" delay="0">
                   <p:tgtEl>
                     <p:sldTgt/>
                   </p:tgtEl>
@@ -6730,7 +7307,7 @@
 </file>
 
 <file path=ppt/slides/slide12.xml><?xml version="1.0" encoding="utf-8"?>
-<p:sld xmlns:a="http://schemas.openxmlformats.org/drawingml/2006/main" xmlns:p="http://schemas.openxmlformats.org/presentationml/2006/main" xmlns:r="http://schemas.openxmlformats.org/officeDocument/2006/relationships">
+<p:sld xmlns:a="http://schemas.openxmlformats.org/drawingml/2006/main" xmlns:r="http://schemas.openxmlformats.org/officeDocument/2006/relationships" xmlns:p="http://schemas.openxmlformats.org/presentationml/2006/main">
   <p:cSld>
     <p:spTree>
       <p:nvGrpSpPr>
@@ -6748,183 +7325,151 @@
       </p:grpSpPr>
       <p:sp>
         <p:nvSpPr>
-          <p:cNvPr id="188" name="TextShape 1"/>
-          <p:cNvSpPr txBox="1"/>
-          <p:nvPr/>
-        </p:nvSpPr>
-        <p:spPr>
-          <a:xfrm>
-            <a:off x="504000" y="576000"/>
-            <a:ext cx="7199640" cy="719640"/>
-          </a:xfrm>
-          <a:prstGeom prst="rect">
-            <a:avLst/>
-          </a:prstGeom>
-          <a:noFill/>
-          <a:ln>
-            <a:noFill/>
-          </a:ln>
-        </p:spPr>
-        <p:txBody>
-          <a:bodyPr lIns="0" rIns="0" tIns="0" bIns="0" anchor="ctr"/>
-          <a:p>
-            <a:pPr>
-              <a:lnSpc>
-                <a:spcPct val="100000"/>
-              </a:lnSpc>
-            </a:pPr>
-            <a:r>
-              <a:rPr lang="cs-CZ" sz="3000" strike="noStrike">
-                <a:latin typeface="Arial"/>
-              </a:rPr>
-              <a:t>James Edwin Webb</a:t>
-            </a:r>
-            <a:endParaRPr/>
-          </a:p>
-        </p:txBody>
-      </p:sp>
-      <p:sp>
-        <p:nvSpPr>
-          <p:cNvPr id="189" name="TextShape 2"/>
-          <p:cNvSpPr txBox="1"/>
-          <p:nvPr/>
-        </p:nvSpPr>
-        <p:spPr>
-          <a:xfrm>
-            <a:off x="503280" y="1800360"/>
-            <a:ext cx="4458960" cy="4384440"/>
-          </a:xfrm>
-          <a:prstGeom prst="rect">
-            <a:avLst/>
-          </a:prstGeom>
-          <a:noFill/>
-          <a:ln>
-            <a:noFill/>
-          </a:ln>
-        </p:spPr>
-        <p:txBody>
-          <a:bodyPr lIns="0" rIns="0" tIns="0" bIns="0"/>
-          <a:p>
-            <a:pPr>
-              <a:lnSpc>
-                <a:spcPct val="100000"/>
-              </a:lnSpc>
-              <a:buSzPct val="45000"/>
-              <a:buFont typeface="StarSymbol"/>
-              <a:buChar char=""/>
-            </a:pPr>
-            <a:r>
-              <a:rPr lang="cs-CZ" sz="2800" strike="noStrike">
-                <a:latin typeface="Arial"/>
-                <a:ea typeface="WenQuanYi Zen Hei"/>
-              </a:rPr>
-              <a:t>druhý ředitel NASA (1961-1968)</a:t>
-            </a:r>
-            <a:endParaRPr/>
-          </a:p>
-          <a:p>
-            <a:pPr>
-              <a:lnSpc>
-                <a:spcPct val="100000"/>
-              </a:lnSpc>
-              <a:buSzPct val="45000"/>
-              <a:buFont typeface="StarSymbol"/>
-              <a:buChar char=""/>
-            </a:pPr>
-            <a:r>
-              <a:rPr lang="cs-CZ" sz="2800" strike="noStrike">
-                <a:latin typeface="Arial"/>
-                <a:ea typeface="WenQuanYi Zen Hei"/>
-              </a:rPr>
-              <a:t>vedoucí programu Apollo (člověk na Měsíci)</a:t>
-            </a:r>
-            <a:endParaRPr/>
-          </a:p>
-          <a:p>
-            <a:pPr>
-              <a:lnSpc>
-                <a:spcPct val="100000"/>
-              </a:lnSpc>
-              <a:buSzPct val="45000"/>
-              <a:buFont typeface="StarSymbol"/>
-              <a:buChar char=""/>
-            </a:pPr>
-            <a:r>
-              <a:rPr lang="cs-CZ" sz="2800" strike="noStrike">
-                <a:latin typeface="Arial"/>
-                <a:ea typeface="WenQuanYi Zen Hei"/>
-              </a:rPr>
-              <a:t>během jeho působení bylo vypraveno více než 75 letů do vesmíru</a:t>
-            </a:r>
-            <a:endParaRPr/>
-          </a:p>
-          <a:p>
-            <a:pPr>
-              <a:lnSpc>
-                <a:spcPct val="100000"/>
-              </a:lnSpc>
-            </a:pPr>
-            <a:endParaRPr/>
-          </a:p>
-          <a:p>
-            <a:pPr>
-              <a:lnSpc>
-                <a:spcPct val="100000"/>
-              </a:lnSpc>
-            </a:pPr>
-            <a:endParaRPr/>
-          </a:p>
-        </p:txBody>
-      </p:sp>
-      <p:pic>
-        <p:nvPicPr>
-          <p:cNvPr id="190" name="Zástupný symbol pro obsah 4" descr=""/>
-          <p:cNvPicPr/>
-          <p:nvPr/>
-        </p:nvPicPr>
-        <p:blipFill>
-          <a:blip r:embed="rId1"/>
-          <a:stretch/>
-        </p:blipFill>
-        <p:spPr>
-          <a:xfrm>
-            <a:off x="5472360" y="1800360"/>
-            <a:ext cx="3337200" cy="4384440"/>
-          </a:xfrm>
-          <a:prstGeom prst="rect">
-            <a:avLst/>
-          </a:prstGeom>
-          <a:ln>
-            <a:noFill/>
-          </a:ln>
-        </p:spPr>
-      </p:pic>
+          <p:cNvPr id="2" name="Nadpis 1"/>
+          <p:cNvSpPr>
+            <a:spLocks noGrp="1"/>
+          </p:cNvSpPr>
+          <p:nvPr>
+            <p:ph type="title"/>
+          </p:nvPr>
+        </p:nvSpPr>
+        <p:spPr/>
+        <p:txBody>
+          <a:bodyPr/>
+          <a:lstStyle/>
+          <a:p>
+            <a:r>
+              <a:rPr lang="cs-CZ" sz="3000" dirty="0" smtClean="0">
+                <a:latin typeface="+mn-lt"/>
+              </a:rPr>
+              <a:t>Cíle mise</a:t>
+            </a:r>
+            <a:endParaRPr lang="cs-CZ" sz="3000" dirty="0">
+              <a:latin typeface="+mn-lt"/>
+            </a:endParaRPr>
+          </a:p>
+        </p:txBody>
+      </p:sp>
+      <p:sp>
+        <p:nvSpPr>
+          <p:cNvPr id="3" name="Zástupný symbol pro text 2"/>
+          <p:cNvSpPr>
+            <a:spLocks noGrp="1"/>
+          </p:cNvSpPr>
+          <p:nvPr>
+            <p:ph type="body"/>
+          </p:nvPr>
+        </p:nvSpPr>
+        <p:spPr>
+          <a:xfrm>
+            <a:off x="504000" y="1800000"/>
+            <a:ext cx="8928800" cy="4384080"/>
+          </a:xfrm>
+        </p:spPr>
+        <p:txBody>
+          <a:bodyPr/>
+          <a:lstStyle/>
+          <a:p>
+            <a:pPr marL="514350" indent="-514350">
+              <a:buFont typeface="+mj-lt"/>
+              <a:buAutoNum type="arabicParenR"/>
+            </a:pPr>
+            <a:r>
+              <a:rPr lang="cs-CZ" sz="2800" dirty="0" smtClean="0"/>
+              <a:t>Hledání světla z prvních hvězd a galaxií</a:t>
+            </a:r>
+          </a:p>
+          <a:p>
+            <a:pPr marL="514350" indent="-514350">
+              <a:buFont typeface="+mj-lt"/>
+              <a:buAutoNum type="arabicParenR"/>
+            </a:pPr>
+            <a:endParaRPr lang="cs-CZ" sz="2800" dirty="0" smtClean="0"/>
+          </a:p>
+          <a:p>
+            <a:pPr marL="514350" indent="-514350">
+              <a:buFont typeface="+mj-lt"/>
+              <a:buAutoNum type="arabicParenR"/>
+            </a:pPr>
+            <a:r>
+              <a:rPr lang="cs-CZ" sz="2800" dirty="0" smtClean="0"/>
+              <a:t>Studování formování a vývoje galaxií</a:t>
+            </a:r>
+          </a:p>
+          <a:p>
+            <a:pPr marL="514350" indent="-514350">
+              <a:buFont typeface="+mj-lt"/>
+              <a:buAutoNum type="arabicParenR"/>
+            </a:pPr>
+            <a:endParaRPr lang="cs-CZ" sz="2800" dirty="0" smtClean="0"/>
+          </a:p>
+          <a:p>
+            <a:pPr marL="514350" indent="-514350">
+              <a:buFont typeface="+mj-lt"/>
+              <a:buAutoNum type="arabicParenR"/>
+            </a:pPr>
+            <a:r>
+              <a:rPr lang="cs-CZ" sz="2800" dirty="0" smtClean="0"/>
+              <a:t>Pochopení formování hvězd a planetárních systémů</a:t>
+            </a:r>
+          </a:p>
+          <a:p>
+            <a:pPr marL="514350" indent="-514350">
+              <a:buFont typeface="+mj-lt"/>
+              <a:buAutoNum type="arabicParenR"/>
+            </a:pPr>
+            <a:endParaRPr lang="cs-CZ" sz="2800" dirty="0" smtClean="0"/>
+          </a:p>
+          <a:p>
+            <a:pPr marL="514350" indent="-514350">
+              <a:buFont typeface="+mj-lt"/>
+              <a:buAutoNum type="arabicParenR"/>
+            </a:pPr>
+            <a:r>
+              <a:rPr lang="cs-CZ" sz="2800" dirty="0" smtClean="0"/>
+              <a:t>Studování planetárních systémů a počátku života</a:t>
+            </a:r>
+          </a:p>
+          <a:p>
+            <a:pPr marL="514350" indent="-514350">
+              <a:buFont typeface="+mj-lt"/>
+              <a:buAutoNum type="arabicParenR"/>
+            </a:pPr>
+            <a:endParaRPr lang="cs-CZ" sz="2800" dirty="0" smtClean="0"/>
+          </a:p>
+          <a:p>
+            <a:r>
+              <a:rPr lang="cs-CZ" sz="2800" dirty="0" smtClean="0"/>
+              <a:t>Předpokládaná délka mise je 10 let.</a:t>
+            </a:r>
+            <a:endParaRPr lang="cs-CZ" sz="2800" dirty="0"/>
+          </a:p>
+          <a:p>
+            <a:pPr marL="514350" indent="-514350">
+              <a:buFont typeface="+mj-lt"/>
+              <a:buAutoNum type="arabicParenR"/>
+            </a:pPr>
+            <a:endParaRPr lang="cs-CZ" sz="2800" dirty="0"/>
+          </a:p>
+          <a:p>
+            <a:endParaRPr lang="cs-CZ" dirty="0" smtClean="0"/>
+          </a:p>
+        </p:txBody>
+      </p:sp>
     </p:spTree>
+    <p:extLst>
+      <p:ext uri="{BB962C8B-B14F-4D97-AF65-F5344CB8AC3E}">
+        <p14:creationId xmlns:p14="http://schemas.microsoft.com/office/powerpoint/2010/main" val="530976330"/>
+      </p:ext>
+    </p:extLst>
   </p:cSld>
+  <p:clrMapOvr>
+    <a:masterClrMapping/>
+  </p:clrMapOvr>
   <p:timing>
     <p:tnLst>
       <p:par>
-        <p:cTn id="23" dur="indefinite" restart="never" nodeType="tmRoot">
-          <p:childTnLst>
-            <p:seq>
-              <p:cTn id="24" nodeType="mainSeq"/>
-              <p:prevCondLst>
-                <p:cond delay="0" evt="onPrev">
-                  <p:tgtEl>
-                    <p:sldTgt/>
-                  </p:tgtEl>
-                </p:cond>
-              </p:prevCondLst>
-              <p:nextCondLst>
-                <p:cond delay="0" evt="onNext">
-                  <p:tgtEl>
-                    <p:sldTgt/>
-                  </p:tgtEl>
-                </p:cond>
-              </p:nextCondLst>
-            </p:seq>
-          </p:childTnLst>
-        </p:cTn>
+        <p:cTn id="1" dur="indefinite" restart="never" nodeType="tmRoot"/>
       </p:par>
     </p:tnLst>
   </p:timing>
@@ -6932,7 +7477,7 @@
 </file>
 
 <file path=ppt/slides/slide13.xml><?xml version="1.0" encoding="utf-8"?>
-<p:sld xmlns:a="http://schemas.openxmlformats.org/drawingml/2006/main" xmlns:p="http://schemas.openxmlformats.org/presentationml/2006/main" xmlns:r="http://schemas.openxmlformats.org/officeDocument/2006/relationships">
+<p:sld xmlns:a="http://schemas.openxmlformats.org/drawingml/2006/main" xmlns:r="http://schemas.openxmlformats.org/officeDocument/2006/relationships" xmlns:p="http://schemas.openxmlformats.org/presentationml/2006/main">
   <p:cSld>
     <p:spTree>
       <p:nvGrpSpPr>
@@ -6950,7 +7495,7 @@
       </p:grpSpPr>
       <p:sp>
         <p:nvSpPr>
-          <p:cNvPr id="191" name="TextShape 1"/>
+          <p:cNvPr id="188" name="TextShape 1"/>
           <p:cNvSpPr txBox="1"/>
           <p:nvPr/>
         </p:nvSpPr>
@@ -6968,7 +7513,8 @@
           </a:ln>
         </p:spPr>
         <p:txBody>
-          <a:bodyPr lIns="0" rIns="0" tIns="0" bIns="0" anchor="ctr"/>
+          <a:bodyPr lIns="0" tIns="0" rIns="0" bIns="0" anchor="ctr"/>
+          <a:lstStyle/>
           <a:p>
             <a:pPr>
               <a:lnSpc>
@@ -6979,26 +7525,168 @@
               <a:rPr lang="cs-CZ" sz="3000" strike="noStrike">
                 <a:latin typeface="Arial"/>
               </a:rPr>
-              <a:t>Popis teleskopu</a:t>
-            </a:r>
-            <a:endParaRPr/>
+              <a:t>James Edwin Webb</a:t>
+            </a:r>
+            <a:endParaRPr/>
+          </a:p>
+        </p:txBody>
+      </p:sp>
+      <p:sp>
+        <p:nvSpPr>
+          <p:cNvPr id="189" name="TextShape 2"/>
+          <p:cNvSpPr txBox="1"/>
+          <p:nvPr/>
+        </p:nvSpPr>
+        <p:spPr>
+          <a:xfrm>
+            <a:off x="503280" y="1800360"/>
+            <a:ext cx="5617152" cy="4384440"/>
+          </a:xfrm>
+          <a:prstGeom prst="rect">
+            <a:avLst/>
+          </a:prstGeom>
+          <a:noFill/>
+          <a:ln>
+            <a:noFill/>
+          </a:ln>
+        </p:spPr>
+        <p:txBody>
+          <a:bodyPr lIns="0" tIns="0" rIns="0" bIns="0"/>
+          <a:lstStyle/>
+          <a:p>
+            <a:pPr>
+              <a:lnSpc>
+                <a:spcPct val="100000"/>
+              </a:lnSpc>
+              <a:buSzPct val="45000"/>
+              <a:buFont typeface="StarSymbol"/>
+              <a:buChar char=""/>
+            </a:pPr>
+            <a:r>
+              <a:rPr lang="cs-CZ" sz="2800" strike="noStrike" dirty="0">
+                <a:latin typeface="Arial"/>
+                <a:ea typeface="WenQuanYi Zen Hei"/>
+              </a:rPr>
+              <a:t>druhý ředitel NASA (1961-1968</a:t>
+            </a:r>
+            <a:r>
+              <a:rPr lang="cs-CZ" sz="2800" strike="noStrike" dirty="0" smtClean="0">
+                <a:latin typeface="Arial"/>
+                <a:ea typeface="WenQuanYi Zen Hei"/>
+              </a:rPr>
+              <a:t>)</a:t>
+            </a:r>
+          </a:p>
+          <a:p>
+            <a:pPr>
+              <a:lnSpc>
+                <a:spcPct val="100000"/>
+              </a:lnSpc>
+              <a:buSzPct val="45000"/>
+              <a:buFont typeface="StarSymbol"/>
+              <a:buChar char=""/>
+            </a:pPr>
+            <a:endParaRPr dirty="0"/>
+          </a:p>
+          <a:p>
+            <a:pPr>
+              <a:lnSpc>
+                <a:spcPct val="100000"/>
+              </a:lnSpc>
+              <a:buSzPct val="45000"/>
+              <a:buFont typeface="StarSymbol"/>
+              <a:buChar char=""/>
+            </a:pPr>
+            <a:r>
+              <a:rPr lang="cs-CZ" sz="2800" strike="noStrike" dirty="0">
+                <a:latin typeface="Arial"/>
+                <a:ea typeface="WenQuanYi Zen Hei"/>
+              </a:rPr>
+              <a:t>vedoucí programu Apollo </a:t>
+            </a:r>
+            <a:r>
+              <a:rPr lang="cs-CZ" sz="2800" strike="noStrike" dirty="0" smtClean="0">
+                <a:latin typeface="Arial"/>
+                <a:ea typeface="WenQuanYi Zen Hei"/>
+              </a:rPr>
+              <a:t>(</a:t>
+            </a:r>
+            <a:r>
+              <a:rPr lang="cs-CZ" sz="2800" strike="noStrike" dirty="0">
+                <a:latin typeface="Arial"/>
+                <a:ea typeface="WenQuanYi Zen Hei"/>
+              </a:rPr>
+              <a:t>člověk na Měsíci</a:t>
+            </a:r>
+            <a:r>
+              <a:rPr lang="cs-CZ" sz="2800" strike="noStrike" dirty="0" smtClean="0">
+                <a:latin typeface="Arial"/>
+                <a:ea typeface="WenQuanYi Zen Hei"/>
+              </a:rPr>
+              <a:t>)</a:t>
+            </a:r>
+          </a:p>
+          <a:p>
+            <a:pPr>
+              <a:lnSpc>
+                <a:spcPct val="100000"/>
+              </a:lnSpc>
+              <a:buSzPct val="45000"/>
+              <a:buFont typeface="StarSymbol"/>
+              <a:buChar char=""/>
+            </a:pPr>
+            <a:endParaRPr dirty="0"/>
+          </a:p>
+          <a:p>
+            <a:pPr>
+              <a:lnSpc>
+                <a:spcPct val="100000"/>
+              </a:lnSpc>
+              <a:buSzPct val="45000"/>
+              <a:buFont typeface="StarSymbol"/>
+              <a:buChar char=""/>
+            </a:pPr>
+            <a:r>
+              <a:rPr lang="cs-CZ" sz="2800" strike="noStrike" dirty="0">
+                <a:latin typeface="Arial"/>
+                <a:ea typeface="WenQuanYi Zen Hei"/>
+              </a:rPr>
+              <a:t>během jeho působení bylo vypraveno více než 75 letů do vesmíru</a:t>
+            </a:r>
+            <a:endParaRPr dirty="0"/>
+          </a:p>
+          <a:p>
+            <a:pPr>
+              <a:lnSpc>
+                <a:spcPct val="100000"/>
+              </a:lnSpc>
+            </a:pPr>
+            <a:endParaRPr dirty="0"/>
+          </a:p>
+          <a:p>
+            <a:pPr>
+              <a:lnSpc>
+                <a:spcPct val="100000"/>
+              </a:lnSpc>
+            </a:pPr>
+            <a:endParaRPr dirty="0"/>
           </a:p>
         </p:txBody>
       </p:sp>
       <p:pic>
         <p:nvPicPr>
-          <p:cNvPr id="192" name="Zástupný symbol pro obsah 4" descr=""/>
+          <p:cNvPr id="190" name="Zástupný symbol pro obsah 4"/>
           <p:cNvPicPr/>
           <p:nvPr/>
         </p:nvPicPr>
         <p:blipFill>
-          <a:blip r:embed="rId1"/>
+          <a:blip r:embed="rId2"/>
           <a:stretch/>
         </p:blipFill>
         <p:spPr>
           <a:xfrm>
-            <a:off x="1152000" y="1619640"/>
-            <a:ext cx="7632360" cy="5479560"/>
+            <a:off x="6264448" y="1800360"/>
+            <a:ext cx="3337200" cy="4384440"/>
           </a:xfrm>
           <a:prstGeom prst="rect">
             <a:avLst/>
@@ -7010,22 +7698,25 @@
       </p:pic>
     </p:spTree>
   </p:cSld>
+  <p:clrMapOvr>
+    <a:masterClrMapping/>
+  </p:clrMapOvr>
   <p:timing>
     <p:tnLst>
       <p:par>
-        <p:cTn id="25" dur="indefinite" restart="never" nodeType="tmRoot">
+        <p:cTn id="1" dur="indefinite" restart="never" nodeType="tmRoot">
           <p:childTnLst>
             <p:seq>
-              <p:cTn id="26" nodeType="mainSeq"/>
+              <p:cTn id="2" nodeType="mainSeq"/>
               <p:prevCondLst>
-                <p:cond delay="0" evt="onPrev">
+                <p:cond evt="onPrev" delay="0">
                   <p:tgtEl>
                     <p:sldTgt/>
                   </p:tgtEl>
                 </p:cond>
               </p:prevCondLst>
               <p:nextCondLst>
-                <p:cond delay="0" evt="onNext">
+                <p:cond evt="onNext" delay="0">
                   <p:tgtEl>
                     <p:sldTgt/>
                   </p:tgtEl>
@@ -7041,7 +7732,7 @@
 </file>
 
 <file path=ppt/slides/slide14.xml><?xml version="1.0" encoding="utf-8"?>
-<p:sld xmlns:a="http://schemas.openxmlformats.org/drawingml/2006/main" xmlns:p="http://schemas.openxmlformats.org/presentationml/2006/main" xmlns:r="http://schemas.openxmlformats.org/officeDocument/2006/relationships">
+<p:sld xmlns:a="http://schemas.openxmlformats.org/drawingml/2006/main" xmlns:r="http://schemas.openxmlformats.org/officeDocument/2006/relationships" xmlns:p="http://schemas.openxmlformats.org/presentationml/2006/main">
   <p:cSld>
     <p:spTree>
       <p:nvGrpSpPr>
@@ -7059,7 +7750,7 @@
       </p:grpSpPr>
       <p:sp>
         <p:nvSpPr>
-          <p:cNvPr id="193" name="TextShape 1"/>
+          <p:cNvPr id="191" name="TextShape 1"/>
           <p:cNvSpPr txBox="1"/>
           <p:nvPr/>
         </p:nvSpPr>
@@ -7077,7 +7768,8 @@
           </a:ln>
         </p:spPr>
         <p:txBody>
-          <a:bodyPr lIns="0" rIns="0" tIns="0" bIns="0" anchor="ctr"/>
+          <a:bodyPr lIns="0" tIns="0" rIns="0" bIns="0" anchor="ctr"/>
+          <a:lstStyle/>
           <a:p>
             <a:pPr>
               <a:lnSpc>
@@ -7090,156 +7782,54 @@
               </a:rPr>
               <a:t>Popis teleskopu</a:t>
             </a:r>
-            <a:r>
-              <a:rPr lang="cs-CZ" sz="3000" strike="noStrike">
-                <a:latin typeface="Arial"/>
-              </a:rPr>
-              <a:t>	</a:t>
-            </a:r>
-            <a:endParaRPr/>
-          </a:p>
-        </p:txBody>
-      </p:sp>
-      <p:sp>
-        <p:nvSpPr>
-          <p:cNvPr id="194" name="TextShape 2"/>
-          <p:cNvSpPr txBox="1"/>
+            <a:endParaRPr/>
+          </a:p>
+        </p:txBody>
+      </p:sp>
+      <p:pic>
+        <p:nvPicPr>
+          <p:cNvPr id="192" name="Zástupný symbol pro obsah 4"/>
+          <p:cNvPicPr/>
           <p:nvPr/>
-        </p:nvSpPr>
-        <p:spPr>
-          <a:xfrm>
-            <a:off x="504000" y="1800000"/>
-            <a:ext cx="9071640" cy="4384080"/>
-          </a:xfrm>
-          <a:prstGeom prst="rect">
-            <a:avLst/>
-          </a:prstGeom>
-          <a:noFill/>
+        </p:nvPicPr>
+        <p:blipFill>
+          <a:blip r:embed="rId2"/>
+          <a:stretch/>
+        </p:blipFill>
+        <p:spPr>
+          <a:xfrm>
+            <a:off x="1152000" y="1619640"/>
+            <a:ext cx="7632360" cy="5479560"/>
+          </a:xfrm>
+          <a:prstGeom prst="rect">
+            <a:avLst/>
+          </a:prstGeom>
           <a:ln>
             <a:noFill/>
           </a:ln>
         </p:spPr>
-        <p:txBody>
-          <a:bodyPr lIns="0" rIns="0" tIns="0" bIns="0"/>
-          <a:p>
-            <a:pPr>
-              <a:lnSpc>
-                <a:spcPct val="100000"/>
-              </a:lnSpc>
-              <a:buSzPct val="45000"/>
-              <a:buFont typeface="StarSymbol"/>
-              <a:buChar char=""/>
-            </a:pPr>
-            <a:r>
-              <a:rPr lang="cs-CZ" sz="2600" strike="noStrike">
-                <a:latin typeface="Arial"/>
-                <a:ea typeface="WenQuanYi Zen Hei"/>
-              </a:rPr>
-              <a:t>Primární zrcadlo:</a:t>
-            </a:r>
-            <a:endParaRPr/>
-          </a:p>
-          <a:p>
-            <a:pPr lvl="1">
-              <a:lnSpc>
-                <a:spcPct val="100000"/>
-              </a:lnSpc>
-              <a:buSzPct val="75000"/>
-              <a:buFont typeface="StarSymbol"/>
-              <a:buChar char=""/>
-            </a:pPr>
-            <a:r>
-              <a:rPr lang="cs-CZ" sz="2600" strike="noStrike">
-                <a:latin typeface="Arial"/>
-                <a:ea typeface="WenQuanYi Zen Hei"/>
-              </a:rPr>
-              <a:t>18 hexagonálních beryliových zrcadel, které jsou potaženy zlatem pro maximální odrazivost IR</a:t>
-            </a:r>
-            <a:endParaRPr/>
-          </a:p>
-          <a:p>
-            <a:pPr lvl="1">
-              <a:lnSpc>
-                <a:spcPct val="100000"/>
-              </a:lnSpc>
-              <a:buSzPct val="75000"/>
-              <a:buFont typeface="StarSymbol"/>
-              <a:buChar char=""/>
-            </a:pPr>
-            <a:r>
-              <a:rPr lang="cs-CZ" sz="2600" strike="noStrike">
-                <a:latin typeface="Arial"/>
-                <a:ea typeface="WenQuanYi Zen Hei"/>
-              </a:rPr>
-              <a:t>jeden segment má průměr 1.3m a váží 40kg</a:t>
-            </a:r>
-            <a:endParaRPr/>
-          </a:p>
-          <a:p>
-            <a:pPr lvl="1">
-              <a:lnSpc>
-                <a:spcPct val="100000"/>
-              </a:lnSpc>
-              <a:buSzPct val="75000"/>
-              <a:buFont typeface="StarSymbol"/>
-              <a:buChar char=""/>
-            </a:pPr>
-            <a:r>
-              <a:rPr lang="cs-CZ" sz="2600" strike="noStrike">
-                <a:latin typeface="Arial"/>
-                <a:ea typeface="WenQuanYi Zen Hei"/>
-              </a:rPr>
-              <a:t>celková odrazová plocha primárního zrcadla je 25</a:t>
-            </a:r>
-            <a:endParaRPr/>
-          </a:p>
-          <a:p>
-            <a:pPr lvl="1">
-              <a:lnSpc>
-                <a:spcPct val="100000"/>
-              </a:lnSpc>
-              <a:buSzPct val="75000"/>
-              <a:buFont typeface="StarSymbol"/>
-              <a:buChar char=""/>
-            </a:pPr>
-            <a:r>
-              <a:rPr lang="cs-CZ" sz="2600" strike="noStrike">
-                <a:latin typeface="Arial"/>
-                <a:ea typeface="WenQuanYi Zen Hei"/>
-              </a:rPr>
-              <a:t>ovládání segmentů pomocí servopohonů (změny polohy v rozměrech nanometrů)</a:t>
-            </a:r>
-            <a:endParaRPr/>
-          </a:p>
-          <a:p>
-            <a:endParaRPr/>
-          </a:p>
-          <a:p>
-            <a:endParaRPr/>
-          </a:p>
-          <a:p>
-            <a:endParaRPr/>
-          </a:p>
-        </p:txBody>
-      </p:sp>
+      </p:pic>
     </p:spTree>
   </p:cSld>
+  <p:clrMapOvr>
+    <a:masterClrMapping/>
+  </p:clrMapOvr>
   <p:timing>
     <p:tnLst>
       <p:par>
-        <p:cTn id="27" dur="indefinite" restart="never" nodeType="tmRoot">
+        <p:cTn id="1" dur="indefinite" restart="never" nodeType="tmRoot">
           <p:childTnLst>
             <p:seq>
-              <p:cTn id="28" nodeType="mainSeq"/>
+              <p:cTn id="2" nodeType="mainSeq"/>
               <p:prevCondLst>
-                <p:cond delay="0" evt="onPrev">
+                <p:cond evt="onPrev" delay="0">
                   <p:tgtEl>
                     <p:sldTgt/>
                   </p:tgtEl>
                 </p:cond>
               </p:prevCondLst>
               <p:nextCondLst>
-                <p:cond delay="0" evt="onNext">
+                <p:cond evt="onNext" delay="0">
                   <p:tgtEl>
                     <p:sldTgt/>
                   </p:tgtEl>
@@ -7255,7 +7845,7 @@
 </file>
 
 <file path=ppt/slides/slide15.xml><?xml version="1.0" encoding="utf-8"?>
-<p:sld xmlns:a="http://schemas.openxmlformats.org/drawingml/2006/main" xmlns:p="http://schemas.openxmlformats.org/presentationml/2006/main" xmlns:r="http://schemas.openxmlformats.org/officeDocument/2006/relationships">
+<p:sld xmlns:a="http://schemas.openxmlformats.org/drawingml/2006/main" xmlns:r="http://schemas.openxmlformats.org/officeDocument/2006/relationships" xmlns:p="http://schemas.openxmlformats.org/presentationml/2006/main">
   <p:cSld>
     <p:spTree>
       <p:nvGrpSpPr>
@@ -7273,7 +7863,7 @@
       </p:grpSpPr>
       <p:sp>
         <p:nvSpPr>
-          <p:cNvPr id="195" name="TextShape 1"/>
+          <p:cNvPr id="193" name="TextShape 1"/>
           <p:cNvSpPr txBox="1"/>
           <p:nvPr/>
         </p:nvSpPr>
@@ -7291,7 +7881,8 @@
           </a:ln>
         </p:spPr>
         <p:txBody>
-          <a:bodyPr lIns="0" rIns="0" tIns="0" bIns="0" anchor="ctr"/>
+          <a:bodyPr lIns="0" tIns="0" rIns="0" bIns="0" anchor="ctr"/>
+          <a:lstStyle/>
           <a:p>
             <a:pPr>
               <a:lnSpc>
@@ -7302,15 +7893,15 @@
               <a:rPr lang="cs-CZ" sz="3000" strike="noStrike">
                 <a:latin typeface="Arial"/>
               </a:rPr>
-              <a:t>Použité technologie</a:t>
-            </a:r>
-            <a:endParaRPr/>
-          </a:p>
-        </p:txBody>
-      </p:sp>
-      <p:sp>
-        <p:nvSpPr>
-          <p:cNvPr id="196" name="TextShape 2"/>
+              <a:t>Popis teleskopu	</a:t>
+            </a:r>
+            <a:endParaRPr/>
+          </a:p>
+        </p:txBody>
+      </p:sp>
+      <p:sp>
+        <p:nvSpPr>
+          <p:cNvPr id="194" name="TextShape 2"/>
           <p:cNvSpPr txBox="1"/>
           <p:nvPr/>
         </p:nvSpPr>
@@ -7328,7 +7919,8 @@
           </a:ln>
         </p:spPr>
         <p:txBody>
-          <a:bodyPr lIns="0" rIns="0" tIns="0" bIns="0"/>
+          <a:bodyPr lIns="0" tIns="0" rIns="0" bIns="0"/>
+          <a:lstStyle/>
           <a:p>
             <a:pPr>
               <a:lnSpc>
@@ -7339,13 +7931,19 @@
               <a:buChar char=""/>
             </a:pPr>
             <a:r>
-              <a:rPr lang="cs-CZ" sz="2600" strike="noStrike">
-                <a:latin typeface="Arial"/>
-                <a:ea typeface="WenQuanYi Zen Hei"/>
-              </a:rPr>
-              <a:t>NIRCam – kamera vybavená přístrojem, který umožní odstínit světlo hvězdy a studovat tak její okolí (například planety). Zaměří se na studium starých hvězd ve vzdálených galaxiích i ledová tělesa daleko za dráhou Neptunu.</a:t>
-            </a:r>
-            <a:endParaRPr/>
+              <a:rPr lang="cs-CZ" sz="2600" strike="noStrike" dirty="0">
+                <a:latin typeface="Arial"/>
+                <a:ea typeface="WenQuanYi Zen Hei"/>
+              </a:rPr>
+              <a:t>Primární zrcadlo</a:t>
+            </a:r>
+            <a:r>
+              <a:rPr lang="cs-CZ" sz="2600" strike="noStrike" dirty="0" smtClean="0">
+                <a:latin typeface="Arial"/>
+                <a:ea typeface="WenQuanYi Zen Hei"/>
+              </a:rPr>
+              <a:t>:</a:t>
+            </a:r>
           </a:p>
           <a:p>
             <a:pPr>
@@ -7356,35 +7954,185 @@
               <a:buFont typeface="StarSymbol"/>
               <a:buChar char=""/>
             </a:pPr>
-            <a:r>
-              <a:rPr lang="cs-CZ" sz="2600" strike="noStrike">
-                <a:latin typeface="Arial"/>
-                <a:ea typeface="WenQuanYi Zen Hei"/>
-              </a:rPr>
-              <a:t>NIRSpec – spektrograf čili přístroj, který zaznamenává spektrum záření vydávané určitým objektem. Je určený pro studium složení, teploty a hmotnosti vzdálených nebeských objektů.</a:t>
-            </a:r>
-            <a:endParaRPr/>
+            <a:endParaRPr dirty="0"/>
+          </a:p>
+          <a:p>
+            <a:pPr lvl="1">
+              <a:lnSpc>
+                <a:spcPct val="100000"/>
+              </a:lnSpc>
+              <a:buSzPct val="75000"/>
+              <a:buFont typeface="StarSymbol"/>
+              <a:buChar char=""/>
+            </a:pPr>
+            <a:r>
+              <a:rPr lang="cs-CZ" sz="2600" strike="noStrike" dirty="0">
+                <a:latin typeface="Arial"/>
+                <a:ea typeface="WenQuanYi Zen Hei"/>
+              </a:rPr>
+              <a:t>18 hexagonálních beryliových </a:t>
+            </a:r>
+            <a:r>
+              <a:rPr lang="cs-CZ" sz="2600" strike="noStrike" dirty="0" smtClean="0">
+                <a:latin typeface="Arial"/>
+                <a:ea typeface="WenQuanYi Zen Hei"/>
+              </a:rPr>
+              <a:t>zrcadel (segmentů), </a:t>
+            </a:r>
+            <a:r>
+              <a:rPr lang="cs-CZ" sz="2600" strike="noStrike" dirty="0">
+                <a:latin typeface="Arial"/>
+                <a:ea typeface="WenQuanYi Zen Hei"/>
+              </a:rPr>
+              <a:t>které jsou potaženy zlatem pro maximální odrazivost </a:t>
+            </a:r>
+            <a:r>
+              <a:rPr lang="cs-CZ" sz="2600" strike="noStrike" dirty="0" smtClean="0">
+                <a:latin typeface="Arial"/>
+                <a:ea typeface="WenQuanYi Zen Hei"/>
+              </a:rPr>
+              <a:t>IR</a:t>
+            </a:r>
+          </a:p>
+          <a:p>
+            <a:pPr lvl="1">
+              <a:lnSpc>
+                <a:spcPct val="100000"/>
+              </a:lnSpc>
+              <a:buSzPct val="75000"/>
+            </a:pPr>
+            <a:endParaRPr dirty="0"/>
+          </a:p>
+          <a:p>
+            <a:pPr lvl="1">
+              <a:lnSpc>
+                <a:spcPct val="100000"/>
+              </a:lnSpc>
+              <a:buSzPct val="75000"/>
+              <a:buFont typeface="StarSymbol"/>
+              <a:buChar char=""/>
+            </a:pPr>
+            <a:r>
+              <a:rPr lang="cs-CZ" sz="2600" strike="noStrike" dirty="0">
+                <a:latin typeface="Arial"/>
+                <a:ea typeface="WenQuanYi Zen Hei"/>
+              </a:rPr>
+              <a:t>jeden segment má průměr 1.3m a váží </a:t>
+            </a:r>
+            <a:r>
+              <a:rPr lang="cs-CZ" sz="2600" strike="noStrike" dirty="0" smtClean="0">
+                <a:latin typeface="Arial"/>
+                <a:ea typeface="WenQuanYi Zen Hei"/>
+              </a:rPr>
+              <a:t>40kg</a:t>
+            </a:r>
+          </a:p>
+          <a:p>
+            <a:pPr lvl="1">
+              <a:lnSpc>
+                <a:spcPct val="100000"/>
+              </a:lnSpc>
+              <a:buSzPct val="75000"/>
+            </a:pPr>
+            <a:endParaRPr dirty="0"/>
+          </a:p>
+          <a:p>
+            <a:pPr lvl="1">
+              <a:lnSpc>
+                <a:spcPct val="100000"/>
+              </a:lnSpc>
+              <a:buSzPct val="75000"/>
+              <a:buFont typeface="StarSymbol"/>
+              <a:buChar char=""/>
+            </a:pPr>
+            <a:r>
+              <a:rPr lang="cs-CZ" sz="2600" strike="noStrike" dirty="0">
+                <a:latin typeface="Arial"/>
+                <a:ea typeface="WenQuanYi Zen Hei"/>
+              </a:rPr>
+              <a:t>celková odrazová plocha primárního zrcadla je </a:t>
+            </a:r>
+            <a:r>
+              <a:rPr lang="cs-CZ" sz="2600" strike="noStrike" dirty="0" smtClean="0">
+                <a:latin typeface="Arial"/>
+                <a:ea typeface="WenQuanYi Zen Hei"/>
+              </a:rPr>
+              <a:t>25m2</a:t>
+            </a:r>
+          </a:p>
+          <a:p>
+            <a:pPr lvl="1">
+              <a:lnSpc>
+                <a:spcPct val="100000"/>
+              </a:lnSpc>
+              <a:buSzPct val="75000"/>
+            </a:pPr>
+            <a:endParaRPr dirty="0"/>
+          </a:p>
+          <a:p>
+            <a:pPr lvl="1">
+              <a:lnSpc>
+                <a:spcPct val="100000"/>
+              </a:lnSpc>
+              <a:buSzPct val="75000"/>
+              <a:buFont typeface="StarSymbol"/>
+              <a:buChar char=""/>
+            </a:pPr>
+            <a:r>
+              <a:rPr lang="cs-CZ" sz="2600" strike="noStrike" dirty="0">
+                <a:latin typeface="Arial"/>
+                <a:ea typeface="WenQuanYi Zen Hei"/>
+              </a:rPr>
+              <a:t>ovládání segmentů pomocí </a:t>
+            </a:r>
+            <a:r>
+              <a:rPr lang="cs-CZ" sz="2600" strike="noStrike" dirty="0" err="1">
+                <a:latin typeface="Arial"/>
+                <a:ea typeface="WenQuanYi Zen Hei"/>
+              </a:rPr>
+              <a:t>servopohonů</a:t>
+            </a:r>
+            <a:r>
+              <a:rPr lang="cs-CZ" sz="2600" strike="noStrike" dirty="0">
+                <a:latin typeface="Arial"/>
+                <a:ea typeface="WenQuanYi Zen Hei"/>
+              </a:rPr>
+              <a:t> (změny polohy v rozměrech nanometrů)</a:t>
+            </a:r>
+            <a:endParaRPr dirty="0"/>
+          </a:p>
+          <a:p>
+            <a:endParaRPr dirty="0"/>
+          </a:p>
+          <a:p>
+            <a:endParaRPr dirty="0"/>
+          </a:p>
+          <a:p>
+            <a:endParaRPr dirty="0"/>
           </a:p>
         </p:txBody>
       </p:sp>
     </p:spTree>
   </p:cSld>
+  <p:clrMapOvr>
+    <a:masterClrMapping/>
+  </p:clrMapOvr>
   <p:timing>
     <p:tnLst>
       <p:par>
-        <p:cTn id="29" dur="indefinite" restart="never" nodeType="tmRoot">
+        <p:cTn id="1" dur="indefinite" restart="never" nodeType="tmRoot">
           <p:childTnLst>
             <p:seq>
-              <p:cTn id="30" nodeType="mainSeq"/>
+              <p:cTn id="2" nodeType="mainSeq"/>
               <p:prevCondLst>
-                <p:cond delay="0" evt="onPrev">
+                <p:cond evt="onPrev" delay="0">
                   <p:tgtEl>
                     <p:sldTgt/>
                   </p:tgtEl>
                 </p:cond>
               </p:prevCondLst>
               <p:nextCondLst>
-                <p:cond delay="0" evt="onNext">
+                <p:cond evt="onNext" delay="0">
                   <p:tgtEl>
                     <p:sldTgt/>
                   </p:tgtEl>
@@ -7400,7 +8148,7 @@
 </file>
 
 <file path=ppt/slides/slide16.xml><?xml version="1.0" encoding="utf-8"?>
-<p:sld xmlns:a="http://schemas.openxmlformats.org/drawingml/2006/main" xmlns:p="http://schemas.openxmlformats.org/presentationml/2006/main" xmlns:r="http://schemas.openxmlformats.org/officeDocument/2006/relationships">
+<p:sld xmlns:a="http://schemas.openxmlformats.org/drawingml/2006/main" xmlns:r="http://schemas.openxmlformats.org/officeDocument/2006/relationships" xmlns:p="http://schemas.openxmlformats.org/presentationml/2006/main">
   <p:cSld>
     <p:spTree>
       <p:nvGrpSpPr>
@@ -7418,7 +8166,7 @@
       </p:grpSpPr>
       <p:sp>
         <p:nvSpPr>
-          <p:cNvPr id="197" name="TextShape 1"/>
+          <p:cNvPr id="195" name="TextShape 1"/>
           <p:cNvSpPr txBox="1"/>
           <p:nvPr/>
         </p:nvSpPr>
@@ -7436,7 +8184,8 @@
           </a:ln>
         </p:spPr>
         <p:txBody>
-          <a:bodyPr lIns="0" rIns="0" tIns="0" bIns="0" anchor="ctr"/>
+          <a:bodyPr lIns="0" tIns="0" rIns="0" bIns="0" anchor="ctr"/>
+          <a:lstStyle/>
           <a:p>
             <a:pPr>
               <a:lnSpc>
@@ -7455,7 +8204,7 @@
       </p:sp>
       <p:sp>
         <p:nvSpPr>
-          <p:cNvPr id="198" name="TextShape 2"/>
+          <p:cNvPr id="196" name="TextShape 2"/>
           <p:cNvSpPr txBox="1"/>
           <p:nvPr/>
         </p:nvSpPr>
@@ -7473,7 +8222,8 @@
           </a:ln>
         </p:spPr>
         <p:txBody>
-          <a:bodyPr lIns="0" rIns="0" tIns="0" bIns="0"/>
+          <a:bodyPr lIns="0" tIns="0" rIns="0" bIns="0"/>
+          <a:lstStyle/>
           <a:p>
             <a:pPr>
               <a:lnSpc>
@@ -7484,68 +8234,163 @@
               <a:buChar char=""/>
             </a:pPr>
             <a:r>
-              <a:rPr lang="cs-CZ" sz="2600" strike="noStrike">
-                <a:latin typeface="Arial"/>
-                <a:ea typeface="WenQuanYi Zen Hei"/>
-              </a:rPr>
-              <a:t>MIRI – kamera a spektrograf v jednom. Zaměří se na studium nejstarších galaxií a hvězd stejně jako slabých komet.</a:t>
-            </a:r>
-            <a:endParaRPr/>
-          </a:p>
-          <a:p>
-            <a:pPr>
-              <a:lnSpc>
-                <a:spcPct val="100000"/>
-              </a:lnSpc>
-              <a:buSzPct val="45000"/>
-              <a:buFont typeface="StarSymbol"/>
-              <a:buChar char=""/>
-            </a:pPr>
-            <a:r>
-              <a:rPr lang="cs-CZ" sz="2600" strike="noStrike">
-                <a:latin typeface="Arial"/>
-                <a:ea typeface="WenQuanYi Zen Hei"/>
-              </a:rPr>
-              <a:t>FGS/NIRISS – další spektrograf. Jeho úkolem je zkoumat složení planet u cizích hvězd.</a:t>
-            </a:r>
-            <a:endParaRPr/>
-          </a:p>
-          <a:p>
-            <a:pPr>
-              <a:lnSpc>
-                <a:spcPct val="100000"/>
-              </a:lnSpc>
-            </a:pPr>
-            <a:endParaRPr/>
-          </a:p>
-          <a:p>
-            <a:pPr>
-              <a:lnSpc>
-                <a:spcPct val="100000"/>
-              </a:lnSpc>
-            </a:pPr>
-            <a:endParaRPr/>
+              <a:rPr lang="cs-CZ" sz="2800" dirty="0" err="1" smtClean="0"/>
+              <a:t>Integrated</a:t>
+            </a:r>
+            <a:r>
+              <a:rPr lang="cs-CZ" sz="2800" dirty="0" smtClean="0"/>
+              <a:t> Science Instrument Module</a:t>
+            </a:r>
+            <a:endParaRPr sz="2800" dirty="0"/>
+          </a:p>
+        </p:txBody>
+      </p:sp>
+      <p:pic>
+        <p:nvPicPr>
+          <p:cNvPr id="1028" name="Picture 4" descr="http://jwst.nasa.gov/images/news6_fig2.jpg"/>
+          <p:cNvPicPr>
+            <a:picLocks noChangeAspect="1" noChangeArrowheads="1"/>
+          </p:cNvPicPr>
+          <p:nvPr/>
+        </p:nvPicPr>
+        <p:blipFill>
+          <a:blip r:embed="rId2">
+            <a:extLst>
+              <a:ext uri="{28A0092B-C50C-407E-A947-70E740481C1C}">
+                <a14:useLocalDpi xmlns:a14="http://schemas.microsoft.com/office/drawing/2010/main" val="0"/>
+              </a:ext>
+            </a:extLst>
+          </a:blip>
+          <a:srcRect/>
+          <a:stretch>
+            <a:fillRect/>
+          </a:stretch>
+        </p:blipFill>
+        <p:spPr bwMode="auto">
+          <a:xfrm>
+            <a:off x="3888184" y="2987749"/>
+            <a:ext cx="5143612" cy="3310011"/>
+          </a:xfrm>
+          <a:prstGeom prst="rect">
+            <a:avLst/>
+          </a:prstGeom>
+          <a:noFill/>
+          <a:extLst>
+            <a:ext uri="{909E8E84-426E-40DD-AFC4-6F175D3DCCD1}">
+              <a14:hiddenFill xmlns:a14="http://schemas.microsoft.com/office/drawing/2010/main">
+                <a:solidFill>
+                  <a:srgbClr val="FFFFFF"/>
+                </a:solidFill>
+              </a14:hiddenFill>
+            </a:ext>
+          </a:extLst>
+        </p:spPr>
+      </p:pic>
+      <p:cxnSp>
+        <p:nvCxnSpPr>
+          <p:cNvPr id="3" name="Přímá spojnice se šipkou 2"/>
+          <p:cNvCxnSpPr>
+            <a:endCxn id="6" idx="1"/>
+          </p:cNvCxnSpPr>
+          <p:nvPr/>
+        </p:nvCxnSpPr>
+        <p:spPr>
+          <a:xfrm>
+            <a:off x="3600152" y="2267669"/>
+            <a:ext cx="2432609" cy="1557968"/>
+          </a:xfrm>
+          <a:prstGeom prst="straightConnector1">
+            <a:avLst/>
+          </a:prstGeom>
+          <a:ln w="25400">
+            <a:solidFill>
+              <a:srgbClr val="FF0000"/>
+            </a:solidFill>
+            <a:tailEnd type="arrow"/>
+          </a:ln>
+        </p:spPr>
+        <p:style>
+          <a:lnRef idx="1">
+            <a:schemeClr val="dk1"/>
+          </a:lnRef>
+          <a:fillRef idx="0">
+            <a:schemeClr val="dk1"/>
+          </a:fillRef>
+          <a:effectRef idx="0">
+            <a:schemeClr val="dk1"/>
+          </a:effectRef>
+          <a:fontRef idx="minor">
+            <a:schemeClr val="tx1"/>
+          </a:fontRef>
+        </p:style>
+      </p:cxnSp>
+      <p:sp>
+        <p:nvSpPr>
+          <p:cNvPr id="6" name="Ovál 5"/>
+          <p:cNvSpPr/>
+          <p:nvPr/>
+        </p:nvSpPr>
+        <p:spPr>
+          <a:xfrm>
+            <a:off x="5832400" y="3635821"/>
+            <a:ext cx="1368152" cy="1296144"/>
+          </a:xfrm>
+          <a:prstGeom prst="ellipse">
+            <a:avLst/>
+          </a:prstGeom>
+          <a:noFill/>
+          <a:ln>
+            <a:solidFill>
+              <a:srgbClr val="FF0000"/>
+            </a:solidFill>
+          </a:ln>
+        </p:spPr>
+        <p:style>
+          <a:lnRef idx="2">
+            <a:schemeClr val="accent1">
+              <a:shade val="50000"/>
+            </a:schemeClr>
+          </a:lnRef>
+          <a:fillRef idx="1">
+            <a:schemeClr val="accent1"/>
+          </a:fillRef>
+          <a:effectRef idx="0">
+            <a:schemeClr val="accent1"/>
+          </a:effectRef>
+          <a:fontRef idx="minor">
+            <a:schemeClr val="lt1"/>
+          </a:fontRef>
+        </p:style>
+        <p:txBody>
+          <a:bodyPr rtlCol="0" anchor="ctr"/>
+          <a:lstStyle/>
+          <a:p>
+            <a:pPr algn="ctr"/>
+            <a:endParaRPr lang="cs-CZ"/>
           </a:p>
         </p:txBody>
       </p:sp>
     </p:spTree>
   </p:cSld>
+  <p:clrMapOvr>
+    <a:masterClrMapping/>
+  </p:clrMapOvr>
   <p:timing>
     <p:tnLst>
       <p:par>
-        <p:cTn id="31" dur="indefinite" restart="never" nodeType="tmRoot">
+        <p:cTn id="1" dur="indefinite" restart="never" nodeType="tmRoot">
           <p:childTnLst>
             <p:seq>
-              <p:cTn id="32" nodeType="mainSeq"/>
+              <p:cTn id="2" nodeType="mainSeq"/>
               <p:prevCondLst>
-                <p:cond delay="0" evt="onPrev">
+                <p:cond evt="onPrev" delay="0">
                   <p:tgtEl>
                     <p:sldTgt/>
                   </p:tgtEl>
                 </p:cond>
               </p:prevCondLst>
               <p:nextCondLst>
-                <p:cond delay="0" evt="onNext">
+                <p:cond evt="onNext" delay="0">
                   <p:tgtEl>
                     <p:sldTgt/>
                   </p:tgtEl>
@@ -7561,7 +8406,7 @@
 </file>
 
 <file path=ppt/slides/slide17.xml><?xml version="1.0" encoding="utf-8"?>
-<p:sld xmlns:a="http://schemas.openxmlformats.org/drawingml/2006/main" xmlns:p="http://schemas.openxmlformats.org/presentationml/2006/main" xmlns:r="http://schemas.openxmlformats.org/officeDocument/2006/relationships">
+<p:sld xmlns:a="http://schemas.openxmlformats.org/drawingml/2006/main" xmlns:r="http://schemas.openxmlformats.org/officeDocument/2006/relationships" xmlns:p="http://schemas.openxmlformats.org/presentationml/2006/main">
   <p:cSld>
     <p:spTree>
       <p:nvGrpSpPr>
@@ -7579,7 +8424,7 @@
       </p:grpSpPr>
       <p:sp>
         <p:nvSpPr>
-          <p:cNvPr id="199" name="TextShape 1"/>
+          <p:cNvPr id="195" name="TextShape 1"/>
           <p:cNvSpPr txBox="1"/>
           <p:nvPr/>
         </p:nvSpPr>
@@ -7597,7 +8442,8 @@
           </a:ln>
         </p:spPr>
         <p:txBody>
-          <a:bodyPr lIns="0" rIns="0" tIns="0" bIns="0" anchor="ctr"/>
+          <a:bodyPr lIns="0" tIns="0" rIns="0" bIns="0" anchor="ctr"/>
+          <a:lstStyle/>
           <a:p>
             <a:pPr>
               <a:lnSpc>
@@ -7608,21 +8454,15 @@
               <a:rPr lang="cs-CZ" sz="3000" strike="noStrike">
                 <a:latin typeface="Arial"/>
               </a:rPr>
-              <a:t>Vypuštění a umístění</a:t>
-            </a:r>
-            <a:r>
-              <a:rPr lang="cs-CZ" sz="3000" strike="noStrike">
-                <a:latin typeface="Arial"/>
-              </a:rPr>
-              <a:t>	</a:t>
-            </a:r>
-            <a:endParaRPr/>
-          </a:p>
-        </p:txBody>
-      </p:sp>
-      <p:sp>
-        <p:nvSpPr>
-          <p:cNvPr id="200" name="TextShape 2"/>
+              <a:t>Použité technologie</a:t>
+            </a:r>
+            <a:endParaRPr/>
+          </a:p>
+        </p:txBody>
+      </p:sp>
+      <p:sp>
+        <p:nvSpPr>
+          <p:cNvPr id="196" name="TextShape 2"/>
           <p:cNvSpPr txBox="1"/>
           <p:nvPr/>
         </p:nvSpPr>
@@ -7640,7 +8480,8 @@
           </a:ln>
         </p:spPr>
         <p:txBody>
-          <a:bodyPr lIns="0" rIns="0" tIns="0" bIns="0"/>
+          <a:bodyPr lIns="0" tIns="0" rIns="0" bIns="0"/>
+          <a:lstStyle/>
           <a:p>
             <a:pPr>
               <a:lnSpc>
@@ -7650,94 +8491,90 @@
               <a:buFont typeface="StarSymbol"/>
               <a:buChar char=""/>
             </a:pPr>
-            <a:r>
-              <a:rPr lang="cs-CZ" sz="2600" strike="noStrike">
-                <a:latin typeface="Arial"/>
-                <a:ea typeface="WenQuanYi Zen Hei"/>
-              </a:rPr>
-              <a:t>vypuštění teleskopu je plánováno na říjen 2018</a:t>
-            </a:r>
-            <a:endParaRPr/>
-          </a:p>
-          <a:p>
-            <a:pPr>
-              <a:lnSpc>
-                <a:spcPct val="100000"/>
-              </a:lnSpc>
-              <a:buSzPct val="45000"/>
-              <a:buFont typeface="StarSymbol"/>
-              <a:buChar char=""/>
-            </a:pPr>
-            <a:r>
-              <a:rPr lang="cs-CZ" sz="2600" strike="noStrike">
-                <a:latin typeface="Arial"/>
-                <a:ea typeface="WenQuanYi Zen Hei"/>
-              </a:rPr>
-              <a:t>umístěn v Lagrangeově bodě L2 cca 1,5 mil. km od Země</a:t>
-            </a:r>
-            <a:endParaRPr/>
-          </a:p>
-          <a:p>
-            <a:pPr>
-              <a:lnSpc>
-                <a:spcPct val="100000"/>
-              </a:lnSpc>
-              <a:buSzPct val="45000"/>
-              <a:buFont typeface="StarSymbol"/>
-              <a:buChar char=""/>
-            </a:pPr>
-            <a:r>
-              <a:rPr lang="cs-CZ" sz="2600" strike="noStrike">
-                <a:latin typeface="Arial"/>
-                <a:ea typeface="WenQuanYi Zen Hei"/>
-              </a:rPr>
-              <a:t>bude se pohybovat po eliptické dráze s poloměrem přibližně 800 000 km (0.5 roku)</a:t>
-            </a:r>
-            <a:endParaRPr/>
+            <a:endParaRPr dirty="0"/>
           </a:p>
         </p:txBody>
       </p:sp>
       <p:pic>
         <p:nvPicPr>
-          <p:cNvPr id="201" name="Obrázek 3" descr=""/>
-          <p:cNvPicPr/>
+          <p:cNvPr id="1026" name="Picture 2"/>
+          <p:cNvPicPr>
+            <a:picLocks noChangeAspect="1" noChangeArrowheads="1"/>
+          </p:cNvPicPr>
           <p:nvPr/>
         </p:nvPicPr>
         <p:blipFill>
-          <a:blip r:embed="rId1"/>
-          <a:stretch/>
+          <a:blip r:embed="rId2">
+            <a:extLst>
+              <a:ext uri="{28A0092B-C50C-407E-A947-70E740481C1C}">
+                <a14:useLocalDpi xmlns:a14="http://schemas.microsoft.com/office/drawing/2010/main" val="0"/>
+              </a:ext>
+            </a:extLst>
+          </a:blip>
+          <a:srcRect/>
+          <a:stretch>
+            <a:fillRect/>
+          </a:stretch>
         </p:blipFill>
-        <p:spPr>
-          <a:xfrm>
-            <a:off x="5040360" y="3900960"/>
-            <a:ext cx="3613320" cy="2890440"/>
-          </a:xfrm>
-          <a:prstGeom prst="rect">
-            <a:avLst/>
-          </a:prstGeom>
+        <p:spPr bwMode="auto">
+          <a:xfrm>
+            <a:off x="1368152" y="1766789"/>
+            <a:ext cx="7416576" cy="5253408"/>
+          </a:xfrm>
+          <a:prstGeom prst="rect">
+            <a:avLst/>
+          </a:prstGeom>
+          <a:noFill/>
           <a:ln>
             <a:noFill/>
           </a:ln>
+          <a:extLst>
+            <a:ext uri="{909E8E84-426E-40DD-AFC4-6F175D3DCCD1}">
+              <a14:hiddenFill xmlns:a14="http://schemas.microsoft.com/office/drawing/2010/main">
+                <a:solidFill>
+                  <a:schemeClr val="accent1"/>
+                </a:solidFill>
+              </a14:hiddenFill>
+            </a:ext>
+            <a:ext uri="{91240B29-F687-4F45-9708-019B960494DF}">
+              <a14:hiddenLine xmlns:a14="http://schemas.microsoft.com/office/drawing/2010/main" w="9525">
+                <a:solidFill>
+                  <a:schemeClr val="tx1"/>
+                </a:solidFill>
+                <a:miter lim="800000"/>
+                <a:headEnd/>
+                <a:tailEnd/>
+              </a14:hiddenLine>
+            </a:ext>
+          </a:extLst>
         </p:spPr>
       </p:pic>
     </p:spTree>
+    <p:extLst>
+      <p:ext uri="{BB962C8B-B14F-4D97-AF65-F5344CB8AC3E}">
+        <p14:creationId xmlns:p14="http://schemas.microsoft.com/office/powerpoint/2010/main" val="1280821385"/>
+      </p:ext>
+    </p:extLst>
   </p:cSld>
+  <p:clrMapOvr>
+    <a:masterClrMapping/>
+  </p:clrMapOvr>
   <p:timing>
     <p:tnLst>
       <p:par>
-        <p:cTn id="33" dur="indefinite" restart="never" nodeType="tmRoot">
+        <p:cTn id="1" dur="indefinite" restart="never" nodeType="tmRoot">
           <p:childTnLst>
             <p:seq>
-              <p:cTn id="34" nodeType="mainSeq"/>
+              <p:cTn id="2" nodeType="mainSeq"/>
               <p:prevCondLst>
-                <p:cond delay="0" evt="onPrev">
+                <p:cond evt="onPrev" delay="0">
                   <p:tgtEl>
                     <p:sldTgt/>
                   </p:tgtEl>
                 </p:cond>
               </p:prevCondLst>
               <p:nextCondLst>
-                <p:cond delay="0" evt="onNext">
+                <p:cond evt="onNext" delay="0">
                   <p:tgtEl>
                     <p:sldTgt/>
                   </p:tgtEl>
@@ -7753,7 +8590,7 @@
 </file>
 
 <file path=ppt/slides/slide18.xml><?xml version="1.0" encoding="utf-8"?>
-<p:sld xmlns:a="http://schemas.openxmlformats.org/drawingml/2006/main" xmlns:p="http://schemas.openxmlformats.org/presentationml/2006/main" xmlns:r="http://schemas.openxmlformats.org/officeDocument/2006/relationships">
+<p:sld xmlns:a="http://schemas.openxmlformats.org/drawingml/2006/main" xmlns:r="http://schemas.openxmlformats.org/officeDocument/2006/relationships" xmlns:p="http://schemas.openxmlformats.org/presentationml/2006/main">
   <p:cSld>
     <p:spTree>
       <p:nvGrpSpPr>
@@ -7771,14 +8608,14 @@
       </p:grpSpPr>
       <p:sp>
         <p:nvSpPr>
-          <p:cNvPr id="202" name="TextShape 1"/>
+          <p:cNvPr id="195" name="TextShape 1"/>
           <p:cNvSpPr txBox="1"/>
           <p:nvPr/>
         </p:nvSpPr>
         <p:spPr>
           <a:xfrm>
             <a:off x="504000" y="576000"/>
-            <a:ext cx="7632360" cy="719640"/>
+            <a:ext cx="7199640" cy="719640"/>
           </a:xfrm>
           <a:prstGeom prst="rect">
             <a:avLst/>
@@ -7789,7 +8626,8 @@
           </a:ln>
         </p:spPr>
         <p:txBody>
-          <a:bodyPr lIns="0" rIns="0" tIns="0" bIns="0" anchor="ctr"/>
+          <a:bodyPr lIns="0" tIns="0" rIns="0" bIns="0" anchor="ctr"/>
+          <a:lstStyle/>
           <a:p>
             <a:pPr>
               <a:lnSpc>
@@ -7800,53 +8638,494 @@
               <a:rPr lang="cs-CZ" sz="3000" strike="noStrike">
                 <a:latin typeface="Arial"/>
               </a:rPr>
-              <a:t>Srovnání Hubbleova a Webbova teleskopu</a:t>
-            </a:r>
-            <a:endParaRPr/>
-          </a:p>
-        </p:txBody>
-      </p:sp>
-      <p:pic>
-        <p:nvPicPr>
-          <p:cNvPr id="203" name="Zástupný symbol pro obsah 3" descr=""/>
-          <p:cNvPicPr/>
+              <a:t>Použité technologie</a:t>
+            </a:r>
+            <a:endParaRPr/>
+          </a:p>
+        </p:txBody>
+      </p:sp>
+      <p:sp>
+        <p:nvSpPr>
+          <p:cNvPr id="196" name="TextShape 2"/>
+          <p:cNvSpPr txBox="1"/>
           <p:nvPr/>
-        </p:nvPicPr>
-        <p:blipFill>
-          <a:blip r:embed="rId1"/>
-          <a:stretch/>
-        </p:blipFill>
-        <p:spPr>
-          <a:xfrm>
-            <a:off x="1080000" y="1800360"/>
-            <a:ext cx="7876440" cy="4384440"/>
-          </a:xfrm>
-          <a:prstGeom prst="rect">
-            <a:avLst/>
-          </a:prstGeom>
+        </p:nvSpPr>
+        <p:spPr>
+          <a:xfrm>
+            <a:off x="504000" y="1800000"/>
+            <a:ext cx="9071640" cy="4384080"/>
+          </a:xfrm>
+          <a:prstGeom prst="rect">
+            <a:avLst/>
+          </a:prstGeom>
+          <a:noFill/>
           <a:ln>
             <a:noFill/>
           </a:ln>
         </p:spPr>
-      </p:pic>
+        <p:txBody>
+          <a:bodyPr lIns="0" tIns="0" rIns="0" bIns="0"/>
+          <a:lstStyle/>
+          <a:p>
+            <a:pPr>
+              <a:lnSpc>
+                <a:spcPct val="100000"/>
+              </a:lnSpc>
+              <a:buSzPct val="45000"/>
+              <a:buFont typeface="StarSymbol"/>
+              <a:buChar char=""/>
+            </a:pPr>
+            <a:r>
+              <a:rPr lang="cs-CZ" sz="2600" strike="noStrike" dirty="0" err="1" smtClean="0">
+                <a:latin typeface="Arial"/>
+                <a:ea typeface="WenQuanYi Zen Hei"/>
+              </a:rPr>
+              <a:t>Near</a:t>
+            </a:r>
+            <a:r>
+              <a:rPr lang="cs-CZ" sz="2600" strike="noStrike" dirty="0" smtClean="0">
+                <a:latin typeface="Arial"/>
+                <a:ea typeface="WenQuanYi Zen Hei"/>
+              </a:rPr>
+              <a:t> </a:t>
+            </a:r>
+            <a:r>
+              <a:rPr lang="cs-CZ" sz="2600" strike="noStrike" dirty="0" err="1" smtClean="0">
+                <a:latin typeface="Arial"/>
+                <a:ea typeface="WenQuanYi Zen Hei"/>
+              </a:rPr>
+              <a:t>InfraRred</a:t>
+            </a:r>
+            <a:r>
+              <a:rPr lang="cs-CZ" sz="2600" strike="noStrike" dirty="0" smtClean="0">
+                <a:latin typeface="Arial"/>
+                <a:ea typeface="WenQuanYi Zen Hei"/>
+              </a:rPr>
+              <a:t> </a:t>
+            </a:r>
+            <a:r>
+              <a:rPr lang="cs-CZ" sz="2600" strike="noStrike" dirty="0" err="1" smtClean="0">
+                <a:latin typeface="Arial"/>
+                <a:ea typeface="WenQuanYi Zen Hei"/>
+              </a:rPr>
+              <a:t>Camera</a:t>
+            </a:r>
+            <a:r>
+              <a:rPr lang="cs-CZ" sz="2600" strike="noStrike" dirty="0" smtClean="0">
+                <a:latin typeface="Arial"/>
+                <a:ea typeface="WenQuanYi Zen Hei"/>
+              </a:rPr>
+              <a:t> </a:t>
+            </a:r>
+            <a:r>
+              <a:rPr lang="cs-CZ" sz="2600" strike="noStrike" dirty="0">
+                <a:latin typeface="Arial"/>
+                <a:ea typeface="WenQuanYi Zen Hei"/>
+              </a:rPr>
+              <a:t>– kamera vybavená přístrojem, který umožní odstínit světlo hvězdy a studovat tak její okolí (například planety). Zaměří se na studium starých hvězd ve vzdálených galaxiích i ledová tělesa daleko za dráhou Neptunu</a:t>
+            </a:r>
+            <a:r>
+              <a:rPr lang="cs-CZ" sz="2600" strike="noStrike" dirty="0" smtClean="0">
+                <a:latin typeface="Arial"/>
+                <a:ea typeface="WenQuanYi Zen Hei"/>
+              </a:rPr>
+              <a:t>.</a:t>
+            </a:r>
+          </a:p>
+          <a:p>
+            <a:pPr>
+              <a:lnSpc>
+                <a:spcPct val="100000"/>
+              </a:lnSpc>
+              <a:buSzPct val="45000"/>
+              <a:buFont typeface="StarSymbol"/>
+              <a:buChar char=""/>
+            </a:pPr>
+            <a:endParaRPr dirty="0"/>
+          </a:p>
+          <a:p>
+            <a:pPr>
+              <a:lnSpc>
+                <a:spcPct val="100000"/>
+              </a:lnSpc>
+              <a:buSzPct val="45000"/>
+              <a:buFont typeface="StarSymbol"/>
+              <a:buChar char=""/>
+            </a:pPr>
+            <a:r>
+              <a:rPr lang="cs-CZ" sz="2600" strike="noStrike" dirty="0" err="1" smtClean="0">
+                <a:latin typeface="Arial"/>
+                <a:ea typeface="WenQuanYi Zen Hei"/>
+              </a:rPr>
+              <a:t>Near</a:t>
+            </a:r>
+            <a:r>
+              <a:rPr lang="cs-CZ" sz="2600" strike="noStrike" dirty="0" smtClean="0">
+                <a:latin typeface="Arial"/>
+                <a:ea typeface="WenQuanYi Zen Hei"/>
+              </a:rPr>
+              <a:t> </a:t>
+            </a:r>
+            <a:r>
+              <a:rPr lang="cs-CZ" sz="2600" strike="noStrike" dirty="0" err="1" smtClean="0">
+                <a:latin typeface="Arial"/>
+                <a:ea typeface="WenQuanYi Zen Hei"/>
+              </a:rPr>
+              <a:t>InfraRred</a:t>
+            </a:r>
+            <a:r>
+              <a:rPr lang="cs-CZ" sz="2600" strike="noStrike" dirty="0" smtClean="0">
+                <a:latin typeface="Arial"/>
+                <a:ea typeface="WenQuanYi Zen Hei"/>
+              </a:rPr>
+              <a:t> </a:t>
+            </a:r>
+            <a:r>
+              <a:rPr lang="cs-CZ" sz="2600" strike="noStrike" dirty="0" err="1" smtClean="0">
+                <a:latin typeface="Arial"/>
+                <a:ea typeface="WenQuanYi Zen Hei"/>
+              </a:rPr>
+              <a:t>Spectograph</a:t>
+            </a:r>
+            <a:r>
+              <a:rPr lang="cs-CZ" sz="2600" strike="noStrike" dirty="0">
+                <a:latin typeface="Arial"/>
+                <a:ea typeface="WenQuanYi Zen Hei"/>
+              </a:rPr>
+              <a:t> – spektrograf čili přístroj, který zaznamenává spektrum záření vydávané určitým objektem. Je určený pro studium složení, teploty a hmotnosti vzdálených </a:t>
+            </a:r>
+            <a:r>
+              <a:rPr lang="cs-CZ" sz="2600" strike="noStrike" dirty="0" smtClean="0">
+                <a:latin typeface="Arial"/>
+                <a:ea typeface="WenQuanYi Zen Hei"/>
+              </a:rPr>
+              <a:t>vesmírných objektů</a:t>
+            </a:r>
+            <a:r>
+              <a:rPr lang="cs-CZ" sz="2600" strike="noStrike" dirty="0">
+                <a:latin typeface="Arial"/>
+                <a:ea typeface="WenQuanYi Zen Hei"/>
+              </a:rPr>
+              <a:t>.</a:t>
+            </a:r>
+            <a:endParaRPr dirty="0"/>
+          </a:p>
+        </p:txBody>
+      </p:sp>
     </p:spTree>
+    <p:extLst>
+      <p:ext uri="{BB962C8B-B14F-4D97-AF65-F5344CB8AC3E}">
+        <p14:creationId xmlns:p14="http://schemas.microsoft.com/office/powerpoint/2010/main" val="597735075"/>
+      </p:ext>
+    </p:extLst>
   </p:cSld>
+  <p:clrMapOvr>
+    <a:masterClrMapping/>
+  </p:clrMapOvr>
   <p:timing>
     <p:tnLst>
       <p:par>
-        <p:cTn id="35" dur="indefinite" restart="never" nodeType="tmRoot">
+        <p:cTn id="1" dur="indefinite" restart="never" nodeType="tmRoot">
           <p:childTnLst>
             <p:seq>
-              <p:cTn id="36" nodeType="mainSeq"/>
+              <p:cTn id="2" nodeType="mainSeq"/>
               <p:prevCondLst>
-                <p:cond delay="0" evt="onPrev">
+                <p:cond evt="onPrev" delay="0">
                   <p:tgtEl>
                     <p:sldTgt/>
                   </p:tgtEl>
                 </p:cond>
               </p:prevCondLst>
               <p:nextCondLst>
-                <p:cond delay="0" evt="onNext">
+                <p:cond evt="onNext" delay="0">
+                  <p:tgtEl>
+                    <p:sldTgt/>
+                  </p:tgtEl>
+                </p:cond>
+              </p:nextCondLst>
+            </p:seq>
+          </p:childTnLst>
+        </p:cTn>
+      </p:par>
+    </p:tnLst>
+  </p:timing>
+</p:sld>
+</file>
+
+<file path=ppt/slides/slide19.xml><?xml version="1.0" encoding="utf-8"?>
+<p:sld xmlns:a="http://schemas.openxmlformats.org/drawingml/2006/main" xmlns:r="http://schemas.openxmlformats.org/officeDocument/2006/relationships" xmlns:p="http://schemas.openxmlformats.org/presentationml/2006/main">
+  <p:cSld>
+    <p:spTree>
+      <p:nvGrpSpPr>
+        <p:cNvPr id="1" name=""/>
+        <p:cNvGrpSpPr/>
+        <p:nvPr/>
+      </p:nvGrpSpPr>
+      <p:grpSpPr>
+        <a:xfrm>
+          <a:off x="0" y="0"/>
+          <a:ext cx="0" cy="0"/>
+          <a:chOff x="0" y="0"/>
+          <a:chExt cx="0" cy="0"/>
+        </a:xfrm>
+      </p:grpSpPr>
+      <p:sp>
+        <p:nvSpPr>
+          <p:cNvPr id="197" name="TextShape 1"/>
+          <p:cNvSpPr txBox="1"/>
+          <p:nvPr/>
+        </p:nvSpPr>
+        <p:spPr>
+          <a:xfrm>
+            <a:off x="504000" y="576000"/>
+            <a:ext cx="7199640" cy="719640"/>
+          </a:xfrm>
+          <a:prstGeom prst="rect">
+            <a:avLst/>
+          </a:prstGeom>
+          <a:noFill/>
+          <a:ln>
+            <a:noFill/>
+          </a:ln>
+        </p:spPr>
+        <p:txBody>
+          <a:bodyPr lIns="0" tIns="0" rIns="0" bIns="0" anchor="ctr"/>
+          <a:lstStyle/>
+          <a:p>
+            <a:pPr>
+              <a:lnSpc>
+                <a:spcPct val="100000"/>
+              </a:lnSpc>
+            </a:pPr>
+            <a:r>
+              <a:rPr lang="cs-CZ" sz="3000" strike="noStrike">
+                <a:latin typeface="Arial"/>
+              </a:rPr>
+              <a:t>Použité technologie</a:t>
+            </a:r>
+            <a:endParaRPr/>
+          </a:p>
+        </p:txBody>
+      </p:sp>
+      <p:sp>
+        <p:nvSpPr>
+          <p:cNvPr id="198" name="TextShape 2"/>
+          <p:cNvSpPr txBox="1"/>
+          <p:nvPr/>
+        </p:nvSpPr>
+        <p:spPr>
+          <a:xfrm>
+            <a:off x="504000" y="1800000"/>
+            <a:ext cx="9071640" cy="4384080"/>
+          </a:xfrm>
+          <a:prstGeom prst="rect">
+            <a:avLst/>
+          </a:prstGeom>
+          <a:noFill/>
+          <a:ln>
+            <a:noFill/>
+          </a:ln>
+        </p:spPr>
+        <p:txBody>
+          <a:bodyPr lIns="0" tIns="0" rIns="0" bIns="0"/>
+          <a:lstStyle/>
+          <a:p>
+            <a:pPr>
+              <a:lnSpc>
+                <a:spcPct val="100000"/>
+              </a:lnSpc>
+              <a:buSzPct val="45000"/>
+              <a:buFont typeface="StarSymbol"/>
+              <a:buChar char=""/>
+            </a:pPr>
+            <a:r>
+              <a:rPr lang="cs-CZ" sz="2600" strike="noStrike" dirty="0" err="1" smtClean="0">
+                <a:latin typeface="Arial"/>
+                <a:ea typeface="WenQuanYi Zen Hei"/>
+              </a:rPr>
+              <a:t>Mid-InfraRed</a:t>
+            </a:r>
+            <a:r>
+              <a:rPr lang="cs-CZ" sz="2600" strike="noStrike" dirty="0" smtClean="0">
+                <a:latin typeface="Arial"/>
+                <a:ea typeface="WenQuanYi Zen Hei"/>
+              </a:rPr>
+              <a:t> Instrument </a:t>
+            </a:r>
+            <a:r>
+              <a:rPr lang="cs-CZ" sz="2600" strike="noStrike" dirty="0">
+                <a:latin typeface="Arial"/>
+                <a:ea typeface="WenQuanYi Zen Hei"/>
+              </a:rPr>
+              <a:t>– kamera a spektrograf v jednom. Zaměří se na studium nejstarších galaxií a hvězd stejně jako slabých komet</a:t>
+            </a:r>
+            <a:r>
+              <a:rPr lang="cs-CZ" sz="2600" strike="noStrike" dirty="0" smtClean="0">
+                <a:latin typeface="Arial"/>
+                <a:ea typeface="WenQuanYi Zen Hei"/>
+              </a:rPr>
+              <a:t>.</a:t>
+            </a:r>
+          </a:p>
+          <a:p>
+            <a:pPr>
+              <a:lnSpc>
+                <a:spcPct val="100000"/>
+              </a:lnSpc>
+              <a:buSzPct val="45000"/>
+              <a:buFont typeface="StarSymbol"/>
+              <a:buChar char=""/>
+            </a:pPr>
+            <a:endParaRPr dirty="0"/>
+          </a:p>
+          <a:p>
+            <a:pPr>
+              <a:lnSpc>
+                <a:spcPct val="100000"/>
+              </a:lnSpc>
+              <a:buSzPct val="45000"/>
+              <a:buFont typeface="StarSymbol"/>
+              <a:buChar char=""/>
+            </a:pPr>
+            <a:r>
+              <a:rPr lang="cs-CZ" sz="2600" strike="noStrike" dirty="0" smtClean="0">
+                <a:latin typeface="Arial"/>
+                <a:ea typeface="WenQuanYi Zen Hei"/>
+              </a:rPr>
+              <a:t>Fine </a:t>
+            </a:r>
+            <a:r>
+              <a:rPr lang="cs-CZ" sz="2600" strike="noStrike" dirty="0" err="1" smtClean="0">
+                <a:latin typeface="Arial"/>
+                <a:ea typeface="WenQuanYi Zen Hei"/>
+              </a:rPr>
+              <a:t>Guidance</a:t>
+            </a:r>
+            <a:r>
+              <a:rPr lang="cs-CZ" sz="2600" strike="noStrike" dirty="0" smtClean="0">
+                <a:latin typeface="Arial"/>
+                <a:ea typeface="WenQuanYi Zen Hei"/>
+              </a:rPr>
+              <a:t> Sensor / </a:t>
+            </a:r>
+            <a:r>
+              <a:rPr lang="cs-CZ" sz="2600" strike="noStrike" dirty="0" err="1" smtClean="0">
+                <a:latin typeface="Arial"/>
+                <a:ea typeface="WenQuanYi Zen Hei"/>
+              </a:rPr>
+              <a:t>Near</a:t>
+            </a:r>
+            <a:r>
+              <a:rPr lang="cs-CZ" sz="2600" strike="noStrike" dirty="0" smtClean="0">
+                <a:latin typeface="Arial"/>
+                <a:ea typeface="WenQuanYi Zen Hei"/>
+              </a:rPr>
+              <a:t> </a:t>
+            </a:r>
+            <a:r>
+              <a:rPr lang="cs-CZ" sz="2600" strike="noStrike" dirty="0" err="1" smtClean="0">
+                <a:latin typeface="Arial"/>
+                <a:ea typeface="WenQuanYi Zen Hei"/>
+              </a:rPr>
+              <a:t>InraRed</a:t>
+            </a:r>
+            <a:r>
+              <a:rPr lang="cs-CZ" sz="2600" strike="noStrike" dirty="0" smtClean="0">
+                <a:latin typeface="Arial"/>
+                <a:ea typeface="WenQuanYi Zen Hei"/>
+              </a:rPr>
+              <a:t> </a:t>
+            </a:r>
+            <a:r>
+              <a:rPr lang="cs-CZ" sz="2600" strike="noStrike" dirty="0" err="1" smtClean="0">
+                <a:latin typeface="Arial"/>
+                <a:ea typeface="WenQuanYi Zen Hei"/>
+              </a:rPr>
+              <a:t>Imager</a:t>
+            </a:r>
+            <a:r>
+              <a:rPr lang="cs-CZ" sz="2600" strike="noStrike" dirty="0" smtClean="0">
+                <a:latin typeface="Arial"/>
+                <a:ea typeface="WenQuanYi Zen Hei"/>
+              </a:rPr>
+              <a:t> and </a:t>
+            </a:r>
+            <a:r>
+              <a:rPr lang="cs-CZ" sz="2600" strike="noStrike" dirty="0" err="1" smtClean="0">
+                <a:latin typeface="Arial"/>
+                <a:ea typeface="WenQuanYi Zen Hei"/>
+              </a:rPr>
+              <a:t>Slitless</a:t>
+            </a:r>
+            <a:r>
+              <a:rPr lang="cs-CZ" sz="2600" strike="noStrike" dirty="0" smtClean="0">
+                <a:latin typeface="Arial"/>
+                <a:ea typeface="WenQuanYi Zen Hei"/>
+              </a:rPr>
+              <a:t> </a:t>
+            </a:r>
+            <a:r>
+              <a:rPr lang="cs-CZ" sz="2600" strike="noStrike" dirty="0" err="1" smtClean="0">
+                <a:latin typeface="Arial"/>
+                <a:ea typeface="WenQuanYi Zen Hei"/>
+              </a:rPr>
+              <a:t>Spectograph</a:t>
+            </a:r>
+            <a:r>
+              <a:rPr lang="cs-CZ" sz="2600" strike="noStrike" dirty="0" smtClean="0">
+                <a:latin typeface="Arial"/>
+                <a:ea typeface="WenQuanYi Zen Hei"/>
+              </a:rPr>
+              <a:t> </a:t>
+            </a:r>
+            <a:r>
+              <a:rPr lang="cs-CZ" sz="2600" strike="noStrike" dirty="0">
+                <a:latin typeface="Arial"/>
+                <a:ea typeface="WenQuanYi Zen Hei"/>
+              </a:rPr>
+              <a:t>– další spektrograf. Jeho úkolem je zkoumat složení planet u cizích hvězd.</a:t>
+            </a:r>
+            <a:endParaRPr dirty="0"/>
+          </a:p>
+          <a:p>
+            <a:pPr>
+              <a:lnSpc>
+                <a:spcPct val="100000"/>
+              </a:lnSpc>
+            </a:pPr>
+            <a:endParaRPr dirty="0"/>
+          </a:p>
+          <a:p>
+            <a:pPr>
+              <a:lnSpc>
+                <a:spcPct val="100000"/>
+              </a:lnSpc>
+            </a:pPr>
+            <a:endParaRPr dirty="0"/>
+          </a:p>
+        </p:txBody>
+      </p:sp>
+    </p:spTree>
+  </p:cSld>
+  <p:clrMapOvr>
+    <a:masterClrMapping/>
+  </p:clrMapOvr>
+  <p:timing>
+    <p:tnLst>
+      <p:par>
+        <p:cTn id="1" dur="indefinite" restart="never" nodeType="tmRoot">
+          <p:childTnLst>
+            <p:seq>
+              <p:cTn id="2" nodeType="mainSeq"/>
+              <p:prevCondLst>
+                <p:cond evt="onPrev" delay="0">
+                  <p:tgtEl>
+                    <p:sldTgt/>
+                  </p:tgtEl>
+                </p:cond>
+              </p:prevCondLst>
+              <p:nextCondLst>
+                <p:cond evt="onNext" delay="0">
                   <p:tgtEl>
                     <p:sldTgt/>
                   </p:tgtEl>
@@ -7862,7 +9141,7 @@
 </file>
 
 <file path=ppt/slides/slide2.xml><?xml version="1.0" encoding="utf-8"?>
-<p:sld xmlns:a="http://schemas.openxmlformats.org/drawingml/2006/main" xmlns:p="http://schemas.openxmlformats.org/presentationml/2006/main" xmlns:r="http://schemas.openxmlformats.org/officeDocument/2006/relationships">
+<p:sld xmlns:a="http://schemas.openxmlformats.org/drawingml/2006/main" xmlns:r="http://schemas.openxmlformats.org/officeDocument/2006/relationships" xmlns:p="http://schemas.openxmlformats.org/presentationml/2006/main">
   <p:cSld>
     <p:spTree>
       <p:nvGrpSpPr>
@@ -7898,7 +9177,8 @@
           </a:ln>
         </p:spPr>
         <p:txBody>
-          <a:bodyPr lIns="0" rIns="0" tIns="0" bIns="0"/>
+          <a:bodyPr lIns="0" tIns="0" rIns="0" bIns="0"/>
+          <a:lstStyle/>
           <a:p>
             <a:pPr>
               <a:lnSpc>
@@ -7906,7 +9186,7 @@
               </a:lnSpc>
             </a:pPr>
             <a:r>
-              <a:rPr b="1" lang="cs-CZ" sz="4000" strike="noStrike">
+              <a:rPr lang="cs-CZ" sz="4000" b="1" strike="noStrike">
                 <a:latin typeface="Arial"/>
               </a:rPr>
               <a:t>Hubbleův vesmírný teleskop</a:t>
@@ -7935,7 +9215,8 @@
           </a:ln>
         </p:spPr>
         <p:txBody>
-          <a:bodyPr lIns="0" rIns="0" tIns="0" bIns="0" anchor="b"/>
+          <a:bodyPr lIns="0" tIns="0" rIns="0" bIns="0" anchor="b"/>
+          <a:lstStyle/>
           <a:p>
             <a:endParaRPr/>
           </a:p>
@@ -7943,22 +9224,604 @@
       </p:sp>
     </p:spTree>
   </p:cSld>
+  <p:clrMapOvr>
+    <a:masterClrMapping/>
+  </p:clrMapOvr>
   <p:timing>
     <p:tnLst>
       <p:par>
-        <p:cTn id="3" dur="indefinite" restart="never" nodeType="tmRoot">
+        <p:cTn id="1" dur="indefinite" restart="never" nodeType="tmRoot">
           <p:childTnLst>
             <p:seq>
-              <p:cTn id="4" nodeType="mainSeq"/>
+              <p:cTn id="2" nodeType="mainSeq"/>
               <p:prevCondLst>
-                <p:cond delay="0" evt="onPrev">
+                <p:cond evt="onPrev" delay="0">
                   <p:tgtEl>
                     <p:sldTgt/>
                   </p:tgtEl>
                 </p:cond>
               </p:prevCondLst>
               <p:nextCondLst>
-                <p:cond delay="0" evt="onNext">
+                <p:cond evt="onNext" delay="0">
+                  <p:tgtEl>
+                    <p:sldTgt/>
+                  </p:tgtEl>
+                </p:cond>
+              </p:nextCondLst>
+            </p:seq>
+          </p:childTnLst>
+        </p:cTn>
+      </p:par>
+    </p:tnLst>
+  </p:timing>
+</p:sld>
+</file>
+
+<file path=ppt/slides/slide20.xml><?xml version="1.0" encoding="utf-8"?>
+<p:sld xmlns:a="http://schemas.openxmlformats.org/drawingml/2006/main" xmlns:r="http://schemas.openxmlformats.org/officeDocument/2006/relationships" xmlns:p="http://schemas.openxmlformats.org/presentationml/2006/main">
+  <p:cSld>
+    <p:spTree>
+      <p:nvGrpSpPr>
+        <p:cNvPr id="1" name=""/>
+        <p:cNvGrpSpPr/>
+        <p:nvPr/>
+      </p:nvGrpSpPr>
+      <p:grpSpPr>
+        <a:xfrm>
+          <a:off x="0" y="0"/>
+          <a:ext cx="0" cy="0"/>
+          <a:chOff x="0" y="0"/>
+          <a:chExt cx="0" cy="0"/>
+        </a:xfrm>
+      </p:grpSpPr>
+      <p:sp>
+        <p:nvSpPr>
+          <p:cNvPr id="199" name="TextShape 1"/>
+          <p:cNvSpPr txBox="1"/>
+          <p:nvPr/>
+        </p:nvSpPr>
+        <p:spPr>
+          <a:xfrm>
+            <a:off x="504000" y="576000"/>
+            <a:ext cx="7199640" cy="719640"/>
+          </a:xfrm>
+          <a:prstGeom prst="rect">
+            <a:avLst/>
+          </a:prstGeom>
+          <a:noFill/>
+          <a:ln>
+            <a:noFill/>
+          </a:ln>
+        </p:spPr>
+        <p:txBody>
+          <a:bodyPr lIns="0" tIns="0" rIns="0" bIns="0" anchor="ctr"/>
+          <a:lstStyle/>
+          <a:p>
+            <a:pPr>
+              <a:lnSpc>
+                <a:spcPct val="100000"/>
+              </a:lnSpc>
+            </a:pPr>
+            <a:r>
+              <a:rPr lang="cs-CZ" sz="3000" strike="noStrike">
+                <a:latin typeface="Arial"/>
+              </a:rPr>
+              <a:t>Vypuštění a umístění	</a:t>
+            </a:r>
+            <a:endParaRPr/>
+          </a:p>
+        </p:txBody>
+      </p:sp>
+      <p:sp>
+        <p:nvSpPr>
+          <p:cNvPr id="200" name="TextShape 2"/>
+          <p:cNvSpPr txBox="1"/>
+          <p:nvPr/>
+        </p:nvSpPr>
+        <p:spPr>
+          <a:xfrm>
+            <a:off x="504000" y="1800000"/>
+            <a:ext cx="9071640" cy="4384080"/>
+          </a:xfrm>
+          <a:prstGeom prst="rect">
+            <a:avLst/>
+          </a:prstGeom>
+          <a:noFill/>
+          <a:ln>
+            <a:noFill/>
+          </a:ln>
+        </p:spPr>
+        <p:txBody>
+          <a:bodyPr lIns="0" tIns="0" rIns="0" bIns="0"/>
+          <a:lstStyle/>
+          <a:p>
+            <a:pPr>
+              <a:lnSpc>
+                <a:spcPct val="100000"/>
+              </a:lnSpc>
+              <a:buSzPct val="45000"/>
+              <a:buFont typeface="StarSymbol"/>
+              <a:buChar char=""/>
+            </a:pPr>
+            <a:r>
+              <a:rPr lang="cs-CZ" sz="2600" strike="noStrike" dirty="0">
+                <a:latin typeface="Arial"/>
+                <a:ea typeface="WenQuanYi Zen Hei"/>
+              </a:rPr>
+              <a:t>vypuštění teleskopu je plánováno na říjen </a:t>
+            </a:r>
+            <a:r>
+              <a:rPr lang="cs-CZ" sz="2600" strike="noStrike" dirty="0" smtClean="0">
+                <a:latin typeface="Arial"/>
+                <a:ea typeface="WenQuanYi Zen Hei"/>
+              </a:rPr>
+              <a:t>2018</a:t>
+            </a:r>
+          </a:p>
+          <a:p>
+            <a:pPr>
+              <a:lnSpc>
+                <a:spcPct val="100000"/>
+              </a:lnSpc>
+              <a:buSzPct val="45000"/>
+            </a:pPr>
+            <a:r>
+              <a:rPr lang="cs-CZ" sz="2600" dirty="0" smtClean="0">
+                <a:latin typeface="Arial"/>
+              </a:rPr>
+              <a:t> (</a:t>
+            </a:r>
+            <a:r>
+              <a:rPr lang="cs-CZ" sz="2600" dirty="0" err="1" smtClean="0">
+                <a:latin typeface="Arial"/>
+              </a:rPr>
+              <a:t>Ariane</a:t>
+            </a:r>
+            <a:r>
+              <a:rPr lang="cs-CZ" sz="2600" dirty="0" smtClean="0">
+                <a:latin typeface="Arial"/>
+              </a:rPr>
+              <a:t> 5)</a:t>
+            </a:r>
+          </a:p>
+          <a:p>
+            <a:pPr>
+              <a:lnSpc>
+                <a:spcPct val="100000"/>
+              </a:lnSpc>
+              <a:buSzPct val="45000"/>
+            </a:pPr>
+            <a:endParaRPr dirty="0"/>
+          </a:p>
+          <a:p>
+            <a:pPr>
+              <a:lnSpc>
+                <a:spcPct val="100000"/>
+              </a:lnSpc>
+              <a:buSzPct val="45000"/>
+              <a:buFont typeface="StarSymbol"/>
+              <a:buChar char=""/>
+            </a:pPr>
+            <a:r>
+              <a:rPr lang="cs-CZ" sz="2600" strike="noStrike" dirty="0">
+                <a:latin typeface="Arial"/>
+                <a:ea typeface="WenQuanYi Zen Hei"/>
+              </a:rPr>
+              <a:t>umístěn v </a:t>
+            </a:r>
+            <a:r>
+              <a:rPr lang="cs-CZ" sz="2600" strike="noStrike" dirty="0" err="1">
+                <a:latin typeface="Arial"/>
+                <a:ea typeface="WenQuanYi Zen Hei"/>
+              </a:rPr>
+              <a:t>Lagrangeově</a:t>
+            </a:r>
+            <a:r>
+              <a:rPr lang="cs-CZ" sz="2600" strike="noStrike" dirty="0">
+                <a:latin typeface="Arial"/>
+                <a:ea typeface="WenQuanYi Zen Hei"/>
+              </a:rPr>
+              <a:t> bodě L2 cca 1,5 mil. km od </a:t>
+            </a:r>
+            <a:r>
+              <a:rPr lang="cs-CZ" sz="2600" strike="noStrike" dirty="0" smtClean="0">
+                <a:latin typeface="Arial"/>
+                <a:ea typeface="WenQuanYi Zen Hei"/>
+              </a:rPr>
+              <a:t>Země</a:t>
+            </a:r>
+          </a:p>
+          <a:p>
+            <a:pPr>
+              <a:lnSpc>
+                <a:spcPct val="100000"/>
+              </a:lnSpc>
+              <a:buSzPct val="45000"/>
+              <a:buFont typeface="StarSymbol"/>
+              <a:buChar char=""/>
+            </a:pPr>
+            <a:endParaRPr dirty="0"/>
+          </a:p>
+          <a:p>
+            <a:pPr>
+              <a:lnSpc>
+                <a:spcPct val="100000"/>
+              </a:lnSpc>
+              <a:buSzPct val="45000"/>
+              <a:buFont typeface="StarSymbol"/>
+              <a:buChar char=""/>
+            </a:pPr>
+            <a:r>
+              <a:rPr lang="cs-CZ" sz="2600" strike="noStrike" dirty="0">
+                <a:latin typeface="Arial"/>
+                <a:ea typeface="WenQuanYi Zen Hei"/>
+              </a:rPr>
+              <a:t>bude se pohybovat po eliptické dráze s poloměrem přibližně 800 000 km (0.5 roku)</a:t>
+            </a:r>
+            <a:endParaRPr dirty="0"/>
+          </a:p>
+        </p:txBody>
+      </p:sp>
+      <p:pic>
+        <p:nvPicPr>
+          <p:cNvPr id="201" name="Obrázek 3"/>
+          <p:cNvPicPr/>
+          <p:nvPr/>
+        </p:nvPicPr>
+        <p:blipFill>
+          <a:blip r:embed="rId2"/>
+          <a:stretch/>
+        </p:blipFill>
+        <p:spPr>
+          <a:xfrm>
+            <a:off x="5064249" y="4139877"/>
+            <a:ext cx="3613320" cy="2890440"/>
+          </a:xfrm>
+          <a:prstGeom prst="rect">
+            <a:avLst/>
+          </a:prstGeom>
+          <a:ln>
+            <a:noFill/>
+          </a:ln>
+        </p:spPr>
+      </p:pic>
+    </p:spTree>
+  </p:cSld>
+  <p:clrMapOvr>
+    <a:masterClrMapping/>
+  </p:clrMapOvr>
+  <p:timing>
+    <p:tnLst>
+      <p:par>
+        <p:cTn id="1" dur="indefinite" restart="never" nodeType="tmRoot">
+          <p:childTnLst>
+            <p:seq>
+              <p:cTn id="2" nodeType="mainSeq"/>
+              <p:prevCondLst>
+                <p:cond evt="onPrev" delay="0">
+                  <p:tgtEl>
+                    <p:sldTgt/>
+                  </p:tgtEl>
+                </p:cond>
+              </p:prevCondLst>
+              <p:nextCondLst>
+                <p:cond evt="onNext" delay="0">
+                  <p:tgtEl>
+                    <p:sldTgt/>
+                  </p:tgtEl>
+                </p:cond>
+              </p:nextCondLst>
+            </p:seq>
+          </p:childTnLst>
+        </p:cTn>
+      </p:par>
+    </p:tnLst>
+  </p:timing>
+</p:sld>
+</file>
+
+<file path=ppt/slides/slide21.xml><?xml version="1.0" encoding="utf-8"?>
+<p:sld xmlns:a="http://schemas.openxmlformats.org/drawingml/2006/main" xmlns:r="http://schemas.openxmlformats.org/officeDocument/2006/relationships" xmlns:p="http://schemas.openxmlformats.org/presentationml/2006/main">
+  <p:cSld>
+    <p:spTree>
+      <p:nvGrpSpPr>
+        <p:cNvPr id="1" name=""/>
+        <p:cNvGrpSpPr/>
+        <p:nvPr/>
+      </p:nvGrpSpPr>
+      <p:grpSpPr>
+        <a:xfrm>
+          <a:off x="0" y="0"/>
+          <a:ext cx="0" cy="0"/>
+          <a:chOff x="0" y="0"/>
+          <a:chExt cx="0" cy="0"/>
+        </a:xfrm>
+      </p:grpSpPr>
+      <p:sp>
+        <p:nvSpPr>
+          <p:cNvPr id="199" name="TextShape 1"/>
+          <p:cNvSpPr txBox="1"/>
+          <p:nvPr/>
+        </p:nvSpPr>
+        <p:spPr>
+          <a:xfrm>
+            <a:off x="503808" y="576000"/>
+            <a:ext cx="7199640" cy="719640"/>
+          </a:xfrm>
+          <a:prstGeom prst="rect">
+            <a:avLst/>
+          </a:prstGeom>
+          <a:noFill/>
+          <a:ln>
+            <a:noFill/>
+          </a:ln>
+        </p:spPr>
+        <p:txBody>
+          <a:bodyPr lIns="0" tIns="0" rIns="0" bIns="0" anchor="ctr"/>
+          <a:lstStyle/>
+          <a:p>
+            <a:pPr>
+              <a:lnSpc>
+                <a:spcPct val="100000"/>
+              </a:lnSpc>
+            </a:pPr>
+            <a:r>
+              <a:rPr lang="cs-CZ" sz="3000" strike="noStrike" dirty="0" smtClean="0">
+                <a:latin typeface="Arial"/>
+              </a:rPr>
+              <a:t>Ukázka rozložení teleskopu</a:t>
+            </a:r>
+            <a:endParaRPr dirty="0"/>
+          </a:p>
+        </p:txBody>
+      </p:sp>
+      <p:sp>
+        <p:nvSpPr>
+          <p:cNvPr id="200" name="TextShape 2"/>
+          <p:cNvSpPr txBox="1"/>
+          <p:nvPr/>
+        </p:nvSpPr>
+        <p:spPr>
+          <a:xfrm>
+            <a:off x="504000" y="1800000"/>
+            <a:ext cx="9071640" cy="4384080"/>
+          </a:xfrm>
+          <a:prstGeom prst="rect">
+            <a:avLst/>
+          </a:prstGeom>
+          <a:noFill/>
+          <a:ln>
+            <a:noFill/>
+          </a:ln>
+        </p:spPr>
+        <p:txBody>
+          <a:bodyPr lIns="0" tIns="0" rIns="0" bIns="0"/>
+          <a:lstStyle/>
+          <a:p>
+            <a:pPr>
+              <a:lnSpc>
+                <a:spcPct val="100000"/>
+              </a:lnSpc>
+              <a:buSzPct val="45000"/>
+              <a:buFont typeface="StarSymbol"/>
+              <a:buChar char=""/>
+            </a:pPr>
+            <a:endParaRPr dirty="0"/>
+          </a:p>
+        </p:txBody>
+      </p:sp>
+      <p:pic>
+        <p:nvPicPr>
+          <p:cNvPr id="2" name="Obrázek 1"/>
+          <p:cNvPicPr>
+            <a:picLocks noChangeAspect="1"/>
+          </p:cNvPicPr>
+          <p:nvPr/>
+        </p:nvPicPr>
+        <p:blipFill>
+          <a:blip r:embed="rId2">
+            <a:extLst>
+              <a:ext uri="{28A0092B-C50C-407E-A947-70E740481C1C}">
+                <a14:useLocalDpi xmlns:a14="http://schemas.microsoft.com/office/drawing/2010/main" val="0"/>
+              </a:ext>
+            </a:extLst>
+          </a:blip>
+          <a:stretch>
+            <a:fillRect/>
+          </a:stretch>
+        </p:blipFill>
+        <p:spPr>
+          <a:xfrm>
+            <a:off x="1454150" y="2479675"/>
+            <a:ext cx="7172325" cy="2600325"/>
+          </a:xfrm>
+          <a:prstGeom prst="rect">
+            <a:avLst/>
+          </a:prstGeom>
+        </p:spPr>
+      </p:pic>
+    </p:spTree>
+    <p:extLst>
+      <p:ext uri="{BB962C8B-B14F-4D97-AF65-F5344CB8AC3E}">
+        <p14:creationId xmlns:p14="http://schemas.microsoft.com/office/powerpoint/2010/main" val="672289413"/>
+      </p:ext>
+    </p:extLst>
+  </p:cSld>
+  <p:clrMapOvr>
+    <a:masterClrMapping/>
+  </p:clrMapOvr>
+  <p:timing>
+    <p:tnLst>
+      <p:par>
+        <p:cTn id="1" dur="indefinite" restart="never" nodeType="tmRoot">
+          <p:childTnLst>
+            <p:seq>
+              <p:cTn id="2" nodeType="mainSeq"/>
+              <p:prevCondLst>
+                <p:cond evt="onPrev" delay="0">
+                  <p:tgtEl>
+                    <p:sldTgt/>
+                  </p:tgtEl>
+                </p:cond>
+              </p:prevCondLst>
+              <p:nextCondLst>
+                <p:cond evt="onNext" delay="0">
+                  <p:tgtEl>
+                    <p:sldTgt/>
+                  </p:tgtEl>
+                </p:cond>
+              </p:nextCondLst>
+            </p:seq>
+          </p:childTnLst>
+        </p:cTn>
+      </p:par>
+    </p:tnLst>
+  </p:timing>
+</p:sld>
+</file>
+
+<file path=ppt/slides/slide22.xml><?xml version="1.0" encoding="utf-8"?>
+<p:sld xmlns:a="http://schemas.openxmlformats.org/drawingml/2006/main" xmlns:r="http://schemas.openxmlformats.org/officeDocument/2006/relationships" xmlns:p="http://schemas.openxmlformats.org/presentationml/2006/main">
+  <p:cSld>
+    <p:spTree>
+      <p:nvGrpSpPr>
+        <p:cNvPr id="1" name=""/>
+        <p:cNvGrpSpPr/>
+        <p:nvPr/>
+      </p:nvGrpSpPr>
+      <p:grpSpPr>
+        <a:xfrm>
+          <a:off x="0" y="0"/>
+          <a:ext cx="0" cy="0"/>
+          <a:chOff x="0" y="0"/>
+          <a:chExt cx="0" cy="0"/>
+        </a:xfrm>
+      </p:grpSpPr>
+      <p:sp>
+        <p:nvSpPr>
+          <p:cNvPr id="202" name="TextShape 1"/>
+          <p:cNvSpPr txBox="1"/>
+          <p:nvPr/>
+        </p:nvSpPr>
+        <p:spPr>
+          <a:xfrm>
+            <a:off x="504000" y="576000"/>
+            <a:ext cx="7632360" cy="719640"/>
+          </a:xfrm>
+          <a:prstGeom prst="rect">
+            <a:avLst/>
+          </a:prstGeom>
+          <a:noFill/>
+          <a:ln>
+            <a:noFill/>
+          </a:ln>
+        </p:spPr>
+        <p:txBody>
+          <a:bodyPr lIns="0" tIns="0" rIns="0" bIns="0" anchor="ctr"/>
+          <a:lstStyle/>
+          <a:p>
+            <a:pPr>
+              <a:lnSpc>
+                <a:spcPct val="100000"/>
+              </a:lnSpc>
+            </a:pPr>
+            <a:r>
+              <a:rPr lang="cs-CZ" sz="3000" strike="noStrike" dirty="0">
+                <a:latin typeface="Arial"/>
+              </a:rPr>
+              <a:t>Srovnání </a:t>
+            </a:r>
+            <a:r>
+              <a:rPr lang="cs-CZ" sz="3000" strike="noStrike" dirty="0" smtClean="0">
+                <a:latin typeface="Arial"/>
+              </a:rPr>
+              <a:t>obrazu</a:t>
+            </a:r>
+          </a:p>
+          <a:p>
+            <a:pPr>
+              <a:lnSpc>
+                <a:spcPct val="100000"/>
+              </a:lnSpc>
+            </a:pPr>
+            <a:r>
+              <a:rPr lang="cs-CZ" sz="3000" strike="noStrike" dirty="0" err="1" smtClean="0">
+                <a:latin typeface="Arial"/>
+              </a:rPr>
+              <a:t>Hubbleova</a:t>
+            </a:r>
+            <a:r>
+              <a:rPr lang="cs-CZ" sz="3000" strike="noStrike" dirty="0" smtClean="0">
+                <a:latin typeface="Arial"/>
+              </a:rPr>
+              <a:t> </a:t>
+            </a:r>
+            <a:r>
+              <a:rPr lang="cs-CZ" sz="3000" strike="noStrike" dirty="0">
+                <a:latin typeface="Arial"/>
+              </a:rPr>
+              <a:t>a </a:t>
+            </a:r>
+            <a:r>
+              <a:rPr lang="cs-CZ" sz="3000" strike="noStrike" dirty="0" err="1">
+                <a:latin typeface="Arial"/>
+              </a:rPr>
+              <a:t>Webbova</a:t>
+            </a:r>
+            <a:r>
+              <a:rPr lang="cs-CZ" sz="3000" strike="noStrike" dirty="0">
+                <a:latin typeface="Arial"/>
+              </a:rPr>
+              <a:t> teleskopu</a:t>
+            </a:r>
+            <a:endParaRPr dirty="0"/>
+          </a:p>
+        </p:txBody>
+      </p:sp>
+      <p:pic>
+        <p:nvPicPr>
+          <p:cNvPr id="203" name="Zástupný symbol pro obsah 3"/>
+          <p:cNvPicPr/>
+          <p:nvPr/>
+        </p:nvPicPr>
+        <p:blipFill>
+          <a:blip r:embed="rId2"/>
+          <a:stretch/>
+        </p:blipFill>
+        <p:spPr>
+          <a:xfrm>
+            <a:off x="1080000" y="1800360"/>
+            <a:ext cx="7876440" cy="4384440"/>
+          </a:xfrm>
+          <a:prstGeom prst="rect">
+            <a:avLst/>
+          </a:prstGeom>
+          <a:ln>
+            <a:noFill/>
+          </a:ln>
+        </p:spPr>
+      </p:pic>
+    </p:spTree>
+  </p:cSld>
+  <p:clrMapOvr>
+    <a:masterClrMapping/>
+  </p:clrMapOvr>
+  <p:timing>
+    <p:tnLst>
+      <p:par>
+        <p:cTn id="1" dur="indefinite" restart="never" nodeType="tmRoot">
+          <p:childTnLst>
+            <p:seq>
+              <p:cTn id="2" nodeType="mainSeq"/>
+              <p:prevCondLst>
+                <p:cond evt="onPrev" delay="0">
+                  <p:tgtEl>
+                    <p:sldTgt/>
+                  </p:tgtEl>
+                </p:cond>
+              </p:prevCondLst>
+              <p:nextCondLst>
+                <p:cond evt="onNext" delay="0">
                   <p:tgtEl>
                     <p:sldTgt/>
                   </p:tgtEl>
@@ -7974,7 +9837,7 @@
 </file>
 
 <file path=ppt/slides/slide3.xml><?xml version="1.0" encoding="utf-8"?>
-<p:sld xmlns:a="http://schemas.openxmlformats.org/drawingml/2006/main" xmlns:p="http://schemas.openxmlformats.org/presentationml/2006/main" xmlns:r="http://schemas.openxmlformats.org/officeDocument/2006/relationships">
+<p:sld xmlns:a="http://schemas.openxmlformats.org/drawingml/2006/main" xmlns:r="http://schemas.openxmlformats.org/officeDocument/2006/relationships" xmlns:p="http://schemas.openxmlformats.org/presentationml/2006/main">
   <p:cSld>
     <p:spTree>
       <p:nvGrpSpPr>
@@ -8010,7 +9873,8 @@
           </a:ln>
         </p:spPr>
         <p:txBody>
-          <a:bodyPr lIns="0" rIns="0" tIns="0" bIns="0" anchor="ctr"/>
+          <a:bodyPr lIns="0" tIns="0" rIns="0" bIns="0" anchor="ctr"/>
+          <a:lstStyle/>
           <a:p>
             <a:pPr>
               <a:lnSpc>
@@ -8047,7 +9911,8 @@
           </a:ln>
         </p:spPr>
         <p:txBody>
-          <a:bodyPr lIns="0" rIns="0" tIns="0" bIns="0"/>
+          <a:bodyPr lIns="0" tIns="0" rIns="0" bIns="0"/>
+          <a:lstStyle/>
           <a:p>
             <a:pPr>
               <a:lnSpc>
@@ -8142,12 +10007,12 @@
       </p:sp>
       <p:pic>
         <p:nvPicPr>
-          <p:cNvPr id="167" name="" descr=""/>
+          <p:cNvPr id="167" name="Obrázek 166"/>
           <p:cNvPicPr/>
           <p:nvPr/>
         </p:nvPicPr>
         <p:blipFill>
-          <a:blip r:embed="rId1"/>
+          <a:blip r:embed="rId2"/>
           <a:stretch/>
         </p:blipFill>
         <p:spPr>
@@ -8165,22 +10030,25 @@
       </p:pic>
     </p:spTree>
   </p:cSld>
+  <p:clrMapOvr>
+    <a:masterClrMapping/>
+  </p:clrMapOvr>
   <p:timing>
     <p:tnLst>
       <p:par>
-        <p:cTn id="5" dur="indefinite" restart="never" nodeType="tmRoot">
+        <p:cTn id="1" dur="indefinite" restart="never" nodeType="tmRoot">
           <p:childTnLst>
             <p:seq>
-              <p:cTn id="6" nodeType="mainSeq"/>
+              <p:cTn id="2" nodeType="mainSeq"/>
               <p:prevCondLst>
-                <p:cond delay="0" evt="onPrev">
+                <p:cond evt="onPrev" delay="0">
                   <p:tgtEl>
                     <p:sldTgt/>
                   </p:tgtEl>
                 </p:cond>
               </p:prevCondLst>
               <p:nextCondLst>
-                <p:cond delay="0" evt="onNext">
+                <p:cond evt="onNext" delay="0">
                   <p:tgtEl>
                     <p:sldTgt/>
                   </p:tgtEl>
@@ -8196,7 +10064,7 @@
 </file>
 
 <file path=ppt/slides/slide4.xml><?xml version="1.0" encoding="utf-8"?>
-<p:sld xmlns:a="http://schemas.openxmlformats.org/drawingml/2006/main" xmlns:p="http://schemas.openxmlformats.org/presentationml/2006/main" xmlns:r="http://schemas.openxmlformats.org/officeDocument/2006/relationships">
+<p:sld xmlns:a="http://schemas.openxmlformats.org/drawingml/2006/main" xmlns:r="http://schemas.openxmlformats.org/officeDocument/2006/relationships" xmlns:p="http://schemas.openxmlformats.org/presentationml/2006/main">
   <p:cSld>
     <p:spTree>
       <p:nvGrpSpPr>
@@ -8232,7 +10100,8 @@
           </a:ln>
         </p:spPr>
         <p:txBody>
-          <a:bodyPr lIns="0" rIns="0" tIns="0" bIns="0" anchor="ctr"/>
+          <a:bodyPr lIns="0" tIns="0" rIns="0" bIns="0" anchor="ctr"/>
+          <a:lstStyle/>
           <a:p>
             <a:pPr>
               <a:lnSpc>
@@ -8269,7 +10138,8 @@
           </a:ln>
         </p:spPr>
         <p:txBody>
-          <a:bodyPr lIns="0" rIns="0" tIns="0" bIns="0"/>
+          <a:bodyPr lIns="0" tIns="0" rIns="0" bIns="0"/>
+          <a:lstStyle/>
           <a:p>
             <a:pPr>
               <a:lnSpc>
@@ -8292,12 +10162,12 @@
       </p:sp>
       <p:pic>
         <p:nvPicPr>
-          <p:cNvPr id="170" name="" descr=""/>
+          <p:cNvPr id="170" name="Obrázek 169"/>
           <p:cNvPicPr/>
           <p:nvPr/>
         </p:nvPicPr>
         <p:blipFill>
-          <a:blip r:embed="rId1"/>
+          <a:blip r:embed="rId2"/>
           <a:stretch/>
         </p:blipFill>
         <p:spPr>
@@ -8315,22 +10185,25 @@
       </p:pic>
     </p:spTree>
   </p:cSld>
+  <p:clrMapOvr>
+    <a:masterClrMapping/>
+  </p:clrMapOvr>
   <p:timing>
     <p:tnLst>
       <p:par>
-        <p:cTn id="7" dur="indefinite" restart="never" nodeType="tmRoot">
+        <p:cTn id="1" dur="indefinite" restart="never" nodeType="tmRoot">
           <p:childTnLst>
             <p:seq>
-              <p:cTn id="8" nodeType="mainSeq"/>
+              <p:cTn id="2" nodeType="mainSeq"/>
               <p:prevCondLst>
-                <p:cond delay="0" evt="onPrev">
+                <p:cond evt="onPrev" delay="0">
                   <p:tgtEl>
                     <p:sldTgt/>
                   </p:tgtEl>
                 </p:cond>
               </p:prevCondLst>
               <p:nextCondLst>
-                <p:cond delay="0" evt="onNext">
+                <p:cond evt="onNext" delay="0">
                   <p:tgtEl>
                     <p:sldTgt/>
                   </p:tgtEl>
@@ -8346,7 +10219,7 @@
 </file>
 
 <file path=ppt/slides/slide5.xml><?xml version="1.0" encoding="utf-8"?>
-<p:sld xmlns:a="http://schemas.openxmlformats.org/drawingml/2006/main" xmlns:p="http://schemas.openxmlformats.org/presentationml/2006/main" xmlns:r="http://schemas.openxmlformats.org/officeDocument/2006/relationships">
+<p:sld xmlns:a="http://schemas.openxmlformats.org/drawingml/2006/main" xmlns:r="http://schemas.openxmlformats.org/officeDocument/2006/relationships" xmlns:p="http://schemas.openxmlformats.org/presentationml/2006/main">
   <p:cSld>
     <p:spTree>
       <p:nvGrpSpPr>
@@ -8382,7 +10255,8 @@
           </a:ln>
         </p:spPr>
         <p:txBody>
-          <a:bodyPr lIns="0" rIns="0" tIns="0" bIns="0" anchor="ctr"/>
+          <a:bodyPr lIns="0" tIns="0" rIns="0" bIns="0" anchor="ctr"/>
+          <a:lstStyle/>
           <a:p>
             <a:pPr>
               <a:lnSpc>
@@ -8401,12 +10275,12 @@
       </p:sp>
       <p:pic>
         <p:nvPicPr>
-          <p:cNvPr id="172" name="" descr=""/>
+          <p:cNvPr id="172" name="Obrázek 171"/>
           <p:cNvPicPr/>
           <p:nvPr/>
         </p:nvPicPr>
         <p:blipFill>
-          <a:blip r:embed="rId1"/>
+          <a:blip r:embed="rId2"/>
           <a:stretch/>
         </p:blipFill>
         <p:spPr>
@@ -8424,22 +10298,25 @@
       </p:pic>
     </p:spTree>
   </p:cSld>
+  <p:clrMapOvr>
+    <a:masterClrMapping/>
+  </p:clrMapOvr>
   <p:timing>
     <p:tnLst>
       <p:par>
-        <p:cTn id="9" dur="indefinite" restart="never" nodeType="tmRoot">
+        <p:cTn id="1" dur="indefinite" restart="never" nodeType="tmRoot">
           <p:childTnLst>
             <p:seq>
-              <p:cTn id="10" nodeType="mainSeq"/>
+              <p:cTn id="2" nodeType="mainSeq"/>
               <p:prevCondLst>
-                <p:cond delay="0" evt="onPrev">
+                <p:cond evt="onPrev" delay="0">
                   <p:tgtEl>
                     <p:sldTgt/>
                   </p:tgtEl>
                 </p:cond>
               </p:prevCondLst>
               <p:nextCondLst>
-                <p:cond delay="0" evt="onNext">
+                <p:cond evt="onNext" delay="0">
                   <p:tgtEl>
                     <p:sldTgt/>
                   </p:tgtEl>
@@ -8455,7 +10332,7 @@
 </file>
 
 <file path=ppt/slides/slide6.xml><?xml version="1.0" encoding="utf-8"?>
-<p:sld xmlns:a="http://schemas.openxmlformats.org/drawingml/2006/main" xmlns:p="http://schemas.openxmlformats.org/presentationml/2006/main" xmlns:r="http://schemas.openxmlformats.org/officeDocument/2006/relationships">
+<p:sld xmlns:a="http://schemas.openxmlformats.org/drawingml/2006/main" xmlns:r="http://schemas.openxmlformats.org/officeDocument/2006/relationships" xmlns:p="http://schemas.openxmlformats.org/presentationml/2006/main">
   <p:cSld>
     <p:spTree>
       <p:nvGrpSpPr>
@@ -8491,7 +10368,8 @@
           </a:ln>
         </p:spPr>
         <p:txBody>
-          <a:bodyPr lIns="0" rIns="0" tIns="0" bIns="0" anchor="ctr"/>
+          <a:bodyPr lIns="0" tIns="0" rIns="0" bIns="0" anchor="ctr"/>
+          <a:lstStyle/>
           <a:p>
             <a:pPr>
               <a:lnSpc>
@@ -8510,12 +10388,12 @@
       </p:sp>
       <p:pic>
         <p:nvPicPr>
-          <p:cNvPr id="174" name="" descr=""/>
+          <p:cNvPr id="174" name="Obrázek 173"/>
           <p:cNvPicPr/>
           <p:nvPr/>
         </p:nvPicPr>
         <p:blipFill>
-          <a:blip r:embed="rId1"/>
+          <a:blip r:embed="rId2"/>
           <a:stretch/>
         </p:blipFill>
         <p:spPr>
@@ -8533,22 +10411,25 @@
       </p:pic>
     </p:spTree>
   </p:cSld>
+  <p:clrMapOvr>
+    <a:masterClrMapping/>
+  </p:clrMapOvr>
   <p:timing>
     <p:tnLst>
       <p:par>
-        <p:cTn id="11" dur="indefinite" restart="never" nodeType="tmRoot">
+        <p:cTn id="1" dur="indefinite" restart="never" nodeType="tmRoot">
           <p:childTnLst>
             <p:seq>
-              <p:cTn id="12" nodeType="mainSeq"/>
+              <p:cTn id="2" nodeType="mainSeq"/>
               <p:prevCondLst>
-                <p:cond delay="0" evt="onPrev">
+                <p:cond evt="onPrev" delay="0">
                   <p:tgtEl>
                     <p:sldTgt/>
                   </p:tgtEl>
                 </p:cond>
               </p:prevCondLst>
               <p:nextCondLst>
-                <p:cond delay="0" evt="onNext">
+                <p:cond evt="onNext" delay="0">
                   <p:tgtEl>
                     <p:sldTgt/>
                   </p:tgtEl>
@@ -8564,7 +10445,7 @@
 </file>
 
 <file path=ppt/slides/slide7.xml><?xml version="1.0" encoding="utf-8"?>
-<p:sld xmlns:a="http://schemas.openxmlformats.org/drawingml/2006/main" xmlns:p="http://schemas.openxmlformats.org/presentationml/2006/main" xmlns:r="http://schemas.openxmlformats.org/officeDocument/2006/relationships">
+<p:sld xmlns:a="http://schemas.openxmlformats.org/drawingml/2006/main" xmlns:r="http://schemas.openxmlformats.org/officeDocument/2006/relationships" xmlns:p="http://schemas.openxmlformats.org/presentationml/2006/main">
   <p:cSld>
     <p:spTree>
       <p:nvGrpSpPr>
@@ -8600,7 +10481,8 @@
           </a:ln>
         </p:spPr>
         <p:txBody>
-          <a:bodyPr lIns="0" rIns="0" tIns="0" bIns="0" anchor="ctr"/>
+          <a:bodyPr lIns="0" tIns="0" rIns="0" bIns="0" anchor="ctr"/>
+          <a:lstStyle/>
           <a:p>
             <a:pPr>
               <a:lnSpc>
@@ -8637,7 +10519,8 @@
           </a:ln>
         </p:spPr>
         <p:txBody>
-          <a:bodyPr lIns="0" rIns="0" tIns="0" bIns="0"/>
+          <a:bodyPr lIns="0" tIns="0" rIns="0" bIns="0"/>
+          <a:lstStyle/>
           <a:p>
             <a:pPr>
               <a:lnSpc>
@@ -8732,22 +10615,25 @@
       </p:sp>
     </p:spTree>
   </p:cSld>
+  <p:clrMapOvr>
+    <a:masterClrMapping/>
+  </p:clrMapOvr>
   <p:timing>
     <p:tnLst>
       <p:par>
-        <p:cTn id="13" dur="indefinite" restart="never" nodeType="tmRoot">
+        <p:cTn id="1" dur="indefinite" restart="never" nodeType="tmRoot">
           <p:childTnLst>
             <p:seq>
-              <p:cTn id="14" nodeType="mainSeq"/>
+              <p:cTn id="2" nodeType="mainSeq"/>
               <p:prevCondLst>
-                <p:cond delay="0" evt="onPrev">
+                <p:cond evt="onPrev" delay="0">
                   <p:tgtEl>
                     <p:sldTgt/>
                   </p:tgtEl>
                 </p:cond>
               </p:prevCondLst>
               <p:nextCondLst>
-                <p:cond delay="0" evt="onNext">
+                <p:cond evt="onNext" delay="0">
                   <p:tgtEl>
                     <p:sldTgt/>
                   </p:tgtEl>
@@ -8763,7 +10649,7 @@
 </file>
 
 <file path=ppt/slides/slide8.xml><?xml version="1.0" encoding="utf-8"?>
-<p:sld xmlns:a="http://schemas.openxmlformats.org/drawingml/2006/main" xmlns:p="http://schemas.openxmlformats.org/presentationml/2006/main" xmlns:r="http://schemas.openxmlformats.org/officeDocument/2006/relationships">
+<p:sld xmlns:a="http://schemas.openxmlformats.org/drawingml/2006/main" xmlns:r="http://schemas.openxmlformats.org/officeDocument/2006/relationships" xmlns:p="http://schemas.openxmlformats.org/presentationml/2006/main">
   <p:cSld>
     <p:spTree>
       <p:nvGrpSpPr>
@@ -8799,7 +10685,8 @@
           </a:ln>
         </p:spPr>
         <p:txBody>
-          <a:bodyPr lIns="0" rIns="0" tIns="0" bIns="0" anchor="ctr"/>
+          <a:bodyPr lIns="0" tIns="0" rIns="0" bIns="0" anchor="ctr"/>
+          <a:lstStyle/>
           <a:p>
             <a:pPr>
               <a:lnSpc>
@@ -8836,7 +10723,8 @@
           </a:ln>
         </p:spPr>
         <p:txBody>
-          <a:bodyPr lIns="0" rIns="0" tIns="0" bIns="0"/>
+          <a:bodyPr lIns="0" tIns="0" rIns="0" bIns="0"/>
+          <a:lstStyle/>
           <a:p>
             <a:pPr>
               <a:lnSpc>
@@ -8949,22 +10837,25 @@
       </p:sp>
     </p:spTree>
   </p:cSld>
+  <p:clrMapOvr>
+    <a:masterClrMapping/>
+  </p:clrMapOvr>
   <p:timing>
     <p:tnLst>
       <p:par>
-        <p:cTn id="15" dur="indefinite" restart="never" nodeType="tmRoot">
+        <p:cTn id="1" dur="indefinite" restart="never" nodeType="tmRoot">
           <p:childTnLst>
             <p:seq>
-              <p:cTn id="16" nodeType="mainSeq"/>
+              <p:cTn id="2" nodeType="mainSeq"/>
               <p:prevCondLst>
-                <p:cond delay="0" evt="onPrev">
+                <p:cond evt="onPrev" delay="0">
                   <p:tgtEl>
                     <p:sldTgt/>
                   </p:tgtEl>
                 </p:cond>
               </p:prevCondLst>
               <p:nextCondLst>
-                <p:cond delay="0" evt="onNext">
+                <p:cond evt="onNext" delay="0">
                   <p:tgtEl>
                     <p:sldTgt/>
                   </p:tgtEl>
@@ -8980,7 +10871,7 @@
 </file>
 
 <file path=ppt/slides/slide9.xml><?xml version="1.0" encoding="utf-8"?>
-<p:sld xmlns:a="http://schemas.openxmlformats.org/drawingml/2006/main" xmlns:p="http://schemas.openxmlformats.org/presentationml/2006/main" xmlns:r="http://schemas.openxmlformats.org/officeDocument/2006/relationships">
+<p:sld xmlns:a="http://schemas.openxmlformats.org/drawingml/2006/main" xmlns:r="http://schemas.openxmlformats.org/officeDocument/2006/relationships" xmlns:p="http://schemas.openxmlformats.org/presentationml/2006/main">
   <p:cSld>
     <p:spTree>
       <p:nvGrpSpPr>
@@ -9016,7 +10907,8 @@
           </a:ln>
         </p:spPr>
         <p:txBody>
-          <a:bodyPr lIns="0" rIns="0" tIns="0" bIns="0" anchor="ctr"/>
+          <a:bodyPr lIns="0" tIns="0" rIns="0" bIns="0" anchor="ctr"/>
+          <a:lstStyle/>
           <a:p>
             <a:pPr>
               <a:lnSpc>
@@ -9035,12 +10927,12 @@
       </p:sp>
       <p:pic>
         <p:nvPicPr>
-          <p:cNvPr id="180" name="" descr=""/>
+          <p:cNvPr id="180" name="Obrázek 179"/>
           <p:cNvPicPr/>
           <p:nvPr/>
         </p:nvPicPr>
         <p:blipFill>
-          <a:blip r:embed="rId1"/>
+          <a:blip r:embed="rId2"/>
           <a:stretch/>
         </p:blipFill>
         <p:spPr>
@@ -9076,7 +10968,8 @@
           </a:ln>
         </p:spPr>
         <p:txBody>
-          <a:bodyPr lIns="0" rIns="0" tIns="0" bIns="0"/>
+          <a:bodyPr lIns="0" tIns="0" rIns="0" bIns="0"/>
+          <a:lstStyle/>
           <a:p>
             <a:pPr>
               <a:lnSpc>
@@ -9121,14 +11014,7 @@
                 <a:latin typeface="Arial"/>
                 <a:ea typeface="WenQuanYi Zen Hei"/>
               </a:rPr>
-              <a:t> </a:t>
-            </a:r>
-            <a:r>
-              <a:rPr lang="cs-CZ" sz="2200" strike="noStrike">
-                <a:latin typeface="Arial"/>
-                <a:ea typeface="WenQuanYi Zen Hei"/>
-              </a:rPr>
-              <a:t>Poloměr zakřivení 11,04 m</a:t>
+              <a:t> Poloměr zakřivení 11,04 m</a:t>
             </a:r>
             <a:endParaRPr/>
           </a:p>
@@ -9154,7 +11040,8 @@
           </a:ln>
         </p:spPr>
         <p:txBody>
-          <a:bodyPr lIns="0" rIns="0" tIns="0" bIns="0"/>
+          <a:bodyPr lIns="0" tIns="0" rIns="0" bIns="0"/>
+          <a:lstStyle/>
           <a:p>
             <a:pPr>
               <a:lnSpc>
@@ -9207,22 +11094,25 @@
       </p:sp>
     </p:spTree>
   </p:cSld>
+  <p:clrMapOvr>
+    <a:masterClrMapping/>
+  </p:clrMapOvr>
   <p:timing>
     <p:tnLst>
       <p:par>
-        <p:cTn id="17" dur="indefinite" restart="never" nodeType="tmRoot">
+        <p:cTn id="1" dur="indefinite" restart="never" nodeType="tmRoot">
           <p:childTnLst>
             <p:seq>
-              <p:cTn id="18" nodeType="mainSeq"/>
+              <p:cTn id="2" nodeType="mainSeq"/>
               <p:prevCondLst>
-                <p:cond delay="0" evt="onPrev">
+                <p:cond evt="onPrev" delay="0">
                   <p:tgtEl>
                     <p:sldTgt/>
                   </p:tgtEl>
                 </p:cond>
               </p:prevCondLst>
               <p:nextCondLst>
-                <p:cond delay="0" evt="onNext">
+                <p:cond evt="onNext" delay="0">
                   <p:tgtEl>
                     <p:sldTgt/>
                   </p:tgtEl>
@@ -9457,6 +11347,8 @@
       </a:bgFillStyleLst>
     </a:fmtScheme>
   </a:themeElements>
+  <a:objectDefaults/>
+  <a:extraClrSchemeLst/>
 </a:theme>
 </file>
 
@@ -9680,6 +11572,8 @@
       </a:bgFillStyleLst>
     </a:fmtScheme>
   </a:themeElements>
+  <a:objectDefaults/>
+  <a:extraClrSchemeLst/>
 </a:theme>
 </file>
 
@@ -9903,6 +11797,8 @@
       </a:bgFillStyleLst>
     </a:fmtScheme>
   </a:themeElements>
+  <a:objectDefaults/>
+  <a:extraClrSchemeLst/>
 </a:theme>
 </file>
 
@@ -10126,5 +12022,7 @@
       </a:bgFillStyleLst>
     </a:fmtScheme>
   </a:themeElements>
+  <a:objectDefaults/>
+  <a:extraClrSchemeLst/>
 </a:theme>
 </file>
--- a/slides/teleskopy.pptx
+++ b/slides/teleskopy.pptx
@@ -7,6 +7,9 @@
     <p:sldMasterId id="2147483674" r:id="rId3"/>
     <p:sldMasterId id="2147483687" r:id="rId4"/>
   </p:sldMasterIdLst>
+  <p:handoutMasterIdLst>
+    <p:handoutMasterId r:id="rId28"/>
+  </p:handoutMasterIdLst>
   <p:sldIdLst>
     <p:sldId id="256" r:id="rId5"/>
     <p:sldId id="257" r:id="rId6"/>
@@ -19,20 +22,21 @@
     <p:sldId id="264" r:id="rId13"/>
     <p:sldId id="265" r:id="rId14"/>
     <p:sldId id="266" r:id="rId15"/>
-    <p:sldId id="274" r:id="rId16"/>
-    <p:sldId id="267" r:id="rId17"/>
-    <p:sldId id="268" r:id="rId18"/>
-    <p:sldId id="269" r:id="rId19"/>
-    <p:sldId id="270" r:id="rId20"/>
-    <p:sldId id="276" r:id="rId21"/>
-    <p:sldId id="275" r:id="rId22"/>
-    <p:sldId id="271" r:id="rId23"/>
-    <p:sldId id="272" r:id="rId24"/>
-    <p:sldId id="277" r:id="rId25"/>
-    <p:sldId id="273" r:id="rId26"/>
+    <p:sldId id="278" r:id="rId16"/>
+    <p:sldId id="274" r:id="rId17"/>
+    <p:sldId id="267" r:id="rId18"/>
+    <p:sldId id="268" r:id="rId19"/>
+    <p:sldId id="269" r:id="rId20"/>
+    <p:sldId id="270" r:id="rId21"/>
+    <p:sldId id="276" r:id="rId22"/>
+    <p:sldId id="275" r:id="rId23"/>
+    <p:sldId id="271" r:id="rId24"/>
+    <p:sldId id="272" r:id="rId25"/>
+    <p:sldId id="277" r:id="rId26"/>
+    <p:sldId id="273" r:id="rId27"/>
   </p:sldIdLst>
   <p:sldSz cx="10080625" cy="7559675"/>
-  <p:notesSz cx="7772400" cy="10058400"/>
+  <p:notesSz cx="6858000" cy="9874250"/>
   <p:defaultTextStyle>
     <a:defPPr>
       <a:defRPr lang="cs-CZ"/>
@@ -131,6 +135,171 @@
 </p:presentation>
 </file>
 
+<file path=ppt/handoutMasters/handoutMaster1.xml><?xml version="1.0" encoding="utf-8"?>
+<p:handoutMaster xmlns:a="http://schemas.openxmlformats.org/drawingml/2006/main" xmlns:r="http://schemas.openxmlformats.org/officeDocument/2006/relationships" xmlns:p="http://schemas.openxmlformats.org/presentationml/2006/main">
+  <p:cSld>
+    <p:bg>
+      <p:bgRef idx="1001">
+        <a:schemeClr val="bg1"/>
+      </p:bgRef>
+    </p:bg>
+    <p:spTree>
+      <p:nvGrpSpPr>
+        <p:cNvPr id="1" name=""/>
+        <p:cNvGrpSpPr/>
+        <p:nvPr/>
+      </p:nvGrpSpPr>
+      <p:grpSpPr>
+        <a:xfrm>
+          <a:off x="0" y="0"/>
+          <a:ext cx="0" cy="0"/>
+          <a:chOff x="0" y="0"/>
+          <a:chExt cx="0" cy="0"/>
+        </a:xfrm>
+      </p:grpSpPr>
+      <p:sp>
+        <p:nvSpPr>
+          <p:cNvPr id="2" name="Zástupný symbol pro záhlaví 1"/>
+          <p:cNvSpPr>
+            <a:spLocks noGrp="1"/>
+          </p:cNvSpPr>
+          <p:nvPr>
+            <p:ph type="hdr" sz="quarter"/>
+          </p:nvPr>
+        </p:nvSpPr>
+        <p:spPr>
+          <a:xfrm>
+            <a:off x="1" y="0"/>
+            <a:ext cx="2972360" cy="494025"/>
+          </a:xfrm>
+          <a:prstGeom prst="rect">
+            <a:avLst/>
+          </a:prstGeom>
+        </p:spPr>
+        <p:txBody>
+          <a:bodyPr vert="horz" lIns="86164" tIns="43082" rIns="86164" bIns="43082" rtlCol="0"/>
+          <a:lstStyle>
+            <a:lvl1pPr algn="l">
+              <a:defRPr sz="1100"/>
+            </a:lvl1pPr>
+          </a:lstStyle>
+          <a:p>
+            <a:endParaRPr lang="cs-CZ"/>
+          </a:p>
+        </p:txBody>
+      </p:sp>
+      <p:sp>
+        <p:nvSpPr>
+          <p:cNvPr id="3" name="Zástupný symbol pro datum 2"/>
+          <p:cNvSpPr>
+            <a:spLocks noGrp="1"/>
+          </p:cNvSpPr>
+          <p:nvPr>
+            <p:ph type="dt" sz="quarter" idx="1"/>
+          </p:nvPr>
+        </p:nvSpPr>
+        <p:spPr>
+          <a:xfrm>
+            <a:off x="3884240" y="0"/>
+            <a:ext cx="2972360" cy="494025"/>
+          </a:xfrm>
+          <a:prstGeom prst="rect">
+            <a:avLst/>
+          </a:prstGeom>
+        </p:spPr>
+        <p:txBody>
+          <a:bodyPr vert="horz" lIns="86164" tIns="43082" rIns="86164" bIns="43082" rtlCol="0"/>
+          <a:lstStyle>
+            <a:lvl1pPr algn="r">
+              <a:defRPr sz="1100"/>
+            </a:lvl1pPr>
+          </a:lstStyle>
+          <a:p>
+            <a:fld id="{8B28EC8B-72C1-481E-A9CE-28C555663444}" type="datetimeFigureOut">
+              <a:rPr lang="cs-CZ" smtClean="0"/>
+              <a:t>14.4.2015</a:t>
+            </a:fld>
+            <a:endParaRPr lang="cs-CZ"/>
+          </a:p>
+        </p:txBody>
+      </p:sp>
+      <p:sp>
+        <p:nvSpPr>
+          <p:cNvPr id="4" name="Zástupný symbol pro zápatí 3"/>
+          <p:cNvSpPr>
+            <a:spLocks noGrp="1"/>
+          </p:cNvSpPr>
+          <p:nvPr>
+            <p:ph type="ftr" sz="quarter" idx="2"/>
+          </p:nvPr>
+        </p:nvSpPr>
+        <p:spPr>
+          <a:xfrm>
+            <a:off x="1" y="9378668"/>
+            <a:ext cx="2972360" cy="494025"/>
+          </a:xfrm>
+          <a:prstGeom prst="rect">
+            <a:avLst/>
+          </a:prstGeom>
+        </p:spPr>
+        <p:txBody>
+          <a:bodyPr vert="horz" lIns="86164" tIns="43082" rIns="86164" bIns="43082" rtlCol="0" anchor="b"/>
+          <a:lstStyle>
+            <a:lvl1pPr algn="l">
+              <a:defRPr sz="1100"/>
+            </a:lvl1pPr>
+          </a:lstStyle>
+          <a:p>
+            <a:endParaRPr lang="cs-CZ"/>
+          </a:p>
+        </p:txBody>
+      </p:sp>
+      <p:sp>
+        <p:nvSpPr>
+          <p:cNvPr id="5" name="Zástupný symbol pro číslo snímku 4"/>
+          <p:cNvSpPr>
+            <a:spLocks noGrp="1"/>
+          </p:cNvSpPr>
+          <p:nvPr>
+            <p:ph type="sldNum" sz="quarter" idx="3"/>
+          </p:nvPr>
+        </p:nvSpPr>
+        <p:spPr>
+          <a:xfrm>
+            <a:off x="3884240" y="9378668"/>
+            <a:ext cx="2972360" cy="494025"/>
+          </a:xfrm>
+          <a:prstGeom prst="rect">
+            <a:avLst/>
+          </a:prstGeom>
+        </p:spPr>
+        <p:txBody>
+          <a:bodyPr vert="horz" lIns="86164" tIns="43082" rIns="86164" bIns="43082" rtlCol="0" anchor="b"/>
+          <a:lstStyle>
+            <a:lvl1pPr algn="r">
+              <a:defRPr sz="1100"/>
+            </a:lvl1pPr>
+          </a:lstStyle>
+          <a:p>
+            <a:fld id="{7FD7085A-F42E-4A17-94CC-5FDB0C6421EF}" type="slidenum">
+              <a:rPr lang="cs-CZ" smtClean="0"/>
+              <a:t>‹#›</a:t>
+            </a:fld>
+            <a:endParaRPr lang="cs-CZ"/>
+          </a:p>
+        </p:txBody>
+      </p:sp>
+    </p:spTree>
+    <p:extLst>
+      <p:ext uri="{BB962C8B-B14F-4D97-AF65-F5344CB8AC3E}">
+        <p14:creationId xmlns:p14="http://schemas.microsoft.com/office/powerpoint/2010/main" val="2996103472"/>
+      </p:ext>
+    </p:extLst>
+  </p:cSld>
+  <p:clrMap bg1="lt1" tx1="dk1" bg2="lt2" tx2="dk2" accent1="accent1" accent2="accent2" accent3="accent3" accent4="accent4" accent5="accent5" accent6="accent6" hlink="hlink" folHlink="folHlink"/>
+</p:handoutMaster>
+</file>
+
 <file path=ppt/slideLayouts/slideLayout1.xml><?xml version="1.0" encoding="utf-8"?>
 <p:sldLayout xmlns:a="http://schemas.openxmlformats.org/drawingml/2006/main" xmlns:r="http://schemas.openxmlformats.org/officeDocument/2006/relationships" xmlns:p="http://schemas.openxmlformats.org/presentationml/2006/main" type="blank" preserve="1">
   <p:cSld name="Blank Slide">
@@ -7265,7 +7434,55 @@
                 <a:latin typeface="Arial"/>
                 <a:ea typeface="WenQuanYi Zen Hei"/>
               </a:rPr>
-              <a:t>přejmenován na JWST</a:t>
+              <a:t>přejmenován na </a:t>
+            </a:r>
+            <a:r>
+              <a:rPr lang="cs-CZ" sz="2800" strike="noStrike" dirty="0" smtClean="0">
+                <a:latin typeface="Arial"/>
+                <a:ea typeface="WenQuanYi Zen Hei"/>
+              </a:rPr>
+              <a:t>JWST</a:t>
+            </a:r>
+          </a:p>
+          <a:p>
+            <a:pPr>
+              <a:lnSpc>
+                <a:spcPct val="100000"/>
+              </a:lnSpc>
+              <a:buSzPct val="45000"/>
+              <a:buFont typeface="StarSymbol"/>
+              <a:buChar char=""/>
+            </a:pPr>
+            <a:endParaRPr lang="cs-CZ" sz="2800" dirty="0">
+              <a:latin typeface="Arial"/>
+            </a:endParaRPr>
+          </a:p>
+          <a:p>
+            <a:pPr>
+              <a:lnSpc>
+                <a:spcPct val="100000"/>
+              </a:lnSpc>
+              <a:buSzPct val="45000"/>
+              <a:buFont typeface="StarSymbol"/>
+              <a:buChar char=""/>
+            </a:pPr>
+            <a:r>
+              <a:rPr lang="cs-CZ" sz="2800" dirty="0" err="1" smtClean="0">
+                <a:latin typeface="Arial"/>
+              </a:rPr>
+              <a:t>tří-zrcadlový</a:t>
+            </a:r>
+            <a:r>
+              <a:rPr lang="cs-CZ" sz="2800" dirty="0" smtClean="0">
+                <a:latin typeface="Arial"/>
+              </a:rPr>
+              <a:t> </a:t>
+            </a:r>
+            <a:r>
+              <a:rPr lang="cs-CZ" sz="2800" dirty="0" err="1" smtClean="0">
+                <a:latin typeface="Arial"/>
+              </a:rPr>
+              <a:t>anastigmatismus</a:t>
             </a:r>
             <a:endParaRPr dirty="0"/>
           </a:p>
@@ -7325,184 +7542,14 @@
       </p:grpSpPr>
       <p:sp>
         <p:nvSpPr>
-          <p:cNvPr id="2" name="Nadpis 1"/>
-          <p:cNvSpPr>
-            <a:spLocks noGrp="1"/>
-          </p:cNvSpPr>
-          <p:nvPr>
-            <p:ph type="title"/>
-          </p:nvPr>
-        </p:nvSpPr>
-        <p:spPr/>
-        <p:txBody>
-          <a:bodyPr/>
-          <a:lstStyle/>
-          <a:p>
-            <a:r>
-              <a:rPr lang="cs-CZ" sz="3000" dirty="0" smtClean="0">
-                <a:latin typeface="+mn-lt"/>
-              </a:rPr>
-              <a:t>Cíle mise</a:t>
-            </a:r>
-            <a:endParaRPr lang="cs-CZ" sz="3000" dirty="0">
-              <a:latin typeface="+mn-lt"/>
-            </a:endParaRPr>
-          </a:p>
-        </p:txBody>
-      </p:sp>
-      <p:sp>
-        <p:nvSpPr>
-          <p:cNvPr id="3" name="Zástupný symbol pro text 2"/>
-          <p:cNvSpPr>
-            <a:spLocks noGrp="1"/>
-          </p:cNvSpPr>
-          <p:nvPr>
-            <p:ph type="body"/>
-          </p:nvPr>
-        </p:nvSpPr>
-        <p:spPr>
-          <a:xfrm>
-            <a:off x="504000" y="1800000"/>
-            <a:ext cx="8928800" cy="4384080"/>
-          </a:xfrm>
-        </p:spPr>
-        <p:txBody>
-          <a:bodyPr/>
-          <a:lstStyle/>
-          <a:p>
-            <a:pPr marL="514350" indent="-514350">
-              <a:buFont typeface="+mj-lt"/>
-              <a:buAutoNum type="arabicParenR"/>
-            </a:pPr>
-            <a:r>
-              <a:rPr lang="cs-CZ" sz="2800" dirty="0" smtClean="0"/>
-              <a:t>Hledání světla z prvních hvězd a galaxií</a:t>
-            </a:r>
-          </a:p>
-          <a:p>
-            <a:pPr marL="514350" indent="-514350">
-              <a:buFont typeface="+mj-lt"/>
-              <a:buAutoNum type="arabicParenR"/>
-            </a:pPr>
-            <a:endParaRPr lang="cs-CZ" sz="2800" dirty="0" smtClean="0"/>
-          </a:p>
-          <a:p>
-            <a:pPr marL="514350" indent="-514350">
-              <a:buFont typeface="+mj-lt"/>
-              <a:buAutoNum type="arabicParenR"/>
-            </a:pPr>
-            <a:r>
-              <a:rPr lang="cs-CZ" sz="2800" dirty="0" smtClean="0"/>
-              <a:t>Studování formování a vývoje galaxií</a:t>
-            </a:r>
-          </a:p>
-          <a:p>
-            <a:pPr marL="514350" indent="-514350">
-              <a:buFont typeface="+mj-lt"/>
-              <a:buAutoNum type="arabicParenR"/>
-            </a:pPr>
-            <a:endParaRPr lang="cs-CZ" sz="2800" dirty="0" smtClean="0"/>
-          </a:p>
-          <a:p>
-            <a:pPr marL="514350" indent="-514350">
-              <a:buFont typeface="+mj-lt"/>
-              <a:buAutoNum type="arabicParenR"/>
-            </a:pPr>
-            <a:r>
-              <a:rPr lang="cs-CZ" sz="2800" dirty="0" smtClean="0"/>
-              <a:t>Pochopení formování hvězd a planetárních systémů</a:t>
-            </a:r>
-          </a:p>
-          <a:p>
-            <a:pPr marL="514350" indent="-514350">
-              <a:buFont typeface="+mj-lt"/>
-              <a:buAutoNum type="arabicParenR"/>
-            </a:pPr>
-            <a:endParaRPr lang="cs-CZ" sz="2800" dirty="0" smtClean="0"/>
-          </a:p>
-          <a:p>
-            <a:pPr marL="514350" indent="-514350">
-              <a:buFont typeface="+mj-lt"/>
-              <a:buAutoNum type="arabicParenR"/>
-            </a:pPr>
-            <a:r>
-              <a:rPr lang="cs-CZ" sz="2800" dirty="0" smtClean="0"/>
-              <a:t>Studování planetárních systémů a počátku života</a:t>
-            </a:r>
-          </a:p>
-          <a:p>
-            <a:pPr marL="514350" indent="-514350">
-              <a:buFont typeface="+mj-lt"/>
-              <a:buAutoNum type="arabicParenR"/>
-            </a:pPr>
-            <a:endParaRPr lang="cs-CZ" sz="2800" dirty="0" smtClean="0"/>
-          </a:p>
-          <a:p>
-            <a:r>
-              <a:rPr lang="cs-CZ" sz="2800" dirty="0" smtClean="0"/>
-              <a:t>Předpokládaná délka mise je 10 let.</a:t>
-            </a:r>
-            <a:endParaRPr lang="cs-CZ" sz="2800" dirty="0"/>
-          </a:p>
-          <a:p>
-            <a:pPr marL="514350" indent="-514350">
-              <a:buFont typeface="+mj-lt"/>
-              <a:buAutoNum type="arabicParenR"/>
-            </a:pPr>
-            <a:endParaRPr lang="cs-CZ" sz="2800" dirty="0"/>
-          </a:p>
-          <a:p>
-            <a:endParaRPr lang="cs-CZ" dirty="0" smtClean="0"/>
-          </a:p>
-        </p:txBody>
-      </p:sp>
-    </p:spTree>
-    <p:extLst>
-      <p:ext uri="{BB962C8B-B14F-4D97-AF65-F5344CB8AC3E}">
-        <p14:creationId xmlns:p14="http://schemas.microsoft.com/office/powerpoint/2010/main" val="530976330"/>
-      </p:ext>
-    </p:extLst>
-  </p:cSld>
-  <p:clrMapOvr>
-    <a:masterClrMapping/>
-  </p:clrMapOvr>
-  <p:timing>
-    <p:tnLst>
-      <p:par>
-        <p:cTn id="1" dur="indefinite" restart="never" nodeType="tmRoot"/>
-      </p:par>
-    </p:tnLst>
-  </p:timing>
-</p:sld>
-</file>
-
-<file path=ppt/slides/slide13.xml><?xml version="1.0" encoding="utf-8"?>
-<p:sld xmlns:a="http://schemas.openxmlformats.org/drawingml/2006/main" xmlns:r="http://schemas.openxmlformats.org/officeDocument/2006/relationships" xmlns:p="http://schemas.openxmlformats.org/presentationml/2006/main">
-  <p:cSld>
-    <p:spTree>
-      <p:nvGrpSpPr>
-        <p:cNvPr id="1" name=""/>
-        <p:cNvGrpSpPr/>
-        <p:nvPr/>
-      </p:nvGrpSpPr>
-      <p:grpSpPr>
-        <a:xfrm>
-          <a:off x="0" y="0"/>
-          <a:ext cx="0" cy="0"/>
-          <a:chOff x="0" y="0"/>
-          <a:chExt cx="0" cy="0"/>
-        </a:xfrm>
-      </p:grpSpPr>
-      <p:sp>
-        <p:nvSpPr>
-          <p:cNvPr id="188" name="TextShape 1"/>
+          <p:cNvPr id="185" name="TextShape 1"/>
           <p:cNvSpPr txBox="1"/>
           <p:nvPr/>
         </p:nvSpPr>
         <p:spPr>
           <a:xfrm>
             <a:off x="504000" y="576000"/>
-            <a:ext cx="7199640" cy="719640"/>
+            <a:ext cx="8352360" cy="719640"/>
           </a:xfrm>
           <a:prstGeom prst="rect">
             <a:avLst/>
@@ -7522,181 +7569,182 @@
               </a:lnSpc>
             </a:pPr>
             <a:r>
-              <a:rPr lang="cs-CZ" sz="3000" strike="noStrike">
-                <a:latin typeface="Arial"/>
-              </a:rPr>
-              <a:t>James Edwin Webb</a:t>
-            </a:r>
-            <a:endParaRPr/>
-          </a:p>
-        </p:txBody>
-      </p:sp>
-      <p:sp>
-        <p:nvSpPr>
-          <p:cNvPr id="189" name="TextShape 2"/>
-          <p:cNvSpPr txBox="1"/>
-          <p:nvPr/>
-        </p:nvSpPr>
-        <p:spPr>
-          <a:xfrm>
-            <a:off x="503280" y="1800360"/>
-            <a:ext cx="5617152" cy="4384440"/>
-          </a:xfrm>
-          <a:prstGeom prst="rect">
-            <a:avLst/>
-          </a:prstGeom>
-          <a:noFill/>
-          <a:ln>
-            <a:noFill/>
-          </a:ln>
-        </p:spPr>
-        <p:txBody>
-          <a:bodyPr lIns="0" tIns="0" rIns="0" bIns="0"/>
-          <a:lstStyle/>
-          <a:p>
-            <a:pPr>
-              <a:lnSpc>
-                <a:spcPct val="100000"/>
-              </a:lnSpc>
-              <a:buSzPct val="45000"/>
-              <a:buFont typeface="StarSymbol"/>
-              <a:buChar char=""/>
-            </a:pPr>
-            <a:r>
-              <a:rPr lang="cs-CZ" sz="2800" strike="noStrike" dirty="0">
-                <a:latin typeface="Arial"/>
-                <a:ea typeface="WenQuanYi Zen Hei"/>
-              </a:rPr>
-              <a:t>druhý ředitel NASA (1961-1968</a:t>
-            </a:r>
-            <a:r>
-              <a:rPr lang="cs-CZ" sz="2800" strike="noStrike" dirty="0" smtClean="0">
-                <a:latin typeface="Arial"/>
-                <a:ea typeface="WenQuanYi Zen Hei"/>
-              </a:rPr>
-              <a:t>)</a:t>
-            </a:r>
-          </a:p>
-          <a:p>
-            <a:pPr>
-              <a:lnSpc>
-                <a:spcPct val="100000"/>
-              </a:lnSpc>
-              <a:buSzPct val="45000"/>
-              <a:buFont typeface="StarSymbol"/>
-              <a:buChar char=""/>
-            </a:pPr>
-            <a:endParaRPr dirty="0"/>
-          </a:p>
-          <a:p>
-            <a:pPr>
-              <a:lnSpc>
-                <a:spcPct val="100000"/>
-              </a:lnSpc>
-              <a:buSzPct val="45000"/>
-              <a:buFont typeface="StarSymbol"/>
-              <a:buChar char=""/>
-            </a:pPr>
-            <a:r>
-              <a:rPr lang="cs-CZ" sz="2800" strike="noStrike" dirty="0">
-                <a:latin typeface="Arial"/>
-                <a:ea typeface="WenQuanYi Zen Hei"/>
-              </a:rPr>
-              <a:t>vedoucí programu Apollo </a:t>
-            </a:r>
-            <a:r>
-              <a:rPr lang="cs-CZ" sz="2800" strike="noStrike" dirty="0" smtClean="0">
-                <a:latin typeface="Arial"/>
-                <a:ea typeface="WenQuanYi Zen Hei"/>
-              </a:rPr>
-              <a:t>(</a:t>
-            </a:r>
-            <a:r>
-              <a:rPr lang="cs-CZ" sz="2800" strike="noStrike" dirty="0">
-                <a:latin typeface="Arial"/>
-                <a:ea typeface="WenQuanYi Zen Hei"/>
-              </a:rPr>
-              <a:t>člověk na Měsíci</a:t>
-            </a:r>
-            <a:r>
-              <a:rPr lang="cs-CZ" sz="2800" strike="noStrike" dirty="0" smtClean="0">
-                <a:latin typeface="Arial"/>
-                <a:ea typeface="WenQuanYi Zen Hei"/>
-              </a:rPr>
-              <a:t>)</a:t>
-            </a:r>
-          </a:p>
-          <a:p>
-            <a:pPr>
-              <a:lnSpc>
-                <a:spcPct val="100000"/>
-              </a:lnSpc>
-              <a:buSzPct val="45000"/>
-              <a:buFont typeface="StarSymbol"/>
-              <a:buChar char=""/>
-            </a:pPr>
-            <a:endParaRPr dirty="0"/>
-          </a:p>
-          <a:p>
-            <a:pPr>
-              <a:lnSpc>
-                <a:spcPct val="100000"/>
-              </a:lnSpc>
-              <a:buSzPct val="45000"/>
-              <a:buFont typeface="StarSymbol"/>
-              <a:buChar char=""/>
-            </a:pPr>
-            <a:r>
-              <a:rPr lang="cs-CZ" sz="2800" strike="noStrike" dirty="0">
-                <a:latin typeface="Arial"/>
-                <a:ea typeface="WenQuanYi Zen Hei"/>
-              </a:rPr>
-              <a:t>během jeho působení bylo vypraveno více než 75 letů do vesmíru</a:t>
-            </a:r>
-            <a:endParaRPr dirty="0"/>
-          </a:p>
-          <a:p>
-            <a:pPr>
-              <a:lnSpc>
-                <a:spcPct val="100000"/>
-              </a:lnSpc>
-            </a:pPr>
-            <a:endParaRPr dirty="0"/>
-          </a:p>
-          <a:p>
-            <a:pPr>
-              <a:lnSpc>
-                <a:spcPct val="100000"/>
-              </a:lnSpc>
-            </a:pPr>
-            <a:endParaRPr dirty="0"/>
+              <a:rPr lang="cs-CZ" sz="3000" strike="noStrike" dirty="0" smtClean="0">
+                <a:latin typeface="Arial"/>
+              </a:rPr>
+              <a:t>Odstraňované aberace</a:t>
+            </a:r>
           </a:p>
         </p:txBody>
       </p:sp>
       <p:pic>
         <p:nvPicPr>
-          <p:cNvPr id="190" name="Zástupný symbol pro obsah 4"/>
-          <p:cNvPicPr/>
+          <p:cNvPr id="1026" name="Picture 2" descr="http://www.stud.fit.vutbr.cz/~xridky00/coma.png"/>
+          <p:cNvPicPr>
+            <a:picLocks noChangeAspect="1" noChangeArrowheads="1"/>
+          </p:cNvPicPr>
           <p:nvPr/>
         </p:nvPicPr>
         <p:blipFill>
-          <a:blip r:embed="rId2"/>
+          <a:blip r:embed="rId2">
+            <a:extLst>
+              <a:ext uri="{28A0092B-C50C-407E-A947-70E740481C1C}">
+                <a14:useLocalDpi xmlns:a14="http://schemas.microsoft.com/office/drawing/2010/main" val="0"/>
+              </a:ext>
+            </a:extLst>
+          </a:blip>
+          <a:srcRect/>
+          <a:stretch>
+            <a:fillRect/>
+          </a:stretch>
+        </p:blipFill>
+        <p:spPr bwMode="auto">
+          <a:xfrm>
+            <a:off x="863848" y="1691605"/>
+            <a:ext cx="3952875" cy="2381250"/>
+          </a:xfrm>
+          <a:prstGeom prst="rect">
+            <a:avLst/>
+          </a:prstGeom>
+          <a:noFill/>
+          <a:extLst>
+            <a:ext uri="{909E8E84-426E-40DD-AFC4-6F175D3DCCD1}">
+              <a14:hiddenFill xmlns:a14="http://schemas.microsoft.com/office/drawing/2010/main">
+                <a:solidFill>
+                  <a:srgbClr val="FFFFFF"/>
+                </a:solidFill>
+              </a14:hiddenFill>
+            </a:ext>
+          </a:extLst>
+        </p:spPr>
+      </p:pic>
+      <p:pic>
+        <p:nvPicPr>
+          <p:cNvPr id="1028" name="Picture 4" descr="http://upload.wikimedia.org/wikipedia/commons/8/8d/Baader_Rowe_Coma_Corrector_Comparison.jpg"/>
+          <p:cNvPicPr>
+            <a:picLocks noChangeAspect="1" noChangeArrowheads="1"/>
+          </p:cNvPicPr>
+          <p:nvPr/>
+        </p:nvPicPr>
+        <p:blipFill rotWithShape="1">
+          <a:blip r:embed="rId3">
+            <a:extLst>
+              <a:ext uri="{28A0092B-C50C-407E-A947-70E740481C1C}">
+                <a14:useLocalDpi xmlns:a14="http://schemas.microsoft.com/office/drawing/2010/main" val="0"/>
+              </a:ext>
+            </a:extLst>
+          </a:blip>
+          <a:srcRect r="51973" b="24823"/>
           <a:stretch/>
         </p:blipFill>
-        <p:spPr>
-          <a:xfrm>
-            <a:off x="6264448" y="1800360"/>
-            <a:ext cx="3337200" cy="4384440"/>
-          </a:xfrm>
-          <a:prstGeom prst="rect">
-            <a:avLst/>
-          </a:prstGeom>
-          <a:ln>
-            <a:noFill/>
-          </a:ln>
+        <p:spPr bwMode="auto">
+          <a:xfrm>
+            <a:off x="1744913" y="4367964"/>
+            <a:ext cx="2287287" cy="2148177"/>
+          </a:xfrm>
+          <a:prstGeom prst="rect">
+            <a:avLst/>
+          </a:prstGeom>
+          <a:noFill/>
+          <a:extLst>
+            <a:ext uri="{909E8E84-426E-40DD-AFC4-6F175D3DCCD1}">
+              <a14:hiddenFill xmlns:a14="http://schemas.microsoft.com/office/drawing/2010/main">
+                <a:solidFill>
+                  <a:srgbClr val="FFFFFF"/>
+                </a:solidFill>
+              </a14:hiddenFill>
+            </a:ext>
+          </a:extLst>
+        </p:spPr>
+      </p:pic>
+      <p:pic>
+        <p:nvPicPr>
+          <p:cNvPr id="1030" name="Picture 6" descr="http://www.stud.fit.vutbr.cz/~xridky00/astgm.png"/>
+          <p:cNvPicPr>
+            <a:picLocks noChangeAspect="1" noChangeArrowheads="1"/>
+          </p:cNvPicPr>
+          <p:nvPr/>
+        </p:nvPicPr>
+        <p:blipFill>
+          <a:blip r:embed="rId4">
+            <a:extLst>
+              <a:ext uri="{28A0092B-C50C-407E-A947-70E740481C1C}">
+                <a14:useLocalDpi xmlns:a14="http://schemas.microsoft.com/office/drawing/2010/main" val="0"/>
+              </a:ext>
+            </a:extLst>
+          </a:blip>
+          <a:srcRect/>
+          <a:stretch>
+            <a:fillRect/>
+          </a:stretch>
+        </p:blipFill>
+        <p:spPr bwMode="auto">
+          <a:xfrm>
+            <a:off x="5040312" y="1691605"/>
+            <a:ext cx="4574981" cy="2359464"/>
+          </a:xfrm>
+          <a:prstGeom prst="rect">
+            <a:avLst/>
+          </a:prstGeom>
+          <a:noFill/>
+          <a:extLst>
+            <a:ext uri="{909E8E84-426E-40DD-AFC4-6F175D3DCCD1}">
+              <a14:hiddenFill xmlns:a14="http://schemas.microsoft.com/office/drawing/2010/main">
+                <a:solidFill>
+                  <a:srgbClr val="FFFFFF"/>
+                </a:solidFill>
+              </a14:hiddenFill>
+            </a:ext>
+          </a:extLst>
+        </p:spPr>
+      </p:pic>
+      <p:pic>
+        <p:nvPicPr>
+          <p:cNvPr id="1032" name="Picture 8" descr="http://upload.wikimedia.org/wikipedia/commons/4/42/Astigmatism_text_blur.png"/>
+          <p:cNvPicPr>
+            <a:picLocks noChangeAspect="1" noChangeArrowheads="1"/>
+          </p:cNvPicPr>
+          <p:nvPr/>
+        </p:nvPicPr>
+        <p:blipFill>
+          <a:blip r:embed="rId5" cstate="print">
+            <a:extLst>
+              <a:ext uri="{28A0092B-C50C-407E-A947-70E740481C1C}">
+                <a14:useLocalDpi xmlns:a14="http://schemas.microsoft.com/office/drawing/2010/main" val="0"/>
+              </a:ext>
+            </a:extLst>
+          </a:blip>
+          <a:srcRect/>
+          <a:stretch>
+            <a:fillRect/>
+          </a:stretch>
+        </p:blipFill>
+        <p:spPr bwMode="auto">
+          <a:xfrm>
+            <a:off x="5851232" y="4334624"/>
+            <a:ext cx="2953140" cy="2214855"/>
+          </a:xfrm>
+          <a:prstGeom prst="rect">
+            <a:avLst/>
+          </a:prstGeom>
+          <a:noFill/>
+          <a:extLst>
+            <a:ext uri="{909E8E84-426E-40DD-AFC4-6F175D3DCCD1}">
+              <a14:hiddenFill xmlns:a14="http://schemas.microsoft.com/office/drawing/2010/main">
+                <a:solidFill>
+                  <a:srgbClr val="FFFFFF"/>
+                </a:solidFill>
+              </a14:hiddenFill>
+            </a:ext>
+          </a:extLst>
         </p:spPr>
       </p:pic>
     </p:spTree>
+    <p:extLst>
+      <p:ext uri="{BB962C8B-B14F-4D97-AF65-F5344CB8AC3E}">
+        <p14:creationId xmlns:p14="http://schemas.microsoft.com/office/powerpoint/2010/main" val="3538610956"/>
+      </p:ext>
+    </p:extLst>
   </p:cSld>
   <p:clrMapOvr>
     <a:masterClrMapping/>
@@ -7731,6 +7779,176 @@
 </p:sld>
 </file>
 
+<file path=ppt/slides/slide13.xml><?xml version="1.0" encoding="utf-8"?>
+<p:sld xmlns:a="http://schemas.openxmlformats.org/drawingml/2006/main" xmlns:r="http://schemas.openxmlformats.org/officeDocument/2006/relationships" xmlns:p="http://schemas.openxmlformats.org/presentationml/2006/main">
+  <p:cSld>
+    <p:spTree>
+      <p:nvGrpSpPr>
+        <p:cNvPr id="1" name=""/>
+        <p:cNvGrpSpPr/>
+        <p:nvPr/>
+      </p:nvGrpSpPr>
+      <p:grpSpPr>
+        <a:xfrm>
+          <a:off x="0" y="0"/>
+          <a:ext cx="0" cy="0"/>
+          <a:chOff x="0" y="0"/>
+          <a:chExt cx="0" cy="0"/>
+        </a:xfrm>
+      </p:grpSpPr>
+      <p:sp>
+        <p:nvSpPr>
+          <p:cNvPr id="2" name="Nadpis 1"/>
+          <p:cNvSpPr>
+            <a:spLocks noGrp="1"/>
+          </p:cNvSpPr>
+          <p:nvPr>
+            <p:ph type="title"/>
+          </p:nvPr>
+        </p:nvSpPr>
+        <p:spPr/>
+        <p:txBody>
+          <a:bodyPr/>
+          <a:lstStyle/>
+          <a:p>
+            <a:r>
+              <a:rPr lang="cs-CZ" sz="3000" dirty="0" smtClean="0">
+                <a:latin typeface="+mn-lt"/>
+              </a:rPr>
+              <a:t>Cíle mise</a:t>
+            </a:r>
+            <a:endParaRPr lang="cs-CZ" sz="3000" dirty="0">
+              <a:latin typeface="+mn-lt"/>
+            </a:endParaRPr>
+          </a:p>
+        </p:txBody>
+      </p:sp>
+      <p:sp>
+        <p:nvSpPr>
+          <p:cNvPr id="3" name="Zástupný symbol pro text 2"/>
+          <p:cNvSpPr>
+            <a:spLocks noGrp="1"/>
+          </p:cNvSpPr>
+          <p:nvPr>
+            <p:ph type="body"/>
+          </p:nvPr>
+        </p:nvSpPr>
+        <p:spPr>
+          <a:xfrm>
+            <a:off x="504000" y="1800000"/>
+            <a:ext cx="8928800" cy="4384080"/>
+          </a:xfrm>
+        </p:spPr>
+        <p:txBody>
+          <a:bodyPr/>
+          <a:lstStyle/>
+          <a:p>
+            <a:pPr marL="514350" indent="-514350">
+              <a:buFont typeface="+mj-lt"/>
+              <a:buAutoNum type="arabicParenR"/>
+            </a:pPr>
+            <a:r>
+              <a:rPr lang="cs-CZ" sz="2800" dirty="0" smtClean="0"/>
+              <a:t>Hledání světla z prvních hvězd a galaxií</a:t>
+            </a:r>
+          </a:p>
+          <a:p>
+            <a:pPr marL="514350" indent="-514350">
+              <a:buFont typeface="+mj-lt"/>
+              <a:buAutoNum type="arabicParenR"/>
+            </a:pPr>
+            <a:endParaRPr lang="cs-CZ" sz="2800" dirty="0" smtClean="0"/>
+          </a:p>
+          <a:p>
+            <a:pPr marL="514350" indent="-514350">
+              <a:buFont typeface="+mj-lt"/>
+              <a:buAutoNum type="arabicParenR"/>
+            </a:pPr>
+            <a:r>
+              <a:rPr lang="cs-CZ" sz="2800" dirty="0" smtClean="0"/>
+              <a:t>Studování formování a vývoje galaxií</a:t>
+            </a:r>
+          </a:p>
+          <a:p>
+            <a:pPr marL="514350" indent="-514350">
+              <a:buFont typeface="+mj-lt"/>
+              <a:buAutoNum type="arabicParenR"/>
+            </a:pPr>
+            <a:endParaRPr lang="cs-CZ" sz="2800" dirty="0" smtClean="0"/>
+          </a:p>
+          <a:p>
+            <a:pPr marL="514350" indent="-514350">
+              <a:buFont typeface="+mj-lt"/>
+              <a:buAutoNum type="arabicParenR"/>
+            </a:pPr>
+            <a:r>
+              <a:rPr lang="cs-CZ" sz="2800" dirty="0" smtClean="0"/>
+              <a:t>Pochopení formování hvězd a planetárních systémů</a:t>
+            </a:r>
+          </a:p>
+          <a:p>
+            <a:pPr marL="514350" indent="-514350">
+              <a:buFont typeface="+mj-lt"/>
+              <a:buAutoNum type="arabicParenR"/>
+            </a:pPr>
+            <a:endParaRPr lang="cs-CZ" sz="2800" dirty="0" smtClean="0"/>
+          </a:p>
+          <a:p>
+            <a:pPr marL="514350" indent="-514350">
+              <a:buFont typeface="+mj-lt"/>
+              <a:buAutoNum type="arabicParenR"/>
+            </a:pPr>
+            <a:r>
+              <a:rPr lang="cs-CZ" sz="2800" dirty="0" smtClean="0"/>
+              <a:t>Studování planetárních systémů a počátku života</a:t>
+            </a:r>
+          </a:p>
+          <a:p>
+            <a:pPr marL="514350" indent="-514350">
+              <a:buFont typeface="+mj-lt"/>
+              <a:buAutoNum type="arabicParenR"/>
+            </a:pPr>
+            <a:endParaRPr lang="cs-CZ" sz="2800" dirty="0" smtClean="0"/>
+          </a:p>
+          <a:p>
+            <a:r>
+              <a:rPr lang="cs-CZ" sz="2800" dirty="0" smtClean="0"/>
+              <a:t>Předpokládaná délka mise je 10 let.</a:t>
+            </a:r>
+            <a:endParaRPr lang="cs-CZ" sz="2800" dirty="0"/>
+          </a:p>
+          <a:p>
+            <a:pPr marL="514350" indent="-514350">
+              <a:buFont typeface="+mj-lt"/>
+              <a:buAutoNum type="arabicParenR"/>
+            </a:pPr>
+            <a:endParaRPr lang="cs-CZ" sz="2800" dirty="0"/>
+          </a:p>
+          <a:p>
+            <a:endParaRPr lang="cs-CZ" dirty="0" smtClean="0"/>
+          </a:p>
+        </p:txBody>
+      </p:sp>
+    </p:spTree>
+    <p:extLst>
+      <p:ext uri="{BB962C8B-B14F-4D97-AF65-F5344CB8AC3E}">
+        <p14:creationId xmlns:p14="http://schemas.microsoft.com/office/powerpoint/2010/main" val="530976330"/>
+      </p:ext>
+    </p:extLst>
+  </p:cSld>
+  <p:clrMapOvr>
+    <a:masterClrMapping/>
+  </p:clrMapOvr>
+  <p:timing>
+    <p:tnLst>
+      <p:par>
+        <p:cTn id="1" dur="indefinite" restart="never" nodeType="tmRoot"/>
+      </p:par>
+    </p:tnLst>
+  </p:timing>
+</p:sld>
+</file>
+
 <file path=ppt/slides/slide14.xml><?xml version="1.0" encoding="utf-8"?>
 <p:sld xmlns:a="http://schemas.openxmlformats.org/drawingml/2006/main" xmlns:r="http://schemas.openxmlformats.org/officeDocument/2006/relationships" xmlns:p="http://schemas.openxmlformats.org/presentationml/2006/main">
   <p:cSld>
@@ -7750,7 +7968,7 @@
       </p:grpSpPr>
       <p:sp>
         <p:nvSpPr>
-          <p:cNvPr id="191" name="TextShape 1"/>
+          <p:cNvPr id="188" name="TextShape 1"/>
           <p:cNvSpPr txBox="1"/>
           <p:nvPr/>
         </p:nvSpPr>
@@ -7780,15 +7998,157 @@
               <a:rPr lang="cs-CZ" sz="3000" strike="noStrike">
                 <a:latin typeface="Arial"/>
               </a:rPr>
-              <a:t>Popis teleskopu</a:t>
-            </a:r>
-            <a:endParaRPr/>
+              <a:t>James Edwin Webb</a:t>
+            </a:r>
+            <a:endParaRPr/>
+          </a:p>
+        </p:txBody>
+      </p:sp>
+      <p:sp>
+        <p:nvSpPr>
+          <p:cNvPr id="189" name="TextShape 2"/>
+          <p:cNvSpPr txBox="1"/>
+          <p:nvPr/>
+        </p:nvSpPr>
+        <p:spPr>
+          <a:xfrm>
+            <a:off x="503280" y="1800360"/>
+            <a:ext cx="5617152" cy="4384440"/>
+          </a:xfrm>
+          <a:prstGeom prst="rect">
+            <a:avLst/>
+          </a:prstGeom>
+          <a:noFill/>
+          <a:ln>
+            <a:noFill/>
+          </a:ln>
+        </p:spPr>
+        <p:txBody>
+          <a:bodyPr lIns="0" tIns="0" rIns="0" bIns="0"/>
+          <a:lstStyle/>
+          <a:p>
+            <a:pPr>
+              <a:lnSpc>
+                <a:spcPct val="100000"/>
+              </a:lnSpc>
+              <a:buSzPct val="45000"/>
+              <a:buFont typeface="StarSymbol"/>
+              <a:buChar char=""/>
+            </a:pPr>
+            <a:r>
+              <a:rPr lang="cs-CZ" sz="2800" strike="noStrike" dirty="0">
+                <a:latin typeface="Arial"/>
+                <a:ea typeface="WenQuanYi Zen Hei"/>
+              </a:rPr>
+              <a:t>druhý ředitel NASA (1961-1968</a:t>
+            </a:r>
+            <a:r>
+              <a:rPr lang="cs-CZ" sz="2800" strike="noStrike" dirty="0" smtClean="0">
+                <a:latin typeface="Arial"/>
+                <a:ea typeface="WenQuanYi Zen Hei"/>
+              </a:rPr>
+              <a:t>)</a:t>
+            </a:r>
+          </a:p>
+          <a:p>
+            <a:pPr>
+              <a:lnSpc>
+                <a:spcPct val="100000"/>
+              </a:lnSpc>
+              <a:buSzPct val="45000"/>
+              <a:buFont typeface="StarSymbol"/>
+              <a:buChar char=""/>
+            </a:pPr>
+            <a:endParaRPr dirty="0"/>
+          </a:p>
+          <a:p>
+            <a:pPr>
+              <a:lnSpc>
+                <a:spcPct val="100000"/>
+              </a:lnSpc>
+              <a:buSzPct val="45000"/>
+              <a:buFont typeface="StarSymbol"/>
+              <a:buChar char=""/>
+            </a:pPr>
+            <a:r>
+              <a:rPr lang="cs-CZ" sz="2800" strike="noStrike" dirty="0">
+                <a:latin typeface="Arial"/>
+                <a:ea typeface="WenQuanYi Zen Hei"/>
+              </a:rPr>
+              <a:t>vedoucí programu Apollo </a:t>
+            </a:r>
+            <a:r>
+              <a:rPr lang="cs-CZ" sz="2800" strike="noStrike" dirty="0" smtClean="0">
+                <a:latin typeface="Arial"/>
+                <a:ea typeface="WenQuanYi Zen Hei"/>
+              </a:rPr>
+              <a:t>(</a:t>
+            </a:r>
+            <a:r>
+              <a:rPr lang="cs-CZ" sz="2800" strike="noStrike" dirty="0">
+                <a:latin typeface="Arial"/>
+                <a:ea typeface="WenQuanYi Zen Hei"/>
+              </a:rPr>
+              <a:t>člověk na Měsíci</a:t>
+            </a:r>
+            <a:r>
+              <a:rPr lang="cs-CZ" sz="2800" strike="noStrike" dirty="0" smtClean="0">
+                <a:latin typeface="Arial"/>
+                <a:ea typeface="WenQuanYi Zen Hei"/>
+              </a:rPr>
+              <a:t>)</a:t>
+            </a:r>
+          </a:p>
+          <a:p>
+            <a:pPr>
+              <a:lnSpc>
+                <a:spcPct val="100000"/>
+              </a:lnSpc>
+              <a:buSzPct val="45000"/>
+              <a:buFont typeface="StarSymbol"/>
+              <a:buChar char=""/>
+            </a:pPr>
+            <a:endParaRPr dirty="0"/>
+          </a:p>
+          <a:p>
+            <a:pPr>
+              <a:lnSpc>
+                <a:spcPct val="100000"/>
+              </a:lnSpc>
+              <a:buSzPct val="45000"/>
+              <a:buFont typeface="StarSymbol"/>
+              <a:buChar char=""/>
+            </a:pPr>
+            <a:r>
+              <a:rPr lang="cs-CZ" sz="2800" strike="noStrike" dirty="0">
+                <a:latin typeface="Arial"/>
+                <a:ea typeface="WenQuanYi Zen Hei"/>
+              </a:rPr>
+              <a:t>během jeho působení bylo vypraveno více než 75 letů do vesmíru</a:t>
+            </a:r>
+            <a:endParaRPr dirty="0"/>
+          </a:p>
+          <a:p>
+            <a:pPr>
+              <a:lnSpc>
+                <a:spcPct val="100000"/>
+              </a:lnSpc>
+            </a:pPr>
+            <a:endParaRPr dirty="0"/>
+          </a:p>
+          <a:p>
+            <a:pPr>
+              <a:lnSpc>
+                <a:spcPct val="100000"/>
+              </a:lnSpc>
+            </a:pPr>
+            <a:endParaRPr dirty="0"/>
           </a:p>
         </p:txBody>
       </p:sp>
       <p:pic>
         <p:nvPicPr>
-          <p:cNvPr id="192" name="Zástupný symbol pro obsah 4"/>
+          <p:cNvPr id="190" name="Zástupný symbol pro obsah 4"/>
           <p:cNvPicPr/>
           <p:nvPr/>
         </p:nvPicPr>
@@ -7798,8 +8158,8 @@
         </p:blipFill>
         <p:spPr>
           <a:xfrm>
-            <a:off x="1152000" y="1619640"/>
-            <a:ext cx="7632360" cy="5479560"/>
+            <a:off x="6264448" y="1800360"/>
+            <a:ext cx="3337200" cy="4384440"/>
           </a:xfrm>
           <a:prstGeom prst="rect">
             <a:avLst/>
@@ -7863,7 +8223,7 @@
       </p:grpSpPr>
       <p:sp>
         <p:nvSpPr>
-          <p:cNvPr id="193" name="TextShape 1"/>
+          <p:cNvPr id="191" name="TextShape 1"/>
           <p:cNvSpPr txBox="1"/>
           <p:nvPr/>
         </p:nvSpPr>
@@ -7893,225 +8253,35 @@
               <a:rPr lang="cs-CZ" sz="3000" strike="noStrike">
                 <a:latin typeface="Arial"/>
               </a:rPr>
-              <a:t>Popis teleskopu	</a:t>
-            </a:r>
-            <a:endParaRPr/>
-          </a:p>
-        </p:txBody>
-      </p:sp>
-      <p:sp>
-        <p:nvSpPr>
-          <p:cNvPr id="194" name="TextShape 2"/>
-          <p:cNvSpPr txBox="1"/>
+              <a:t>Popis teleskopu</a:t>
+            </a:r>
+            <a:endParaRPr/>
+          </a:p>
+        </p:txBody>
+      </p:sp>
+      <p:pic>
+        <p:nvPicPr>
+          <p:cNvPr id="192" name="Zástupný symbol pro obsah 4"/>
+          <p:cNvPicPr/>
           <p:nvPr/>
-        </p:nvSpPr>
-        <p:spPr>
-          <a:xfrm>
-            <a:off x="504000" y="1800000"/>
-            <a:ext cx="9071640" cy="4384080"/>
-          </a:xfrm>
-          <a:prstGeom prst="rect">
-            <a:avLst/>
-          </a:prstGeom>
-          <a:noFill/>
+        </p:nvPicPr>
+        <p:blipFill>
+          <a:blip r:embed="rId2"/>
+          <a:stretch/>
+        </p:blipFill>
+        <p:spPr>
+          <a:xfrm>
+            <a:off x="1152000" y="1619640"/>
+            <a:ext cx="7632360" cy="5479560"/>
+          </a:xfrm>
+          <a:prstGeom prst="rect">
+            <a:avLst/>
+          </a:prstGeom>
           <a:ln>
             <a:noFill/>
           </a:ln>
         </p:spPr>
-        <p:txBody>
-          <a:bodyPr lIns="0" tIns="0" rIns="0" bIns="0"/>
-          <a:lstStyle/>
-          <a:p>
-            <a:pPr>
-              <a:lnSpc>
-                <a:spcPct val="100000"/>
-              </a:lnSpc>
-              <a:buSzPct val="45000"/>
-              <a:buFont typeface="StarSymbol"/>
-              <a:buChar char=""/>
-            </a:pPr>
-            <a:r>
-              <a:rPr lang="cs-CZ" sz="2600" strike="noStrike" dirty="0">
-                <a:latin typeface="Arial"/>
-                <a:ea typeface="WenQuanYi Zen Hei"/>
-              </a:rPr>
-              <a:t>Primární zrcadlo</a:t>
-            </a:r>
-            <a:r>
-              <a:rPr lang="cs-CZ" sz="2600" strike="noStrike" dirty="0" smtClean="0">
-                <a:latin typeface="Arial"/>
-                <a:ea typeface="WenQuanYi Zen Hei"/>
-              </a:rPr>
-              <a:t>:</a:t>
-            </a:r>
-          </a:p>
-          <a:p>
-            <a:pPr>
-              <a:lnSpc>
-                <a:spcPct val="100000"/>
-              </a:lnSpc>
-              <a:buSzPct val="45000"/>
-              <a:buFont typeface="StarSymbol"/>
-              <a:buChar char=""/>
-            </a:pPr>
-            <a:endParaRPr dirty="0"/>
-          </a:p>
-          <a:p>
-            <a:pPr lvl="1">
-              <a:lnSpc>
-                <a:spcPct val="100000"/>
-              </a:lnSpc>
-              <a:buSzPct val="75000"/>
-              <a:buFont typeface="StarSymbol"/>
-              <a:buChar char=""/>
-            </a:pPr>
-            <a:r>
-              <a:rPr lang="cs-CZ" sz="2600" strike="noStrike" dirty="0">
-                <a:latin typeface="Arial"/>
-                <a:ea typeface="WenQuanYi Zen Hei"/>
-              </a:rPr>
-              <a:t>18 hexagonálních beryliových </a:t>
-            </a:r>
-            <a:r>
-              <a:rPr lang="cs-CZ" sz="2600" strike="noStrike" dirty="0" smtClean="0">
-                <a:latin typeface="Arial"/>
-                <a:ea typeface="WenQuanYi Zen Hei"/>
-              </a:rPr>
-              <a:t>zrcadel (segmentů), </a:t>
-            </a:r>
-            <a:r>
-              <a:rPr lang="cs-CZ" sz="2600" strike="noStrike" dirty="0">
-                <a:latin typeface="Arial"/>
-                <a:ea typeface="WenQuanYi Zen Hei"/>
-              </a:rPr>
-              <a:t>které jsou potaženy zlatem pro maximální odrazivost </a:t>
-            </a:r>
-            <a:r>
-              <a:rPr lang="cs-CZ" sz="2600" strike="noStrike" dirty="0" smtClean="0">
-                <a:latin typeface="Arial"/>
-                <a:ea typeface="WenQuanYi Zen Hei"/>
-              </a:rPr>
-              <a:t>IR</a:t>
-            </a:r>
-          </a:p>
-          <a:p>
-            <a:pPr lvl="1">
-              <a:lnSpc>
-                <a:spcPct val="100000"/>
-              </a:lnSpc>
-              <a:buSzPct val="75000"/>
-            </a:pPr>
-            <a:endParaRPr dirty="0"/>
-          </a:p>
-          <a:p>
-            <a:pPr lvl="1">
-              <a:lnSpc>
-                <a:spcPct val="100000"/>
-              </a:lnSpc>
-              <a:buSzPct val="75000"/>
-              <a:buFont typeface="StarSymbol"/>
-              <a:buChar char=""/>
-            </a:pPr>
-            <a:r>
-              <a:rPr lang="cs-CZ" sz="2600" strike="noStrike" dirty="0">
-                <a:latin typeface="Arial"/>
-                <a:ea typeface="WenQuanYi Zen Hei"/>
-              </a:rPr>
-              <a:t>jeden segment má průměr 1.3m a váží </a:t>
-            </a:r>
-            <a:r>
-              <a:rPr lang="cs-CZ" sz="2600" strike="noStrike" dirty="0" smtClean="0">
-                <a:latin typeface="Arial"/>
-                <a:ea typeface="WenQuanYi Zen Hei"/>
-              </a:rPr>
-              <a:t>40kg</a:t>
-            </a:r>
-          </a:p>
-          <a:p>
-            <a:pPr lvl="1">
-              <a:lnSpc>
-                <a:spcPct val="100000"/>
-              </a:lnSpc>
-              <a:buSzPct val="75000"/>
-            </a:pPr>
-            <a:endParaRPr dirty="0"/>
-          </a:p>
-          <a:p>
-            <a:pPr lvl="1">
-              <a:lnSpc>
-                <a:spcPct val="100000"/>
-              </a:lnSpc>
-              <a:buSzPct val="75000"/>
-              <a:buFont typeface="StarSymbol"/>
-              <a:buChar char=""/>
-            </a:pPr>
-            <a:r>
-              <a:rPr lang="cs-CZ" sz="2600" strike="noStrike" dirty="0">
-                <a:latin typeface="Arial"/>
-                <a:ea typeface="WenQuanYi Zen Hei"/>
-              </a:rPr>
-              <a:t>celková odrazová plocha primárního zrcadla je </a:t>
-            </a:r>
-            <a:r>
-              <a:rPr lang="cs-CZ" sz="2600" strike="noStrike" dirty="0" smtClean="0">
-                <a:latin typeface="Arial"/>
-                <a:ea typeface="WenQuanYi Zen Hei"/>
-              </a:rPr>
-              <a:t>25m2</a:t>
-            </a:r>
-          </a:p>
-          <a:p>
-            <a:pPr lvl="1">
-              <a:lnSpc>
-                <a:spcPct val="100000"/>
-              </a:lnSpc>
-              <a:buSzPct val="75000"/>
-            </a:pPr>
-            <a:endParaRPr dirty="0"/>
-          </a:p>
-          <a:p>
-            <a:pPr lvl="1">
-              <a:lnSpc>
-                <a:spcPct val="100000"/>
-              </a:lnSpc>
-              <a:buSzPct val="75000"/>
-              <a:buFont typeface="StarSymbol"/>
-              <a:buChar char=""/>
-            </a:pPr>
-            <a:r>
-              <a:rPr lang="cs-CZ" sz="2600" strike="noStrike" dirty="0">
-                <a:latin typeface="Arial"/>
-                <a:ea typeface="WenQuanYi Zen Hei"/>
-              </a:rPr>
-              <a:t>ovládání segmentů pomocí </a:t>
-            </a:r>
-            <a:r>
-              <a:rPr lang="cs-CZ" sz="2600" strike="noStrike" dirty="0" err="1">
-                <a:latin typeface="Arial"/>
-                <a:ea typeface="WenQuanYi Zen Hei"/>
-              </a:rPr>
-              <a:t>servopohonů</a:t>
-            </a:r>
-            <a:r>
-              <a:rPr lang="cs-CZ" sz="2600" strike="noStrike" dirty="0">
-                <a:latin typeface="Arial"/>
-                <a:ea typeface="WenQuanYi Zen Hei"/>
-              </a:rPr>
-              <a:t> (změny polohy v rozměrech nanometrů)</a:t>
-            </a:r>
-            <a:endParaRPr dirty="0"/>
-          </a:p>
-          <a:p>
-            <a:endParaRPr dirty="0"/>
-          </a:p>
-          <a:p>
-            <a:endParaRPr dirty="0"/>
-          </a:p>
-          <a:p>
-            <a:endParaRPr dirty="0"/>
-          </a:p>
-        </p:txBody>
-      </p:sp>
+      </p:pic>
     </p:spTree>
   </p:cSld>
   <p:clrMapOvr>
@@ -8166,7 +8336,7 @@
       </p:grpSpPr>
       <p:sp>
         <p:nvSpPr>
-          <p:cNvPr id="195" name="TextShape 1"/>
+          <p:cNvPr id="193" name="TextShape 1"/>
           <p:cNvSpPr txBox="1"/>
           <p:nvPr/>
         </p:nvSpPr>
@@ -8196,15 +8366,15 @@
               <a:rPr lang="cs-CZ" sz="3000" strike="noStrike">
                 <a:latin typeface="Arial"/>
               </a:rPr>
-              <a:t>Použité technologie</a:t>
-            </a:r>
-            <a:endParaRPr/>
-          </a:p>
-        </p:txBody>
-      </p:sp>
-      <p:sp>
-        <p:nvSpPr>
-          <p:cNvPr id="196" name="TextShape 2"/>
+              <a:t>Popis teleskopu	</a:t>
+            </a:r>
+            <a:endParaRPr/>
+          </a:p>
+        </p:txBody>
+      </p:sp>
+      <p:sp>
+        <p:nvSpPr>
+          <p:cNvPr id="194" name="TextShape 2"/>
           <p:cNvSpPr txBox="1"/>
           <p:nvPr/>
         </p:nvSpPr>
@@ -8234,139 +8404,184 @@
               <a:buChar char=""/>
             </a:pPr>
             <a:r>
-              <a:rPr lang="cs-CZ" sz="2800" dirty="0" err="1" smtClean="0"/>
-              <a:t>Integrated</a:t>
-            </a:r>
-            <a:r>
-              <a:rPr lang="cs-CZ" sz="2800" dirty="0" smtClean="0"/>
-              <a:t> Science Instrument Module</a:t>
-            </a:r>
-            <a:endParaRPr sz="2800" dirty="0"/>
-          </a:p>
-        </p:txBody>
-      </p:sp>
-      <p:pic>
-        <p:nvPicPr>
-          <p:cNvPr id="1028" name="Picture 4" descr="http://jwst.nasa.gov/images/news6_fig2.jpg"/>
-          <p:cNvPicPr>
-            <a:picLocks noChangeAspect="1" noChangeArrowheads="1"/>
-          </p:cNvPicPr>
-          <p:nvPr/>
-        </p:nvPicPr>
-        <p:blipFill>
-          <a:blip r:embed="rId2">
-            <a:extLst>
-              <a:ext uri="{28A0092B-C50C-407E-A947-70E740481C1C}">
-                <a14:useLocalDpi xmlns:a14="http://schemas.microsoft.com/office/drawing/2010/main" val="0"/>
-              </a:ext>
-            </a:extLst>
-          </a:blip>
-          <a:srcRect/>
-          <a:stretch>
-            <a:fillRect/>
-          </a:stretch>
-        </p:blipFill>
-        <p:spPr bwMode="auto">
-          <a:xfrm>
-            <a:off x="3888184" y="2987749"/>
-            <a:ext cx="5143612" cy="3310011"/>
-          </a:xfrm>
-          <a:prstGeom prst="rect">
-            <a:avLst/>
-          </a:prstGeom>
-          <a:noFill/>
-          <a:extLst>
-            <a:ext uri="{909E8E84-426E-40DD-AFC4-6F175D3DCCD1}">
-              <a14:hiddenFill xmlns:a14="http://schemas.microsoft.com/office/drawing/2010/main">
-                <a:solidFill>
-                  <a:srgbClr val="FFFFFF"/>
-                </a:solidFill>
-              </a14:hiddenFill>
-            </a:ext>
-          </a:extLst>
-        </p:spPr>
-      </p:pic>
-      <p:cxnSp>
-        <p:nvCxnSpPr>
-          <p:cNvPr id="3" name="Přímá spojnice se šipkou 2"/>
-          <p:cNvCxnSpPr>
-            <a:endCxn id="6" idx="1"/>
-          </p:cNvCxnSpPr>
-          <p:nvPr/>
-        </p:nvCxnSpPr>
-        <p:spPr>
-          <a:xfrm>
-            <a:off x="3600152" y="2267669"/>
-            <a:ext cx="2432609" cy="1557968"/>
-          </a:xfrm>
-          <a:prstGeom prst="straightConnector1">
-            <a:avLst/>
-          </a:prstGeom>
-          <a:ln w="25400">
-            <a:solidFill>
-              <a:srgbClr val="FF0000"/>
-            </a:solidFill>
-            <a:tailEnd type="arrow"/>
-          </a:ln>
-        </p:spPr>
-        <p:style>
-          <a:lnRef idx="1">
-            <a:schemeClr val="dk1"/>
-          </a:lnRef>
-          <a:fillRef idx="0">
-            <a:schemeClr val="dk1"/>
-          </a:fillRef>
-          <a:effectRef idx="0">
-            <a:schemeClr val="dk1"/>
-          </a:effectRef>
-          <a:fontRef idx="minor">
-            <a:schemeClr val="tx1"/>
-          </a:fontRef>
-        </p:style>
-      </p:cxnSp>
-      <p:sp>
-        <p:nvSpPr>
-          <p:cNvPr id="6" name="Ovál 5"/>
-          <p:cNvSpPr/>
-          <p:nvPr/>
-        </p:nvSpPr>
-        <p:spPr>
-          <a:xfrm>
-            <a:off x="5832400" y="3635821"/>
-            <a:ext cx="1368152" cy="1296144"/>
-          </a:xfrm>
-          <a:prstGeom prst="ellipse">
-            <a:avLst/>
-          </a:prstGeom>
-          <a:noFill/>
-          <a:ln>
-            <a:solidFill>
-              <a:srgbClr val="FF0000"/>
-            </a:solidFill>
-          </a:ln>
-        </p:spPr>
-        <p:style>
-          <a:lnRef idx="2">
-            <a:schemeClr val="accent1">
-              <a:shade val="50000"/>
-            </a:schemeClr>
-          </a:lnRef>
-          <a:fillRef idx="1">
-            <a:schemeClr val="accent1"/>
-          </a:fillRef>
-          <a:effectRef idx="0">
-            <a:schemeClr val="accent1"/>
-          </a:effectRef>
-          <a:fontRef idx="minor">
-            <a:schemeClr val="lt1"/>
-          </a:fontRef>
-        </p:style>
-        <p:txBody>
-          <a:bodyPr rtlCol="0" anchor="ctr"/>
-          <a:lstStyle/>
-          <a:p>
-            <a:pPr algn="ctr"/>
-            <a:endParaRPr lang="cs-CZ"/>
+              <a:rPr lang="cs-CZ" sz="2600" strike="noStrike" dirty="0">
+                <a:latin typeface="Arial"/>
+                <a:ea typeface="WenQuanYi Zen Hei"/>
+              </a:rPr>
+              <a:t>Primární zrcadlo</a:t>
+            </a:r>
+            <a:r>
+              <a:rPr lang="cs-CZ" sz="2600" strike="noStrike" dirty="0" smtClean="0">
+                <a:latin typeface="Arial"/>
+                <a:ea typeface="WenQuanYi Zen Hei"/>
+              </a:rPr>
+              <a:t>:</a:t>
+            </a:r>
+          </a:p>
+          <a:p>
+            <a:pPr>
+              <a:lnSpc>
+                <a:spcPct val="100000"/>
+              </a:lnSpc>
+              <a:buSzPct val="45000"/>
+              <a:buFont typeface="StarSymbol"/>
+              <a:buChar char=""/>
+            </a:pPr>
+            <a:endParaRPr dirty="0"/>
+          </a:p>
+          <a:p>
+            <a:pPr lvl="1">
+              <a:lnSpc>
+                <a:spcPct val="100000"/>
+              </a:lnSpc>
+              <a:buSzPct val="75000"/>
+              <a:buFont typeface="StarSymbol"/>
+              <a:buChar char=""/>
+            </a:pPr>
+            <a:r>
+              <a:rPr lang="cs-CZ" sz="2600" strike="noStrike" dirty="0">
+                <a:latin typeface="Arial"/>
+                <a:ea typeface="WenQuanYi Zen Hei"/>
+              </a:rPr>
+              <a:t>18 hexagonálních beryliových </a:t>
+            </a:r>
+            <a:r>
+              <a:rPr lang="cs-CZ" sz="2600" strike="noStrike" dirty="0" smtClean="0">
+                <a:latin typeface="Arial"/>
+                <a:ea typeface="WenQuanYi Zen Hei"/>
+              </a:rPr>
+              <a:t>zrcadel (segmentů), </a:t>
+            </a:r>
+            <a:r>
+              <a:rPr lang="cs-CZ" sz="2600" strike="noStrike" dirty="0">
+                <a:latin typeface="Arial"/>
+                <a:ea typeface="WenQuanYi Zen Hei"/>
+              </a:rPr>
+              <a:t>které jsou potaženy zlatem pro maximální odrazivost </a:t>
+            </a:r>
+            <a:r>
+              <a:rPr lang="cs-CZ" sz="2600" strike="noStrike" dirty="0" smtClean="0">
+                <a:latin typeface="Arial"/>
+                <a:ea typeface="WenQuanYi Zen Hei"/>
+              </a:rPr>
+              <a:t>IR</a:t>
+            </a:r>
+          </a:p>
+          <a:p>
+            <a:pPr lvl="1">
+              <a:lnSpc>
+                <a:spcPct val="100000"/>
+              </a:lnSpc>
+              <a:buSzPct val="75000"/>
+            </a:pPr>
+            <a:endParaRPr dirty="0"/>
+          </a:p>
+          <a:p>
+            <a:pPr lvl="1">
+              <a:lnSpc>
+                <a:spcPct val="100000"/>
+              </a:lnSpc>
+              <a:buSzPct val="75000"/>
+              <a:buFont typeface="StarSymbol"/>
+              <a:buChar char=""/>
+            </a:pPr>
+            <a:r>
+              <a:rPr lang="cs-CZ" sz="2600" strike="noStrike" dirty="0">
+                <a:latin typeface="Arial"/>
+                <a:ea typeface="WenQuanYi Zen Hei"/>
+              </a:rPr>
+              <a:t>jeden segment má průměr 1.3m a váží </a:t>
+            </a:r>
+            <a:r>
+              <a:rPr lang="cs-CZ" sz="2600" strike="noStrike" dirty="0" smtClean="0">
+                <a:latin typeface="Arial"/>
+                <a:ea typeface="WenQuanYi Zen Hei"/>
+              </a:rPr>
+              <a:t>40kg</a:t>
+            </a:r>
+          </a:p>
+          <a:p>
+            <a:pPr lvl="1">
+              <a:lnSpc>
+                <a:spcPct val="100000"/>
+              </a:lnSpc>
+              <a:buSzPct val="75000"/>
+            </a:pPr>
+            <a:endParaRPr dirty="0"/>
+          </a:p>
+          <a:p>
+            <a:pPr lvl="1">
+              <a:lnSpc>
+                <a:spcPct val="100000"/>
+              </a:lnSpc>
+              <a:buSzPct val="75000"/>
+              <a:buFont typeface="StarSymbol"/>
+              <a:buChar char=""/>
+            </a:pPr>
+            <a:r>
+              <a:rPr lang="cs-CZ" sz="2600" strike="noStrike" dirty="0">
+                <a:latin typeface="Arial"/>
+                <a:ea typeface="WenQuanYi Zen Hei"/>
+              </a:rPr>
+              <a:t>celková odrazová plocha primárního zrcadla je </a:t>
+            </a:r>
+            <a:r>
+              <a:rPr lang="cs-CZ" sz="2600" strike="noStrike" dirty="0" smtClean="0">
+                <a:latin typeface="Arial"/>
+                <a:ea typeface="WenQuanYi Zen Hei"/>
+              </a:rPr>
+              <a:t>25m2</a:t>
+            </a:r>
+          </a:p>
+          <a:p>
+            <a:pPr lvl="1">
+              <a:lnSpc>
+                <a:spcPct val="100000"/>
+              </a:lnSpc>
+              <a:buSzPct val="75000"/>
+            </a:pPr>
+            <a:endParaRPr dirty="0"/>
+          </a:p>
+          <a:p>
+            <a:pPr lvl="1">
+              <a:lnSpc>
+                <a:spcPct val="100000"/>
+              </a:lnSpc>
+              <a:buSzPct val="75000"/>
+              <a:buFont typeface="StarSymbol"/>
+              <a:buChar char=""/>
+            </a:pPr>
+            <a:r>
+              <a:rPr lang="cs-CZ" sz="2600" strike="noStrike" dirty="0">
+                <a:latin typeface="Arial"/>
+                <a:ea typeface="WenQuanYi Zen Hei"/>
+              </a:rPr>
+              <a:t>ovládání segmentů pomocí </a:t>
+            </a:r>
+            <a:r>
+              <a:rPr lang="cs-CZ" sz="2600" strike="noStrike" dirty="0" err="1">
+                <a:latin typeface="Arial"/>
+                <a:ea typeface="WenQuanYi Zen Hei"/>
+              </a:rPr>
+              <a:t>servopohonů</a:t>
+            </a:r>
+            <a:r>
+              <a:rPr lang="cs-CZ" sz="2600" strike="noStrike" dirty="0">
+                <a:latin typeface="Arial"/>
+                <a:ea typeface="WenQuanYi Zen Hei"/>
+              </a:rPr>
+              <a:t> (změny polohy v rozměrech nanometrů)</a:t>
+            </a:r>
+            <a:endParaRPr dirty="0"/>
+          </a:p>
+          <a:p>
+            <a:endParaRPr dirty="0"/>
+          </a:p>
+          <a:p>
+            <a:endParaRPr dirty="0"/>
+          </a:p>
+          <a:p>
+            <a:endParaRPr dirty="0"/>
           </a:p>
         </p:txBody>
       </p:sp>
@@ -8491,13 +8706,21 @@
               <a:buFont typeface="StarSymbol"/>
               <a:buChar char=""/>
             </a:pPr>
-            <a:endParaRPr dirty="0"/>
+            <a:r>
+              <a:rPr lang="cs-CZ" sz="2800" dirty="0" err="1" smtClean="0"/>
+              <a:t>Integrated</a:t>
+            </a:r>
+            <a:r>
+              <a:rPr lang="cs-CZ" sz="2800" dirty="0" smtClean="0"/>
+              <a:t> Science Instrument Module</a:t>
+            </a:r>
+            <a:endParaRPr sz="2800" dirty="0"/>
           </a:p>
         </p:txBody>
       </p:sp>
       <p:pic>
         <p:nvPicPr>
-          <p:cNvPr id="1026" name="Picture 2"/>
+          <p:cNvPr id="1028" name="Picture 4" descr="http://jwst.nasa.gov/images/news6_fig2.jpg"/>
           <p:cNvPicPr>
             <a:picLocks noChangeAspect="1" noChangeArrowheads="1"/>
           </p:cNvPicPr>
@@ -8518,43 +8741,109 @@
         </p:blipFill>
         <p:spPr bwMode="auto">
           <a:xfrm>
-            <a:off x="1368152" y="1766789"/>
-            <a:ext cx="7416576" cy="5253408"/>
+            <a:off x="3888184" y="2987749"/>
+            <a:ext cx="5143612" cy="3310011"/>
           </a:xfrm>
           <a:prstGeom prst="rect">
             <a:avLst/>
           </a:prstGeom>
           <a:noFill/>
-          <a:ln>
-            <a:noFill/>
-          </a:ln>
           <a:extLst>
             <a:ext uri="{909E8E84-426E-40DD-AFC4-6F175D3DCCD1}">
               <a14:hiddenFill xmlns:a14="http://schemas.microsoft.com/office/drawing/2010/main">
                 <a:solidFill>
-                  <a:schemeClr val="accent1"/>
+                  <a:srgbClr val="FFFFFF"/>
                 </a:solidFill>
               </a14:hiddenFill>
             </a:ext>
-            <a:ext uri="{91240B29-F687-4F45-9708-019B960494DF}">
-              <a14:hiddenLine xmlns:a14="http://schemas.microsoft.com/office/drawing/2010/main" w="9525">
-                <a:solidFill>
-                  <a:schemeClr val="tx1"/>
-                </a:solidFill>
-                <a:miter lim="800000"/>
-                <a:headEnd/>
-                <a:tailEnd/>
-              </a14:hiddenLine>
-            </a:ext>
           </a:extLst>
         </p:spPr>
       </p:pic>
+      <p:cxnSp>
+        <p:nvCxnSpPr>
+          <p:cNvPr id="3" name="Přímá spojnice se šipkou 2"/>
+          <p:cNvCxnSpPr>
+            <a:endCxn id="6" idx="1"/>
+          </p:cNvCxnSpPr>
+          <p:nvPr/>
+        </p:nvCxnSpPr>
+        <p:spPr>
+          <a:xfrm>
+            <a:off x="3600152" y="2267669"/>
+            <a:ext cx="2432609" cy="1557968"/>
+          </a:xfrm>
+          <a:prstGeom prst="straightConnector1">
+            <a:avLst/>
+          </a:prstGeom>
+          <a:ln w="25400">
+            <a:solidFill>
+              <a:srgbClr val="FF0000"/>
+            </a:solidFill>
+            <a:tailEnd type="arrow"/>
+          </a:ln>
+        </p:spPr>
+        <p:style>
+          <a:lnRef idx="1">
+            <a:schemeClr val="dk1"/>
+          </a:lnRef>
+          <a:fillRef idx="0">
+            <a:schemeClr val="dk1"/>
+          </a:fillRef>
+          <a:effectRef idx="0">
+            <a:schemeClr val="dk1"/>
+          </a:effectRef>
+          <a:fontRef idx="minor">
+            <a:schemeClr val="tx1"/>
+          </a:fontRef>
+        </p:style>
+      </p:cxnSp>
+      <p:sp>
+        <p:nvSpPr>
+          <p:cNvPr id="6" name="Ovál 5"/>
+          <p:cNvSpPr/>
+          <p:nvPr/>
+        </p:nvSpPr>
+        <p:spPr>
+          <a:xfrm>
+            <a:off x="5832400" y="3635821"/>
+            <a:ext cx="1368152" cy="1296144"/>
+          </a:xfrm>
+          <a:prstGeom prst="ellipse">
+            <a:avLst/>
+          </a:prstGeom>
+          <a:noFill/>
+          <a:ln>
+            <a:solidFill>
+              <a:srgbClr val="FF0000"/>
+            </a:solidFill>
+          </a:ln>
+        </p:spPr>
+        <p:style>
+          <a:lnRef idx="2">
+            <a:schemeClr val="accent1">
+              <a:shade val="50000"/>
+            </a:schemeClr>
+          </a:lnRef>
+          <a:fillRef idx="1">
+            <a:schemeClr val="accent1"/>
+          </a:fillRef>
+          <a:effectRef idx="0">
+            <a:schemeClr val="accent1"/>
+          </a:effectRef>
+          <a:fontRef idx="minor">
+            <a:schemeClr val="lt1"/>
+          </a:fontRef>
+        </p:style>
+        <p:txBody>
+          <a:bodyPr rtlCol="0" anchor="ctr"/>
+          <a:lstStyle/>
+          <a:p>
+            <a:pPr algn="ctr"/>
+            <a:endParaRPr lang="cs-CZ"/>
+          </a:p>
+        </p:txBody>
+      </p:sp>
     </p:spTree>
-    <p:extLst>
-      <p:ext uri="{BB962C8B-B14F-4D97-AF65-F5344CB8AC3E}">
-        <p14:creationId xmlns:p14="http://schemas.microsoft.com/office/powerpoint/2010/main" val="1280821385"/>
-      </p:ext>
-    </p:extLst>
   </p:cSld>
   <p:clrMapOvr>
     <a:masterClrMapping/>
@@ -8675,147 +8964,68 @@
               <a:buFont typeface="StarSymbol"/>
               <a:buChar char=""/>
             </a:pPr>
-            <a:r>
-              <a:rPr lang="cs-CZ" sz="2600" strike="noStrike" dirty="0" err="1" smtClean="0">
-                <a:latin typeface="Arial"/>
-                <a:ea typeface="WenQuanYi Zen Hei"/>
-              </a:rPr>
-              <a:t>Near</a:t>
-            </a:r>
-            <a:r>
-              <a:rPr lang="cs-CZ" sz="2600" strike="noStrike" dirty="0" smtClean="0">
-                <a:latin typeface="Arial"/>
-                <a:ea typeface="WenQuanYi Zen Hei"/>
-              </a:rPr>
-              <a:t> </a:t>
-            </a:r>
-            <a:r>
-              <a:rPr lang="cs-CZ" sz="2600" strike="noStrike" dirty="0" err="1" smtClean="0">
-                <a:latin typeface="Arial"/>
-                <a:ea typeface="WenQuanYi Zen Hei"/>
-              </a:rPr>
-              <a:t>InfraRred</a:t>
-            </a:r>
-            <a:r>
-              <a:rPr lang="cs-CZ" sz="2600" strike="noStrike" dirty="0" smtClean="0">
-                <a:latin typeface="Arial"/>
-                <a:ea typeface="WenQuanYi Zen Hei"/>
-              </a:rPr>
-              <a:t> </a:t>
-            </a:r>
-            <a:r>
-              <a:rPr lang="cs-CZ" sz="2600" strike="noStrike" dirty="0" err="1" smtClean="0">
-                <a:latin typeface="Arial"/>
-                <a:ea typeface="WenQuanYi Zen Hei"/>
-              </a:rPr>
-              <a:t>Camera</a:t>
-            </a:r>
-            <a:r>
-              <a:rPr lang="cs-CZ" sz="2600" strike="noStrike" dirty="0" smtClean="0">
-                <a:latin typeface="Arial"/>
-                <a:ea typeface="WenQuanYi Zen Hei"/>
-              </a:rPr>
-              <a:t> </a:t>
-            </a:r>
-            <a:r>
-              <a:rPr lang="cs-CZ" sz="2600" strike="noStrike" dirty="0">
-                <a:latin typeface="Arial"/>
-                <a:ea typeface="WenQuanYi Zen Hei"/>
-              </a:rPr>
-              <a:t>– kamera vybavená přístrojem, který umožní odstínit světlo hvězdy a studovat tak její okolí (například planety). Zaměří se na studium starých hvězd ve vzdálených galaxiích i ledová tělesa daleko za dráhou Neptunu</a:t>
-            </a:r>
-            <a:r>
-              <a:rPr lang="cs-CZ" sz="2600" strike="noStrike" dirty="0" smtClean="0">
-                <a:latin typeface="Arial"/>
-                <a:ea typeface="WenQuanYi Zen Hei"/>
-              </a:rPr>
-              <a:t>.</a:t>
-            </a:r>
-          </a:p>
-          <a:p>
-            <a:pPr>
-              <a:lnSpc>
-                <a:spcPct val="100000"/>
-              </a:lnSpc>
-              <a:buSzPct val="45000"/>
-              <a:buFont typeface="StarSymbol"/>
-              <a:buChar char=""/>
-            </a:pPr>
             <a:endParaRPr dirty="0"/>
           </a:p>
-          <a:p>
-            <a:pPr>
-              <a:lnSpc>
-                <a:spcPct val="100000"/>
-              </a:lnSpc>
-              <a:buSzPct val="45000"/>
-              <a:buFont typeface="StarSymbol"/>
-              <a:buChar char=""/>
-            </a:pPr>
-            <a:r>
-              <a:rPr lang="cs-CZ" sz="2600" strike="noStrike" dirty="0" err="1" smtClean="0">
-                <a:latin typeface="Arial"/>
-                <a:ea typeface="WenQuanYi Zen Hei"/>
-              </a:rPr>
-              <a:t>Near</a:t>
-            </a:r>
-            <a:r>
-              <a:rPr lang="cs-CZ" sz="2600" strike="noStrike" dirty="0" smtClean="0">
-                <a:latin typeface="Arial"/>
-                <a:ea typeface="WenQuanYi Zen Hei"/>
-              </a:rPr>
-              <a:t> </a:t>
-            </a:r>
-            <a:r>
-              <a:rPr lang="cs-CZ" sz="2600" strike="noStrike" dirty="0" err="1" smtClean="0">
-                <a:latin typeface="Arial"/>
-                <a:ea typeface="WenQuanYi Zen Hei"/>
-              </a:rPr>
-              <a:t>InfraRred</a:t>
-            </a:r>
-            <a:r>
-              <a:rPr lang="cs-CZ" sz="2600" strike="noStrike" dirty="0" smtClean="0">
-                <a:latin typeface="Arial"/>
-                <a:ea typeface="WenQuanYi Zen Hei"/>
-              </a:rPr>
-              <a:t> </a:t>
-            </a:r>
-            <a:r>
-              <a:rPr lang="cs-CZ" sz="2600" strike="noStrike" dirty="0" err="1" smtClean="0">
-                <a:latin typeface="Arial"/>
-                <a:ea typeface="WenQuanYi Zen Hei"/>
-              </a:rPr>
-              <a:t>Spectograph</a:t>
-            </a:r>
-            <a:r>
-              <a:rPr lang="cs-CZ" sz="2600" strike="noStrike" dirty="0">
-                <a:latin typeface="Arial"/>
-                <a:ea typeface="WenQuanYi Zen Hei"/>
-              </a:rPr>
-              <a:t> – spektrograf čili přístroj, který zaznamenává spektrum záření vydávané určitým objektem. Je určený pro studium složení, teploty a hmotnosti vzdálených </a:t>
-            </a:r>
-            <a:r>
-              <a:rPr lang="cs-CZ" sz="2600" strike="noStrike" dirty="0" smtClean="0">
-                <a:latin typeface="Arial"/>
-                <a:ea typeface="WenQuanYi Zen Hei"/>
-              </a:rPr>
-              <a:t>vesmírných objektů</a:t>
-            </a:r>
-            <a:r>
-              <a:rPr lang="cs-CZ" sz="2600" strike="noStrike" dirty="0">
-                <a:latin typeface="Arial"/>
-                <a:ea typeface="WenQuanYi Zen Hei"/>
-              </a:rPr>
-              <a:t>.</a:t>
-            </a:r>
-            <a:endParaRPr dirty="0"/>
-          </a:p>
-        </p:txBody>
-      </p:sp>
+        </p:txBody>
+      </p:sp>
+      <p:pic>
+        <p:nvPicPr>
+          <p:cNvPr id="1026" name="Picture 2"/>
+          <p:cNvPicPr>
+            <a:picLocks noChangeAspect="1" noChangeArrowheads="1"/>
+          </p:cNvPicPr>
+          <p:nvPr/>
+        </p:nvPicPr>
+        <p:blipFill>
+          <a:blip r:embed="rId2">
+            <a:extLst>
+              <a:ext uri="{28A0092B-C50C-407E-A947-70E740481C1C}">
+                <a14:useLocalDpi xmlns:a14="http://schemas.microsoft.com/office/drawing/2010/main" val="0"/>
+              </a:ext>
+            </a:extLst>
+          </a:blip>
+          <a:srcRect/>
+          <a:stretch>
+            <a:fillRect/>
+          </a:stretch>
+        </p:blipFill>
+        <p:spPr bwMode="auto">
+          <a:xfrm>
+            <a:off x="1368152" y="1766789"/>
+            <a:ext cx="7416576" cy="5253408"/>
+          </a:xfrm>
+          <a:prstGeom prst="rect">
+            <a:avLst/>
+          </a:prstGeom>
+          <a:noFill/>
+          <a:ln>
+            <a:noFill/>
+          </a:ln>
+          <a:extLst>
+            <a:ext uri="{909E8E84-426E-40DD-AFC4-6F175D3DCCD1}">
+              <a14:hiddenFill xmlns:a14="http://schemas.microsoft.com/office/drawing/2010/main">
+                <a:solidFill>
+                  <a:schemeClr val="accent1"/>
+                </a:solidFill>
+              </a14:hiddenFill>
+            </a:ext>
+            <a:ext uri="{91240B29-F687-4F45-9708-019B960494DF}">
+              <a14:hiddenLine xmlns:a14="http://schemas.microsoft.com/office/drawing/2010/main" w="9525">
+                <a:solidFill>
+                  <a:schemeClr val="tx1"/>
+                </a:solidFill>
+                <a:miter lim="800000"/>
+                <a:headEnd/>
+                <a:tailEnd/>
+              </a14:hiddenLine>
+            </a:ext>
+          </a:extLst>
+        </p:spPr>
+      </p:pic>
     </p:spTree>
     <p:extLst>
       <p:ext uri="{BB962C8B-B14F-4D97-AF65-F5344CB8AC3E}">
-        <p14:creationId xmlns:p14="http://schemas.microsoft.com/office/powerpoint/2010/main" val="597735075"/>
+        <p14:creationId xmlns:p14="http://schemas.microsoft.com/office/powerpoint/2010/main" val="1280821385"/>
       </p:ext>
     </p:extLst>
   </p:cSld>
@@ -8871,7 +9081,7 @@
       </p:grpSpPr>
       <p:sp>
         <p:nvSpPr>
-          <p:cNvPr id="197" name="TextShape 1"/>
+          <p:cNvPr id="195" name="TextShape 1"/>
           <p:cNvSpPr txBox="1"/>
           <p:nvPr/>
         </p:nvSpPr>
@@ -8909,7 +9119,7 @@
       </p:sp>
       <p:sp>
         <p:nvSpPr>
-          <p:cNvPr id="198" name="TextShape 2"/>
+          <p:cNvPr id="196" name="TextShape 2"/>
           <p:cNvSpPr txBox="1"/>
           <p:nvPr/>
         </p:nvSpPr>
@@ -8943,21 +9153,49 @@
                 <a:latin typeface="Arial"/>
                 <a:ea typeface="WenQuanYi Zen Hei"/>
               </a:rPr>
-              <a:t>Mid-InfraRed</a:t>
+              <a:t>Near</a:t>
             </a:r>
             <a:r>
               <a:rPr lang="cs-CZ" sz="2600" strike="noStrike" dirty="0" smtClean="0">
                 <a:latin typeface="Arial"/>
                 <a:ea typeface="WenQuanYi Zen Hei"/>
               </a:rPr>
-              <a:t> Instrument </a:t>
+              <a:t> </a:t>
+            </a:r>
+            <a:r>
+              <a:rPr lang="cs-CZ" sz="2600" strike="noStrike" dirty="0" err="1" smtClean="0">
+                <a:latin typeface="Arial"/>
+                <a:ea typeface="WenQuanYi Zen Hei"/>
+              </a:rPr>
+              <a:t>InfraRred</a:t>
+            </a:r>
+            <a:r>
+              <a:rPr lang="cs-CZ" sz="2600" strike="noStrike" dirty="0" smtClean="0">
+                <a:latin typeface="Arial"/>
+                <a:ea typeface="WenQuanYi Zen Hei"/>
+              </a:rPr>
+              <a:t> </a:t>
+            </a:r>
+            <a:r>
+              <a:rPr lang="cs-CZ" sz="2600" strike="noStrike" dirty="0" err="1" smtClean="0">
+                <a:latin typeface="Arial"/>
+                <a:ea typeface="WenQuanYi Zen Hei"/>
+              </a:rPr>
+              <a:t>Camera</a:t>
+            </a:r>
+            <a:r>
+              <a:rPr lang="cs-CZ" sz="2600" strike="noStrike" dirty="0" smtClean="0">
+                <a:latin typeface="Arial"/>
+                <a:ea typeface="WenQuanYi Zen Hei"/>
+              </a:rPr>
+              <a:t> </a:t>
             </a:r>
             <a:r>
               <a:rPr lang="cs-CZ" sz="2600" strike="noStrike" dirty="0">
                 <a:latin typeface="Arial"/>
                 <a:ea typeface="WenQuanYi Zen Hei"/>
               </a:rPr>
-              <a:t>– kamera a spektrograf v jednom. Zaměří se na studium nejstarších galaxií a hvězd stejně jako slabých komet</a:t>
+              <a:t>– kamera vybavená přístrojem, který umožní odstínit světlo hvězdy a studovat tak její okolí (například planety). Zaměří se na studium starých hvězd ve vzdálených galaxiích i ledová tělesa daleko za dráhou Neptunu</a:t>
             </a:r>
             <a:r>
               <a:rPr lang="cs-CZ" sz="2600" strike="noStrike" dirty="0" smtClean="0">
@@ -8988,124 +9226,71 @@
               <a:buChar char=""/>
             </a:pPr>
             <a:r>
+              <a:rPr lang="cs-CZ" sz="2600" strike="noStrike" dirty="0" err="1" smtClean="0">
+                <a:latin typeface="Arial"/>
+                <a:ea typeface="WenQuanYi Zen Hei"/>
+              </a:rPr>
+              <a:t>Near</a:t>
+            </a:r>
+            <a:r>
               <a:rPr lang="cs-CZ" sz="2600" strike="noStrike" dirty="0" smtClean="0">
                 <a:latin typeface="Arial"/>
                 <a:ea typeface="WenQuanYi Zen Hei"/>
               </a:rPr>
-              <a:t>Fine </a:t>
+              <a:t> </a:t>
             </a:r>
             <a:r>
               <a:rPr lang="cs-CZ" sz="2600" strike="noStrike" dirty="0" err="1" smtClean="0">
                 <a:latin typeface="Arial"/>
                 <a:ea typeface="WenQuanYi Zen Hei"/>
               </a:rPr>
-              <a:t>Guidance</a:t>
+              <a:t>InfraRred</a:t>
             </a:r>
             <a:r>
               <a:rPr lang="cs-CZ" sz="2600" strike="noStrike" dirty="0" smtClean="0">
                 <a:latin typeface="Arial"/>
                 <a:ea typeface="WenQuanYi Zen Hei"/>
               </a:rPr>
-              <a:t> Sensor / </a:t>
+              <a:t> </a:t>
             </a:r>
             <a:r>
               <a:rPr lang="cs-CZ" sz="2600" strike="noStrike" dirty="0" err="1" smtClean="0">
                 <a:latin typeface="Arial"/>
                 <a:ea typeface="WenQuanYi Zen Hei"/>
               </a:rPr>
-              <a:t>Near</a:t>
+              <a:t>Spectograph</a:t>
+            </a:r>
+            <a:r>
+              <a:rPr lang="cs-CZ" sz="2600" strike="noStrike" dirty="0">
+                <a:latin typeface="Arial"/>
+                <a:ea typeface="WenQuanYi Zen Hei"/>
+              </a:rPr>
+              <a:t> – spektrograf čili přístroj, který zaznamenává spektrum záření vydávané určitým objektem. Je určený pro studium složení, teploty a hmotnosti vzdálených </a:t>
             </a:r>
             <a:r>
               <a:rPr lang="cs-CZ" sz="2600" strike="noStrike" dirty="0" smtClean="0">
                 <a:latin typeface="Arial"/>
                 <a:ea typeface="WenQuanYi Zen Hei"/>
               </a:rPr>
-              <a:t> </a:t>
-            </a:r>
-            <a:r>
-              <a:rPr lang="cs-CZ" sz="2600" strike="noStrike" dirty="0" err="1" smtClean="0">
-                <a:latin typeface="Arial"/>
-                <a:ea typeface="WenQuanYi Zen Hei"/>
-              </a:rPr>
-              <a:t>InraRed</a:t>
-            </a:r>
-            <a:r>
-              <a:rPr lang="cs-CZ" sz="2600" strike="noStrike" dirty="0" smtClean="0">
-                <a:latin typeface="Arial"/>
-                <a:ea typeface="WenQuanYi Zen Hei"/>
-              </a:rPr>
-              <a:t> </a:t>
-            </a:r>
-            <a:r>
-              <a:rPr lang="cs-CZ" sz="2600" strike="noStrike" dirty="0" err="1" smtClean="0">
-                <a:latin typeface="Arial"/>
-                <a:ea typeface="WenQuanYi Zen Hei"/>
-              </a:rPr>
-              <a:t>Imager</a:t>
-            </a:r>
-            <a:r>
-              <a:rPr lang="cs-CZ" sz="2600" strike="noStrike" dirty="0" smtClean="0">
-                <a:latin typeface="Arial"/>
-                <a:ea typeface="WenQuanYi Zen Hei"/>
-              </a:rPr>
-              <a:t> and </a:t>
-            </a:r>
-            <a:r>
-              <a:rPr lang="cs-CZ" sz="2600" strike="noStrike" dirty="0" err="1" smtClean="0">
-                <a:latin typeface="Arial"/>
-                <a:ea typeface="WenQuanYi Zen Hei"/>
-              </a:rPr>
-              <a:t>Slitless</a:t>
-            </a:r>
-            <a:r>
-              <a:rPr lang="cs-CZ" sz="2600" strike="noStrike" dirty="0" smtClean="0">
-                <a:latin typeface="Arial"/>
-                <a:ea typeface="WenQuanYi Zen Hei"/>
-              </a:rPr>
-              <a:t> </a:t>
-            </a:r>
-            <a:r>
-              <a:rPr lang="cs-CZ" sz="2600" strike="noStrike" dirty="0" err="1" smtClean="0">
-                <a:latin typeface="Arial"/>
-                <a:ea typeface="WenQuanYi Zen Hei"/>
-              </a:rPr>
-              <a:t>Spectograph</a:t>
-            </a:r>
-            <a:r>
-              <a:rPr lang="cs-CZ" sz="2600" strike="noStrike" dirty="0" smtClean="0">
-                <a:latin typeface="Arial"/>
-                <a:ea typeface="WenQuanYi Zen Hei"/>
-              </a:rPr>
-              <a:t> </a:t>
+              <a:t>vesmírných objektů</a:t>
             </a:r>
             <a:r>
               <a:rPr lang="cs-CZ" sz="2600" strike="noStrike" dirty="0">
                 <a:latin typeface="Arial"/>
                 <a:ea typeface="WenQuanYi Zen Hei"/>
               </a:rPr>
-              <a:t>– další spektrograf. Jeho úkolem je zkoumat složení planet u cizích hvězd.</a:t>
+              <a:t>.</a:t>
             </a:r>
             <a:endParaRPr dirty="0"/>
           </a:p>
-          <a:p>
-            <a:pPr>
-              <a:lnSpc>
-                <a:spcPct val="100000"/>
-              </a:lnSpc>
-            </a:pPr>
-            <a:endParaRPr dirty="0"/>
-          </a:p>
-          <a:p>
-            <a:pPr>
-              <a:lnSpc>
-                <a:spcPct val="100000"/>
-              </a:lnSpc>
-            </a:pPr>
-            <a:endParaRPr dirty="0"/>
-          </a:p>
         </p:txBody>
       </p:sp>
     </p:spTree>
+    <p:extLst>
+      <p:ext uri="{BB962C8B-B14F-4D97-AF65-F5344CB8AC3E}">
+        <p14:creationId xmlns:p14="http://schemas.microsoft.com/office/powerpoint/2010/main" val="597735075"/>
+      </p:ext>
+    </p:extLst>
   </p:cSld>
   <p:clrMapOvr>
     <a:masterClrMapping/>
@@ -9276,7 +9461,7 @@
       </p:grpSpPr>
       <p:sp>
         <p:nvSpPr>
-          <p:cNvPr id="199" name="TextShape 1"/>
+          <p:cNvPr id="197" name="TextShape 1"/>
           <p:cNvSpPr txBox="1"/>
           <p:nvPr/>
         </p:nvSpPr>
@@ -9306,15 +9491,15 @@
               <a:rPr lang="cs-CZ" sz="3000" strike="noStrike">
                 <a:latin typeface="Arial"/>
               </a:rPr>
-              <a:t>Vypuštění a umístění	</a:t>
-            </a:r>
-            <a:endParaRPr/>
-          </a:p>
-        </p:txBody>
-      </p:sp>
-      <p:sp>
-        <p:nvSpPr>
-          <p:cNvPr id="200" name="TextShape 2"/>
+              <a:t>Použité technologie</a:t>
+            </a:r>
+            <a:endParaRPr/>
+          </a:p>
+        </p:txBody>
+      </p:sp>
+      <p:sp>
+        <p:nvSpPr>
+          <p:cNvPr id="198" name="TextShape 2"/>
           <p:cNvSpPr txBox="1"/>
           <p:nvPr/>
         </p:nvSpPr>
@@ -9344,54 +9529,33 @@
               <a:buChar char=""/>
             </a:pPr>
             <a:r>
+              <a:rPr lang="cs-CZ" sz="2600" strike="noStrike" dirty="0" err="1" smtClean="0">
+                <a:latin typeface="Arial"/>
+                <a:ea typeface="WenQuanYi Zen Hei"/>
+              </a:rPr>
+              <a:t>Mid-InfraRed</a:t>
+            </a:r>
+            <a:r>
+              <a:rPr lang="cs-CZ" sz="2600" strike="noStrike" dirty="0" smtClean="0">
+                <a:latin typeface="Arial"/>
+                <a:ea typeface="WenQuanYi Zen Hei"/>
+              </a:rPr>
+              <a:t> Instrument </a:t>
+            </a:r>
+            <a:r>
               <a:rPr lang="cs-CZ" sz="2600" strike="noStrike" dirty="0">
                 <a:latin typeface="Arial"/>
                 <a:ea typeface="WenQuanYi Zen Hei"/>
               </a:rPr>
-              <a:t>vypuštění teleskopu je plánováno na říjen </a:t>
+              <a:t>– kamera a spektrograf v jednom. Zaměří se na studium nejstarších galaxií a hvězd stejně jako slabých komet</a:t>
             </a:r>
             <a:r>
               <a:rPr lang="cs-CZ" sz="2600" strike="noStrike" dirty="0" smtClean="0">
                 <a:latin typeface="Arial"/>
                 <a:ea typeface="WenQuanYi Zen Hei"/>
               </a:rPr>
-              <a:t>2018</a:t>
-            </a:r>
-          </a:p>
-          <a:p>
-            <a:pPr>
-              <a:lnSpc>
-                <a:spcPct val="100000"/>
-              </a:lnSpc>
-              <a:buSzPct val="45000"/>
-            </a:pPr>
-            <a:r>
-              <a:rPr lang="cs-CZ" sz="2600" dirty="0" smtClean="0">
-                <a:latin typeface="Arial"/>
-              </a:rPr>
-              <a:t> (</a:t>
-            </a:r>
-            <a:r>
-              <a:rPr lang="cs-CZ" sz="2600" dirty="0" err="1" smtClean="0">
-                <a:latin typeface="Arial"/>
-              </a:rPr>
-              <a:t>Ariane</a:t>
-            </a:r>
-            <a:r>
-              <a:rPr lang="cs-CZ" sz="2600" dirty="0" smtClean="0">
-                <a:latin typeface="Arial"/>
-              </a:rPr>
-              <a:t> 5)</a:t>
-            </a:r>
-          </a:p>
-          <a:p>
-            <a:pPr>
-              <a:lnSpc>
-                <a:spcPct val="100000"/>
-              </a:lnSpc>
-              <a:buSzPct val="45000"/>
-            </a:pPr>
-            <a:endParaRPr dirty="0"/>
+              <a:t>.</a:t>
+            </a:r>
           </a:p>
           <a:p>
             <a:pPr>
@@ -9402,34 +9566,7 @@
               <a:buFont typeface="StarSymbol"/>
               <a:buChar char=""/>
             </a:pPr>
-            <a:r>
-              <a:rPr lang="cs-CZ" sz="2600" strike="noStrike" dirty="0">
-                <a:latin typeface="Arial"/>
-                <a:ea typeface="WenQuanYi Zen Hei"/>
-              </a:rPr>
-              <a:t>umístěn v </a:t>
-            </a:r>
-            <a:r>
-              <a:rPr lang="cs-CZ" sz="2600" strike="noStrike" dirty="0" err="1">
-                <a:latin typeface="Arial"/>
-                <a:ea typeface="WenQuanYi Zen Hei"/>
-              </a:rPr>
-              <a:t>Lagrangeově</a:t>
-            </a:r>
-            <a:r>
-              <a:rPr lang="cs-CZ" sz="2600" strike="noStrike" dirty="0">
-                <a:latin typeface="Arial"/>
-                <a:ea typeface="WenQuanYi Zen Hei"/>
-              </a:rPr>
-              <a:t> bodě L2 cca 1,5 mil. km od </a:t>
-            </a:r>
-            <a:r>
-              <a:rPr lang="cs-CZ" sz="2600" strike="noStrike" dirty="0" smtClean="0">
-                <a:latin typeface="Arial"/>
-                <a:ea typeface="WenQuanYi Zen Hei"/>
-              </a:rPr>
-              <a:t>Země</a:t>
-            </a:r>
+            <a:endParaRPr dirty="0"/>
           </a:p>
           <a:p>
             <a:pPr>
@@ -9440,6 +9577,104 @@
               <a:buFont typeface="StarSymbol"/>
               <a:buChar char=""/>
             </a:pPr>
+            <a:r>
+              <a:rPr lang="cs-CZ" sz="2600" strike="noStrike" dirty="0" smtClean="0">
+                <a:latin typeface="Arial"/>
+                <a:ea typeface="WenQuanYi Zen Hei"/>
+              </a:rPr>
+              <a:t>Fine </a:t>
+            </a:r>
+            <a:r>
+              <a:rPr lang="cs-CZ" sz="2600" strike="noStrike" dirty="0" err="1" smtClean="0">
+                <a:latin typeface="Arial"/>
+                <a:ea typeface="WenQuanYi Zen Hei"/>
+              </a:rPr>
+              <a:t>Guidance</a:t>
+            </a:r>
+            <a:r>
+              <a:rPr lang="cs-CZ" sz="2600" strike="noStrike" dirty="0" smtClean="0">
+                <a:latin typeface="Arial"/>
+                <a:ea typeface="WenQuanYi Zen Hei"/>
+              </a:rPr>
+              <a:t> Sensor / </a:t>
+            </a:r>
+            <a:r>
+              <a:rPr lang="cs-CZ" sz="2600" strike="noStrike" dirty="0" err="1" smtClean="0">
+                <a:latin typeface="Arial"/>
+                <a:ea typeface="WenQuanYi Zen Hei"/>
+              </a:rPr>
+              <a:t>Near</a:t>
+            </a:r>
+            <a:r>
+              <a:rPr lang="cs-CZ" sz="2600" strike="noStrike" dirty="0" smtClean="0">
+                <a:latin typeface="Arial"/>
+                <a:ea typeface="WenQuanYi Zen Hei"/>
+              </a:rPr>
+              <a:t> </a:t>
+            </a:r>
+            <a:r>
+              <a:rPr lang="cs-CZ" sz="2600" strike="noStrike" dirty="0" err="1" smtClean="0">
+                <a:latin typeface="Arial"/>
+                <a:ea typeface="WenQuanYi Zen Hei"/>
+              </a:rPr>
+              <a:t>InraRed</a:t>
+            </a:r>
+            <a:r>
+              <a:rPr lang="cs-CZ" sz="2600" strike="noStrike" dirty="0" smtClean="0">
+                <a:latin typeface="Arial"/>
+                <a:ea typeface="WenQuanYi Zen Hei"/>
+              </a:rPr>
+              <a:t> </a:t>
+            </a:r>
+            <a:r>
+              <a:rPr lang="cs-CZ" sz="2600" strike="noStrike" dirty="0" err="1" smtClean="0">
+                <a:latin typeface="Arial"/>
+                <a:ea typeface="WenQuanYi Zen Hei"/>
+              </a:rPr>
+              <a:t>Imager</a:t>
+            </a:r>
+            <a:r>
+              <a:rPr lang="cs-CZ" sz="2600" strike="noStrike" dirty="0" smtClean="0">
+                <a:latin typeface="Arial"/>
+                <a:ea typeface="WenQuanYi Zen Hei"/>
+              </a:rPr>
+              <a:t> and </a:t>
+            </a:r>
+            <a:r>
+              <a:rPr lang="cs-CZ" sz="2600" strike="noStrike" dirty="0" err="1" smtClean="0">
+                <a:latin typeface="Arial"/>
+                <a:ea typeface="WenQuanYi Zen Hei"/>
+              </a:rPr>
+              <a:t>Slitless</a:t>
+            </a:r>
+            <a:r>
+              <a:rPr lang="cs-CZ" sz="2600" strike="noStrike" dirty="0" smtClean="0">
+                <a:latin typeface="Arial"/>
+                <a:ea typeface="WenQuanYi Zen Hei"/>
+              </a:rPr>
+              <a:t> </a:t>
+            </a:r>
+            <a:r>
+              <a:rPr lang="cs-CZ" sz="2600" strike="noStrike" dirty="0" err="1" smtClean="0">
+                <a:latin typeface="Arial"/>
+                <a:ea typeface="WenQuanYi Zen Hei"/>
+              </a:rPr>
+              <a:t>Spectograph</a:t>
+            </a:r>
+            <a:r>
+              <a:rPr lang="cs-CZ" sz="2600" strike="noStrike" dirty="0" smtClean="0">
+                <a:latin typeface="Arial"/>
+                <a:ea typeface="WenQuanYi Zen Hei"/>
+              </a:rPr>
+              <a:t> </a:t>
+            </a:r>
+            <a:r>
+              <a:rPr lang="cs-CZ" sz="2600" strike="noStrike" dirty="0">
+                <a:latin typeface="Arial"/>
+                <a:ea typeface="WenQuanYi Zen Hei"/>
+              </a:rPr>
+              <a:t>– další spektrograf. Jeho úkolem je zkoumat složení planet u cizích hvězd.</a:t>
+            </a:r>
             <a:endParaRPr dirty="0"/>
           </a:p>
           <a:p>
@@ -9447,44 +9682,19 @@
               <a:lnSpc>
                 <a:spcPct val="100000"/>
               </a:lnSpc>
-              <a:buSzPct val="45000"/>
-              <a:buFont typeface="StarSymbol"/>
-              <a:buChar char=""/>
-            </a:pPr>
-            <a:r>
-              <a:rPr lang="cs-CZ" sz="2600" strike="noStrike" dirty="0">
-                <a:latin typeface="Arial"/>
-                <a:ea typeface="WenQuanYi Zen Hei"/>
-              </a:rPr>
-              <a:t>bude se pohybovat po eliptické dráze s poloměrem přibližně 800 000 km (0.5 roku)</a:t>
-            </a:r>
+            </a:pPr>
             <a:endParaRPr dirty="0"/>
           </a:p>
-        </p:txBody>
-      </p:sp>
-      <p:pic>
-        <p:nvPicPr>
-          <p:cNvPr id="201" name="Obrázek 3"/>
-          <p:cNvPicPr/>
-          <p:nvPr/>
-        </p:nvPicPr>
-        <p:blipFill>
-          <a:blip r:embed="rId2"/>
-          <a:stretch/>
-        </p:blipFill>
-        <p:spPr>
-          <a:xfrm>
-            <a:off x="5064249" y="4139877"/>
-            <a:ext cx="3613320" cy="2890440"/>
-          </a:xfrm>
-          <a:prstGeom prst="rect">
-            <a:avLst/>
-          </a:prstGeom>
-          <a:ln>
-            <a:noFill/>
-          </a:ln>
-        </p:spPr>
-      </p:pic>
+          <a:p>
+            <a:pPr>
+              <a:lnSpc>
+                <a:spcPct val="100000"/>
+              </a:lnSpc>
+            </a:pPr>
+            <a:endParaRPr dirty="0"/>
+          </a:p>
+        </p:txBody>
+      </p:sp>
     </p:spTree>
   </p:cSld>
   <p:clrMapOvr>
@@ -9545,6 +9755,269 @@
         </p:nvSpPr>
         <p:spPr>
           <a:xfrm>
+            <a:off x="504000" y="576000"/>
+            <a:ext cx="7199640" cy="719640"/>
+          </a:xfrm>
+          <a:prstGeom prst="rect">
+            <a:avLst/>
+          </a:prstGeom>
+          <a:noFill/>
+          <a:ln>
+            <a:noFill/>
+          </a:ln>
+        </p:spPr>
+        <p:txBody>
+          <a:bodyPr lIns="0" tIns="0" rIns="0" bIns="0" anchor="ctr"/>
+          <a:lstStyle/>
+          <a:p>
+            <a:pPr>
+              <a:lnSpc>
+                <a:spcPct val="100000"/>
+              </a:lnSpc>
+            </a:pPr>
+            <a:r>
+              <a:rPr lang="cs-CZ" sz="3000" strike="noStrike">
+                <a:latin typeface="Arial"/>
+              </a:rPr>
+              <a:t>Vypuštění a umístění	</a:t>
+            </a:r>
+            <a:endParaRPr/>
+          </a:p>
+        </p:txBody>
+      </p:sp>
+      <p:sp>
+        <p:nvSpPr>
+          <p:cNvPr id="200" name="TextShape 2"/>
+          <p:cNvSpPr txBox="1"/>
+          <p:nvPr/>
+        </p:nvSpPr>
+        <p:spPr>
+          <a:xfrm>
+            <a:off x="504000" y="1800000"/>
+            <a:ext cx="9071640" cy="4384080"/>
+          </a:xfrm>
+          <a:prstGeom prst="rect">
+            <a:avLst/>
+          </a:prstGeom>
+          <a:noFill/>
+          <a:ln>
+            <a:noFill/>
+          </a:ln>
+        </p:spPr>
+        <p:txBody>
+          <a:bodyPr lIns="0" tIns="0" rIns="0" bIns="0"/>
+          <a:lstStyle/>
+          <a:p>
+            <a:pPr>
+              <a:lnSpc>
+                <a:spcPct val="100000"/>
+              </a:lnSpc>
+              <a:buSzPct val="45000"/>
+              <a:buFont typeface="StarSymbol"/>
+              <a:buChar char=""/>
+            </a:pPr>
+            <a:r>
+              <a:rPr lang="cs-CZ" sz="2600" strike="noStrike" dirty="0">
+                <a:latin typeface="Arial"/>
+                <a:ea typeface="WenQuanYi Zen Hei"/>
+              </a:rPr>
+              <a:t>vypuštění teleskopu je plánováno na říjen </a:t>
+            </a:r>
+            <a:r>
+              <a:rPr lang="cs-CZ" sz="2600" strike="noStrike" dirty="0" smtClean="0">
+                <a:latin typeface="Arial"/>
+                <a:ea typeface="WenQuanYi Zen Hei"/>
+              </a:rPr>
+              <a:t>2018</a:t>
+            </a:r>
+          </a:p>
+          <a:p>
+            <a:pPr>
+              <a:lnSpc>
+                <a:spcPct val="100000"/>
+              </a:lnSpc>
+              <a:buSzPct val="45000"/>
+            </a:pPr>
+            <a:r>
+              <a:rPr lang="cs-CZ" sz="2600" dirty="0" smtClean="0">
+                <a:latin typeface="Arial"/>
+              </a:rPr>
+              <a:t> (</a:t>
+            </a:r>
+            <a:r>
+              <a:rPr lang="cs-CZ" sz="2600" dirty="0" err="1" smtClean="0">
+                <a:latin typeface="Arial"/>
+              </a:rPr>
+              <a:t>Ariane</a:t>
+            </a:r>
+            <a:r>
+              <a:rPr lang="cs-CZ" sz="2600" dirty="0" smtClean="0">
+                <a:latin typeface="Arial"/>
+              </a:rPr>
+              <a:t> 5)</a:t>
+            </a:r>
+          </a:p>
+          <a:p>
+            <a:pPr>
+              <a:lnSpc>
+                <a:spcPct val="100000"/>
+              </a:lnSpc>
+              <a:buSzPct val="45000"/>
+            </a:pPr>
+            <a:endParaRPr dirty="0"/>
+          </a:p>
+          <a:p>
+            <a:pPr>
+              <a:lnSpc>
+                <a:spcPct val="100000"/>
+              </a:lnSpc>
+              <a:buSzPct val="45000"/>
+              <a:buFont typeface="StarSymbol"/>
+              <a:buChar char=""/>
+            </a:pPr>
+            <a:r>
+              <a:rPr lang="cs-CZ" sz="2600" strike="noStrike" dirty="0">
+                <a:latin typeface="Arial"/>
+                <a:ea typeface="WenQuanYi Zen Hei"/>
+              </a:rPr>
+              <a:t>umístěn v </a:t>
+            </a:r>
+            <a:r>
+              <a:rPr lang="cs-CZ" sz="2600" strike="noStrike" dirty="0" err="1">
+                <a:latin typeface="Arial"/>
+                <a:ea typeface="WenQuanYi Zen Hei"/>
+              </a:rPr>
+              <a:t>Lagrangeově</a:t>
+            </a:r>
+            <a:r>
+              <a:rPr lang="cs-CZ" sz="2600" strike="noStrike" dirty="0">
+                <a:latin typeface="Arial"/>
+                <a:ea typeface="WenQuanYi Zen Hei"/>
+              </a:rPr>
+              <a:t> bodě L2 cca 1,5 mil. km od </a:t>
+            </a:r>
+            <a:r>
+              <a:rPr lang="cs-CZ" sz="2600" strike="noStrike" dirty="0" smtClean="0">
+                <a:latin typeface="Arial"/>
+                <a:ea typeface="WenQuanYi Zen Hei"/>
+              </a:rPr>
+              <a:t>Země</a:t>
+            </a:r>
+          </a:p>
+          <a:p>
+            <a:pPr>
+              <a:lnSpc>
+                <a:spcPct val="100000"/>
+              </a:lnSpc>
+              <a:buSzPct val="45000"/>
+              <a:buFont typeface="StarSymbol"/>
+              <a:buChar char=""/>
+            </a:pPr>
+            <a:endParaRPr dirty="0"/>
+          </a:p>
+          <a:p>
+            <a:pPr>
+              <a:lnSpc>
+                <a:spcPct val="100000"/>
+              </a:lnSpc>
+              <a:buSzPct val="45000"/>
+              <a:buFont typeface="StarSymbol"/>
+              <a:buChar char=""/>
+            </a:pPr>
+            <a:r>
+              <a:rPr lang="cs-CZ" sz="2600" strike="noStrike" dirty="0">
+                <a:latin typeface="Arial"/>
+                <a:ea typeface="WenQuanYi Zen Hei"/>
+              </a:rPr>
+              <a:t>bude se pohybovat po eliptické dráze s poloměrem přibližně 800 000 km (0.5 roku)</a:t>
+            </a:r>
+            <a:endParaRPr dirty="0"/>
+          </a:p>
+        </p:txBody>
+      </p:sp>
+      <p:pic>
+        <p:nvPicPr>
+          <p:cNvPr id="201" name="Obrázek 3"/>
+          <p:cNvPicPr/>
+          <p:nvPr/>
+        </p:nvPicPr>
+        <p:blipFill>
+          <a:blip r:embed="rId2"/>
+          <a:stretch/>
+        </p:blipFill>
+        <p:spPr>
+          <a:xfrm>
+            <a:off x="5064249" y="4139877"/>
+            <a:ext cx="3613320" cy="2890440"/>
+          </a:xfrm>
+          <a:prstGeom prst="rect">
+            <a:avLst/>
+          </a:prstGeom>
+          <a:ln>
+            <a:noFill/>
+          </a:ln>
+        </p:spPr>
+      </p:pic>
+    </p:spTree>
+  </p:cSld>
+  <p:clrMapOvr>
+    <a:masterClrMapping/>
+  </p:clrMapOvr>
+  <p:timing>
+    <p:tnLst>
+      <p:par>
+        <p:cTn id="1" dur="indefinite" restart="never" nodeType="tmRoot">
+          <p:childTnLst>
+            <p:seq>
+              <p:cTn id="2" nodeType="mainSeq"/>
+              <p:prevCondLst>
+                <p:cond evt="onPrev" delay="0">
+                  <p:tgtEl>
+                    <p:sldTgt/>
+                  </p:tgtEl>
+                </p:cond>
+              </p:prevCondLst>
+              <p:nextCondLst>
+                <p:cond evt="onNext" delay="0">
+                  <p:tgtEl>
+                    <p:sldTgt/>
+                  </p:tgtEl>
+                </p:cond>
+              </p:nextCondLst>
+            </p:seq>
+          </p:childTnLst>
+        </p:cTn>
+      </p:par>
+    </p:tnLst>
+  </p:timing>
+</p:sld>
+</file>
+
+<file path=ppt/slides/slide22.xml><?xml version="1.0" encoding="utf-8"?>
+<p:sld xmlns:a="http://schemas.openxmlformats.org/drawingml/2006/main" xmlns:r="http://schemas.openxmlformats.org/officeDocument/2006/relationships" xmlns:p="http://schemas.openxmlformats.org/presentationml/2006/main">
+  <p:cSld>
+    <p:spTree>
+      <p:nvGrpSpPr>
+        <p:cNvPr id="1" name=""/>
+        <p:cNvGrpSpPr/>
+        <p:nvPr/>
+      </p:nvGrpSpPr>
+      <p:grpSpPr>
+        <a:xfrm>
+          <a:off x="0" y="0"/>
+          <a:ext cx="0" cy="0"/>
+          <a:chOff x="0" y="0"/>
+          <a:chExt cx="0" cy="0"/>
+        </a:xfrm>
+      </p:grpSpPr>
+      <p:sp>
+        <p:nvSpPr>
+          <p:cNvPr id="199" name="TextShape 1"/>
+          <p:cNvSpPr txBox="1"/>
+          <p:nvPr/>
+        </p:nvSpPr>
+        <p:spPr>
+          <a:xfrm>
             <a:off x="503808" y="576000"/>
             <a:ext cx="7199640" cy="719640"/>
           </a:xfrm>
@@ -9680,7 +10153,7 @@
 </p:sld>
 </file>
 
-<file path=ppt/slides/slide22.xml><?xml version="1.0" encoding="utf-8"?>
+<file path=ppt/slides/slide23.xml><?xml version="1.0" encoding="utf-8"?>
 <p:sld xmlns:a="http://schemas.openxmlformats.org/drawingml/2006/main" xmlns:r="http://schemas.openxmlformats.org/officeDocument/2006/relationships" xmlns:p="http://schemas.openxmlformats.org/presentationml/2006/main">
   <p:cSld>
     <p:spTree>
@@ -12025,4 +12498,289 @@
   <a:objectDefaults/>
   <a:extraClrSchemeLst/>
 </a:theme>
+</file>
+
+<file path=ppt/theme/theme5.xml><?xml version="1.0" encoding="utf-8"?>
+<a:theme xmlns:a="http://schemas.openxmlformats.org/drawingml/2006/main" name="Motiv systému Office">
+  <a:themeElements>
+    <a:clrScheme name="Kancelář">
+      <a:dk1>
+        <a:sysClr val="windowText" lastClr="000000"/>
+      </a:dk1>
+      <a:lt1>
+        <a:sysClr val="window" lastClr="FFFFFF"/>
+      </a:lt1>
+      <a:dk2>
+        <a:srgbClr val="1F497D"/>
+      </a:dk2>
+      <a:lt2>
+        <a:srgbClr val="EEECE1"/>
+      </a:lt2>
+      <a:accent1>
+        <a:srgbClr val="4F81BD"/>
+      </a:accent1>
+      <a:accent2>
+        <a:srgbClr val="C0504D"/>
+      </a:accent2>
+      <a:accent3>
+        <a:srgbClr val="9BBB59"/>
+      </a:accent3>
+      <a:accent4>
+        <a:srgbClr val="8064A2"/>
+      </a:accent4>
+      <a:accent5>
+        <a:srgbClr val="4BACC6"/>
+      </a:accent5>
+      <a:accent6>
+        <a:srgbClr val="F79646"/>
+      </a:accent6>
+      <a:hlink>
+        <a:srgbClr val="0000FF"/>
+      </a:hlink>
+      <a:folHlink>
+        <a:srgbClr val="800080"/>
+      </a:folHlink>
+    </a:clrScheme>
+    <a:fontScheme name="Kancelář">
+      <a:majorFont>
+        <a:latin typeface="Calibri"/>
+        <a:ea typeface=""/>
+        <a:cs typeface=""/>
+        <a:font script="Jpan" typeface="ＭＳ Ｐゴシック"/>
+        <a:font script="Hang" typeface="맑은 고딕"/>
+        <a:font script="Hans" typeface="宋体"/>
+        <a:font script="Hant" typeface="新細明體"/>
+        <a:font script="Arab" typeface="Times New Roman"/>
+        <a:font script="Hebr" typeface="Times New Roman"/>
+        <a:font script="Thai" typeface="Angsana New"/>
+        <a:font script="Ethi" typeface="Nyala"/>
+        <a:font script="Beng" typeface="Vrinda"/>
+        <a:font script="Gujr" typeface="Shruti"/>
+        <a:font script="Khmr" typeface="MoolBoran"/>
+        <a:font script="Knda" typeface="Tunga"/>
+        <a:font script="Guru" typeface="Raavi"/>
+        <a:font script="Cans" typeface="Euphemia"/>
+        <a:font script="Cher" typeface="Plantagenet Cherokee"/>
+        <a:font script="Yiii" typeface="Microsoft Yi Baiti"/>
+        <a:font script="Tibt" typeface="Microsoft Himalaya"/>
+        <a:font script="Thaa" typeface="MV Boli"/>
+        <a:font script="Deva" typeface="Mangal"/>
+        <a:font script="Telu" typeface="Gautami"/>
+        <a:font script="Taml" typeface="Latha"/>
+        <a:font script="Syrc" typeface="Estrangelo Edessa"/>
+        <a:font script="Orya" typeface="Kalinga"/>
+        <a:font script="Mlym" typeface="Kartika"/>
+        <a:font script="Laoo" typeface="DokChampa"/>
+        <a:font script="Sinh" typeface="Iskoola Pota"/>
+        <a:font script="Mong" typeface="Mongolian Baiti"/>
+        <a:font script="Viet" typeface="Times New Roman"/>
+        <a:font script="Uigh" typeface="Microsoft Uighur"/>
+        <a:font script="Geor" typeface="Sylfaen"/>
+      </a:majorFont>
+      <a:minorFont>
+        <a:latin typeface="Calibri"/>
+        <a:ea typeface=""/>
+        <a:cs typeface=""/>
+        <a:font script="Jpan" typeface="ＭＳ Ｐゴシック"/>
+        <a:font script="Hang" typeface="맑은 고딕"/>
+        <a:font script="Hans" typeface="宋体"/>
+        <a:font script="Hant" typeface="新細明體"/>
+        <a:font script="Arab" typeface="Arial"/>
+        <a:font script="Hebr" typeface="Arial"/>
+        <a:font script="Thai" typeface="Cordia New"/>
+        <a:font script="Ethi" typeface="Nyala"/>
+        <a:font script="Beng" typeface="Vrinda"/>
+        <a:font script="Gujr" typeface="Shruti"/>
+        <a:font script="Khmr" typeface="DaunPenh"/>
+        <a:font script="Knda" typeface="Tunga"/>
+        <a:font script="Guru" typeface="Raavi"/>
+        <a:font script="Cans" typeface="Euphemia"/>
+        <a:font script="Cher" typeface="Plantagenet Cherokee"/>
+        <a:font script="Yiii" typeface="Microsoft Yi Baiti"/>
+        <a:font script="Tibt" typeface="Microsoft Himalaya"/>
+        <a:font script="Thaa" typeface="MV Boli"/>
+        <a:font script="Deva" typeface="Mangal"/>
+        <a:font script="Telu" typeface="Gautami"/>
+        <a:font script="Taml" typeface="Latha"/>
+        <a:font script="Syrc" typeface="Estrangelo Edessa"/>
+        <a:font script="Orya" typeface="Kalinga"/>
+        <a:font script="Mlym" typeface="Kartika"/>
+        <a:font script="Laoo" typeface="DokChampa"/>
+        <a:font script="Sinh" typeface="Iskoola Pota"/>
+        <a:font script="Mong" typeface="Mongolian Baiti"/>
+        <a:font script="Viet" typeface="Arial"/>
+        <a:font script="Uigh" typeface="Microsoft Uighur"/>
+        <a:font script="Geor" typeface="Sylfaen"/>
+      </a:minorFont>
+    </a:fontScheme>
+    <a:fmtScheme name="Kancelář">
+      <a:fillStyleLst>
+        <a:solidFill>
+          <a:schemeClr val="phClr"/>
+        </a:solidFill>
+        <a:gradFill rotWithShape="1">
+          <a:gsLst>
+            <a:gs pos="0">
+              <a:schemeClr val="phClr">
+                <a:tint val="50000"/>
+                <a:satMod val="300000"/>
+              </a:schemeClr>
+            </a:gs>
+            <a:gs pos="35000">
+              <a:schemeClr val="phClr">
+                <a:tint val="37000"/>
+                <a:satMod val="300000"/>
+              </a:schemeClr>
+            </a:gs>
+            <a:gs pos="100000">
+              <a:schemeClr val="phClr">
+                <a:tint val="15000"/>
+                <a:satMod val="350000"/>
+              </a:schemeClr>
+            </a:gs>
+          </a:gsLst>
+          <a:lin ang="16200000" scaled="1"/>
+        </a:gradFill>
+        <a:gradFill rotWithShape="1">
+          <a:gsLst>
+            <a:gs pos="0">
+              <a:schemeClr val="phClr">
+                <a:shade val="51000"/>
+                <a:satMod val="130000"/>
+              </a:schemeClr>
+            </a:gs>
+            <a:gs pos="80000">
+              <a:schemeClr val="phClr">
+                <a:shade val="93000"/>
+                <a:satMod val="130000"/>
+              </a:schemeClr>
+            </a:gs>
+            <a:gs pos="100000">
+              <a:schemeClr val="phClr">
+                <a:shade val="94000"/>
+                <a:satMod val="135000"/>
+              </a:schemeClr>
+            </a:gs>
+          </a:gsLst>
+          <a:lin ang="16200000" scaled="0"/>
+        </a:gradFill>
+      </a:fillStyleLst>
+      <a:lnStyleLst>
+        <a:ln w="9525" cap="flat" cmpd="sng" algn="ctr">
+          <a:solidFill>
+            <a:schemeClr val="phClr">
+              <a:shade val="95000"/>
+              <a:satMod val="105000"/>
+            </a:schemeClr>
+          </a:solidFill>
+          <a:prstDash val="solid"/>
+        </a:ln>
+        <a:ln w="25400" cap="flat" cmpd="sng" algn="ctr">
+          <a:solidFill>
+            <a:schemeClr val="phClr"/>
+          </a:solidFill>
+          <a:prstDash val="solid"/>
+        </a:ln>
+        <a:ln w="38100" cap="flat" cmpd="sng" algn="ctr">
+          <a:solidFill>
+            <a:schemeClr val="phClr"/>
+          </a:solidFill>
+          <a:prstDash val="solid"/>
+        </a:ln>
+      </a:lnStyleLst>
+      <a:effectStyleLst>
+        <a:effectStyle>
+          <a:effectLst>
+            <a:outerShdw blurRad="40000" dist="20000" dir="5400000" rotWithShape="0">
+              <a:srgbClr val="000000">
+                <a:alpha val="38000"/>
+              </a:srgbClr>
+            </a:outerShdw>
+          </a:effectLst>
+        </a:effectStyle>
+        <a:effectStyle>
+          <a:effectLst>
+            <a:outerShdw blurRad="40000" dist="23000" dir="5400000" rotWithShape="0">
+              <a:srgbClr val="000000">
+                <a:alpha val="35000"/>
+              </a:srgbClr>
+            </a:outerShdw>
+          </a:effectLst>
+        </a:effectStyle>
+        <a:effectStyle>
+          <a:effectLst>
+            <a:outerShdw blurRad="40000" dist="23000" dir="5400000" rotWithShape="0">
+              <a:srgbClr val="000000">
+                <a:alpha val="35000"/>
+              </a:srgbClr>
+            </a:outerShdw>
+          </a:effectLst>
+          <a:scene3d>
+            <a:camera prst="orthographicFront">
+              <a:rot lat="0" lon="0" rev="0"/>
+            </a:camera>
+            <a:lightRig rig="threePt" dir="t">
+              <a:rot lat="0" lon="0" rev="1200000"/>
+            </a:lightRig>
+          </a:scene3d>
+          <a:sp3d>
+            <a:bevelT w="63500" h="25400"/>
+          </a:sp3d>
+        </a:effectStyle>
+      </a:effectStyleLst>
+      <a:bgFillStyleLst>
+        <a:solidFill>
+          <a:schemeClr val="phClr"/>
+        </a:solidFill>
+        <a:gradFill rotWithShape="1">
+          <a:gsLst>
+            <a:gs pos="0">
+              <a:schemeClr val="phClr">
+                <a:tint val="40000"/>
+                <a:satMod val="350000"/>
+              </a:schemeClr>
+            </a:gs>
+            <a:gs pos="40000">
+              <a:schemeClr val="phClr">
+                <a:tint val="45000"/>
+                <a:shade val="99000"/>
+                <a:satMod val="350000"/>
+              </a:schemeClr>
+            </a:gs>
+            <a:gs pos="100000">
+              <a:schemeClr val="phClr">
+                <a:shade val="20000"/>
+                <a:satMod val="255000"/>
+              </a:schemeClr>
+            </a:gs>
+          </a:gsLst>
+          <a:path path="circle">
+            <a:fillToRect l="50000" t="-80000" r="50000" b="180000"/>
+          </a:path>
+        </a:gradFill>
+        <a:gradFill rotWithShape="1">
+          <a:gsLst>
+            <a:gs pos="0">
+              <a:schemeClr val="phClr">
+                <a:tint val="80000"/>
+                <a:satMod val="300000"/>
+              </a:schemeClr>
+            </a:gs>
+            <a:gs pos="100000">
+              <a:schemeClr val="phClr">
+                <a:shade val="30000"/>
+                <a:satMod val="200000"/>
+              </a:schemeClr>
+            </a:gs>
+          </a:gsLst>
+          <a:path path="circle">
+            <a:fillToRect l="50000" t="50000" r="50000" b="50000"/>
+          </a:path>
+        </a:gradFill>
+      </a:bgFillStyleLst>
+    </a:fmtScheme>
+  </a:themeElements>
+  <a:objectDefaults/>
+  <a:extraClrSchemeLst/>
+</a:theme>
 </file>